--- a/fundamentals/2-State, Data types.pptx
+++ b/fundamentals/2-State, Data types.pptx
@@ -5,7 +5,7 @@
     <p:sldMasterId id="2147483954" r:id="rId1"/>
   </p:sldMasterIdLst>
   <p:notesMasterIdLst>
-    <p:notesMasterId r:id="rId18"/>
+    <p:notesMasterId r:id="rId19"/>
   </p:notesMasterIdLst>
   <p:sldIdLst>
     <p:sldId id="273" r:id="rId2"/>
@@ -24,6 +24,7 @@
     <p:sldId id="267" r:id="rId15"/>
     <p:sldId id="283" r:id="rId16"/>
     <p:sldId id="270" r:id="rId17"/>
+    <p:sldId id="280" r:id="rId18"/>
   </p:sldIdLst>
   <p:sldSz cx="12192000" cy="6858000"/>
   <p:notesSz cx="6858000" cy="9144000"/>
@@ -5493,6 +5494,168 @@
     <p:extLst>
       <p:ext uri="{BB962C8B-B14F-4D97-AF65-F5344CB8AC3E}">
         <p14:creationId xmlns:p14="http://schemas.microsoft.com/office/powerpoint/2010/main" val="3547435381"/>
+      </p:ext>
+    </p:extLst>
+  </p:cSld>
+  <p:clrMapOvr>
+    <a:masterClrMapping/>
+  </p:clrMapOvr>
+</p:sld>
+</file>
+
+<file path=ppt/slides/slide17.xml><?xml version="1.0" encoding="utf-8"?>
+<p:sld xmlns:a="http://schemas.openxmlformats.org/drawingml/2006/main" xmlns:r="http://schemas.openxmlformats.org/officeDocument/2006/relationships" xmlns:p="http://schemas.openxmlformats.org/presentationml/2006/main">
+  <p:cSld>
+    <p:spTree>
+      <p:nvGrpSpPr>
+        <p:cNvPr id="1" name=""/>
+        <p:cNvGrpSpPr/>
+        <p:nvPr/>
+      </p:nvGrpSpPr>
+      <p:grpSpPr>
+        <a:xfrm>
+          <a:off x="0" y="0"/>
+          <a:ext cx="0" cy="0"/>
+          <a:chOff x="0" y="0"/>
+          <a:chExt cx="0" cy="0"/>
+        </a:xfrm>
+      </p:grpSpPr>
+      <p:sp>
+        <p:nvSpPr>
+          <p:cNvPr id="2" name="Title 1">
+            <a:extLst>
+              <a:ext uri="{FF2B5EF4-FFF2-40B4-BE49-F238E27FC236}">
+                <a16:creationId xmlns:a16="http://schemas.microsoft.com/office/drawing/2014/main" id="{A0A9ADA6-4AC5-1B4C-8B4D-A660FDFE89F6}"/>
+              </a:ext>
+            </a:extLst>
+          </p:cNvPr>
+          <p:cNvSpPr>
+            <a:spLocks noGrp="1"/>
+          </p:cNvSpPr>
+          <p:nvPr>
+            <p:ph type="title"/>
+          </p:nvPr>
+        </p:nvSpPr>
+        <p:spPr>
+          <a:xfrm>
+            <a:off x="1175512" y="870132"/>
+            <a:ext cx="9792208" cy="1527078"/>
+          </a:xfrm>
+        </p:spPr>
+        <p:txBody>
+          <a:bodyPr>
+            <a:normAutofit/>
+          </a:bodyPr>
+          <a:lstStyle/>
+          <a:p>
+            <a:r>
+              <a:rPr lang="en-US" dirty="0"/>
+              <a:t>More …</a:t>
+            </a:r>
+          </a:p>
+        </p:txBody>
+      </p:sp>
+      <p:sp>
+        <p:nvSpPr>
+          <p:cNvPr id="3" name="Content Placeholder 2">
+            <a:extLst>
+              <a:ext uri="{FF2B5EF4-FFF2-40B4-BE49-F238E27FC236}">
+                <a16:creationId xmlns:a16="http://schemas.microsoft.com/office/drawing/2014/main" id="{1338A229-F889-2D44-93A4-E978CAE2312A}"/>
+              </a:ext>
+            </a:extLst>
+          </p:cNvPr>
+          <p:cNvSpPr>
+            <a:spLocks noGrp="1"/>
+          </p:cNvSpPr>
+          <p:nvPr>
+            <p:ph idx="1"/>
+          </p:nvPr>
+        </p:nvSpPr>
+        <p:spPr>
+          <a:xfrm>
+            <a:off x="1175512" y="2557849"/>
+            <a:ext cx="9792208" cy="3407862"/>
+          </a:xfrm>
+        </p:spPr>
+        <p:txBody>
+          <a:bodyPr>
+            <a:normAutofit fontScale="70000" lnSpcReduction="20000"/>
+          </a:bodyPr>
+          <a:lstStyle/>
+          <a:p>
+            <a:r>
+              <a:rPr lang="en-US" dirty="0"/>
+              <a:t>Use </a:t>
+            </a:r>
+            <a:r>
+              <a:rPr lang="en-US" b="1" dirty="0"/>
+              <a:t>bitwise operator(s)</a:t>
+            </a:r>
+            <a:r>
+              <a:rPr lang="en-US" dirty="0"/>
+              <a:t> to</a:t>
+            </a:r>
+          </a:p>
+          <a:p>
+            <a:r>
+              <a:rPr lang="en-US" dirty="0"/>
+              <a:t>Check if a number is even</a:t>
+            </a:r>
+          </a:p>
+          <a:p>
+            <a:r>
+              <a:rPr lang="en-US" dirty="0"/>
+              <a:t>Check if a number is odd</a:t>
+            </a:r>
+          </a:p>
+          <a:p>
+            <a:r>
+              <a:rPr lang="en-US" dirty="0"/>
+              <a:t>Check if a number is a power of 2</a:t>
+            </a:r>
+          </a:p>
+          <a:p>
+            <a:r>
+              <a:rPr lang="en-US" dirty="0"/>
+              <a:t>Check if a number can be represented by 1 byte</a:t>
+            </a:r>
+          </a:p>
+          <a:p>
+            <a:r>
+              <a:rPr lang="en-US" dirty="0"/>
+              <a:t>Check if a number can be represented by 2 bytes</a:t>
+            </a:r>
+          </a:p>
+          <a:p>
+            <a:r>
+              <a:rPr lang="en-US" dirty="0"/>
+              <a:t>Check if a number can be represented by 4 bytes</a:t>
+            </a:r>
+          </a:p>
+          <a:p>
+            <a:r>
+              <a:rPr lang="en-US" dirty="0"/>
+              <a:t>Check if a number can be represented by 8 bytes</a:t>
+            </a:r>
+          </a:p>
+          <a:p>
+            <a:endParaRPr lang="en-US" dirty="0"/>
+          </a:p>
+          <a:p>
+            <a:r>
+              <a:rPr lang="en-US" i="1" dirty="0"/>
+              <a:t>Pen + Paper is fine but if you can REPLT it, then super !</a:t>
+            </a:r>
+          </a:p>
+          <a:p>
+            <a:endParaRPr lang="en-US" dirty="0"/>
+          </a:p>
+        </p:txBody>
+      </p:sp>
+    </p:spTree>
+    <p:extLst>
+      <p:ext uri="{BB962C8B-B14F-4D97-AF65-F5344CB8AC3E}">
+        <p14:creationId xmlns:p14="http://schemas.microsoft.com/office/powerpoint/2010/main" val="3327990682"/>
       </p:ext>
     </p:extLst>
   </p:cSld>

--- a/fundamentals/2-State, Data types.pptx
+++ b/fundamentals/2-State, Data types.pptx
@@ -5,7 +5,7 @@
     <p:sldMasterId id="2147483954" r:id="rId1"/>
   </p:sldMasterIdLst>
   <p:notesMasterIdLst>
-    <p:notesMasterId r:id="rId19"/>
+    <p:notesMasterId r:id="rId23"/>
   </p:notesMasterIdLst>
   <p:sldIdLst>
     <p:sldId id="273" r:id="rId2"/>
@@ -13,18 +13,22 @@
     <p:sldId id="264" r:id="rId4"/>
     <p:sldId id="276" r:id="rId5"/>
     <p:sldId id="277" r:id="rId6"/>
-    <p:sldId id="272" r:id="rId7"/>
-    <p:sldId id="275" r:id="rId8"/>
-    <p:sldId id="265" r:id="rId9"/>
-    <p:sldId id="284" r:id="rId10"/>
-    <p:sldId id="279" r:id="rId11"/>
-    <p:sldId id="281" r:id="rId12"/>
-    <p:sldId id="266" r:id="rId13"/>
-    <p:sldId id="282" r:id="rId14"/>
-    <p:sldId id="267" r:id="rId15"/>
-    <p:sldId id="283" r:id="rId16"/>
-    <p:sldId id="270" r:id="rId17"/>
-    <p:sldId id="280" r:id="rId18"/>
+    <p:sldId id="286" r:id="rId7"/>
+    <p:sldId id="285" r:id="rId8"/>
+    <p:sldId id="272" r:id="rId9"/>
+    <p:sldId id="275" r:id="rId10"/>
+    <p:sldId id="287" r:id="rId11"/>
+    <p:sldId id="265" r:id="rId12"/>
+    <p:sldId id="284" r:id="rId13"/>
+    <p:sldId id="279" r:id="rId14"/>
+    <p:sldId id="281" r:id="rId15"/>
+    <p:sldId id="288" r:id="rId16"/>
+    <p:sldId id="266" r:id="rId17"/>
+    <p:sldId id="282" r:id="rId18"/>
+    <p:sldId id="290" r:id="rId19"/>
+    <p:sldId id="267" r:id="rId20"/>
+    <p:sldId id="283" r:id="rId21"/>
+    <p:sldId id="270" r:id="rId22"/>
   </p:sldIdLst>
   <p:sldSz cx="12192000" cy="6858000"/>
   <p:notesSz cx="6858000" cy="9144000"/>
@@ -216,7 +220,7 @@
           <a:p>
             <a:fld id="{720C9186-47A3-C54A-A8AF-47B660C0099D}" type="datetimeFigureOut">
               <a:rPr lang="en-US" smtClean="0"/>
-              <a:t>6/16/20</a:t>
+              <a:t>7/5/20</a:t>
             </a:fld>
             <a:endParaRPr lang="en-US"/>
           </a:p>
@@ -717,7 +721,7 @@
           <a:p>
             <a:fld id="{4AAD347D-5ACD-4C99-B74B-A9C85AD731AF}" type="datetimeFigureOut">
               <a:rPr lang="en-US" smtClean="0"/>
-              <a:t>6/16/20</a:t>
+              <a:t>7/5/20</a:t>
             </a:fld>
             <a:endParaRPr lang="en-US" dirty="0"/>
           </a:p>
@@ -917,7 +921,7 @@
           <a:p>
             <a:fld id="{4AAD347D-5ACD-4C99-B74B-A9C85AD731AF}" type="datetimeFigureOut">
               <a:rPr lang="en-US" smtClean="0"/>
-              <a:t>6/16/20</a:t>
+              <a:t>7/5/20</a:t>
             </a:fld>
             <a:endParaRPr lang="en-US" dirty="0"/>
           </a:p>
@@ -1128,7 +1132,7 @@
           <a:p>
             <a:fld id="{4AAD347D-5ACD-4C99-B74B-A9C85AD731AF}" type="datetimeFigureOut">
               <a:rPr lang="en-US" smtClean="0"/>
-              <a:t>6/16/20</a:t>
+              <a:t>7/5/20</a:t>
             </a:fld>
             <a:endParaRPr lang="en-US" dirty="0"/>
           </a:p>
@@ -1329,7 +1333,7 @@
           <a:p>
             <a:fld id="{4AAD347D-5ACD-4C99-B74B-A9C85AD731AF}" type="datetimeFigureOut">
               <a:rPr lang="en-US" smtClean="0"/>
-              <a:t>6/16/20</a:t>
+              <a:t>7/5/20</a:t>
             </a:fld>
             <a:endParaRPr lang="en-US" dirty="0"/>
           </a:p>
@@ -1606,7 +1610,7 @@
           <a:p>
             <a:fld id="{9796027F-7875-4030-9381-8BD8C4F21935}" type="datetimeFigureOut">
               <a:rPr lang="en-US" smtClean="0"/>
-              <a:t>6/16/20</a:t>
+              <a:t>7/5/20</a:t>
             </a:fld>
             <a:endParaRPr lang="en-US" dirty="0"/>
           </a:p>
@@ -1874,7 +1878,7 @@
           <a:p>
             <a:fld id="{4AAD347D-5ACD-4C99-B74B-A9C85AD731AF}" type="datetimeFigureOut">
               <a:rPr lang="en-US" smtClean="0"/>
-              <a:t>6/16/20</a:t>
+              <a:t>7/5/20</a:t>
             </a:fld>
             <a:endParaRPr lang="en-US" dirty="0"/>
           </a:p>
@@ -2295,7 +2299,7 @@
           <a:p>
             <a:fld id="{4AAD347D-5ACD-4C99-B74B-A9C85AD731AF}" type="datetimeFigureOut">
               <a:rPr lang="en-US" smtClean="0"/>
-              <a:t>6/16/20</a:t>
+              <a:t>7/5/20</a:t>
             </a:fld>
             <a:endParaRPr lang="en-US" dirty="0"/>
           </a:p>
@@ -2438,7 +2442,7 @@
           <a:p>
             <a:fld id="{4509A250-FF31-4206-8172-F9D3106AACB1}" type="datetimeFigureOut">
               <a:rPr lang="en-US" smtClean="0"/>
-              <a:t>6/16/20</a:t>
+              <a:t>7/5/20</a:t>
             </a:fld>
             <a:endParaRPr lang="en-US" dirty="0"/>
           </a:p>
@@ -2551,7 +2555,7 @@
           <a:p>
             <a:fld id="{4509A250-FF31-4206-8172-F9D3106AACB1}" type="datetimeFigureOut">
               <a:rPr lang="en-US" smtClean="0"/>
-              <a:t>6/16/20</a:t>
+              <a:t>7/5/20</a:t>
             </a:fld>
             <a:endParaRPr lang="en-US" dirty="0"/>
           </a:p>
@@ -2864,7 +2868,7 @@
           <a:p>
             <a:fld id="{4AAD347D-5ACD-4C99-B74B-A9C85AD731AF}" type="datetimeFigureOut">
               <a:rPr lang="en-US" smtClean="0"/>
-              <a:t>6/16/20</a:t>
+              <a:t>7/5/20</a:t>
             </a:fld>
             <a:endParaRPr lang="en-US" dirty="0"/>
           </a:p>
@@ -3163,7 +3167,7 @@
           <a:p>
             <a:fld id="{4509A250-FF31-4206-8172-F9D3106AACB1}" type="datetimeFigureOut">
               <a:rPr lang="en-US" smtClean="0"/>
-              <a:t>6/16/20</a:t>
+              <a:t>7/5/20</a:t>
             </a:fld>
             <a:endParaRPr lang="en-US" dirty="0"/>
           </a:p>
@@ -3409,7 +3413,7 @@
           <a:p>
             <a:fld id="{4AAD347D-5ACD-4C99-B74B-A9C85AD731AF}" type="datetimeFigureOut">
               <a:rPr lang="en-US" smtClean="0"/>
-              <a:t>6/16/20</a:t>
+              <a:t>7/5/20</a:t>
             </a:fld>
             <a:endParaRPr lang="en-US" dirty="0"/>
           </a:p>
@@ -3965,10 +3969,10 @@
       </p:grpSpPr>
       <p:sp>
         <p:nvSpPr>
-          <p:cNvPr id="2" name="Title 1">
-            <a:extLst>
-              <a:ext uri="{FF2B5EF4-FFF2-40B4-BE49-F238E27FC236}">
-                <a16:creationId xmlns:a16="http://schemas.microsoft.com/office/drawing/2014/main" id="{B6E74C9E-4C0A-3349-BE29-76850C41815B}"/>
+          <p:cNvPr id="7" name="Title 1">
+            <a:extLst>
+              <a:ext uri="{FF2B5EF4-FFF2-40B4-BE49-F238E27FC236}">
+                <a16:creationId xmlns:a16="http://schemas.microsoft.com/office/drawing/2014/main" id="{15211E08-8CF7-0F48-9FA7-F9196E21549C}"/>
               </a:ext>
             </a:extLst>
           </p:cNvPr>
@@ -3978,217 +3982,280 @@
           <p:nvPr>
             <p:ph type="title"/>
           </p:nvPr>
-        </p:nvSpPr>
-        <p:spPr/>
-        <p:txBody>
-          <a:bodyPr/>
-          <a:lstStyle/>
-          <a:p>
-            <a:r>
-              <a:rPr lang="en-US" dirty="0"/>
-              <a:t>What can you do with an </a:t>
-            </a:r>
-            <a:r>
-              <a:rPr lang="en-US" b="1" dirty="0"/>
-              <a:t>int</a:t>
-            </a:r>
-            <a:endParaRPr lang="en-US" dirty="0"/>
-          </a:p>
-        </p:txBody>
-      </p:sp>
-      <p:sp>
-        <p:nvSpPr>
-          <p:cNvPr id="3" name="Content Placeholder 2">
-            <a:extLst>
-              <a:ext uri="{FF2B5EF4-FFF2-40B4-BE49-F238E27FC236}">
-                <a16:creationId xmlns:a16="http://schemas.microsoft.com/office/drawing/2014/main" id="{AF8AE1B0-7AFD-0741-990A-52D2C2777F11}"/>
-              </a:ext>
-            </a:extLst>
-          </p:cNvPr>
-          <p:cNvSpPr>
-            <a:spLocks noGrp="1"/>
-          </p:cNvSpPr>
-          <p:nvPr>
-            <p:ph sz="half" idx="1"/>
-          </p:nvPr>
-        </p:nvSpPr>
-        <p:spPr/>
-        <p:txBody>
-          <a:bodyPr/>
-          <a:lstStyle/>
-          <a:p>
-            <a:r>
-              <a:rPr lang="en-US" dirty="0"/>
-              <a:t>Addition</a:t>
-            </a:r>
-          </a:p>
-          <a:p>
-            <a:r>
-              <a:rPr lang="en-US" dirty="0"/>
-              <a:t>Subtraction</a:t>
-            </a:r>
-          </a:p>
-          <a:p>
-            <a:r>
-              <a:rPr lang="en-US" dirty="0"/>
-              <a:t>Multiplication</a:t>
-            </a:r>
-          </a:p>
-          <a:p>
-            <a:r>
-              <a:rPr lang="en-US" dirty="0"/>
-              <a:t>Division</a:t>
-            </a:r>
-          </a:p>
-          <a:p>
-            <a:r>
-              <a:rPr lang="en-US" dirty="0"/>
-              <a:t>Floor division</a:t>
-            </a:r>
-          </a:p>
-          <a:p>
-            <a:r>
-              <a:rPr lang="en-US" dirty="0"/>
-              <a:t>Modulus</a:t>
-            </a:r>
-          </a:p>
-          <a:p>
-            <a:r>
-              <a:rPr lang="en-US" dirty="0"/>
-              <a:t>Exponent</a:t>
-            </a:r>
-          </a:p>
-        </p:txBody>
-      </p:sp>
-      <p:sp>
-        <p:nvSpPr>
-          <p:cNvPr id="4" name="Content Placeholder 3">
-            <a:extLst>
-              <a:ext uri="{FF2B5EF4-FFF2-40B4-BE49-F238E27FC236}">
-                <a16:creationId xmlns:a16="http://schemas.microsoft.com/office/drawing/2014/main" id="{3E1EB8FD-8800-8B45-92FD-EA86DFE4428E}"/>
-              </a:ext>
-            </a:extLst>
-          </p:cNvPr>
-          <p:cNvSpPr>
-            <a:spLocks noGrp="1"/>
-          </p:cNvSpPr>
-          <p:nvPr>
-            <p:ph sz="half" idx="2"/>
-          </p:nvPr>
-        </p:nvSpPr>
-        <p:spPr/>
-        <p:txBody>
-          <a:bodyPr/>
-          <a:lstStyle/>
-          <a:p>
-            <a:r>
-              <a:rPr lang="en-US" dirty="0"/>
-              <a:t>a + b</a:t>
-            </a:r>
-          </a:p>
-          <a:p>
-            <a:r>
-              <a:rPr lang="en-US" dirty="0"/>
-              <a:t>a – b</a:t>
-            </a:r>
-          </a:p>
-          <a:p>
-            <a:r>
-              <a:rPr lang="en-US" dirty="0"/>
-              <a:t>a * b</a:t>
-            </a:r>
-          </a:p>
-          <a:p>
-            <a:r>
-              <a:rPr lang="en-US" dirty="0"/>
-              <a:t>a / b</a:t>
-            </a:r>
-          </a:p>
-          <a:p>
-            <a:r>
-              <a:rPr lang="en-US" dirty="0"/>
-              <a:t>a // b</a:t>
-            </a:r>
-          </a:p>
-          <a:p>
-            <a:r>
-              <a:rPr lang="en-US" dirty="0"/>
-              <a:t>a % b</a:t>
-            </a:r>
-          </a:p>
-          <a:p>
-            <a:r>
-              <a:rPr lang="en-US" dirty="0"/>
-              <a:t>a ** b</a:t>
-            </a:r>
-          </a:p>
-        </p:txBody>
-      </p:sp>
-      <p:sp>
-        <p:nvSpPr>
-          <p:cNvPr id="5" name="TextBox 4">
-            <a:extLst>
-              <a:ext uri="{FF2B5EF4-FFF2-40B4-BE49-F238E27FC236}">
-                <a16:creationId xmlns:a16="http://schemas.microsoft.com/office/drawing/2014/main" id="{A63969E3-C2F6-A94A-AEB3-E4B978BB96C6}"/>
-              </a:ext>
-            </a:extLst>
-          </p:cNvPr>
-          <p:cNvSpPr txBox="1"/>
-          <p:nvPr/>
         </p:nvSpPr>
         <p:spPr>
           <a:xfrm>
-            <a:off x="1872343" y="5992297"/>
-            <a:ext cx="4223657" cy="369332"/>
+            <a:off x="1175512" y="870132"/>
+            <a:ext cx="9792208" cy="1527078"/>
+          </a:xfrm>
+        </p:spPr>
+        <p:txBody>
+          <a:bodyPr>
+            <a:normAutofit/>
+          </a:bodyPr>
+          <a:lstStyle/>
+          <a:p>
+            <a:pPr algn="ctr"/>
+            <a:r>
+              <a:rPr lang="en-US" dirty="0">
+                <a:solidFill>
+                  <a:schemeClr val="tx2">
+                    <a:lumMod val="75000"/>
+                  </a:schemeClr>
+                </a:solidFill>
+              </a:rPr>
+              <a:t>int</a:t>
+            </a:r>
+            <a:endParaRPr lang="en-US" dirty="0"/>
+          </a:p>
+        </p:txBody>
+      </p:sp>
+      <p:sp>
+        <p:nvSpPr>
+          <p:cNvPr id="8" name="Content Placeholder 2">
+            <a:extLst>
+              <a:ext uri="{FF2B5EF4-FFF2-40B4-BE49-F238E27FC236}">
+                <a16:creationId xmlns:a16="http://schemas.microsoft.com/office/drawing/2014/main" id="{B791251F-D68C-684B-A890-294087488534}"/>
+              </a:ext>
+            </a:extLst>
+          </p:cNvPr>
+          <p:cNvSpPr txBox="1">
+            <a:spLocks/>
+          </p:cNvSpPr>
+          <p:nvPr/>
+        </p:nvSpPr>
+        <p:spPr>
+          <a:xfrm>
+            <a:off x="1175512" y="3348959"/>
+            <a:ext cx="9792208" cy="3407862"/>
           </a:xfrm>
           <a:prstGeom prst="rect">
             <a:avLst/>
           </a:prstGeom>
-          <a:noFill/>
         </p:spPr>
         <p:txBody>
-          <a:bodyPr wrap="none" rtlCol="0">
-            <a:spAutoFit/>
+          <a:bodyPr vert="horz" lIns="91440" tIns="45720" rIns="91440" bIns="45720" rtlCol="0" anchor="b">
+            <a:normAutofit lnSpcReduction="10000"/>
           </a:bodyPr>
-          <a:lstStyle/>
-          <a:p>
-            <a:r>
-              <a:rPr lang="en-US" dirty="0">
-                <a:solidFill>
-                  <a:schemeClr val="tx2">
-                    <a:lumMod val="75000"/>
-                  </a:schemeClr>
-                </a:solidFill>
-              </a:rPr>
-              <a:t># All these are called </a:t>
-            </a:r>
-            <a:r>
-              <a:rPr lang="en-US" b="1" dirty="0">
-                <a:solidFill>
-                  <a:schemeClr val="tx2">
-                    <a:lumMod val="75000"/>
-                  </a:schemeClr>
-                </a:solidFill>
-              </a:rPr>
-              <a:t>arithmetic </a:t>
-            </a:r>
-            <a:r>
-              <a:rPr lang="en-US" dirty="0">
-                <a:solidFill>
-                  <a:schemeClr val="tx2">
-                    <a:lumMod val="75000"/>
-                  </a:schemeClr>
-                </a:solidFill>
-              </a:rPr>
-              <a:t>operations</a:t>
-            </a:r>
+          <a:lstStyle>
+            <a:lvl1pPr marL="0" indent="0" algn="l" defTabSz="914400" rtl="0" eaLnBrk="1" latinLnBrk="0" hangingPunct="1">
+              <a:lnSpc>
+                <a:spcPct val="90000"/>
+              </a:lnSpc>
+              <a:spcBef>
+                <a:spcPts val="1000"/>
+              </a:spcBef>
+              <a:buFont typeface="Arial" panose="020B0604020202020204" pitchFamily="34" charset="0"/>
+              <a:buNone/>
+              <a:defRPr sz="2400" b="1" kern="1200">
+                <a:solidFill>
+                  <a:schemeClr val="tx2">
+                    <a:lumMod val="75000"/>
+                  </a:schemeClr>
+                </a:solidFill>
+                <a:latin typeface="+mn-lt"/>
+                <a:ea typeface="+mn-ea"/>
+                <a:cs typeface="+mn-cs"/>
+              </a:defRPr>
+            </a:lvl1pPr>
+            <a:lvl2pPr marL="457200" indent="0" algn="l" defTabSz="914400" rtl="0" eaLnBrk="1" latinLnBrk="0" hangingPunct="1">
+              <a:lnSpc>
+                <a:spcPct val="90000"/>
+              </a:lnSpc>
+              <a:spcBef>
+                <a:spcPts val="500"/>
+              </a:spcBef>
+              <a:buFont typeface="Arial" panose="020B0604020202020204" pitchFamily="34" charset="0"/>
+              <a:buNone/>
+              <a:defRPr sz="2000" b="1" kern="1200">
+                <a:solidFill>
+                  <a:schemeClr val="tx2">
+                    <a:lumMod val="75000"/>
+                  </a:schemeClr>
+                </a:solidFill>
+                <a:latin typeface="+mn-lt"/>
+                <a:ea typeface="+mn-ea"/>
+                <a:cs typeface="+mn-cs"/>
+              </a:defRPr>
+            </a:lvl2pPr>
+            <a:lvl3pPr marL="914400" indent="0" algn="l" defTabSz="914400" rtl="0" eaLnBrk="1" latinLnBrk="0" hangingPunct="1">
+              <a:lnSpc>
+                <a:spcPct val="90000"/>
+              </a:lnSpc>
+              <a:spcBef>
+                <a:spcPts val="500"/>
+              </a:spcBef>
+              <a:buFont typeface="Arial" panose="020B0604020202020204" pitchFamily="34" charset="0"/>
+              <a:buNone/>
+              <a:defRPr sz="1800" b="1" kern="1200">
+                <a:solidFill>
+                  <a:schemeClr val="tx2">
+                    <a:lumMod val="75000"/>
+                  </a:schemeClr>
+                </a:solidFill>
+                <a:latin typeface="+mn-lt"/>
+                <a:ea typeface="+mn-ea"/>
+                <a:cs typeface="+mn-cs"/>
+              </a:defRPr>
+            </a:lvl3pPr>
+            <a:lvl4pPr marL="1371600" indent="0" algn="l" defTabSz="914400" rtl="0" eaLnBrk="1" latinLnBrk="0" hangingPunct="1">
+              <a:lnSpc>
+                <a:spcPct val="90000"/>
+              </a:lnSpc>
+              <a:spcBef>
+                <a:spcPts val="500"/>
+              </a:spcBef>
+              <a:buFont typeface="Arial" panose="020B0604020202020204" pitchFamily="34" charset="0"/>
+              <a:buNone/>
+              <a:defRPr sz="1600" b="1" kern="1200">
+                <a:solidFill>
+                  <a:schemeClr val="tx2">
+                    <a:lumMod val="75000"/>
+                  </a:schemeClr>
+                </a:solidFill>
+                <a:latin typeface="+mn-lt"/>
+                <a:ea typeface="+mn-ea"/>
+                <a:cs typeface="+mn-cs"/>
+              </a:defRPr>
+            </a:lvl4pPr>
+            <a:lvl5pPr marL="1828800" indent="0" algn="l" defTabSz="914400" rtl="0" eaLnBrk="1" latinLnBrk="0" hangingPunct="1">
+              <a:lnSpc>
+                <a:spcPct val="90000"/>
+              </a:lnSpc>
+              <a:spcBef>
+                <a:spcPts val="500"/>
+              </a:spcBef>
+              <a:buFont typeface="Arial" panose="020B0604020202020204" pitchFamily="34" charset="0"/>
+              <a:buNone/>
+              <a:defRPr sz="1600" b="1" kern="1200">
+                <a:solidFill>
+                  <a:schemeClr val="tx2">
+                    <a:lumMod val="75000"/>
+                  </a:schemeClr>
+                </a:solidFill>
+                <a:latin typeface="+mn-lt"/>
+                <a:ea typeface="+mn-ea"/>
+                <a:cs typeface="+mn-cs"/>
+              </a:defRPr>
+            </a:lvl5pPr>
+            <a:lvl6pPr marL="2286000" indent="0" algn="l" defTabSz="914400" rtl="0" eaLnBrk="1" latinLnBrk="0" hangingPunct="1">
+              <a:lnSpc>
+                <a:spcPct val="90000"/>
+              </a:lnSpc>
+              <a:spcBef>
+                <a:spcPts val="500"/>
+              </a:spcBef>
+              <a:buFont typeface="Arial" panose="020B0604020202020204" pitchFamily="34" charset="0"/>
+              <a:buNone/>
+              <a:defRPr sz="1600" b="1" kern="1200">
+                <a:solidFill>
+                  <a:schemeClr val="tx1"/>
+                </a:solidFill>
+                <a:latin typeface="+mn-lt"/>
+                <a:ea typeface="+mn-ea"/>
+                <a:cs typeface="+mn-cs"/>
+              </a:defRPr>
+            </a:lvl6pPr>
+            <a:lvl7pPr marL="2743200" indent="0" algn="l" defTabSz="914400" rtl="0" eaLnBrk="1" latinLnBrk="0" hangingPunct="1">
+              <a:lnSpc>
+                <a:spcPct val="90000"/>
+              </a:lnSpc>
+              <a:spcBef>
+                <a:spcPts val="500"/>
+              </a:spcBef>
+              <a:buFont typeface="Arial" panose="020B0604020202020204" pitchFamily="34" charset="0"/>
+              <a:buNone/>
+              <a:defRPr sz="1600" b="1" kern="1200">
+                <a:solidFill>
+                  <a:schemeClr val="tx1"/>
+                </a:solidFill>
+                <a:latin typeface="+mn-lt"/>
+                <a:ea typeface="+mn-ea"/>
+                <a:cs typeface="+mn-cs"/>
+              </a:defRPr>
+            </a:lvl7pPr>
+            <a:lvl8pPr marL="3200400" indent="0" algn="l" defTabSz="914400" rtl="0" eaLnBrk="1" latinLnBrk="0" hangingPunct="1">
+              <a:lnSpc>
+                <a:spcPct val="90000"/>
+              </a:lnSpc>
+              <a:spcBef>
+                <a:spcPts val="500"/>
+              </a:spcBef>
+              <a:buFont typeface="Arial" panose="020B0604020202020204" pitchFamily="34" charset="0"/>
+              <a:buNone/>
+              <a:defRPr sz="1600" b="1" kern="1200">
+                <a:solidFill>
+                  <a:schemeClr val="tx1"/>
+                </a:solidFill>
+                <a:latin typeface="+mn-lt"/>
+                <a:ea typeface="+mn-ea"/>
+                <a:cs typeface="+mn-cs"/>
+              </a:defRPr>
+            </a:lvl8pPr>
+            <a:lvl9pPr marL="3657600" indent="0" algn="l" defTabSz="914400" rtl="0" eaLnBrk="1" latinLnBrk="0" hangingPunct="1">
+              <a:lnSpc>
+                <a:spcPct val="90000"/>
+              </a:lnSpc>
+              <a:spcBef>
+                <a:spcPts val="500"/>
+              </a:spcBef>
+              <a:buFont typeface="Arial" panose="020B0604020202020204" pitchFamily="34" charset="0"/>
+              <a:buNone/>
+              <a:defRPr sz="1600" b="1" kern="1200">
+                <a:solidFill>
+                  <a:schemeClr val="tx1"/>
+                </a:solidFill>
+                <a:latin typeface="+mn-lt"/>
+                <a:ea typeface="+mn-ea"/>
+                <a:cs typeface="+mn-cs"/>
+              </a:defRPr>
+            </a:lvl9pPr>
+          </a:lstStyle>
+          <a:p>
+            <a:pPr algn="ctr"/>
+            <a:r>
+              <a:rPr lang="en-US" sz="5400" dirty="0">
+                <a:cs typeface="Consolas" panose="020B0609020204030204" pitchFamily="49" charset="0"/>
+              </a:rPr>
+              <a:t>123		-55			90</a:t>
+            </a:r>
+          </a:p>
+          <a:p>
+            <a:pPr algn="ctr"/>
+            <a:endParaRPr lang="en-US" sz="5400" dirty="0">
+              <a:cs typeface="Consolas" panose="020B0609020204030204" pitchFamily="49" charset="0"/>
+            </a:endParaRPr>
+          </a:p>
+          <a:p>
+            <a:pPr algn="ctr"/>
+            <a:r>
+              <a:rPr lang="en-US" sz="5400" dirty="0">
+                <a:cs typeface="Consolas" panose="020B0609020204030204" pitchFamily="49" charset="0"/>
+              </a:rPr>
+              <a:t>-7288		-390		8192</a:t>
+            </a:r>
+          </a:p>
+          <a:p>
+            <a:pPr algn="ctr"/>
+            <a:r>
+              <a:rPr lang="en-US" sz="5400" dirty="0">
+                <a:cs typeface="Consolas" panose="020B0609020204030204" pitchFamily="49" charset="0"/>
+              </a:rPr>
+              <a:t>					</a:t>
+            </a:r>
+          </a:p>
+          <a:p>
+            <a:pPr algn="ctr"/>
+            <a:endParaRPr lang="en-US" sz="5400" dirty="0">
+              <a:cs typeface="Consolas" panose="020B0609020204030204" pitchFamily="49" charset="0"/>
+            </a:endParaRPr>
           </a:p>
         </p:txBody>
       </p:sp>
     </p:spTree>
     <p:extLst>
       <p:ext uri="{BB962C8B-B14F-4D97-AF65-F5344CB8AC3E}">
-        <p14:creationId xmlns:p14="http://schemas.microsoft.com/office/powerpoint/2010/main" val="748788809"/>
+        <p14:creationId xmlns:p14="http://schemas.microsoft.com/office/powerpoint/2010/main" val="2810034777"/>
       </p:ext>
     </p:extLst>
   </p:cSld>
@@ -4199,192 +4266,6 @@
 </file>
 
 <file path=ppt/slides/slide11.xml><?xml version="1.0" encoding="utf-8"?>
-<p:sld xmlns:a="http://schemas.openxmlformats.org/drawingml/2006/main" xmlns:r="http://schemas.openxmlformats.org/officeDocument/2006/relationships" xmlns:p="http://schemas.openxmlformats.org/presentationml/2006/main">
-  <p:cSld>
-    <p:spTree>
-      <p:nvGrpSpPr>
-        <p:cNvPr id="1" name=""/>
-        <p:cNvGrpSpPr/>
-        <p:nvPr/>
-      </p:nvGrpSpPr>
-      <p:grpSpPr>
-        <a:xfrm>
-          <a:off x="0" y="0"/>
-          <a:ext cx="0" cy="0"/>
-          <a:chOff x="0" y="0"/>
-          <a:chExt cx="0" cy="0"/>
-        </a:xfrm>
-      </p:grpSpPr>
-      <p:sp>
-        <p:nvSpPr>
-          <p:cNvPr id="2" name="Title 1">
-            <a:extLst>
-              <a:ext uri="{FF2B5EF4-FFF2-40B4-BE49-F238E27FC236}">
-                <a16:creationId xmlns:a16="http://schemas.microsoft.com/office/drawing/2014/main" id="{56158ED2-C9A0-5A4E-A07B-E39800CDA9D0}"/>
-              </a:ext>
-            </a:extLst>
-          </p:cNvPr>
-          <p:cNvSpPr>
-            <a:spLocks noGrp="1"/>
-          </p:cNvSpPr>
-          <p:nvPr>
-            <p:ph type="title"/>
-          </p:nvPr>
-        </p:nvSpPr>
-        <p:spPr/>
-        <p:txBody>
-          <a:bodyPr/>
-          <a:lstStyle/>
-          <a:p>
-            <a:r>
-              <a:rPr lang="en-US" dirty="0"/>
-              <a:t>What can you do with an </a:t>
-            </a:r>
-            <a:r>
-              <a:rPr lang="en-US" b="1" dirty="0"/>
-              <a:t>int</a:t>
-            </a:r>
-            <a:endParaRPr lang="en-US" dirty="0"/>
-          </a:p>
-        </p:txBody>
-      </p:sp>
-      <p:sp>
-        <p:nvSpPr>
-          <p:cNvPr id="3" name="Content Placeholder 2">
-            <a:extLst>
-              <a:ext uri="{FF2B5EF4-FFF2-40B4-BE49-F238E27FC236}">
-                <a16:creationId xmlns:a16="http://schemas.microsoft.com/office/drawing/2014/main" id="{7FEBE9AA-5460-C043-818B-3CE7E0F6D970}"/>
-              </a:ext>
-            </a:extLst>
-          </p:cNvPr>
-          <p:cNvSpPr>
-            <a:spLocks noGrp="1"/>
-          </p:cNvSpPr>
-          <p:nvPr>
-            <p:ph sz="half" idx="1"/>
-          </p:nvPr>
-        </p:nvSpPr>
-        <p:spPr/>
-        <p:txBody>
-          <a:bodyPr/>
-          <a:lstStyle/>
-          <a:p>
-            <a:r>
-              <a:rPr lang="en-US" dirty="0"/>
-              <a:t>Assignment</a:t>
-            </a:r>
-          </a:p>
-          <a:p>
-            <a:r>
-              <a:rPr lang="en-US" dirty="0"/>
-              <a:t>Comparison</a:t>
-            </a:r>
-          </a:p>
-          <a:p>
-            <a:endParaRPr lang="en-US" dirty="0"/>
-          </a:p>
-          <a:p>
-            <a:r>
-              <a:rPr lang="en-US" dirty="0"/>
-              <a:t>Logical</a:t>
-            </a:r>
-          </a:p>
-          <a:p>
-            <a:r>
-              <a:rPr lang="en-US" dirty="0"/>
-              <a:t>Identity</a:t>
-            </a:r>
-          </a:p>
-          <a:p>
-            <a:r>
-              <a:rPr lang="en-US" dirty="0"/>
-              <a:t>Bitwise</a:t>
-            </a:r>
-          </a:p>
-        </p:txBody>
-      </p:sp>
-      <p:sp>
-        <p:nvSpPr>
-          <p:cNvPr id="4" name="Content Placeholder 3">
-            <a:extLst>
-              <a:ext uri="{FF2B5EF4-FFF2-40B4-BE49-F238E27FC236}">
-                <a16:creationId xmlns:a16="http://schemas.microsoft.com/office/drawing/2014/main" id="{D1E9DD92-0B49-384E-9920-041EBD07102D}"/>
-              </a:ext>
-            </a:extLst>
-          </p:cNvPr>
-          <p:cNvSpPr>
-            <a:spLocks noGrp="1"/>
-          </p:cNvSpPr>
-          <p:nvPr>
-            <p:ph sz="half" idx="2"/>
-          </p:nvPr>
-        </p:nvSpPr>
-        <p:spPr/>
-        <p:txBody>
-          <a:bodyPr/>
-          <a:lstStyle/>
-          <a:p>
-            <a:r>
-              <a:rPr lang="en-US" dirty="0"/>
-              <a:t>a = b, a += b, a -= b, …</a:t>
-            </a:r>
-          </a:p>
-          <a:p>
-            <a:r>
-              <a:rPr lang="en-US" dirty="0"/>
-              <a:t>a == 88, a != b, a &lt; b, a &lt;= b, a &gt; 23, a &gt;= b</a:t>
-            </a:r>
-          </a:p>
-          <a:p>
-            <a:r>
-              <a:rPr lang="en-US" b="1" dirty="0"/>
-              <a:t>and, or</a:t>
-            </a:r>
-          </a:p>
-          <a:p>
-            <a:r>
-              <a:rPr lang="en-US" dirty="0"/>
-              <a:t>a </a:t>
-            </a:r>
-            <a:r>
-              <a:rPr lang="en-US" b="1" dirty="0"/>
-              <a:t> is </a:t>
-            </a:r>
-            <a:r>
-              <a:rPr lang="en-US" dirty="0"/>
-              <a:t>b, a </a:t>
-            </a:r>
-            <a:r>
-              <a:rPr lang="en-US" b="1" dirty="0"/>
-              <a:t>is not </a:t>
-            </a:r>
-            <a:r>
-              <a:rPr lang="en-US" dirty="0"/>
-              <a:t>b</a:t>
-            </a:r>
-          </a:p>
-          <a:p>
-            <a:r>
-              <a:rPr lang="en-US" dirty="0"/>
-              <a:t>We’ll see them in session #3</a:t>
-            </a:r>
-          </a:p>
-        </p:txBody>
-      </p:sp>
-    </p:spTree>
-    <p:extLst>
-      <p:ext uri="{BB962C8B-B14F-4D97-AF65-F5344CB8AC3E}">
-        <p14:creationId xmlns:p14="http://schemas.microsoft.com/office/powerpoint/2010/main" val="1110147878"/>
-      </p:ext>
-    </p:extLst>
-  </p:cSld>
-  <p:clrMapOvr>
-    <a:masterClrMapping/>
-  </p:clrMapOvr>
-</p:sld>
-</file>
-
-<file path=ppt/slides/slide12.xml><?xml version="1.0" encoding="utf-8"?>
 <p:sld xmlns:a="http://schemas.openxmlformats.org/drawingml/2006/main" xmlns:r="http://schemas.openxmlformats.org/officeDocument/2006/relationships" xmlns:p="http://schemas.openxmlformats.org/presentationml/2006/main">
   <p:cSld>
     <p:bg>
@@ -4414,7 +4295,7 @@
           <p:cNvPr id="2" name="Title 1">
             <a:extLst>
               <a:ext uri="{FF2B5EF4-FFF2-40B4-BE49-F238E27FC236}">
-                <a16:creationId xmlns:a16="http://schemas.microsoft.com/office/drawing/2014/main" id="{E2D77E67-1D0F-5C45-A365-CDC3649D56FE}"/>
+                <a16:creationId xmlns:a16="http://schemas.microsoft.com/office/drawing/2014/main" id="{4BABC735-F742-524D-9C18-02D121293AE0}"/>
               </a:ext>
             </a:extLst>
           </p:cNvPr>
@@ -4445,7 +4326,7 @@
                   </a:schemeClr>
                 </a:solidFill>
               </a:rPr>
-              <a:t>Data type #2</a:t>
+              <a:t>Data type #1</a:t>
             </a:r>
             <a:br>
               <a:rPr lang="en-US" dirty="0">
@@ -4464,7 +4345,7 @@
                   </a:schemeClr>
                 </a:solidFill>
               </a:rPr>
-              <a:t>Floating-Point numbers</a:t>
+              <a:t>Integers</a:t>
             </a:r>
           </a:p>
         </p:txBody>
@@ -4474,7 +4355,7 @@
           <p:cNvPr id="3" name="Content Placeholder 2">
             <a:extLst>
               <a:ext uri="{FF2B5EF4-FFF2-40B4-BE49-F238E27FC236}">
-                <a16:creationId xmlns:a16="http://schemas.microsoft.com/office/drawing/2014/main" id="{90FB4CCD-6C1F-B24C-A890-0D3EA6A21464}"/>
+                <a16:creationId xmlns:a16="http://schemas.microsoft.com/office/drawing/2014/main" id="{04504026-8053-BA41-B32A-EBAFC0B3934B}"/>
               </a:ext>
             </a:extLst>
           </p:cNvPr>
@@ -4493,7 +4374,7 @@
         </p:spPr>
         <p:txBody>
           <a:bodyPr>
-            <a:normAutofit fontScale="92500" lnSpcReduction="20000"/>
+            <a:normAutofit/>
           </a:bodyPr>
           <a:lstStyle/>
           <a:p>
@@ -4505,192 +4386,40 @@
                   </a:schemeClr>
                 </a:solidFill>
               </a:rPr>
-              <a:t>Represented as a number with a </a:t>
-            </a:r>
-            <a:r>
-              <a:rPr lang="en-US" b="1" dirty="0">
-                <a:solidFill>
-                  <a:schemeClr val="tx2">
-                    <a:lumMod val="75000"/>
-                  </a:schemeClr>
-                </a:solidFill>
-              </a:rPr>
-              <a:t>decimal</a:t>
-            </a:r>
-            <a:r>
-              <a:rPr lang="en-US" dirty="0">
-                <a:solidFill>
-                  <a:schemeClr val="tx2">
-                    <a:lumMod val="75000"/>
-                  </a:schemeClr>
-                </a:solidFill>
-              </a:rPr>
-              <a:t> point</a:t>
-            </a:r>
-          </a:p>
-          <a:p>
-            <a:r>
-              <a:rPr lang="en-US" dirty="0">
-                <a:solidFill>
-                  <a:schemeClr val="tx2">
-                    <a:lumMod val="75000"/>
-                  </a:schemeClr>
-                </a:solidFill>
-              </a:rPr>
-              <a:t>Optionally, the character </a:t>
-            </a:r>
-            <a:r>
-              <a:rPr lang="en-US" b="1" dirty="0">
-                <a:solidFill>
-                  <a:schemeClr val="tx2">
-                    <a:lumMod val="75000"/>
-                  </a:schemeClr>
-                </a:solidFill>
-              </a:rPr>
-              <a:t>e</a:t>
-            </a:r>
-            <a:r>
-              <a:rPr lang="en-US" dirty="0">
-                <a:solidFill>
-                  <a:schemeClr val="tx2">
-                    <a:lumMod val="75000"/>
-                  </a:schemeClr>
-                </a:solidFill>
-              </a:rPr>
-              <a:t> or </a:t>
-            </a:r>
-            <a:r>
-              <a:rPr lang="en-US" b="1" dirty="0">
-                <a:solidFill>
-                  <a:schemeClr val="tx2">
-                    <a:lumMod val="75000"/>
-                  </a:schemeClr>
-                </a:solidFill>
-              </a:rPr>
-              <a:t>E</a:t>
-            </a:r>
-            <a:r>
-              <a:rPr lang="en-US" dirty="0">
-                <a:solidFill>
-                  <a:schemeClr val="tx2">
-                    <a:lumMod val="75000"/>
-                  </a:schemeClr>
-                </a:solidFill>
-              </a:rPr>
-              <a:t> followed by a positive or negative integer can be used to write in </a:t>
-            </a:r>
-            <a:r>
-              <a:rPr lang="en-US" i="1" dirty="0">
-                <a:solidFill>
-                  <a:schemeClr val="tx2">
-                    <a:lumMod val="75000"/>
-                  </a:schemeClr>
-                </a:solidFill>
-              </a:rPr>
-              <a:t>scientific-notation</a:t>
-            </a:r>
-          </a:p>
-          <a:p>
-            <a:r>
-              <a:rPr lang="en-US" dirty="0">
-                <a:solidFill>
-                  <a:schemeClr val="tx2">
-                    <a:lumMod val="75000"/>
-                  </a:schemeClr>
-                </a:solidFill>
-              </a:rPr>
-              <a:t>0.0016	# Non-scientific notation</a:t>
-            </a:r>
-          </a:p>
-          <a:p>
-            <a:r>
-              <a:rPr lang="en-US" dirty="0">
-                <a:solidFill>
-                  <a:schemeClr val="tx2">
-                    <a:lumMod val="75000"/>
-                  </a:schemeClr>
-                </a:solidFill>
-              </a:rPr>
-              <a:t>1.6e-3 # Scientific notation</a:t>
-            </a:r>
-          </a:p>
-          <a:p>
-            <a:r>
-              <a:rPr lang="en-US" i="1" dirty="0">
-                <a:solidFill>
-                  <a:srgbClr val="7030A0"/>
-                </a:solidFill>
-              </a:rPr>
-              <a:t>Following information varies between programming languages:</a:t>
+              <a:t>Can hold numerical values such as 34, 8610, -189 etc.</a:t>
+            </a:r>
+          </a:p>
+          <a:p>
+            <a:r>
+              <a:rPr lang="en-US" dirty="0"/>
+              <a:t>Python3 allows you to create as big an integer as you want (constrained by our memory availability) !</a:t>
             </a:r>
           </a:p>
           <a:p>
             <a:pPr lvl="1"/>
             <a:r>
-              <a:rPr lang="en-US" i="1" dirty="0">
-                <a:solidFill>
-                  <a:srgbClr val="7030A0"/>
-                </a:solidFill>
-              </a:rPr>
-              <a:t>Typically, </a:t>
-            </a:r>
-            <a:r>
-              <a:rPr lang="en-US" b="1" i="1" dirty="0">
-                <a:solidFill>
-                  <a:srgbClr val="7030A0"/>
-                </a:solidFill>
-              </a:rPr>
-              <a:t>8 Bytes or 64 Bits</a:t>
-            </a:r>
-            <a:r>
-              <a:rPr lang="en-US" i="1" dirty="0">
-                <a:solidFill>
-                  <a:srgbClr val="7030A0"/>
-                </a:solidFill>
-              </a:rPr>
-              <a:t> are used in memory to represent a single floating-point number</a:t>
-            </a:r>
-          </a:p>
-          <a:p>
-            <a:r>
-              <a:rPr lang="en-US" i="1" dirty="0">
-                <a:solidFill>
-                  <a:schemeClr val="tx2">
-                    <a:lumMod val="75000"/>
-                  </a:schemeClr>
-                </a:solidFill>
-              </a:rPr>
-              <a:t>Represented by built-in &lt;class ‘float’&gt;</a:t>
-            </a:r>
-          </a:p>
-          <a:p>
-            <a:endParaRPr lang="en-US" i="1" dirty="0">
-              <a:solidFill>
-                <a:srgbClr val="7030A0"/>
-              </a:solidFill>
-            </a:endParaRPr>
-          </a:p>
-          <a:p>
-            <a:pPr marL="274320" lvl="1" indent="0">
-              <a:buNone/>
-            </a:pPr>
-            <a:endParaRPr lang="en-US" i="1" dirty="0">
-              <a:solidFill>
-                <a:srgbClr val="7030A0"/>
-              </a:solidFill>
-            </a:endParaRPr>
-          </a:p>
-          <a:p>
-            <a:pPr marL="274320" lvl="1" indent="0">
-              <a:buNone/>
-            </a:pPr>
-            <a:endParaRPr lang="en-US" i="1" dirty="0">
-              <a:solidFill>
-                <a:srgbClr val="7030A0"/>
-              </a:solidFill>
-            </a:endParaRPr>
-          </a:p>
-          <a:p>
+              <a:rPr lang="en-US" i="1" dirty="0"/>
+              <a:t>It can do this by internally maintaining </a:t>
+            </a:r>
+            <a:r>
+              <a:rPr lang="en-US" b="1" i="1" dirty="0"/>
+              <a:t>array</a:t>
+            </a:r>
+            <a:r>
+              <a:rPr lang="en-US" i="1" dirty="0"/>
+              <a:t> of </a:t>
+            </a:r>
+            <a:r>
+              <a:rPr lang="en-US" b="1" i="1" dirty="0"/>
+              <a:t>digits</a:t>
+            </a:r>
+          </a:p>
+          <a:p>
+            <a:pPr lvl="1"/>
+            <a:r>
+              <a:rPr lang="en-US" dirty="0"/>
+              <a:t>123456789123456789123456789123456789…</a:t>
+            </a:r>
             <a:endParaRPr lang="en-US" dirty="0">
               <a:solidFill>
                 <a:schemeClr val="tx2">
@@ -4699,12 +4428,241 @@
               </a:solidFill>
             </a:endParaRPr>
           </a:p>
+          <a:p>
+            <a:r>
+              <a:rPr lang="en-US" i="1" dirty="0">
+                <a:solidFill>
+                  <a:schemeClr val="tx2">
+                    <a:lumMod val="75000"/>
+                  </a:schemeClr>
+                </a:solidFill>
+              </a:rPr>
+              <a:t>Represented by built-in &lt;class ‘int’&gt; 	(Don’t worry about it for now)</a:t>
+            </a:r>
+          </a:p>
+          <a:p>
+            <a:endParaRPr lang="en-US" dirty="0">
+              <a:solidFill>
+                <a:schemeClr val="tx2">
+                  <a:lumMod val="75000"/>
+                </a:schemeClr>
+              </a:solidFill>
+            </a:endParaRPr>
+          </a:p>
         </p:txBody>
       </p:sp>
     </p:spTree>
     <p:extLst>
       <p:ext uri="{BB962C8B-B14F-4D97-AF65-F5344CB8AC3E}">
-        <p14:creationId xmlns:p14="http://schemas.microsoft.com/office/powerpoint/2010/main" val="486065988"/>
+        <p14:creationId xmlns:p14="http://schemas.microsoft.com/office/powerpoint/2010/main" val="2173141983"/>
+      </p:ext>
+    </p:extLst>
+  </p:cSld>
+  <p:clrMapOvr>
+    <a:masterClrMapping/>
+  </p:clrMapOvr>
+</p:sld>
+</file>
+
+<file path=ppt/slides/slide12.xml><?xml version="1.0" encoding="utf-8"?>
+<p:sld xmlns:a="http://schemas.openxmlformats.org/drawingml/2006/main" xmlns:r="http://schemas.openxmlformats.org/officeDocument/2006/relationships" xmlns:p="http://schemas.openxmlformats.org/presentationml/2006/main">
+  <p:cSld>
+    <p:spTree>
+      <p:nvGrpSpPr>
+        <p:cNvPr id="1" name=""/>
+        <p:cNvGrpSpPr/>
+        <p:nvPr/>
+      </p:nvGrpSpPr>
+      <p:grpSpPr>
+        <a:xfrm>
+          <a:off x="0" y="0"/>
+          <a:ext cx="0" cy="0"/>
+          <a:chOff x="0" y="0"/>
+          <a:chExt cx="0" cy="0"/>
+        </a:xfrm>
+      </p:grpSpPr>
+      <p:sp>
+        <p:nvSpPr>
+          <p:cNvPr id="2" name="Title 1">
+            <a:extLst>
+              <a:ext uri="{FF2B5EF4-FFF2-40B4-BE49-F238E27FC236}">
+                <a16:creationId xmlns:a16="http://schemas.microsoft.com/office/drawing/2014/main" id="{4C970B5A-97F0-684E-A16E-98244CDD4470}"/>
+              </a:ext>
+            </a:extLst>
+          </p:cNvPr>
+          <p:cNvSpPr>
+            <a:spLocks noGrp="1"/>
+          </p:cNvSpPr>
+          <p:nvPr>
+            <p:ph type="title"/>
+          </p:nvPr>
+        </p:nvSpPr>
+        <p:spPr/>
+        <p:txBody>
+          <a:bodyPr/>
+          <a:lstStyle/>
+          <a:p>
+            <a:r>
+              <a:rPr lang="en-US" dirty="0"/>
+              <a:t>Integer representation</a:t>
+            </a:r>
+          </a:p>
+        </p:txBody>
+      </p:sp>
+      <p:sp>
+        <p:nvSpPr>
+          <p:cNvPr id="3" name="Content Placeholder 2">
+            <a:extLst>
+              <a:ext uri="{FF2B5EF4-FFF2-40B4-BE49-F238E27FC236}">
+                <a16:creationId xmlns:a16="http://schemas.microsoft.com/office/drawing/2014/main" id="{64092239-6C99-2942-9837-84176A779218}"/>
+              </a:ext>
+            </a:extLst>
+          </p:cNvPr>
+          <p:cNvSpPr>
+            <a:spLocks noGrp="1"/>
+          </p:cNvSpPr>
+          <p:nvPr>
+            <p:ph idx="1"/>
+          </p:nvPr>
+        </p:nvSpPr>
+        <p:spPr/>
+        <p:txBody>
+          <a:bodyPr/>
+          <a:lstStyle/>
+          <a:p>
+            <a:r>
+              <a:rPr lang="en-US" dirty="0"/>
+              <a:t>Can be represented as </a:t>
+            </a:r>
+            <a:r>
+              <a:rPr lang="en-US" b="1" dirty="0"/>
+              <a:t>decimal </a:t>
+            </a:r>
+            <a:r>
+              <a:rPr lang="en-US" i="1" dirty="0"/>
+              <a:t>(default) </a:t>
+            </a:r>
+            <a:r>
+              <a:rPr lang="en-US" b="1" dirty="0"/>
+              <a:t>, octal </a:t>
+            </a:r>
+            <a:r>
+              <a:rPr lang="en-US" i="1" dirty="0"/>
+              <a:t>(</a:t>
+            </a:r>
+            <a:r>
+              <a:rPr lang="en-US" i="1" dirty="0">
+                <a:latin typeface="Consolas" panose="020B0609020204030204" pitchFamily="49" charset="0"/>
+                <a:cs typeface="Consolas" panose="020B0609020204030204" pitchFamily="49" charset="0"/>
+              </a:rPr>
+              <a:t>0o/0O</a:t>
+            </a:r>
+            <a:r>
+              <a:rPr lang="en-US" i="1" dirty="0"/>
+              <a:t>)</a:t>
+            </a:r>
+            <a:r>
+              <a:rPr lang="en-US" b="1" dirty="0"/>
+              <a:t>, hexadecimal</a:t>
+            </a:r>
+            <a:r>
+              <a:rPr lang="en-US" dirty="0"/>
+              <a:t> </a:t>
+            </a:r>
+            <a:r>
+              <a:rPr lang="en-US" i="1" dirty="0">
+                <a:latin typeface="Consolas" panose="020B0609020204030204" pitchFamily="49" charset="0"/>
+                <a:cs typeface="Consolas" panose="020B0609020204030204" pitchFamily="49" charset="0"/>
+              </a:rPr>
+              <a:t>(0x/0X)</a:t>
+            </a:r>
+            <a:r>
+              <a:rPr lang="en-US" b="1" dirty="0">
+                <a:latin typeface="Consolas" panose="020B0609020204030204" pitchFamily="49" charset="0"/>
+                <a:cs typeface="Consolas" panose="020B0609020204030204" pitchFamily="49" charset="0"/>
+              </a:rPr>
+              <a:t>, </a:t>
+            </a:r>
+            <a:r>
+              <a:rPr lang="en-US" b="1" dirty="0"/>
+              <a:t>binary </a:t>
+            </a:r>
+            <a:r>
+              <a:rPr lang="en-US" i="1" dirty="0"/>
+              <a:t>(</a:t>
+            </a:r>
+            <a:r>
+              <a:rPr lang="en-US" i="1" dirty="0">
+                <a:latin typeface="Consolas" panose="020B0609020204030204" pitchFamily="49" charset="0"/>
+                <a:cs typeface="Consolas" panose="020B0609020204030204" pitchFamily="49" charset="0"/>
+              </a:rPr>
+              <a:t>0b/0B</a:t>
+            </a:r>
+            <a:r>
+              <a:rPr lang="en-US" i="1" dirty="0"/>
+              <a:t>)</a:t>
+            </a:r>
+          </a:p>
+          <a:p>
+            <a:endParaRPr lang="en-US" i="1" dirty="0">
+              <a:solidFill>
+                <a:srgbClr val="7030A0"/>
+              </a:solidFill>
+            </a:endParaRPr>
+          </a:p>
+          <a:p>
+            <a:r>
+              <a:rPr lang="en-US" i="1" dirty="0"/>
+              <a:t>Following information varies between programming languages:</a:t>
+            </a:r>
+          </a:p>
+          <a:p>
+            <a:pPr lvl="1"/>
+            <a:r>
+              <a:rPr lang="en-US" i="1" dirty="0"/>
+              <a:t>Typically, </a:t>
+            </a:r>
+            <a:r>
+              <a:rPr lang="en-US" b="1" i="1" dirty="0"/>
+              <a:t>4 Bytes or 32 Bits</a:t>
+            </a:r>
+            <a:r>
+              <a:rPr lang="en-US" i="1" dirty="0"/>
+              <a:t> are used in memory to represent a single integer</a:t>
+            </a:r>
+          </a:p>
+          <a:p>
+            <a:pPr lvl="1"/>
+            <a:r>
+              <a:rPr lang="en-US" i="1" dirty="0"/>
+              <a:t>Similarly, </a:t>
+            </a:r>
+            <a:r>
+              <a:rPr lang="en-US" b="1" i="1" dirty="0"/>
+              <a:t>8 Bytes or 64 Bits</a:t>
+            </a:r>
+            <a:r>
+              <a:rPr lang="en-US" i="1" dirty="0"/>
+              <a:t> are used in memory to represent a </a:t>
+            </a:r>
+            <a:r>
+              <a:rPr lang="en-US" b="1" i="1" dirty="0"/>
+              <a:t>Long</a:t>
+            </a:r>
+            <a:r>
+              <a:rPr lang="en-US" i="1" dirty="0"/>
+              <a:t> integer</a:t>
+            </a:r>
+          </a:p>
+          <a:p>
+            <a:endParaRPr lang="en-US" dirty="0"/>
+          </a:p>
+        </p:txBody>
+      </p:sp>
+    </p:spTree>
+    <p:extLst>
+      <p:ext uri="{BB962C8B-B14F-4D97-AF65-F5344CB8AC3E}">
+        <p14:creationId xmlns:p14="http://schemas.microsoft.com/office/powerpoint/2010/main" val="3831058090"/>
       </p:ext>
     </p:extLst>
   </p:cSld>
@@ -4736,7 +4694,7 @@
           <p:cNvPr id="2" name="Title 1">
             <a:extLst>
               <a:ext uri="{FF2B5EF4-FFF2-40B4-BE49-F238E27FC236}">
-                <a16:creationId xmlns:a16="http://schemas.microsoft.com/office/drawing/2014/main" id="{9C042FCC-8D49-4049-B35D-D27812C2AD24}"/>
+                <a16:creationId xmlns:a16="http://schemas.microsoft.com/office/drawing/2014/main" id="{B6E74C9E-4C0A-3349-BE29-76850C41815B}"/>
               </a:ext>
             </a:extLst>
           </p:cNvPr>
@@ -4754,62 +4712,209 @@
           <a:p>
             <a:r>
               <a:rPr lang="en-US" dirty="0"/>
-              <a:t>What can you do with a </a:t>
-            </a:r>
-            <a:r>
-              <a:rPr lang="en-US" b="1" dirty="0"/>
-              <a:t>float</a:t>
-            </a:r>
-            <a:endParaRPr lang="en-US" dirty="0"/>
-          </a:p>
-        </p:txBody>
-      </p:sp>
-      <p:sp>
-        <p:nvSpPr>
-          <p:cNvPr id="3" name="Content Placeholder 2">
-            <a:extLst>
-              <a:ext uri="{FF2B5EF4-FFF2-40B4-BE49-F238E27FC236}">
-                <a16:creationId xmlns:a16="http://schemas.microsoft.com/office/drawing/2014/main" id="{F16A345D-2E8C-AE49-9D66-C99F887467CB}"/>
-              </a:ext>
-            </a:extLst>
-          </p:cNvPr>
-          <p:cNvSpPr>
-            <a:spLocks noGrp="1"/>
-          </p:cNvSpPr>
-          <p:nvPr>
-            <p:ph idx="1"/>
-          </p:nvPr>
-        </p:nvSpPr>
-        <p:spPr/>
-        <p:txBody>
-          <a:bodyPr/>
-          <a:lstStyle/>
-          <a:p>
-            <a:endParaRPr lang="en-US" dirty="0"/>
-          </a:p>
-          <a:p>
-            <a:endParaRPr lang="en-US" dirty="0"/>
-          </a:p>
-          <a:p>
-            <a:endParaRPr lang="en-US" dirty="0"/>
-          </a:p>
-          <a:p>
-            <a:r>
-              <a:rPr lang="en-US" dirty="0"/>
-              <a:t>Everything that you can do with an </a:t>
+              <a:t>What can you do with an </a:t>
             </a:r>
             <a:r>
               <a:rPr lang="en-US" b="1" dirty="0"/>
               <a:t>int</a:t>
             </a:r>
             <a:endParaRPr lang="en-US" dirty="0"/>
+          </a:p>
+        </p:txBody>
+      </p:sp>
+      <p:sp>
+        <p:nvSpPr>
+          <p:cNvPr id="3" name="Content Placeholder 2">
+            <a:extLst>
+              <a:ext uri="{FF2B5EF4-FFF2-40B4-BE49-F238E27FC236}">
+                <a16:creationId xmlns:a16="http://schemas.microsoft.com/office/drawing/2014/main" id="{AF8AE1B0-7AFD-0741-990A-52D2C2777F11}"/>
+              </a:ext>
+            </a:extLst>
+          </p:cNvPr>
+          <p:cNvSpPr>
+            <a:spLocks noGrp="1"/>
+          </p:cNvSpPr>
+          <p:nvPr>
+            <p:ph sz="half" idx="1"/>
+          </p:nvPr>
+        </p:nvSpPr>
+        <p:spPr/>
+        <p:txBody>
+          <a:bodyPr/>
+          <a:lstStyle/>
+          <a:p>
+            <a:r>
+              <a:rPr lang="en-US" dirty="0"/>
+              <a:t>Addition</a:t>
+            </a:r>
+          </a:p>
+          <a:p>
+            <a:r>
+              <a:rPr lang="en-US" dirty="0"/>
+              <a:t>Subtraction</a:t>
+            </a:r>
+          </a:p>
+          <a:p>
+            <a:r>
+              <a:rPr lang="en-US" dirty="0"/>
+              <a:t>Multiplication</a:t>
+            </a:r>
+          </a:p>
+          <a:p>
+            <a:r>
+              <a:rPr lang="en-US" dirty="0"/>
+              <a:t>Division</a:t>
+            </a:r>
+          </a:p>
+          <a:p>
+            <a:r>
+              <a:rPr lang="en-US" dirty="0"/>
+              <a:t>Floor division</a:t>
+            </a:r>
+          </a:p>
+          <a:p>
+            <a:r>
+              <a:rPr lang="en-US" dirty="0"/>
+              <a:t>Modulus</a:t>
+            </a:r>
+          </a:p>
+          <a:p>
+            <a:r>
+              <a:rPr lang="en-US" dirty="0"/>
+              <a:t>Exponent</a:t>
+            </a:r>
+          </a:p>
+        </p:txBody>
+      </p:sp>
+      <p:sp>
+        <p:nvSpPr>
+          <p:cNvPr id="4" name="Content Placeholder 3">
+            <a:extLst>
+              <a:ext uri="{FF2B5EF4-FFF2-40B4-BE49-F238E27FC236}">
+                <a16:creationId xmlns:a16="http://schemas.microsoft.com/office/drawing/2014/main" id="{3E1EB8FD-8800-8B45-92FD-EA86DFE4428E}"/>
+              </a:ext>
+            </a:extLst>
+          </p:cNvPr>
+          <p:cNvSpPr>
+            <a:spLocks noGrp="1"/>
+          </p:cNvSpPr>
+          <p:nvPr>
+            <p:ph sz="half" idx="2"/>
+          </p:nvPr>
+        </p:nvSpPr>
+        <p:spPr/>
+        <p:txBody>
+          <a:bodyPr/>
+          <a:lstStyle/>
+          <a:p>
+            <a:r>
+              <a:rPr lang="en-US" dirty="0"/>
+              <a:t>a + b</a:t>
+            </a:r>
+          </a:p>
+          <a:p>
+            <a:r>
+              <a:rPr lang="en-US" dirty="0"/>
+              <a:t>a – b</a:t>
+            </a:r>
+          </a:p>
+          <a:p>
+            <a:r>
+              <a:rPr lang="en-US" dirty="0"/>
+              <a:t>a * b</a:t>
+            </a:r>
+          </a:p>
+          <a:p>
+            <a:r>
+              <a:rPr lang="en-US" dirty="0"/>
+              <a:t>a / b</a:t>
+            </a:r>
+          </a:p>
+          <a:p>
+            <a:r>
+              <a:rPr lang="en-US" dirty="0"/>
+              <a:t>a // b</a:t>
+            </a:r>
+          </a:p>
+          <a:p>
+            <a:r>
+              <a:rPr lang="en-US" dirty="0"/>
+              <a:t>a % b</a:t>
+            </a:r>
+          </a:p>
+          <a:p>
+            <a:r>
+              <a:rPr lang="en-US" dirty="0"/>
+              <a:t>a ** b</a:t>
+            </a:r>
+          </a:p>
+        </p:txBody>
+      </p:sp>
+      <p:sp>
+        <p:nvSpPr>
+          <p:cNvPr id="5" name="TextBox 4">
+            <a:extLst>
+              <a:ext uri="{FF2B5EF4-FFF2-40B4-BE49-F238E27FC236}">
+                <a16:creationId xmlns:a16="http://schemas.microsoft.com/office/drawing/2014/main" id="{A63969E3-C2F6-A94A-AEB3-E4B978BB96C6}"/>
+              </a:ext>
+            </a:extLst>
+          </p:cNvPr>
+          <p:cNvSpPr txBox="1"/>
+          <p:nvPr/>
+        </p:nvSpPr>
+        <p:spPr>
+          <a:xfrm>
+            <a:off x="1872343" y="5992297"/>
+            <a:ext cx="4223657" cy="369332"/>
+          </a:xfrm>
+          <a:prstGeom prst="rect">
+            <a:avLst/>
+          </a:prstGeom>
+          <a:noFill/>
+        </p:spPr>
+        <p:txBody>
+          <a:bodyPr wrap="none" rtlCol="0">
+            <a:spAutoFit/>
+          </a:bodyPr>
+          <a:lstStyle/>
+          <a:p>
+            <a:r>
+              <a:rPr lang="en-US" dirty="0">
+                <a:solidFill>
+                  <a:schemeClr val="tx2">
+                    <a:lumMod val="75000"/>
+                  </a:schemeClr>
+                </a:solidFill>
+              </a:rPr>
+              <a:t># All these are called </a:t>
+            </a:r>
+            <a:r>
+              <a:rPr lang="en-US" b="1" dirty="0">
+                <a:solidFill>
+                  <a:schemeClr val="tx2">
+                    <a:lumMod val="75000"/>
+                  </a:schemeClr>
+                </a:solidFill>
+              </a:rPr>
+              <a:t>arithmetic </a:t>
+            </a:r>
+            <a:r>
+              <a:rPr lang="en-US" dirty="0">
+                <a:solidFill>
+                  <a:schemeClr val="tx2">
+                    <a:lumMod val="75000"/>
+                  </a:schemeClr>
+                </a:solidFill>
+              </a:rPr>
+              <a:t>operations</a:t>
+            </a:r>
           </a:p>
         </p:txBody>
       </p:sp>
     </p:spTree>
     <p:extLst>
       <p:ext uri="{BB962C8B-B14F-4D97-AF65-F5344CB8AC3E}">
-        <p14:creationId xmlns:p14="http://schemas.microsoft.com/office/powerpoint/2010/main" val="3608219218"/>
+        <p14:creationId xmlns:p14="http://schemas.microsoft.com/office/powerpoint/2010/main" val="748788809"/>
       </p:ext>
     </p:extLst>
   </p:cSld>
@@ -4822,14 +4927,6 @@
 <file path=ppt/slides/slide14.xml><?xml version="1.0" encoding="utf-8"?>
 <p:sld xmlns:a="http://schemas.openxmlformats.org/drawingml/2006/main" xmlns:r="http://schemas.openxmlformats.org/officeDocument/2006/relationships" xmlns:p="http://schemas.openxmlformats.org/presentationml/2006/main">
   <p:cSld>
-    <p:bg>
-      <p:bgPr>
-        <a:solidFill>
-          <a:schemeClr val="bg1"/>
-        </a:solidFill>
-        <a:effectLst/>
-      </p:bgPr>
-    </p:bg>
     <p:spTree>
       <p:nvGrpSpPr>
         <p:cNvPr id="1" name=""/>
@@ -4849,7 +4946,7 @@
           <p:cNvPr id="2" name="Title 1">
             <a:extLst>
               <a:ext uri="{FF2B5EF4-FFF2-40B4-BE49-F238E27FC236}">
-                <a16:creationId xmlns:a16="http://schemas.microsoft.com/office/drawing/2014/main" id="{C1AD2C26-AA88-894F-878A-E9DCBD69C79A}"/>
+                <a16:creationId xmlns:a16="http://schemas.microsoft.com/office/drawing/2014/main" id="{56158ED2-C9A0-5A4E-A07B-E39800CDA9D0}"/>
               </a:ext>
             </a:extLst>
           </p:cNvPr>
@@ -4860,47 +4957,20 @@
             <p:ph type="title"/>
           </p:nvPr>
         </p:nvSpPr>
-        <p:spPr>
-          <a:xfrm>
-            <a:off x="1175512" y="870132"/>
-            <a:ext cx="9792208" cy="1527078"/>
-          </a:xfrm>
-        </p:spPr>
-        <p:txBody>
-          <a:bodyPr>
-            <a:normAutofit/>
-          </a:bodyPr>
-          <a:lstStyle/>
-          <a:p>
-            <a:r>
-              <a:rPr lang="en-US" dirty="0">
-                <a:solidFill>
-                  <a:schemeClr val="tx2">
-                    <a:lumMod val="75000"/>
-                  </a:schemeClr>
-                </a:solidFill>
-              </a:rPr>
-              <a:t>Data type #3</a:t>
-            </a:r>
-            <a:br>
-              <a:rPr lang="en-US" dirty="0">
-                <a:solidFill>
-                  <a:schemeClr val="tx2">
-                    <a:lumMod val="75000"/>
-                  </a:schemeClr>
-                </a:solidFill>
-              </a:rPr>
-            </a:br>
-            <a:r>
-              <a:rPr lang="en-US" dirty="0">
-                <a:solidFill>
-                  <a:schemeClr val="tx2">
-                    <a:lumMod val="75000"/>
-                  </a:schemeClr>
-                </a:solidFill>
-              </a:rPr>
-              <a:t>Complex numbers</a:t>
-            </a:r>
+        <p:spPr/>
+        <p:txBody>
+          <a:bodyPr/>
+          <a:lstStyle/>
+          <a:p>
+            <a:r>
+              <a:rPr lang="en-US" dirty="0"/>
+              <a:t>What can you do with an </a:t>
+            </a:r>
+            <a:r>
+              <a:rPr lang="en-US" b="1" dirty="0"/>
+              <a:t>int</a:t>
+            </a:r>
+            <a:endParaRPr lang="en-US" dirty="0"/>
           </a:p>
         </p:txBody>
       </p:sp>
@@ -4909,153 +4979,128 @@
           <p:cNvPr id="3" name="Content Placeholder 2">
             <a:extLst>
               <a:ext uri="{FF2B5EF4-FFF2-40B4-BE49-F238E27FC236}">
-                <a16:creationId xmlns:a16="http://schemas.microsoft.com/office/drawing/2014/main" id="{7223CCE3-23CA-7349-8910-FA533F8532E0}"/>
-              </a:ext>
-            </a:extLst>
-          </p:cNvPr>
-          <p:cNvSpPr>
-            <a:spLocks noGrp="1"/>
-          </p:cNvSpPr>
-          <p:nvPr>
-            <p:ph idx="1"/>
-          </p:nvPr>
-        </p:nvSpPr>
-        <p:spPr>
-          <a:xfrm>
-            <a:off x="1175512" y="2557849"/>
-            <a:ext cx="9792208" cy="3407862"/>
-          </a:xfrm>
-        </p:spPr>
-        <p:txBody>
-          <a:bodyPr>
-            <a:normAutofit/>
-          </a:bodyPr>
-          <a:lstStyle/>
-          <a:p>
-            <a:r>
-              <a:rPr lang="en-US" dirty="0">
-                <a:solidFill>
-                  <a:schemeClr val="tx2">
-                    <a:lumMod val="75000"/>
-                  </a:schemeClr>
-                </a:solidFill>
-              </a:rPr>
-              <a:t>Super important in all major scientific and computing fields</a:t>
-            </a:r>
-          </a:p>
-          <a:p>
-            <a:r>
-              <a:rPr lang="en-US" dirty="0">
-                <a:solidFill>
-                  <a:schemeClr val="tx2">
-                    <a:lumMod val="75000"/>
-                  </a:schemeClr>
-                </a:solidFill>
-              </a:rPr>
-              <a:t>It is a lesson on its own!</a:t>
-            </a:r>
-          </a:p>
-          <a:p>
-            <a:r>
-              <a:rPr lang="en-US" dirty="0">
-                <a:solidFill>
-                  <a:schemeClr val="tx2">
-                    <a:lumMod val="75000"/>
-                  </a:schemeClr>
-                </a:solidFill>
-              </a:rPr>
-              <a:t>For now, in Python, it can be used as (</a:t>
-            </a:r>
-            <a:r>
-              <a:rPr lang="en-US" dirty="0">
-                <a:solidFill>
-                  <a:schemeClr val="tx2">
-                    <a:lumMod val="75000"/>
-                  </a:schemeClr>
-                </a:solidFill>
-                <a:latin typeface="Consolas" panose="020B0609020204030204" pitchFamily="49" charset="0"/>
-                <a:cs typeface="Consolas" panose="020B0609020204030204" pitchFamily="49" charset="0"/>
-              </a:rPr>
-              <a:t>3 + 4</a:t>
-            </a:r>
-            <a:r>
-              <a:rPr lang="en-US" b="1" dirty="0">
-                <a:solidFill>
-                  <a:schemeClr val="tx2">
-                    <a:lumMod val="75000"/>
-                  </a:schemeClr>
-                </a:solidFill>
-                <a:latin typeface="Consolas" panose="020B0609020204030204" pitchFamily="49" charset="0"/>
-                <a:cs typeface="Consolas" panose="020B0609020204030204" pitchFamily="49" charset="0"/>
-              </a:rPr>
-              <a:t>j</a:t>
-            </a:r>
-            <a:r>
-              <a:rPr lang="en-US" dirty="0">
-                <a:solidFill>
-                  <a:schemeClr val="tx2">
-                    <a:lumMod val="75000"/>
-                  </a:schemeClr>
-                </a:solidFill>
-                <a:latin typeface="Consolas" panose="020B0609020204030204" pitchFamily="49" charset="0"/>
-                <a:cs typeface="Consolas" panose="020B0609020204030204" pitchFamily="49" charset="0"/>
-              </a:rPr>
-              <a:t>) # (real + </a:t>
-            </a:r>
-            <a:r>
-              <a:rPr lang="en-US" b="1" dirty="0">
-                <a:solidFill>
-                  <a:schemeClr val="tx2">
-                    <a:lumMod val="75000"/>
-                  </a:schemeClr>
-                </a:solidFill>
-                <a:latin typeface="Consolas" panose="020B0609020204030204" pitchFamily="49" charset="0"/>
-                <a:cs typeface="Consolas" panose="020B0609020204030204" pitchFamily="49" charset="0"/>
-              </a:rPr>
-              <a:t>j</a:t>
-            </a:r>
-            <a:r>
-              <a:rPr lang="en-US" dirty="0">
-                <a:solidFill>
-                  <a:schemeClr val="tx2">
-                    <a:lumMod val="75000"/>
-                  </a:schemeClr>
-                </a:solidFill>
-                <a:latin typeface="Consolas" panose="020B0609020204030204" pitchFamily="49" charset="0"/>
-                <a:cs typeface="Consolas" panose="020B0609020204030204" pitchFamily="49" charset="0"/>
-              </a:rPr>
-              <a:t> imaginary)</a:t>
-            </a:r>
-          </a:p>
-          <a:p>
-            <a:r>
-              <a:rPr lang="en-US" i="1" dirty="0">
-                <a:solidFill>
-                  <a:schemeClr val="tx2">
-                    <a:lumMod val="75000"/>
-                  </a:schemeClr>
-                </a:solidFill>
-              </a:rPr>
-              <a:t>Represented by built-in &lt;class ‘complex’&gt;</a:t>
-            </a:r>
-          </a:p>
-          <a:p>
-            <a:endParaRPr lang="en-US" dirty="0">
-              <a:solidFill>
-                <a:schemeClr val="tx2">
-                  <a:lumMod val="75000"/>
-                </a:schemeClr>
-              </a:solidFill>
-              <a:latin typeface="Consolas" panose="020B0609020204030204" pitchFamily="49" charset="0"/>
-              <a:cs typeface="Consolas" panose="020B0609020204030204" pitchFamily="49" charset="0"/>
-            </a:endParaRPr>
+                <a16:creationId xmlns:a16="http://schemas.microsoft.com/office/drawing/2014/main" id="{7FEBE9AA-5460-C043-818B-3CE7E0F6D970}"/>
+              </a:ext>
+            </a:extLst>
+          </p:cNvPr>
+          <p:cNvSpPr>
+            <a:spLocks noGrp="1"/>
+          </p:cNvSpPr>
+          <p:nvPr>
+            <p:ph sz="half" idx="1"/>
+          </p:nvPr>
+        </p:nvSpPr>
+        <p:spPr/>
+        <p:txBody>
+          <a:bodyPr/>
+          <a:lstStyle/>
+          <a:p>
+            <a:r>
+              <a:rPr lang="en-US" dirty="0"/>
+              <a:t>Assignment</a:t>
+            </a:r>
+          </a:p>
+          <a:p>
+            <a:r>
+              <a:rPr lang="en-US" dirty="0"/>
+              <a:t>Comparison</a:t>
+            </a:r>
+          </a:p>
+          <a:p>
+            <a:endParaRPr lang="en-US" dirty="0"/>
+          </a:p>
+          <a:p>
+            <a:r>
+              <a:rPr lang="en-US" dirty="0"/>
+              <a:t>Logical</a:t>
+            </a:r>
+          </a:p>
+          <a:p>
+            <a:r>
+              <a:rPr lang="en-US" dirty="0"/>
+              <a:t>Identity</a:t>
+            </a:r>
+          </a:p>
+          <a:p>
+            <a:r>
+              <a:rPr lang="en-US" dirty="0"/>
+              <a:t>Bitwise</a:t>
+            </a:r>
+          </a:p>
+        </p:txBody>
+      </p:sp>
+      <p:sp>
+        <p:nvSpPr>
+          <p:cNvPr id="4" name="Content Placeholder 3">
+            <a:extLst>
+              <a:ext uri="{FF2B5EF4-FFF2-40B4-BE49-F238E27FC236}">
+                <a16:creationId xmlns:a16="http://schemas.microsoft.com/office/drawing/2014/main" id="{D1E9DD92-0B49-384E-9920-041EBD07102D}"/>
+              </a:ext>
+            </a:extLst>
+          </p:cNvPr>
+          <p:cNvSpPr>
+            <a:spLocks noGrp="1"/>
+          </p:cNvSpPr>
+          <p:nvPr>
+            <p:ph sz="half" idx="2"/>
+          </p:nvPr>
+        </p:nvSpPr>
+        <p:spPr/>
+        <p:txBody>
+          <a:bodyPr/>
+          <a:lstStyle/>
+          <a:p>
+            <a:r>
+              <a:rPr lang="en-US" dirty="0"/>
+              <a:t>a = b, a += b, a -= b, …</a:t>
+            </a:r>
+          </a:p>
+          <a:p>
+            <a:r>
+              <a:rPr lang="en-US" dirty="0"/>
+              <a:t>a == 88, a != b, a &lt; b, a &lt;= b, a &gt; 23, a &gt;= b</a:t>
+            </a:r>
+          </a:p>
+          <a:p>
+            <a:r>
+              <a:rPr lang="en-US" b="1" dirty="0"/>
+              <a:t>and, or</a:t>
+            </a:r>
+          </a:p>
+          <a:p>
+            <a:r>
+              <a:rPr lang="en-US" dirty="0"/>
+              <a:t>a </a:t>
+            </a:r>
+            <a:r>
+              <a:rPr lang="en-US" b="1" dirty="0"/>
+              <a:t> is </a:t>
+            </a:r>
+            <a:r>
+              <a:rPr lang="en-US" dirty="0"/>
+              <a:t>b, a </a:t>
+            </a:r>
+            <a:r>
+              <a:rPr lang="en-US" b="1" dirty="0"/>
+              <a:t>is not </a:t>
+            </a:r>
+            <a:r>
+              <a:rPr lang="en-US" dirty="0"/>
+              <a:t>b</a:t>
+            </a:r>
+          </a:p>
+          <a:p>
+            <a:r>
+              <a:rPr lang="en-US" dirty="0"/>
+              <a:t>We’ll see them in session #3</a:t>
+            </a:r>
           </a:p>
         </p:txBody>
       </p:sp>
     </p:spTree>
     <p:extLst>
       <p:ext uri="{BB962C8B-B14F-4D97-AF65-F5344CB8AC3E}">
-        <p14:creationId xmlns:p14="http://schemas.microsoft.com/office/powerpoint/2010/main" val="865892057"/>
+        <p14:creationId xmlns:p14="http://schemas.microsoft.com/office/powerpoint/2010/main" val="1110147878"/>
       </p:ext>
     </p:extLst>
   </p:cSld>
@@ -5084,10 +5129,10 @@
       </p:grpSpPr>
       <p:sp>
         <p:nvSpPr>
-          <p:cNvPr id="2" name="Title 1">
-            <a:extLst>
-              <a:ext uri="{FF2B5EF4-FFF2-40B4-BE49-F238E27FC236}">
-                <a16:creationId xmlns:a16="http://schemas.microsoft.com/office/drawing/2014/main" id="{9C042FCC-8D49-4049-B35D-D27812C2AD24}"/>
+          <p:cNvPr id="7" name="Title 1">
+            <a:extLst>
+              <a:ext uri="{FF2B5EF4-FFF2-40B4-BE49-F238E27FC236}">
+                <a16:creationId xmlns:a16="http://schemas.microsoft.com/office/drawing/2014/main" id="{15211E08-8CF7-0F48-9FA7-F9196E21549C}"/>
               </a:ext>
             </a:extLst>
           </p:cNvPr>
@@ -5098,18 +5143,28 @@
             <p:ph type="title"/>
           </p:nvPr>
         </p:nvSpPr>
-        <p:spPr/>
-        <p:txBody>
-          <a:bodyPr/>
-          <a:lstStyle/>
-          <a:p>
-            <a:r>
-              <a:rPr lang="en-US" dirty="0"/>
-              <a:t>What can you do with a </a:t>
-            </a:r>
-            <a:r>
-              <a:rPr lang="en-US" b="1" dirty="0"/>
-              <a:t>complex</a:t>
+        <p:spPr>
+          <a:xfrm>
+            <a:off x="1175512" y="870132"/>
+            <a:ext cx="9792208" cy="1527078"/>
+          </a:xfrm>
+        </p:spPr>
+        <p:txBody>
+          <a:bodyPr>
+            <a:normAutofit/>
+          </a:bodyPr>
+          <a:lstStyle/>
+          <a:p>
+            <a:pPr algn="ctr"/>
+            <a:r>
+              <a:rPr lang="en-US" dirty="0">
+                <a:solidFill>
+                  <a:schemeClr val="tx2">
+                    <a:lumMod val="75000"/>
+                  </a:schemeClr>
+                </a:solidFill>
+              </a:rPr>
+              <a:t>float</a:t>
             </a:r>
             <a:endParaRPr lang="en-US" dirty="0"/>
           </a:p>
@@ -5117,50 +5172,250 @@
       </p:sp>
       <p:sp>
         <p:nvSpPr>
-          <p:cNvPr id="3" name="Content Placeholder 2">
-            <a:extLst>
-              <a:ext uri="{FF2B5EF4-FFF2-40B4-BE49-F238E27FC236}">
-                <a16:creationId xmlns:a16="http://schemas.microsoft.com/office/drawing/2014/main" id="{F16A345D-2E8C-AE49-9D66-C99F887467CB}"/>
-              </a:ext>
-            </a:extLst>
-          </p:cNvPr>
-          <p:cNvSpPr>
-            <a:spLocks noGrp="1"/>
-          </p:cNvSpPr>
-          <p:nvPr>
-            <p:ph idx="1"/>
-          </p:nvPr>
-        </p:nvSpPr>
-        <p:spPr/>
-        <p:txBody>
-          <a:bodyPr/>
-          <a:lstStyle/>
-          <a:p>
-            <a:endParaRPr lang="en-US" dirty="0"/>
-          </a:p>
-          <a:p>
-            <a:endParaRPr lang="en-US" dirty="0"/>
-          </a:p>
-          <a:p>
-            <a:endParaRPr lang="en-US" dirty="0"/>
-          </a:p>
-          <a:p>
-            <a:r>
-              <a:rPr lang="en-US" dirty="0"/>
-              <a:t>Everything that you can do with an </a:t>
-            </a:r>
-            <a:r>
-              <a:rPr lang="en-US" b="1" dirty="0"/>
-              <a:t>int</a:t>
-            </a:r>
-            <a:endParaRPr lang="en-US" dirty="0"/>
+          <p:cNvPr id="8" name="Content Placeholder 2">
+            <a:extLst>
+              <a:ext uri="{FF2B5EF4-FFF2-40B4-BE49-F238E27FC236}">
+                <a16:creationId xmlns:a16="http://schemas.microsoft.com/office/drawing/2014/main" id="{B791251F-D68C-684B-A890-294087488534}"/>
+              </a:ext>
+            </a:extLst>
+          </p:cNvPr>
+          <p:cNvSpPr txBox="1">
+            <a:spLocks/>
+          </p:cNvSpPr>
+          <p:nvPr/>
+        </p:nvSpPr>
+        <p:spPr>
+          <a:xfrm>
+            <a:off x="1175512" y="3348959"/>
+            <a:ext cx="9792208" cy="3407862"/>
+          </a:xfrm>
+          <a:prstGeom prst="rect">
+            <a:avLst/>
+          </a:prstGeom>
+        </p:spPr>
+        <p:txBody>
+          <a:bodyPr vert="horz" lIns="91440" tIns="45720" rIns="91440" bIns="45720" rtlCol="0" anchor="b">
+            <a:normAutofit lnSpcReduction="10000"/>
+          </a:bodyPr>
+          <a:lstStyle>
+            <a:lvl1pPr marL="0" indent="0" algn="l" defTabSz="914400" rtl="0" eaLnBrk="1" latinLnBrk="0" hangingPunct="1">
+              <a:lnSpc>
+                <a:spcPct val="90000"/>
+              </a:lnSpc>
+              <a:spcBef>
+                <a:spcPts val="1000"/>
+              </a:spcBef>
+              <a:buFont typeface="Arial" panose="020B0604020202020204" pitchFamily="34" charset="0"/>
+              <a:buNone/>
+              <a:defRPr sz="2400" b="1" kern="1200">
+                <a:solidFill>
+                  <a:schemeClr val="tx2">
+                    <a:lumMod val="75000"/>
+                  </a:schemeClr>
+                </a:solidFill>
+                <a:latin typeface="+mn-lt"/>
+                <a:ea typeface="+mn-ea"/>
+                <a:cs typeface="+mn-cs"/>
+              </a:defRPr>
+            </a:lvl1pPr>
+            <a:lvl2pPr marL="457200" indent="0" algn="l" defTabSz="914400" rtl="0" eaLnBrk="1" latinLnBrk="0" hangingPunct="1">
+              <a:lnSpc>
+                <a:spcPct val="90000"/>
+              </a:lnSpc>
+              <a:spcBef>
+                <a:spcPts val="500"/>
+              </a:spcBef>
+              <a:buFont typeface="Arial" panose="020B0604020202020204" pitchFamily="34" charset="0"/>
+              <a:buNone/>
+              <a:defRPr sz="2000" b="1" kern="1200">
+                <a:solidFill>
+                  <a:schemeClr val="tx2">
+                    <a:lumMod val="75000"/>
+                  </a:schemeClr>
+                </a:solidFill>
+                <a:latin typeface="+mn-lt"/>
+                <a:ea typeface="+mn-ea"/>
+                <a:cs typeface="+mn-cs"/>
+              </a:defRPr>
+            </a:lvl2pPr>
+            <a:lvl3pPr marL="914400" indent="0" algn="l" defTabSz="914400" rtl="0" eaLnBrk="1" latinLnBrk="0" hangingPunct="1">
+              <a:lnSpc>
+                <a:spcPct val="90000"/>
+              </a:lnSpc>
+              <a:spcBef>
+                <a:spcPts val="500"/>
+              </a:spcBef>
+              <a:buFont typeface="Arial" panose="020B0604020202020204" pitchFamily="34" charset="0"/>
+              <a:buNone/>
+              <a:defRPr sz="1800" b="1" kern="1200">
+                <a:solidFill>
+                  <a:schemeClr val="tx2">
+                    <a:lumMod val="75000"/>
+                  </a:schemeClr>
+                </a:solidFill>
+                <a:latin typeface="+mn-lt"/>
+                <a:ea typeface="+mn-ea"/>
+                <a:cs typeface="+mn-cs"/>
+              </a:defRPr>
+            </a:lvl3pPr>
+            <a:lvl4pPr marL="1371600" indent="0" algn="l" defTabSz="914400" rtl="0" eaLnBrk="1" latinLnBrk="0" hangingPunct="1">
+              <a:lnSpc>
+                <a:spcPct val="90000"/>
+              </a:lnSpc>
+              <a:spcBef>
+                <a:spcPts val="500"/>
+              </a:spcBef>
+              <a:buFont typeface="Arial" panose="020B0604020202020204" pitchFamily="34" charset="0"/>
+              <a:buNone/>
+              <a:defRPr sz="1600" b="1" kern="1200">
+                <a:solidFill>
+                  <a:schemeClr val="tx2">
+                    <a:lumMod val="75000"/>
+                  </a:schemeClr>
+                </a:solidFill>
+                <a:latin typeface="+mn-lt"/>
+                <a:ea typeface="+mn-ea"/>
+                <a:cs typeface="+mn-cs"/>
+              </a:defRPr>
+            </a:lvl4pPr>
+            <a:lvl5pPr marL="1828800" indent="0" algn="l" defTabSz="914400" rtl="0" eaLnBrk="1" latinLnBrk="0" hangingPunct="1">
+              <a:lnSpc>
+                <a:spcPct val="90000"/>
+              </a:lnSpc>
+              <a:spcBef>
+                <a:spcPts val="500"/>
+              </a:spcBef>
+              <a:buFont typeface="Arial" panose="020B0604020202020204" pitchFamily="34" charset="0"/>
+              <a:buNone/>
+              <a:defRPr sz="1600" b="1" kern="1200">
+                <a:solidFill>
+                  <a:schemeClr val="tx2">
+                    <a:lumMod val="75000"/>
+                  </a:schemeClr>
+                </a:solidFill>
+                <a:latin typeface="+mn-lt"/>
+                <a:ea typeface="+mn-ea"/>
+                <a:cs typeface="+mn-cs"/>
+              </a:defRPr>
+            </a:lvl5pPr>
+            <a:lvl6pPr marL="2286000" indent="0" algn="l" defTabSz="914400" rtl="0" eaLnBrk="1" latinLnBrk="0" hangingPunct="1">
+              <a:lnSpc>
+                <a:spcPct val="90000"/>
+              </a:lnSpc>
+              <a:spcBef>
+                <a:spcPts val="500"/>
+              </a:spcBef>
+              <a:buFont typeface="Arial" panose="020B0604020202020204" pitchFamily="34" charset="0"/>
+              <a:buNone/>
+              <a:defRPr sz="1600" b="1" kern="1200">
+                <a:solidFill>
+                  <a:schemeClr val="tx1"/>
+                </a:solidFill>
+                <a:latin typeface="+mn-lt"/>
+                <a:ea typeface="+mn-ea"/>
+                <a:cs typeface="+mn-cs"/>
+              </a:defRPr>
+            </a:lvl6pPr>
+            <a:lvl7pPr marL="2743200" indent="0" algn="l" defTabSz="914400" rtl="0" eaLnBrk="1" latinLnBrk="0" hangingPunct="1">
+              <a:lnSpc>
+                <a:spcPct val="90000"/>
+              </a:lnSpc>
+              <a:spcBef>
+                <a:spcPts val="500"/>
+              </a:spcBef>
+              <a:buFont typeface="Arial" panose="020B0604020202020204" pitchFamily="34" charset="0"/>
+              <a:buNone/>
+              <a:defRPr sz="1600" b="1" kern="1200">
+                <a:solidFill>
+                  <a:schemeClr val="tx1"/>
+                </a:solidFill>
+                <a:latin typeface="+mn-lt"/>
+                <a:ea typeface="+mn-ea"/>
+                <a:cs typeface="+mn-cs"/>
+              </a:defRPr>
+            </a:lvl7pPr>
+            <a:lvl8pPr marL="3200400" indent="0" algn="l" defTabSz="914400" rtl="0" eaLnBrk="1" latinLnBrk="0" hangingPunct="1">
+              <a:lnSpc>
+                <a:spcPct val="90000"/>
+              </a:lnSpc>
+              <a:spcBef>
+                <a:spcPts val="500"/>
+              </a:spcBef>
+              <a:buFont typeface="Arial" panose="020B0604020202020204" pitchFamily="34" charset="0"/>
+              <a:buNone/>
+              <a:defRPr sz="1600" b="1" kern="1200">
+                <a:solidFill>
+                  <a:schemeClr val="tx1"/>
+                </a:solidFill>
+                <a:latin typeface="+mn-lt"/>
+                <a:ea typeface="+mn-ea"/>
+                <a:cs typeface="+mn-cs"/>
+              </a:defRPr>
+            </a:lvl8pPr>
+            <a:lvl9pPr marL="3657600" indent="0" algn="l" defTabSz="914400" rtl="0" eaLnBrk="1" latinLnBrk="0" hangingPunct="1">
+              <a:lnSpc>
+                <a:spcPct val="90000"/>
+              </a:lnSpc>
+              <a:spcBef>
+                <a:spcPts val="500"/>
+              </a:spcBef>
+              <a:buFont typeface="Arial" panose="020B0604020202020204" pitchFamily="34" charset="0"/>
+              <a:buNone/>
+              <a:defRPr sz="1600" b="1" kern="1200">
+                <a:solidFill>
+                  <a:schemeClr val="tx1"/>
+                </a:solidFill>
+                <a:latin typeface="+mn-lt"/>
+                <a:ea typeface="+mn-ea"/>
+                <a:cs typeface="+mn-cs"/>
+              </a:defRPr>
+            </a:lvl9pPr>
+          </a:lstStyle>
+          <a:p>
+            <a:pPr algn="ctr"/>
+            <a:r>
+              <a:rPr lang="en-US" sz="5400" dirty="0">
+                <a:cs typeface="Consolas" panose="020B0609020204030204" pitchFamily="49" charset="0"/>
+              </a:rPr>
+              <a:t>1.23		-55.0			9.07</a:t>
+            </a:r>
+          </a:p>
+          <a:p>
+            <a:pPr algn="ctr"/>
+            <a:endParaRPr lang="en-US" sz="5400" dirty="0">
+              <a:cs typeface="Consolas" panose="020B0609020204030204" pitchFamily="49" charset="0"/>
+            </a:endParaRPr>
+          </a:p>
+          <a:p>
+            <a:pPr algn="ctr"/>
+            <a:r>
+              <a:rPr lang="en-US" sz="5400" dirty="0">
+                <a:cs typeface="Consolas" panose="020B0609020204030204" pitchFamily="49" charset="0"/>
+              </a:rPr>
+              <a:t>-728.8		-3.90		81.92</a:t>
+            </a:r>
+          </a:p>
+          <a:p>
+            <a:pPr algn="ctr"/>
+            <a:r>
+              <a:rPr lang="en-US" sz="5400" dirty="0">
+                <a:cs typeface="Consolas" panose="020B0609020204030204" pitchFamily="49" charset="0"/>
+              </a:rPr>
+              <a:t>					</a:t>
+            </a:r>
+          </a:p>
+          <a:p>
+            <a:pPr algn="ctr"/>
+            <a:endParaRPr lang="en-US" sz="5400" dirty="0">
+              <a:cs typeface="Consolas" panose="020B0609020204030204" pitchFamily="49" charset="0"/>
+            </a:endParaRPr>
           </a:p>
         </p:txBody>
       </p:sp>
     </p:spTree>
     <p:extLst>
       <p:ext uri="{BB962C8B-B14F-4D97-AF65-F5344CB8AC3E}">
-        <p14:creationId xmlns:p14="http://schemas.microsoft.com/office/powerpoint/2010/main" val="1816746277"/>
+        <p14:creationId xmlns:p14="http://schemas.microsoft.com/office/powerpoint/2010/main" val="705079295"/>
       </p:ext>
     </p:extLst>
   </p:cSld>
@@ -5200,7 +5455,7 @@
           <p:cNvPr id="2" name="Title 1">
             <a:extLst>
               <a:ext uri="{FF2B5EF4-FFF2-40B4-BE49-F238E27FC236}">
-                <a16:creationId xmlns:a16="http://schemas.microsoft.com/office/drawing/2014/main" id="{72EA667A-FB9B-ED4A-B38A-531089B42E5B}"/>
+                <a16:creationId xmlns:a16="http://schemas.microsoft.com/office/drawing/2014/main" id="{E2D77E67-1D0F-5C45-A365-CDC3649D56FE}"/>
               </a:ext>
             </a:extLst>
           </p:cNvPr>
@@ -5231,7 +5486,26 @@
                   </a:schemeClr>
                 </a:solidFill>
               </a:rPr>
-              <a:t>Time to code</a:t>
+              <a:t>Data type #2</a:t>
+            </a:r>
+            <a:br>
+              <a:rPr lang="en-US" dirty="0">
+                <a:solidFill>
+                  <a:schemeClr val="tx2">
+                    <a:lumMod val="75000"/>
+                  </a:schemeClr>
+                </a:solidFill>
+              </a:rPr>
+            </a:br>
+            <a:r>
+              <a:rPr lang="en-US" dirty="0">
+                <a:solidFill>
+                  <a:schemeClr val="tx2">
+                    <a:lumMod val="75000"/>
+                  </a:schemeClr>
+                </a:solidFill>
+              </a:rPr>
+              <a:t>Floating-Point numbers</a:t>
             </a:r>
           </a:p>
         </p:txBody>
@@ -5241,7 +5515,7 @@
           <p:cNvPr id="3" name="Content Placeholder 2">
             <a:extLst>
               <a:ext uri="{FF2B5EF4-FFF2-40B4-BE49-F238E27FC236}">
-                <a16:creationId xmlns:a16="http://schemas.microsoft.com/office/drawing/2014/main" id="{FA72F86A-1B2E-0E45-948E-5264B233DBEE}"/>
+                <a16:creationId xmlns:a16="http://schemas.microsoft.com/office/drawing/2014/main" id="{90FB4CCD-6C1F-B24C-A890-0D3EA6A21464}"/>
               </a:ext>
             </a:extLst>
           </p:cNvPr>
@@ -5260,240 +5534,116 @@
         </p:spPr>
         <p:txBody>
           <a:bodyPr>
-            <a:normAutofit fontScale="77500" lnSpcReduction="20000"/>
+            <a:normAutofit fontScale="92500" lnSpcReduction="20000"/>
           </a:bodyPr>
           <a:lstStyle/>
           <a:p>
             <a:r>
-              <a:rPr lang="en-US" dirty="0">
-                <a:solidFill>
-                  <a:schemeClr val="tx2">
-                    <a:lumMod val="75000"/>
-                  </a:schemeClr>
-                </a:solidFill>
-              </a:rPr>
-              <a:t>Use a</a:t>
-            </a:r>
-            <a:r>
               <a:rPr lang="en-US" dirty="0"/>
-              <a:t> </a:t>
-            </a:r>
-            <a:r>
-              <a:rPr lang="en-US" dirty="0">
-                <a:hlinkClick r:id="rId2"/>
-              </a:rPr>
-              <a:t>REPL</a:t>
+              <a:t>Represented as a number with a </a:t>
+            </a:r>
+            <a:r>
+              <a:rPr lang="en-US" b="1" dirty="0"/>
+              <a:t>decimal</a:t>
             </a:r>
             <a:r>
               <a:rPr lang="en-US" dirty="0"/>
-              <a:t> </a:t>
-            </a:r>
-            <a:r>
-              <a:rPr lang="en-US" dirty="0">
-                <a:solidFill>
-                  <a:schemeClr val="tx2">
-                    <a:lumMod val="75000"/>
-                  </a:schemeClr>
-                </a:solidFill>
-              </a:rPr>
-              <a:t>to write small snippets of code to understand what they do </a:t>
-            </a:r>
+              <a:t> point</a:t>
+            </a:r>
+          </a:p>
+          <a:p>
             <a:r>
               <a:rPr lang="en-US" dirty="0"/>
-              <a:t>(</a:t>
-            </a:r>
-            <a:r>
-              <a:rPr lang="en-US" dirty="0">
-                <a:hlinkClick r:id="rId3"/>
-              </a:rPr>
-              <a:t>https://repl.it/</a:t>
+              <a:t>Optionally, the character </a:t>
+            </a:r>
+            <a:r>
+              <a:rPr lang="en-US" b="1" dirty="0"/>
+              <a:t>e</a:t>
             </a:r>
             <a:r>
               <a:rPr lang="en-US" dirty="0"/>
-              <a:t>)</a:t>
-            </a:r>
-          </a:p>
-          <a:p>
-            <a:r>
-              <a:rPr lang="en-US" dirty="0">
-                <a:solidFill>
-                  <a:schemeClr val="tx2">
-                    <a:lumMod val="75000"/>
-                  </a:schemeClr>
-                </a:solidFill>
-              </a:rPr>
-              <a:t>Write </a:t>
-            </a:r>
-            <a:r>
-              <a:rPr lang="en-US" b="1" dirty="0">
-                <a:solidFill>
-                  <a:schemeClr val="tx2">
-                    <a:lumMod val="75000"/>
-                  </a:schemeClr>
-                </a:solidFill>
-              </a:rPr>
-              <a:t>small</a:t>
-            </a:r>
-            <a:r>
-              <a:rPr lang="en-US" dirty="0">
-                <a:solidFill>
-                  <a:schemeClr val="tx2">
-                    <a:lumMod val="75000"/>
-                  </a:schemeClr>
-                </a:solidFill>
-              </a:rPr>
-              <a:t> pieces of code and see what output they produce immediately</a:t>
-            </a:r>
-          </a:p>
-          <a:p>
-            <a:r>
-              <a:rPr lang="en-US" dirty="0">
-                <a:solidFill>
-                  <a:schemeClr val="tx2">
-                    <a:lumMod val="75000"/>
-                  </a:schemeClr>
-                </a:solidFill>
-              </a:rPr>
-              <a:t>For each of the data type we have seen in this session, try the following operations on each of them:</a:t>
+              <a:t> or </a:t>
+            </a:r>
+            <a:r>
+              <a:rPr lang="en-US" b="1" dirty="0"/>
+              <a:t>E</a:t>
+            </a:r>
+            <a:r>
+              <a:rPr lang="en-US" dirty="0"/>
+              <a:t> followed by a positive or negative integer can be used to write in </a:t>
+            </a:r>
+            <a:r>
+              <a:rPr lang="en-US" i="1" dirty="0"/>
+              <a:t>scientific-notation</a:t>
+            </a:r>
+          </a:p>
+          <a:p>
+            <a:r>
+              <a:rPr lang="en-US" dirty="0"/>
+              <a:t>0.0016	# Non-scientific notation</a:t>
+            </a:r>
+          </a:p>
+          <a:p>
+            <a:r>
+              <a:rPr lang="en-US"/>
+              <a:t>1.6e-3 	# </a:t>
+            </a:r>
+            <a:r>
+              <a:rPr lang="en-US" dirty="0"/>
+              <a:t>Scientific notation</a:t>
+            </a:r>
+          </a:p>
+          <a:p>
+            <a:r>
+              <a:rPr lang="en-US" i="1" dirty="0"/>
+              <a:t>Following information varies between programming languages:</a:t>
             </a:r>
           </a:p>
           <a:p>
             <a:pPr lvl="1"/>
             <a:r>
-              <a:rPr lang="en-US" dirty="0">
-                <a:solidFill>
-                  <a:schemeClr val="tx2">
-                    <a:lumMod val="75000"/>
-                  </a:schemeClr>
-                </a:solidFill>
-              </a:rPr>
-              <a:t>Create</a:t>
-            </a:r>
-          </a:p>
-          <a:p>
-            <a:pPr lvl="1"/>
-            <a:r>
-              <a:rPr lang="en-US" dirty="0">
-                <a:solidFill>
-                  <a:schemeClr val="tx2">
-                    <a:lumMod val="75000"/>
-                  </a:schemeClr>
-                </a:solidFill>
-              </a:rPr>
-              <a:t>Access and </a:t>
-            </a:r>
-            <a:r>
-              <a:rPr lang="en-US" dirty="0">
-                <a:solidFill>
-                  <a:schemeClr val="tx2">
-                    <a:lumMod val="75000"/>
-                  </a:schemeClr>
-                </a:solidFill>
-                <a:latin typeface="Consolas" panose="020B0609020204030204" pitchFamily="49" charset="0"/>
-                <a:cs typeface="Consolas" panose="020B0609020204030204" pitchFamily="49" charset="0"/>
-              </a:rPr>
-              <a:t>print()</a:t>
-            </a:r>
-          </a:p>
-          <a:p>
-            <a:pPr lvl="1"/>
-            <a:r>
-              <a:rPr lang="en-US" dirty="0">
-                <a:solidFill>
-                  <a:schemeClr val="tx2">
-                    <a:lumMod val="75000"/>
-                  </a:schemeClr>
-                </a:solidFill>
-              </a:rPr>
-              <a:t>Modify</a:t>
-            </a:r>
-          </a:p>
-          <a:p>
-            <a:pPr lvl="1"/>
-            <a:r>
-              <a:rPr lang="en-US" dirty="0">
-                <a:solidFill>
-                  <a:schemeClr val="tx2">
-                    <a:lumMod val="75000"/>
-                  </a:schemeClr>
-                </a:solidFill>
-              </a:rPr>
-              <a:t>Access and </a:t>
-            </a:r>
-            <a:r>
-              <a:rPr lang="en-US" dirty="0">
-                <a:solidFill>
-                  <a:schemeClr val="tx2">
-                    <a:lumMod val="75000"/>
-                  </a:schemeClr>
-                </a:solidFill>
-                <a:latin typeface="Consolas" panose="020B0609020204030204" pitchFamily="49" charset="0"/>
-                <a:cs typeface="Consolas" panose="020B0609020204030204" pitchFamily="49" charset="0"/>
-              </a:rPr>
-              <a:t>print()</a:t>
-            </a:r>
-          </a:p>
-          <a:p>
-            <a:pPr lvl="1"/>
-            <a:r>
-              <a:rPr lang="en-US" dirty="0">
-                <a:solidFill>
-                  <a:schemeClr val="tx2">
-                    <a:lumMod val="75000"/>
-                  </a:schemeClr>
-                </a:solidFill>
-              </a:rPr>
-              <a:t>Do the above for 1 small, 1 medium, 1 big value in respective data type</a:t>
-            </a:r>
-          </a:p>
-          <a:p>
-            <a:r>
-              <a:rPr lang="en-US" dirty="0">
-                <a:solidFill>
-                  <a:schemeClr val="tx2">
-                    <a:lumMod val="75000"/>
-                  </a:schemeClr>
-                </a:solidFill>
-              </a:rPr>
-              <a:t>Try python3 built-in functions, there are </a:t>
-            </a:r>
-            <a:r>
-              <a:rPr lang="en-US" i="1" dirty="0">
-                <a:solidFill>
-                  <a:schemeClr val="tx2">
-                    <a:lumMod val="75000"/>
-                  </a:schemeClr>
-                </a:solidFill>
-              </a:rPr>
-              <a:t>lots</a:t>
-            </a:r>
-            <a:r>
-              <a:rPr lang="en-US" dirty="0">
-                <a:solidFill>
-                  <a:schemeClr val="tx2">
-                    <a:lumMod val="75000"/>
-                  </a:schemeClr>
-                </a:solidFill>
-              </a:rPr>
-              <a:t> of them and they are very useful!</a:t>
-            </a:r>
-          </a:p>
-          <a:p>
-            <a:pPr lvl="1"/>
-            <a:endParaRPr lang="en-US" dirty="0">
-              <a:solidFill>
-                <a:schemeClr val="tx2">
-                  <a:lumMod val="75000"/>
-                </a:schemeClr>
-              </a:solidFill>
-            </a:endParaRPr>
+              <a:rPr lang="en-US" i="1" dirty="0"/>
+              <a:t>Typically, </a:t>
+            </a:r>
+            <a:r>
+              <a:rPr lang="en-US" b="1" i="1" dirty="0"/>
+              <a:t>8 Bytes or 64 Bits</a:t>
+            </a:r>
+            <a:r>
+              <a:rPr lang="en-US" i="1" dirty="0"/>
+              <a:t> are used in memory to represent a single floating-point number</a:t>
+            </a:r>
+          </a:p>
+          <a:p>
+            <a:r>
+              <a:rPr lang="en-US" i="1" dirty="0"/>
+              <a:t>Represented by built-in &lt;class ‘float’&gt;</a:t>
+            </a:r>
+          </a:p>
+          <a:p>
+            <a:endParaRPr lang="en-US" i="1" dirty="0"/>
+          </a:p>
+          <a:p>
+            <a:pPr marL="274320" lvl="1" indent="0">
+              <a:buNone/>
+            </a:pPr>
+            <a:endParaRPr lang="en-US" i="1" dirty="0"/>
+          </a:p>
+          <a:p>
+            <a:pPr marL="274320" lvl="1" indent="0">
+              <a:buNone/>
+            </a:pPr>
+            <a:endParaRPr lang="en-US" i="1" dirty="0"/>
+          </a:p>
+          <a:p>
+            <a:endParaRPr lang="en-US" dirty="0"/>
           </a:p>
         </p:txBody>
       </p:sp>
     </p:spTree>
     <p:extLst>
       <p:ext uri="{BB962C8B-B14F-4D97-AF65-F5344CB8AC3E}">
-        <p14:creationId xmlns:p14="http://schemas.microsoft.com/office/powerpoint/2010/main" val="3547435381"/>
+        <p14:creationId xmlns:p14="http://schemas.microsoft.com/office/powerpoint/2010/main" val="486065988"/>
       </p:ext>
     </p:extLst>
   </p:cSld>
@@ -5525,7 +5675,112 @@
           <p:cNvPr id="2" name="Title 1">
             <a:extLst>
               <a:ext uri="{FF2B5EF4-FFF2-40B4-BE49-F238E27FC236}">
-                <a16:creationId xmlns:a16="http://schemas.microsoft.com/office/drawing/2014/main" id="{A0A9ADA6-4AC5-1B4C-8B4D-A660FDFE89F6}"/>
+                <a16:creationId xmlns:a16="http://schemas.microsoft.com/office/drawing/2014/main" id="{9C042FCC-8D49-4049-B35D-D27812C2AD24}"/>
+              </a:ext>
+            </a:extLst>
+          </p:cNvPr>
+          <p:cNvSpPr>
+            <a:spLocks noGrp="1"/>
+          </p:cNvSpPr>
+          <p:nvPr>
+            <p:ph type="title"/>
+          </p:nvPr>
+        </p:nvSpPr>
+        <p:spPr/>
+        <p:txBody>
+          <a:bodyPr/>
+          <a:lstStyle/>
+          <a:p>
+            <a:r>
+              <a:rPr lang="en-US" dirty="0"/>
+              <a:t>What can you do with a </a:t>
+            </a:r>
+            <a:r>
+              <a:rPr lang="en-US" b="1" dirty="0"/>
+              <a:t>float</a:t>
+            </a:r>
+            <a:endParaRPr lang="en-US" dirty="0"/>
+          </a:p>
+        </p:txBody>
+      </p:sp>
+      <p:sp>
+        <p:nvSpPr>
+          <p:cNvPr id="3" name="Content Placeholder 2">
+            <a:extLst>
+              <a:ext uri="{FF2B5EF4-FFF2-40B4-BE49-F238E27FC236}">
+                <a16:creationId xmlns:a16="http://schemas.microsoft.com/office/drawing/2014/main" id="{F16A345D-2E8C-AE49-9D66-C99F887467CB}"/>
+              </a:ext>
+            </a:extLst>
+          </p:cNvPr>
+          <p:cNvSpPr>
+            <a:spLocks noGrp="1"/>
+          </p:cNvSpPr>
+          <p:nvPr>
+            <p:ph idx="1"/>
+          </p:nvPr>
+        </p:nvSpPr>
+        <p:spPr/>
+        <p:txBody>
+          <a:bodyPr/>
+          <a:lstStyle/>
+          <a:p>
+            <a:endParaRPr lang="en-US" dirty="0"/>
+          </a:p>
+          <a:p>
+            <a:endParaRPr lang="en-US" dirty="0"/>
+          </a:p>
+          <a:p>
+            <a:endParaRPr lang="en-US" dirty="0"/>
+          </a:p>
+          <a:p>
+            <a:r>
+              <a:rPr lang="en-US" dirty="0"/>
+              <a:t>Everything that you can do with an </a:t>
+            </a:r>
+            <a:r>
+              <a:rPr lang="en-US" b="1" dirty="0"/>
+              <a:t>int</a:t>
+            </a:r>
+            <a:endParaRPr lang="en-US" dirty="0"/>
+          </a:p>
+        </p:txBody>
+      </p:sp>
+    </p:spTree>
+    <p:extLst>
+      <p:ext uri="{BB962C8B-B14F-4D97-AF65-F5344CB8AC3E}">
+        <p14:creationId xmlns:p14="http://schemas.microsoft.com/office/powerpoint/2010/main" val="3608219218"/>
+      </p:ext>
+    </p:extLst>
+  </p:cSld>
+  <p:clrMapOvr>
+    <a:masterClrMapping/>
+  </p:clrMapOvr>
+</p:sld>
+</file>
+
+<file path=ppt/slides/slide18.xml><?xml version="1.0" encoding="utf-8"?>
+<p:sld xmlns:a="http://schemas.openxmlformats.org/drawingml/2006/main" xmlns:r="http://schemas.openxmlformats.org/officeDocument/2006/relationships" xmlns:p="http://schemas.openxmlformats.org/presentationml/2006/main">
+  <p:cSld>
+    <p:spTree>
+      <p:nvGrpSpPr>
+        <p:cNvPr id="1" name=""/>
+        <p:cNvGrpSpPr/>
+        <p:nvPr/>
+      </p:nvGrpSpPr>
+      <p:grpSpPr>
+        <a:xfrm>
+          <a:off x="0" y="0"/>
+          <a:ext cx="0" cy="0"/>
+          <a:chOff x="0" y="0"/>
+          <a:chExt cx="0" cy="0"/>
+        </a:xfrm>
+      </p:grpSpPr>
+      <p:sp>
+        <p:nvSpPr>
+          <p:cNvPr id="7" name="Title 1">
+            <a:extLst>
+              <a:ext uri="{FF2B5EF4-FFF2-40B4-BE49-F238E27FC236}">
+                <a16:creationId xmlns:a16="http://schemas.microsoft.com/office/drawing/2014/main" id="{15211E08-8CF7-0F48-9FA7-F9196E21549C}"/>
               </a:ext>
             </a:extLst>
           </p:cNvPr>
@@ -5548,9 +5803,357 @@
           </a:bodyPr>
           <a:lstStyle/>
           <a:p>
-            <a:r>
-              <a:rPr lang="en-US" dirty="0"/>
-              <a:t>More …</a:t>
+            <a:pPr algn="ctr"/>
+            <a:r>
+              <a:rPr lang="en-US" dirty="0">
+                <a:solidFill>
+                  <a:schemeClr val="tx2">
+                    <a:lumMod val="75000"/>
+                  </a:schemeClr>
+                </a:solidFill>
+              </a:rPr>
+              <a:t>complex</a:t>
+            </a:r>
+            <a:endParaRPr lang="en-US" dirty="0"/>
+          </a:p>
+        </p:txBody>
+      </p:sp>
+      <p:sp>
+        <p:nvSpPr>
+          <p:cNvPr id="8" name="Content Placeholder 2">
+            <a:extLst>
+              <a:ext uri="{FF2B5EF4-FFF2-40B4-BE49-F238E27FC236}">
+                <a16:creationId xmlns:a16="http://schemas.microsoft.com/office/drawing/2014/main" id="{B791251F-D68C-684B-A890-294087488534}"/>
+              </a:ext>
+            </a:extLst>
+          </p:cNvPr>
+          <p:cNvSpPr txBox="1">
+            <a:spLocks/>
+          </p:cNvSpPr>
+          <p:nvPr/>
+        </p:nvSpPr>
+        <p:spPr>
+          <a:xfrm>
+            <a:off x="1175512" y="3348959"/>
+            <a:ext cx="9792208" cy="3407862"/>
+          </a:xfrm>
+          <a:prstGeom prst="rect">
+            <a:avLst/>
+          </a:prstGeom>
+        </p:spPr>
+        <p:txBody>
+          <a:bodyPr vert="horz" lIns="91440" tIns="45720" rIns="91440" bIns="45720" rtlCol="0" anchor="b">
+            <a:normAutofit fontScale="92500"/>
+          </a:bodyPr>
+          <a:lstStyle>
+            <a:lvl1pPr marL="0" indent="0" algn="l" defTabSz="914400" rtl="0" eaLnBrk="1" latinLnBrk="0" hangingPunct="1">
+              <a:lnSpc>
+                <a:spcPct val="90000"/>
+              </a:lnSpc>
+              <a:spcBef>
+                <a:spcPts val="1000"/>
+              </a:spcBef>
+              <a:buFont typeface="Arial" panose="020B0604020202020204" pitchFamily="34" charset="0"/>
+              <a:buNone/>
+              <a:defRPr sz="2400" b="1" kern="1200">
+                <a:solidFill>
+                  <a:schemeClr val="tx2">
+                    <a:lumMod val="75000"/>
+                  </a:schemeClr>
+                </a:solidFill>
+                <a:latin typeface="+mn-lt"/>
+                <a:ea typeface="+mn-ea"/>
+                <a:cs typeface="+mn-cs"/>
+              </a:defRPr>
+            </a:lvl1pPr>
+            <a:lvl2pPr marL="457200" indent="0" algn="l" defTabSz="914400" rtl="0" eaLnBrk="1" latinLnBrk="0" hangingPunct="1">
+              <a:lnSpc>
+                <a:spcPct val="90000"/>
+              </a:lnSpc>
+              <a:spcBef>
+                <a:spcPts val="500"/>
+              </a:spcBef>
+              <a:buFont typeface="Arial" panose="020B0604020202020204" pitchFamily="34" charset="0"/>
+              <a:buNone/>
+              <a:defRPr sz="2000" b="1" kern="1200">
+                <a:solidFill>
+                  <a:schemeClr val="tx2">
+                    <a:lumMod val="75000"/>
+                  </a:schemeClr>
+                </a:solidFill>
+                <a:latin typeface="+mn-lt"/>
+                <a:ea typeface="+mn-ea"/>
+                <a:cs typeface="+mn-cs"/>
+              </a:defRPr>
+            </a:lvl2pPr>
+            <a:lvl3pPr marL="914400" indent="0" algn="l" defTabSz="914400" rtl="0" eaLnBrk="1" latinLnBrk="0" hangingPunct="1">
+              <a:lnSpc>
+                <a:spcPct val="90000"/>
+              </a:lnSpc>
+              <a:spcBef>
+                <a:spcPts val="500"/>
+              </a:spcBef>
+              <a:buFont typeface="Arial" panose="020B0604020202020204" pitchFamily="34" charset="0"/>
+              <a:buNone/>
+              <a:defRPr sz="1800" b="1" kern="1200">
+                <a:solidFill>
+                  <a:schemeClr val="tx2">
+                    <a:lumMod val="75000"/>
+                  </a:schemeClr>
+                </a:solidFill>
+                <a:latin typeface="+mn-lt"/>
+                <a:ea typeface="+mn-ea"/>
+                <a:cs typeface="+mn-cs"/>
+              </a:defRPr>
+            </a:lvl3pPr>
+            <a:lvl4pPr marL="1371600" indent="0" algn="l" defTabSz="914400" rtl="0" eaLnBrk="1" latinLnBrk="0" hangingPunct="1">
+              <a:lnSpc>
+                <a:spcPct val="90000"/>
+              </a:lnSpc>
+              <a:spcBef>
+                <a:spcPts val="500"/>
+              </a:spcBef>
+              <a:buFont typeface="Arial" panose="020B0604020202020204" pitchFamily="34" charset="0"/>
+              <a:buNone/>
+              <a:defRPr sz="1600" b="1" kern="1200">
+                <a:solidFill>
+                  <a:schemeClr val="tx2">
+                    <a:lumMod val="75000"/>
+                  </a:schemeClr>
+                </a:solidFill>
+                <a:latin typeface="+mn-lt"/>
+                <a:ea typeface="+mn-ea"/>
+                <a:cs typeface="+mn-cs"/>
+              </a:defRPr>
+            </a:lvl4pPr>
+            <a:lvl5pPr marL="1828800" indent="0" algn="l" defTabSz="914400" rtl="0" eaLnBrk="1" latinLnBrk="0" hangingPunct="1">
+              <a:lnSpc>
+                <a:spcPct val="90000"/>
+              </a:lnSpc>
+              <a:spcBef>
+                <a:spcPts val="500"/>
+              </a:spcBef>
+              <a:buFont typeface="Arial" panose="020B0604020202020204" pitchFamily="34" charset="0"/>
+              <a:buNone/>
+              <a:defRPr sz="1600" b="1" kern="1200">
+                <a:solidFill>
+                  <a:schemeClr val="tx2">
+                    <a:lumMod val="75000"/>
+                  </a:schemeClr>
+                </a:solidFill>
+                <a:latin typeface="+mn-lt"/>
+                <a:ea typeface="+mn-ea"/>
+                <a:cs typeface="+mn-cs"/>
+              </a:defRPr>
+            </a:lvl5pPr>
+            <a:lvl6pPr marL="2286000" indent="0" algn="l" defTabSz="914400" rtl="0" eaLnBrk="1" latinLnBrk="0" hangingPunct="1">
+              <a:lnSpc>
+                <a:spcPct val="90000"/>
+              </a:lnSpc>
+              <a:spcBef>
+                <a:spcPts val="500"/>
+              </a:spcBef>
+              <a:buFont typeface="Arial" panose="020B0604020202020204" pitchFamily="34" charset="0"/>
+              <a:buNone/>
+              <a:defRPr sz="1600" b="1" kern="1200">
+                <a:solidFill>
+                  <a:schemeClr val="tx1"/>
+                </a:solidFill>
+                <a:latin typeface="+mn-lt"/>
+                <a:ea typeface="+mn-ea"/>
+                <a:cs typeface="+mn-cs"/>
+              </a:defRPr>
+            </a:lvl6pPr>
+            <a:lvl7pPr marL="2743200" indent="0" algn="l" defTabSz="914400" rtl="0" eaLnBrk="1" latinLnBrk="0" hangingPunct="1">
+              <a:lnSpc>
+                <a:spcPct val="90000"/>
+              </a:lnSpc>
+              <a:spcBef>
+                <a:spcPts val="500"/>
+              </a:spcBef>
+              <a:buFont typeface="Arial" panose="020B0604020202020204" pitchFamily="34" charset="0"/>
+              <a:buNone/>
+              <a:defRPr sz="1600" b="1" kern="1200">
+                <a:solidFill>
+                  <a:schemeClr val="tx1"/>
+                </a:solidFill>
+                <a:latin typeface="+mn-lt"/>
+                <a:ea typeface="+mn-ea"/>
+                <a:cs typeface="+mn-cs"/>
+              </a:defRPr>
+            </a:lvl7pPr>
+            <a:lvl8pPr marL="3200400" indent="0" algn="l" defTabSz="914400" rtl="0" eaLnBrk="1" latinLnBrk="0" hangingPunct="1">
+              <a:lnSpc>
+                <a:spcPct val="90000"/>
+              </a:lnSpc>
+              <a:spcBef>
+                <a:spcPts val="500"/>
+              </a:spcBef>
+              <a:buFont typeface="Arial" panose="020B0604020202020204" pitchFamily="34" charset="0"/>
+              <a:buNone/>
+              <a:defRPr sz="1600" b="1" kern="1200">
+                <a:solidFill>
+                  <a:schemeClr val="tx1"/>
+                </a:solidFill>
+                <a:latin typeface="+mn-lt"/>
+                <a:ea typeface="+mn-ea"/>
+                <a:cs typeface="+mn-cs"/>
+              </a:defRPr>
+            </a:lvl8pPr>
+            <a:lvl9pPr marL="3657600" indent="0" algn="l" defTabSz="914400" rtl="0" eaLnBrk="1" latinLnBrk="0" hangingPunct="1">
+              <a:lnSpc>
+                <a:spcPct val="90000"/>
+              </a:lnSpc>
+              <a:spcBef>
+                <a:spcPts val="500"/>
+              </a:spcBef>
+              <a:buFont typeface="Arial" panose="020B0604020202020204" pitchFamily="34" charset="0"/>
+              <a:buNone/>
+              <a:defRPr sz="1600" b="1" kern="1200">
+                <a:solidFill>
+                  <a:schemeClr val="tx1"/>
+                </a:solidFill>
+                <a:latin typeface="+mn-lt"/>
+                <a:ea typeface="+mn-ea"/>
+                <a:cs typeface="+mn-cs"/>
+              </a:defRPr>
+            </a:lvl9pPr>
+          </a:lstStyle>
+          <a:p>
+            <a:pPr algn="ctr"/>
+            <a:r>
+              <a:rPr lang="en-US" sz="5400" dirty="0">
+                <a:cs typeface="Consolas" panose="020B0609020204030204" pitchFamily="49" charset="0"/>
+              </a:rPr>
+              <a:t>1 + i23		-55 + i0			9 + i7</a:t>
+            </a:r>
+          </a:p>
+          <a:p>
+            <a:pPr algn="ctr"/>
+            <a:endParaRPr lang="en-US" sz="5400" dirty="0">
+              <a:cs typeface="Consolas" panose="020B0609020204030204" pitchFamily="49" charset="0"/>
+            </a:endParaRPr>
+          </a:p>
+          <a:p>
+            <a:pPr algn="ctr"/>
+            <a:r>
+              <a:rPr lang="en-US" sz="5400" dirty="0">
+                <a:cs typeface="Consolas" panose="020B0609020204030204" pitchFamily="49" charset="0"/>
+              </a:rPr>
+              <a:t>-728 + i8		-3 + i90		81 + i92</a:t>
+            </a:r>
+          </a:p>
+          <a:p>
+            <a:pPr algn="ctr"/>
+            <a:r>
+              <a:rPr lang="en-US" sz="5400" dirty="0">
+                <a:cs typeface="Consolas" panose="020B0609020204030204" pitchFamily="49" charset="0"/>
+              </a:rPr>
+              <a:t>					</a:t>
+            </a:r>
+          </a:p>
+          <a:p>
+            <a:pPr algn="ctr"/>
+            <a:endParaRPr lang="en-US" sz="5400" dirty="0">
+              <a:cs typeface="Consolas" panose="020B0609020204030204" pitchFamily="49" charset="0"/>
+            </a:endParaRPr>
+          </a:p>
+        </p:txBody>
+      </p:sp>
+    </p:spTree>
+    <p:extLst>
+      <p:ext uri="{BB962C8B-B14F-4D97-AF65-F5344CB8AC3E}">
+        <p14:creationId xmlns:p14="http://schemas.microsoft.com/office/powerpoint/2010/main" val="4266193849"/>
+      </p:ext>
+    </p:extLst>
+  </p:cSld>
+  <p:clrMapOvr>
+    <a:masterClrMapping/>
+  </p:clrMapOvr>
+</p:sld>
+</file>
+
+<file path=ppt/slides/slide19.xml><?xml version="1.0" encoding="utf-8"?>
+<p:sld xmlns:a="http://schemas.openxmlformats.org/drawingml/2006/main" xmlns:r="http://schemas.openxmlformats.org/officeDocument/2006/relationships" xmlns:p="http://schemas.openxmlformats.org/presentationml/2006/main">
+  <p:cSld>
+    <p:bg>
+      <p:bgPr>
+        <a:solidFill>
+          <a:schemeClr val="bg1"/>
+        </a:solidFill>
+        <a:effectLst/>
+      </p:bgPr>
+    </p:bg>
+    <p:spTree>
+      <p:nvGrpSpPr>
+        <p:cNvPr id="1" name=""/>
+        <p:cNvGrpSpPr/>
+        <p:nvPr/>
+      </p:nvGrpSpPr>
+      <p:grpSpPr>
+        <a:xfrm>
+          <a:off x="0" y="0"/>
+          <a:ext cx="0" cy="0"/>
+          <a:chOff x="0" y="0"/>
+          <a:chExt cx="0" cy="0"/>
+        </a:xfrm>
+      </p:grpSpPr>
+      <p:sp>
+        <p:nvSpPr>
+          <p:cNvPr id="2" name="Title 1">
+            <a:extLst>
+              <a:ext uri="{FF2B5EF4-FFF2-40B4-BE49-F238E27FC236}">
+                <a16:creationId xmlns:a16="http://schemas.microsoft.com/office/drawing/2014/main" id="{C1AD2C26-AA88-894F-878A-E9DCBD69C79A}"/>
+              </a:ext>
+            </a:extLst>
+          </p:cNvPr>
+          <p:cNvSpPr>
+            <a:spLocks noGrp="1"/>
+          </p:cNvSpPr>
+          <p:nvPr>
+            <p:ph type="title"/>
+          </p:nvPr>
+        </p:nvSpPr>
+        <p:spPr>
+          <a:xfrm>
+            <a:off x="1175512" y="870132"/>
+            <a:ext cx="9792208" cy="1527078"/>
+          </a:xfrm>
+        </p:spPr>
+        <p:txBody>
+          <a:bodyPr>
+            <a:normAutofit/>
+          </a:bodyPr>
+          <a:lstStyle/>
+          <a:p>
+            <a:r>
+              <a:rPr lang="en-US" dirty="0">
+                <a:solidFill>
+                  <a:schemeClr val="tx2">
+                    <a:lumMod val="75000"/>
+                  </a:schemeClr>
+                </a:solidFill>
+              </a:rPr>
+              <a:t>Data type #3</a:t>
+            </a:r>
+            <a:br>
+              <a:rPr lang="en-US" dirty="0">
+                <a:solidFill>
+                  <a:schemeClr val="tx2">
+                    <a:lumMod val="75000"/>
+                  </a:schemeClr>
+                </a:solidFill>
+              </a:rPr>
+            </a:br>
+            <a:r>
+              <a:rPr lang="en-US" dirty="0">
+                <a:solidFill>
+                  <a:schemeClr val="tx2">
+                    <a:lumMod val="75000"/>
+                  </a:schemeClr>
+                </a:solidFill>
+              </a:rPr>
+              <a:t>Complex numbers</a:t>
             </a:r>
           </a:p>
         </p:txBody>
@@ -5560,7 +6163,7 @@
           <p:cNvPr id="3" name="Content Placeholder 2">
             <a:extLst>
               <a:ext uri="{FF2B5EF4-FFF2-40B4-BE49-F238E27FC236}">
-                <a16:creationId xmlns:a16="http://schemas.microsoft.com/office/drawing/2014/main" id="{1338A229-F889-2D44-93A4-E978CAE2312A}"/>
+                <a16:creationId xmlns:a16="http://schemas.microsoft.com/office/drawing/2014/main" id="{7223CCE3-23CA-7349-8910-FA533F8532E0}"/>
               </a:ext>
             </a:extLst>
           </p:cNvPr>
@@ -5579,83 +6182,134 @@
         </p:spPr>
         <p:txBody>
           <a:bodyPr>
-            <a:normAutofit fontScale="70000" lnSpcReduction="20000"/>
+            <a:normAutofit/>
           </a:bodyPr>
           <a:lstStyle/>
           <a:p>
             <a:r>
-              <a:rPr lang="en-US" dirty="0"/>
-              <a:t>Use </a:t>
-            </a:r>
-            <a:r>
-              <a:rPr lang="en-US" b="1" dirty="0"/>
-              <a:t>bitwise operator(s)</a:t>
-            </a:r>
-            <a:r>
-              <a:rPr lang="en-US" dirty="0"/>
-              <a:t> to</a:t>
-            </a:r>
-          </a:p>
-          <a:p>
-            <a:r>
-              <a:rPr lang="en-US" dirty="0"/>
-              <a:t>Check if a number is even</a:t>
-            </a:r>
-          </a:p>
-          <a:p>
-            <a:r>
-              <a:rPr lang="en-US" dirty="0"/>
-              <a:t>Check if a number is odd</a:t>
-            </a:r>
-          </a:p>
-          <a:p>
-            <a:r>
-              <a:rPr lang="en-US" dirty="0"/>
-              <a:t>Check if a number is a power of 2</a:t>
-            </a:r>
-          </a:p>
-          <a:p>
-            <a:r>
-              <a:rPr lang="en-US" dirty="0"/>
-              <a:t>Check if a number can be represented by 1 byte</a:t>
-            </a:r>
-          </a:p>
-          <a:p>
-            <a:r>
-              <a:rPr lang="en-US" dirty="0"/>
-              <a:t>Check if a number can be represented by 2 bytes</a:t>
-            </a:r>
-          </a:p>
-          <a:p>
-            <a:r>
-              <a:rPr lang="en-US" dirty="0"/>
-              <a:t>Check if a number can be represented by 4 bytes</a:t>
-            </a:r>
-          </a:p>
-          <a:p>
-            <a:r>
-              <a:rPr lang="en-US" dirty="0"/>
-              <a:t>Check if a number can be represented by 8 bytes</a:t>
-            </a:r>
-          </a:p>
-          <a:p>
-            <a:endParaRPr lang="en-US" dirty="0"/>
-          </a:p>
-          <a:p>
-            <a:r>
-              <a:rPr lang="en-US" i="1" dirty="0"/>
-              <a:t>Pen + Paper is fine but if you can REPLT it, then super !</a:t>
-            </a:r>
-          </a:p>
-          <a:p>
-            <a:endParaRPr lang="en-US" dirty="0"/>
+              <a:rPr lang="en-US" dirty="0">
+                <a:solidFill>
+                  <a:schemeClr val="tx2">
+                    <a:lumMod val="75000"/>
+                  </a:schemeClr>
+                </a:solidFill>
+              </a:rPr>
+              <a:t>Super important in all major scientific and computing fields</a:t>
+            </a:r>
+          </a:p>
+          <a:p>
+            <a:r>
+              <a:rPr lang="en-US" dirty="0">
+                <a:solidFill>
+                  <a:schemeClr val="tx2">
+                    <a:lumMod val="75000"/>
+                  </a:schemeClr>
+                </a:solidFill>
+              </a:rPr>
+              <a:t>It is a lesson on its own!</a:t>
+            </a:r>
+          </a:p>
+          <a:p>
+            <a:r>
+              <a:rPr lang="en-US" dirty="0">
+                <a:solidFill>
+                  <a:schemeClr val="tx2">
+                    <a:lumMod val="75000"/>
+                  </a:schemeClr>
+                </a:solidFill>
+              </a:rPr>
+              <a:t>For now, in Python, it can be used as (</a:t>
+            </a:r>
+            <a:r>
+              <a:rPr lang="en-US" dirty="0">
+                <a:solidFill>
+                  <a:schemeClr val="tx2">
+                    <a:lumMod val="75000"/>
+                  </a:schemeClr>
+                </a:solidFill>
+                <a:latin typeface="Consolas" panose="020B0609020204030204" pitchFamily="49" charset="0"/>
+                <a:cs typeface="Consolas" panose="020B0609020204030204" pitchFamily="49" charset="0"/>
+              </a:rPr>
+              <a:t>3 + 4</a:t>
+            </a:r>
+            <a:r>
+              <a:rPr lang="en-US" b="1" dirty="0">
+                <a:solidFill>
+                  <a:schemeClr val="tx2">
+                    <a:lumMod val="75000"/>
+                  </a:schemeClr>
+                </a:solidFill>
+                <a:latin typeface="Consolas" panose="020B0609020204030204" pitchFamily="49" charset="0"/>
+                <a:cs typeface="Consolas" panose="020B0609020204030204" pitchFamily="49" charset="0"/>
+              </a:rPr>
+              <a:t>j</a:t>
+            </a:r>
+            <a:r>
+              <a:rPr lang="en-US" dirty="0">
+                <a:solidFill>
+                  <a:schemeClr val="tx2">
+                    <a:lumMod val="75000"/>
+                  </a:schemeClr>
+                </a:solidFill>
+                <a:latin typeface="Consolas" panose="020B0609020204030204" pitchFamily="49" charset="0"/>
+                <a:cs typeface="Consolas" panose="020B0609020204030204" pitchFamily="49" charset="0"/>
+              </a:rPr>
+              <a:t>) # (real + </a:t>
+            </a:r>
+            <a:r>
+              <a:rPr lang="en-US" b="1" dirty="0">
+                <a:solidFill>
+                  <a:schemeClr val="tx2">
+                    <a:lumMod val="75000"/>
+                  </a:schemeClr>
+                </a:solidFill>
+                <a:latin typeface="Consolas" panose="020B0609020204030204" pitchFamily="49" charset="0"/>
+                <a:cs typeface="Consolas" panose="020B0609020204030204" pitchFamily="49" charset="0"/>
+              </a:rPr>
+              <a:t>j</a:t>
+            </a:r>
+            <a:r>
+              <a:rPr lang="en-US" dirty="0">
+                <a:solidFill>
+                  <a:schemeClr val="tx2">
+                    <a:lumMod val="75000"/>
+                  </a:schemeClr>
+                </a:solidFill>
+                <a:latin typeface="Consolas" panose="020B0609020204030204" pitchFamily="49" charset="0"/>
+                <a:cs typeface="Consolas" panose="020B0609020204030204" pitchFamily="49" charset="0"/>
+              </a:rPr>
+              <a:t> imaginary)</a:t>
+            </a:r>
+          </a:p>
+          <a:p>
+            <a:r>
+              <a:rPr lang="en-US" i="1" dirty="0">
+                <a:solidFill>
+                  <a:schemeClr val="tx2">
+                    <a:lumMod val="75000"/>
+                  </a:schemeClr>
+                </a:solidFill>
+              </a:rPr>
+              <a:t>Represented by built-in &lt;class ‘complex’&gt;</a:t>
+            </a:r>
+          </a:p>
+          <a:p>
+            <a:endParaRPr lang="en-US" dirty="0">
+              <a:solidFill>
+                <a:schemeClr val="tx2">
+                  <a:lumMod val="75000"/>
+                </a:schemeClr>
+              </a:solidFill>
+              <a:latin typeface="Consolas" panose="020B0609020204030204" pitchFamily="49" charset="0"/>
+              <a:cs typeface="Consolas" panose="020B0609020204030204" pitchFamily="49" charset="0"/>
+            </a:endParaRPr>
           </a:p>
         </p:txBody>
       </p:sp>
     </p:spTree>
     <p:extLst>
       <p:ext uri="{BB962C8B-B14F-4D97-AF65-F5344CB8AC3E}">
-        <p14:creationId xmlns:p14="http://schemas.microsoft.com/office/powerpoint/2010/main" val="3327990682"/>
+        <p14:creationId xmlns:p14="http://schemas.microsoft.com/office/powerpoint/2010/main" val="865892057"/>
       </p:ext>
     </p:extLst>
   </p:cSld>
@@ -5906,6 +6560,471 @@
 </p:sld>
 </file>
 
+<file path=ppt/slides/slide20.xml><?xml version="1.0" encoding="utf-8"?>
+<p:sld xmlns:a="http://schemas.openxmlformats.org/drawingml/2006/main" xmlns:r="http://schemas.openxmlformats.org/officeDocument/2006/relationships" xmlns:p="http://schemas.openxmlformats.org/presentationml/2006/main">
+  <p:cSld>
+    <p:spTree>
+      <p:nvGrpSpPr>
+        <p:cNvPr id="1" name=""/>
+        <p:cNvGrpSpPr/>
+        <p:nvPr/>
+      </p:nvGrpSpPr>
+      <p:grpSpPr>
+        <a:xfrm>
+          <a:off x="0" y="0"/>
+          <a:ext cx="0" cy="0"/>
+          <a:chOff x="0" y="0"/>
+          <a:chExt cx="0" cy="0"/>
+        </a:xfrm>
+      </p:grpSpPr>
+      <p:sp>
+        <p:nvSpPr>
+          <p:cNvPr id="2" name="Title 1">
+            <a:extLst>
+              <a:ext uri="{FF2B5EF4-FFF2-40B4-BE49-F238E27FC236}">
+                <a16:creationId xmlns:a16="http://schemas.microsoft.com/office/drawing/2014/main" id="{9C042FCC-8D49-4049-B35D-D27812C2AD24}"/>
+              </a:ext>
+            </a:extLst>
+          </p:cNvPr>
+          <p:cNvSpPr>
+            <a:spLocks noGrp="1"/>
+          </p:cNvSpPr>
+          <p:nvPr>
+            <p:ph type="title"/>
+          </p:nvPr>
+        </p:nvSpPr>
+        <p:spPr/>
+        <p:txBody>
+          <a:bodyPr/>
+          <a:lstStyle/>
+          <a:p>
+            <a:r>
+              <a:rPr lang="en-US" dirty="0"/>
+              <a:t>What can you do with a </a:t>
+            </a:r>
+            <a:r>
+              <a:rPr lang="en-US" b="1" dirty="0"/>
+              <a:t>complex</a:t>
+            </a:r>
+            <a:endParaRPr lang="en-US" dirty="0"/>
+          </a:p>
+        </p:txBody>
+      </p:sp>
+      <p:sp>
+        <p:nvSpPr>
+          <p:cNvPr id="3" name="Content Placeholder 2">
+            <a:extLst>
+              <a:ext uri="{FF2B5EF4-FFF2-40B4-BE49-F238E27FC236}">
+                <a16:creationId xmlns:a16="http://schemas.microsoft.com/office/drawing/2014/main" id="{F16A345D-2E8C-AE49-9D66-C99F887467CB}"/>
+              </a:ext>
+            </a:extLst>
+          </p:cNvPr>
+          <p:cNvSpPr>
+            <a:spLocks noGrp="1"/>
+          </p:cNvSpPr>
+          <p:nvPr>
+            <p:ph idx="1"/>
+          </p:nvPr>
+        </p:nvSpPr>
+        <p:spPr/>
+        <p:txBody>
+          <a:bodyPr/>
+          <a:lstStyle/>
+          <a:p>
+            <a:endParaRPr lang="en-US" dirty="0"/>
+          </a:p>
+          <a:p>
+            <a:endParaRPr lang="en-US" dirty="0"/>
+          </a:p>
+          <a:p>
+            <a:endParaRPr lang="en-US" dirty="0"/>
+          </a:p>
+          <a:p>
+            <a:r>
+              <a:rPr lang="en-US" dirty="0"/>
+              <a:t>Everything that you can do with an </a:t>
+            </a:r>
+            <a:r>
+              <a:rPr lang="en-US" b="1" dirty="0"/>
+              <a:t>int</a:t>
+            </a:r>
+            <a:endParaRPr lang="en-US" dirty="0"/>
+          </a:p>
+        </p:txBody>
+      </p:sp>
+    </p:spTree>
+    <p:extLst>
+      <p:ext uri="{BB962C8B-B14F-4D97-AF65-F5344CB8AC3E}">
+        <p14:creationId xmlns:p14="http://schemas.microsoft.com/office/powerpoint/2010/main" val="1816746277"/>
+      </p:ext>
+    </p:extLst>
+  </p:cSld>
+  <p:clrMapOvr>
+    <a:masterClrMapping/>
+  </p:clrMapOvr>
+</p:sld>
+</file>
+
+<file path=ppt/slides/slide21.xml><?xml version="1.0" encoding="utf-8"?>
+<p:sld xmlns:a="http://schemas.openxmlformats.org/drawingml/2006/main" xmlns:r="http://schemas.openxmlformats.org/officeDocument/2006/relationships" xmlns:p="http://schemas.openxmlformats.org/presentationml/2006/main">
+  <p:cSld>
+    <p:bg>
+      <p:bgPr>
+        <a:solidFill>
+          <a:schemeClr val="bg1"/>
+        </a:solidFill>
+        <a:effectLst/>
+      </p:bgPr>
+    </p:bg>
+    <p:spTree>
+      <p:nvGrpSpPr>
+        <p:cNvPr id="1" name=""/>
+        <p:cNvGrpSpPr/>
+        <p:nvPr/>
+      </p:nvGrpSpPr>
+      <p:grpSpPr>
+        <a:xfrm>
+          <a:off x="0" y="0"/>
+          <a:ext cx="0" cy="0"/>
+          <a:chOff x="0" y="0"/>
+          <a:chExt cx="0" cy="0"/>
+        </a:xfrm>
+      </p:grpSpPr>
+      <p:sp>
+        <p:nvSpPr>
+          <p:cNvPr id="2" name="Title 1">
+            <a:extLst>
+              <a:ext uri="{FF2B5EF4-FFF2-40B4-BE49-F238E27FC236}">
+                <a16:creationId xmlns:a16="http://schemas.microsoft.com/office/drawing/2014/main" id="{72EA667A-FB9B-ED4A-B38A-531089B42E5B}"/>
+              </a:ext>
+            </a:extLst>
+          </p:cNvPr>
+          <p:cNvSpPr>
+            <a:spLocks noGrp="1"/>
+          </p:cNvSpPr>
+          <p:nvPr>
+            <p:ph type="title"/>
+          </p:nvPr>
+        </p:nvSpPr>
+        <p:spPr>
+          <a:xfrm>
+            <a:off x="1011125" y="611635"/>
+            <a:ext cx="9792208" cy="1527078"/>
+          </a:xfrm>
+        </p:spPr>
+        <p:txBody>
+          <a:bodyPr>
+            <a:normAutofit/>
+          </a:bodyPr>
+          <a:lstStyle/>
+          <a:p>
+            <a:r>
+              <a:rPr lang="en-US" dirty="0">
+                <a:solidFill>
+                  <a:schemeClr val="tx2">
+                    <a:lumMod val="75000"/>
+                  </a:schemeClr>
+                </a:solidFill>
+              </a:rPr>
+              <a:t>Time to code</a:t>
+            </a:r>
+          </a:p>
+        </p:txBody>
+      </p:sp>
+      <p:sp>
+        <p:nvSpPr>
+          <p:cNvPr id="3" name="Content Placeholder 2">
+            <a:extLst>
+              <a:ext uri="{FF2B5EF4-FFF2-40B4-BE49-F238E27FC236}">
+                <a16:creationId xmlns:a16="http://schemas.microsoft.com/office/drawing/2014/main" id="{FA72F86A-1B2E-0E45-948E-5264B233DBEE}"/>
+              </a:ext>
+            </a:extLst>
+          </p:cNvPr>
+          <p:cNvSpPr>
+            <a:spLocks noGrp="1"/>
+          </p:cNvSpPr>
+          <p:nvPr>
+            <p:ph idx="1"/>
+          </p:nvPr>
+        </p:nvSpPr>
+        <p:spPr>
+          <a:xfrm>
+            <a:off x="1011125" y="2074964"/>
+            <a:ext cx="9792208" cy="3407862"/>
+          </a:xfrm>
+        </p:spPr>
+        <p:txBody>
+          <a:bodyPr>
+            <a:noAutofit/>
+          </a:bodyPr>
+          <a:lstStyle/>
+          <a:p>
+            <a:r>
+              <a:rPr lang="en-US" sz="2400" dirty="0">
+                <a:solidFill>
+                  <a:schemeClr val="tx2">
+                    <a:lumMod val="75000"/>
+                  </a:schemeClr>
+                </a:solidFill>
+              </a:rPr>
+              <a:t>Use a</a:t>
+            </a:r>
+            <a:r>
+              <a:rPr lang="en-US" sz="2400" dirty="0"/>
+              <a:t> </a:t>
+            </a:r>
+            <a:r>
+              <a:rPr lang="en-US" sz="2400" dirty="0">
+                <a:hlinkClick r:id="rId2"/>
+              </a:rPr>
+              <a:t>REPL</a:t>
+            </a:r>
+            <a:r>
+              <a:rPr lang="en-US" sz="2400" dirty="0"/>
+              <a:t> </a:t>
+            </a:r>
+            <a:r>
+              <a:rPr lang="en-US" sz="2400" dirty="0">
+                <a:solidFill>
+                  <a:schemeClr val="tx2">
+                    <a:lumMod val="75000"/>
+                  </a:schemeClr>
+                </a:solidFill>
+              </a:rPr>
+              <a:t>to write small snippets of code to understand what they do </a:t>
+            </a:r>
+            <a:r>
+              <a:rPr lang="en-US" sz="2400" dirty="0"/>
+              <a:t>(</a:t>
+            </a:r>
+            <a:r>
+              <a:rPr lang="en-US" sz="2400" dirty="0">
+                <a:hlinkClick r:id="rId3"/>
+              </a:rPr>
+              <a:t>https://repl.it/</a:t>
+            </a:r>
+            <a:r>
+              <a:rPr lang="en-US" sz="2400" dirty="0"/>
+              <a:t>)</a:t>
+            </a:r>
+          </a:p>
+          <a:p>
+            <a:r>
+              <a:rPr lang="en-US" sz="2400" dirty="0">
+                <a:solidFill>
+                  <a:schemeClr val="tx2">
+                    <a:lumMod val="75000"/>
+                  </a:schemeClr>
+                </a:solidFill>
+              </a:rPr>
+              <a:t>Write </a:t>
+            </a:r>
+            <a:r>
+              <a:rPr lang="en-US" sz="2400" b="1" dirty="0">
+                <a:solidFill>
+                  <a:schemeClr val="tx2">
+                    <a:lumMod val="75000"/>
+                  </a:schemeClr>
+                </a:solidFill>
+              </a:rPr>
+              <a:t>small</a:t>
+            </a:r>
+            <a:r>
+              <a:rPr lang="en-US" sz="2400" dirty="0">
+                <a:solidFill>
+                  <a:schemeClr val="tx2">
+                    <a:lumMod val="75000"/>
+                  </a:schemeClr>
+                </a:solidFill>
+              </a:rPr>
+              <a:t> pieces of code and see what output they produce immediately</a:t>
+            </a:r>
+          </a:p>
+          <a:p>
+            <a:r>
+              <a:rPr lang="en-US" sz="2400" dirty="0">
+                <a:solidFill>
+                  <a:schemeClr val="tx2">
+                    <a:lumMod val="75000"/>
+                  </a:schemeClr>
+                </a:solidFill>
+              </a:rPr>
+              <a:t>For each of the data type we have seen in this session, try the following operations on each of them:</a:t>
+            </a:r>
+          </a:p>
+          <a:p>
+            <a:pPr lvl="1"/>
+            <a:r>
+              <a:rPr lang="en-US" dirty="0">
+                <a:solidFill>
+                  <a:schemeClr val="tx2">
+                    <a:lumMod val="75000"/>
+                  </a:schemeClr>
+                </a:solidFill>
+              </a:rPr>
+              <a:t>Create</a:t>
+            </a:r>
+          </a:p>
+          <a:p>
+            <a:pPr lvl="1"/>
+            <a:r>
+              <a:rPr lang="en-US" dirty="0">
+                <a:solidFill>
+                  <a:schemeClr val="tx2">
+                    <a:lumMod val="75000"/>
+                  </a:schemeClr>
+                </a:solidFill>
+              </a:rPr>
+              <a:t>Access and </a:t>
+            </a:r>
+            <a:r>
+              <a:rPr lang="en-US" dirty="0">
+                <a:solidFill>
+                  <a:schemeClr val="tx2">
+                    <a:lumMod val="75000"/>
+                  </a:schemeClr>
+                </a:solidFill>
+                <a:latin typeface="Consolas" panose="020B0609020204030204" pitchFamily="49" charset="0"/>
+                <a:cs typeface="Consolas" panose="020B0609020204030204" pitchFamily="49" charset="0"/>
+              </a:rPr>
+              <a:t>print()</a:t>
+            </a:r>
+          </a:p>
+          <a:p>
+            <a:pPr lvl="1"/>
+            <a:r>
+              <a:rPr lang="en-US" dirty="0">
+                <a:solidFill>
+                  <a:schemeClr val="tx2">
+                    <a:lumMod val="75000"/>
+                  </a:schemeClr>
+                </a:solidFill>
+              </a:rPr>
+              <a:t>Modify</a:t>
+            </a:r>
+          </a:p>
+          <a:p>
+            <a:pPr lvl="1"/>
+            <a:r>
+              <a:rPr lang="en-US" dirty="0">
+                <a:solidFill>
+                  <a:schemeClr val="tx2">
+                    <a:lumMod val="75000"/>
+                  </a:schemeClr>
+                </a:solidFill>
+              </a:rPr>
+              <a:t>Access and </a:t>
+            </a:r>
+            <a:r>
+              <a:rPr lang="en-US" dirty="0">
+                <a:solidFill>
+                  <a:schemeClr val="tx2">
+                    <a:lumMod val="75000"/>
+                  </a:schemeClr>
+                </a:solidFill>
+                <a:latin typeface="Consolas" panose="020B0609020204030204" pitchFamily="49" charset="0"/>
+                <a:cs typeface="Consolas" panose="020B0609020204030204" pitchFamily="49" charset="0"/>
+              </a:rPr>
+              <a:t>print()</a:t>
+            </a:r>
+          </a:p>
+          <a:p>
+            <a:pPr lvl="1"/>
+            <a:r>
+              <a:rPr lang="en-US" dirty="0">
+                <a:solidFill>
+                  <a:schemeClr val="tx2">
+                    <a:lumMod val="75000"/>
+                  </a:schemeClr>
+                </a:solidFill>
+              </a:rPr>
+              <a:t>Do the above for 1 small, 1 medium, 1 big value in respective data type</a:t>
+            </a:r>
+          </a:p>
+          <a:p>
+            <a:r>
+              <a:rPr lang="en-US" sz="2400" dirty="0">
+                <a:solidFill>
+                  <a:schemeClr val="tx2">
+                    <a:lumMod val="75000"/>
+                  </a:schemeClr>
+                </a:solidFill>
+              </a:rPr>
+              <a:t>Try python3 built-in functions, there are </a:t>
+            </a:r>
+            <a:r>
+              <a:rPr lang="en-US" sz="2400" i="1" dirty="0">
+                <a:solidFill>
+                  <a:schemeClr val="tx2">
+                    <a:lumMod val="75000"/>
+                  </a:schemeClr>
+                </a:solidFill>
+              </a:rPr>
+              <a:t>lots</a:t>
+            </a:r>
+            <a:r>
+              <a:rPr lang="en-US" sz="2400" dirty="0">
+                <a:solidFill>
+                  <a:schemeClr val="tx2">
+                    <a:lumMod val="75000"/>
+                  </a:schemeClr>
+                </a:solidFill>
+              </a:rPr>
+              <a:t> of them and they are very useful</a:t>
+            </a:r>
+            <a:r>
+              <a:rPr lang="en-US" sz="2400" dirty="0"/>
+              <a:t>! (https://</a:t>
+            </a:r>
+            <a:r>
+              <a:rPr lang="en-US" sz="2400" dirty="0" err="1"/>
+              <a:t>docs.python.org</a:t>
+            </a:r>
+            <a:r>
+              <a:rPr lang="en-US" sz="2400" dirty="0"/>
+              <a:t>/3/library/</a:t>
+            </a:r>
+            <a:r>
+              <a:rPr lang="en-US" sz="2400" dirty="0" err="1"/>
+              <a:t>functions.html</a:t>
+            </a:r>
+            <a:r>
+              <a:rPr lang="en-US" sz="2400" dirty="0"/>
+              <a:t>)</a:t>
+            </a:r>
+            <a:endParaRPr lang="en-US" sz="2400" dirty="0">
+              <a:solidFill>
+                <a:schemeClr val="tx2">
+                  <a:lumMod val="75000"/>
+                </a:schemeClr>
+              </a:solidFill>
+            </a:endParaRPr>
+          </a:p>
+          <a:p>
+            <a:pPr lvl="1"/>
+            <a:endParaRPr lang="en-US" dirty="0">
+              <a:solidFill>
+                <a:schemeClr val="tx2">
+                  <a:lumMod val="75000"/>
+                </a:schemeClr>
+              </a:solidFill>
+            </a:endParaRPr>
+          </a:p>
+        </p:txBody>
+      </p:sp>
+    </p:spTree>
+    <p:extLst>
+      <p:ext uri="{BB962C8B-B14F-4D97-AF65-F5344CB8AC3E}">
+        <p14:creationId xmlns:p14="http://schemas.microsoft.com/office/powerpoint/2010/main" val="3547435381"/>
+      </p:ext>
+    </p:extLst>
+  </p:cSld>
+  <p:clrMapOvr>
+    <a:masterClrMapping/>
+  </p:clrMapOvr>
+</p:sld>
+</file>
+
 <file path=ppt/slides/slide3.xml><?xml version="1.0" encoding="utf-8"?>
 <p:sld xmlns:a="http://schemas.openxmlformats.org/drawingml/2006/main" xmlns:r="http://schemas.openxmlformats.org/officeDocument/2006/relationships" xmlns:p="http://schemas.openxmlformats.org/presentationml/2006/main">
   <p:cSld>
@@ -6016,12 +7135,12 @@
         </p:spPr>
         <p:txBody>
           <a:bodyPr>
-            <a:normAutofit fontScale="55000" lnSpcReduction="20000"/>
+            <a:noAutofit/>
           </a:bodyPr>
           <a:lstStyle/>
           <a:p>
             <a:r>
-              <a:rPr lang="en-US" b="1" dirty="0">
+              <a:rPr lang="en-US" sz="1800" b="1" dirty="0">
                 <a:solidFill>
                   <a:schemeClr val="tx2">
                     <a:lumMod val="75000"/>
@@ -6033,7 +7152,7 @@
           </a:p>
           <a:p>
             <a:r>
-              <a:rPr lang="en-US" dirty="0">
+              <a:rPr lang="en-US" sz="1800" dirty="0">
                 <a:solidFill>
                   <a:schemeClr val="tx2">
                     <a:lumMod val="75000"/>
@@ -6043,7 +7162,7 @@
               <a:t>Memory is </a:t>
             </a:r>
             <a:r>
-              <a:rPr lang="en-US" b="1" dirty="0">
+              <a:rPr lang="en-US" sz="1800" b="1" dirty="0">
                 <a:solidFill>
                   <a:schemeClr val="tx2">
                     <a:lumMod val="75000"/>
@@ -6053,7 +7172,7 @@
               <a:t>address</a:t>
             </a:r>
             <a:r>
-              <a:rPr lang="en-US" dirty="0">
+              <a:rPr lang="en-US" sz="1800" dirty="0">
                 <a:solidFill>
                   <a:schemeClr val="tx2">
                     <a:lumMod val="75000"/>
@@ -6065,7 +7184,7 @@
           </a:p>
           <a:p>
             <a:r>
-              <a:rPr lang="en-US" dirty="0">
+              <a:rPr lang="en-US" sz="1800" dirty="0">
                 <a:solidFill>
                   <a:schemeClr val="tx2">
                     <a:lumMod val="75000"/>
@@ -6075,7 +7194,7 @@
               <a:t>Each </a:t>
             </a:r>
             <a:r>
-              <a:rPr lang="en-US" b="1" dirty="0">
+              <a:rPr lang="en-US" sz="1800" b="1" dirty="0">
                 <a:solidFill>
                   <a:schemeClr val="tx2">
                     <a:lumMod val="75000"/>
@@ -6085,7 +7204,7 @@
               <a:t>address</a:t>
             </a:r>
             <a:r>
-              <a:rPr lang="en-US" dirty="0">
+              <a:rPr lang="en-US" sz="1800" dirty="0">
                 <a:solidFill>
                   <a:schemeClr val="tx2">
                     <a:lumMod val="75000"/>
@@ -6095,7 +7214,7 @@
               <a:t> has an associated </a:t>
             </a:r>
             <a:r>
-              <a:rPr lang="en-US" b="1" dirty="0">
+              <a:rPr lang="en-US" sz="1800" b="1" dirty="0">
                 <a:solidFill>
                   <a:schemeClr val="tx2">
                     <a:lumMod val="75000"/>
@@ -6107,7 +7226,7 @@
           </a:p>
           <a:p>
             <a:r>
-              <a:rPr lang="en-US" b="1" dirty="0">
+              <a:rPr lang="en-US" sz="1800" b="1" dirty="0">
                 <a:solidFill>
                   <a:schemeClr val="tx2">
                     <a:lumMod val="75000"/>
@@ -6119,7 +7238,7 @@
           </a:p>
           <a:p>
             <a:r>
-              <a:rPr lang="en-US" b="1" dirty="0">
+              <a:rPr lang="en-US" sz="1800" b="1" dirty="0">
                 <a:solidFill>
                   <a:schemeClr val="tx2">
                     <a:lumMod val="75000"/>
@@ -6131,7 +7250,7 @@
           </a:p>
           <a:p>
             <a:r>
-              <a:rPr lang="en-US" b="1" dirty="0">
+              <a:rPr lang="en-US" sz="1800" b="1" dirty="0">
                 <a:solidFill>
                   <a:schemeClr val="tx2">
                     <a:lumMod val="75000"/>
@@ -6143,7 +7262,7 @@
           </a:p>
           <a:p>
             <a:r>
-              <a:rPr lang="en-US" b="1" dirty="0">
+              <a:rPr lang="en-US" sz="1800" b="1" dirty="0">
                 <a:solidFill>
                   <a:schemeClr val="tx2">
                     <a:lumMod val="75000"/>
@@ -6155,7 +7274,7 @@
           </a:p>
           <a:p>
             <a:r>
-              <a:rPr lang="en-US" b="1" dirty="0">
+              <a:rPr lang="en-US" sz="1800" b="1" dirty="0">
                 <a:solidFill>
                   <a:schemeClr val="tx2">
                     <a:lumMod val="75000"/>
@@ -6167,18 +7286,18 @@
           </a:p>
           <a:p>
             <a:r>
-              <a:rPr lang="en-US" b="1" dirty="0">
-                <a:solidFill>
-                  <a:schemeClr val="tx2">
-                    <a:lumMod val="75000"/>
-                  </a:schemeClr>
-                </a:solidFill>
-              </a:rPr>
-              <a:t>Double = 8 Bytes</a:t>
-            </a:r>
-          </a:p>
-          <a:p>
-            <a:endParaRPr lang="en-US" dirty="0">
+              <a:rPr lang="en-US" sz="1800" b="1" dirty="0">
+                <a:solidFill>
+                  <a:schemeClr val="tx2">
+                    <a:lumMod val="75000"/>
+                  </a:schemeClr>
+                </a:solidFill>
+              </a:rPr>
+              <a:t>Double   = 8 Bytes</a:t>
+            </a:r>
+          </a:p>
+          <a:p>
+            <a:endParaRPr lang="en-US" sz="1800" dirty="0">
               <a:solidFill>
                 <a:schemeClr val="tx2">
                   <a:lumMod val="75000"/>
@@ -6188,7 +7307,7 @@
           </a:p>
           <a:p>
             <a:r>
-              <a:rPr lang="en-US" dirty="0">
+              <a:rPr lang="en-US" sz="1800" dirty="0">
                 <a:solidFill>
                   <a:schemeClr val="tx2">
                     <a:lumMod val="75000"/>
@@ -6198,7 +7317,7 @@
               <a:t># Remember that </a:t>
             </a:r>
             <a:r>
-              <a:rPr lang="en-US" b="1" dirty="0">
+              <a:rPr lang="en-US" sz="1800" b="1" dirty="0">
                 <a:solidFill>
                   <a:schemeClr val="tx2">
                     <a:lumMod val="75000"/>
@@ -6208,7 +7327,7 @@
               <a:t>int, double </a:t>
             </a:r>
             <a:r>
-              <a:rPr lang="en-US" dirty="0">
+              <a:rPr lang="en-US" sz="1800" dirty="0">
                 <a:solidFill>
                   <a:schemeClr val="tx2">
                     <a:lumMod val="75000"/>
@@ -6218,7 +7337,7 @@
               <a:t>are </a:t>
             </a:r>
             <a:r>
-              <a:rPr lang="en-US" i="1" dirty="0">
+              <a:rPr lang="en-US" sz="1800" i="1" dirty="0">
                 <a:solidFill>
                   <a:schemeClr val="tx2">
                     <a:lumMod val="75000"/>
@@ -6228,7 +7347,7 @@
               <a:t>architecture dependent (x86, ARM </a:t>
             </a:r>
             <a:r>
-              <a:rPr lang="en-US" i="1" dirty="0" err="1">
+              <a:rPr lang="en-US" sz="1800" i="1" dirty="0" err="1">
                 <a:solidFill>
                   <a:schemeClr val="tx2">
                     <a:lumMod val="75000"/>
@@ -6238,7 +7357,7 @@
               <a:t>etc</a:t>
             </a:r>
             <a:r>
-              <a:rPr lang="en-US" i="1" dirty="0">
+              <a:rPr lang="en-US" sz="1800" i="1" dirty="0">
                 <a:solidFill>
                   <a:schemeClr val="tx2">
                     <a:lumMod val="75000"/>
@@ -6248,7 +7367,7 @@
               <a:t>)</a:t>
             </a:r>
             <a:r>
-              <a:rPr lang="en-US" dirty="0">
+              <a:rPr lang="en-US" sz="1800" dirty="0">
                 <a:solidFill>
                   <a:schemeClr val="tx2">
                     <a:lumMod val="75000"/>
@@ -6827,14 +7946,6 @@
 <file path=ppt/slides/slide6.xml><?xml version="1.0" encoding="utf-8"?>
 <p:sld xmlns:a="http://schemas.openxmlformats.org/drawingml/2006/main" xmlns:r="http://schemas.openxmlformats.org/officeDocument/2006/relationships" xmlns:p="http://schemas.openxmlformats.org/presentationml/2006/main">
   <p:cSld>
-    <p:bg>
-      <p:bgPr>
-        <a:solidFill>
-          <a:schemeClr val="bg1"/>
-        </a:solidFill>
-        <a:effectLst/>
-      </p:bgPr>
-    </p:bg>
     <p:spTree>
       <p:nvGrpSpPr>
         <p:cNvPr id="1" name=""/>
@@ -6854,7 +7965,7 @@
           <p:cNvPr id="2" name="Title 1">
             <a:extLst>
               <a:ext uri="{FF2B5EF4-FFF2-40B4-BE49-F238E27FC236}">
-                <a16:creationId xmlns:a16="http://schemas.microsoft.com/office/drawing/2014/main" id="{E1323627-9991-F846-8467-8BE7A62F0169}"/>
+                <a16:creationId xmlns:a16="http://schemas.microsoft.com/office/drawing/2014/main" id="{ED2BA839-EAC7-8C47-BC04-4DDE8DD60FC3}"/>
               </a:ext>
             </a:extLst>
           </p:cNvPr>
@@ -6867,211 +7978,26 @@
         </p:nvSpPr>
         <p:spPr>
           <a:xfrm>
-            <a:off x="1175512" y="870132"/>
-            <a:ext cx="9792208" cy="1527078"/>
+            <a:off x="1064231" y="2766218"/>
+            <a:ext cx="10515600" cy="1325563"/>
           </a:xfrm>
         </p:spPr>
         <p:txBody>
-          <a:bodyPr>
-            <a:normAutofit/>
-          </a:bodyPr>
-          <a:lstStyle/>
-          <a:p>
-            <a:r>
-              <a:rPr lang="en-US" dirty="0">
-                <a:solidFill>
-                  <a:schemeClr val="tx2">
-                    <a:lumMod val="75000"/>
-                  </a:schemeClr>
-                </a:solidFill>
-              </a:rPr>
-              <a:t>Data type #0</a:t>
-            </a:r>
-            <a:br>
-              <a:rPr lang="en-US" dirty="0">
-                <a:solidFill>
-                  <a:schemeClr val="tx2">
-                    <a:lumMod val="75000"/>
-                  </a:schemeClr>
-                </a:solidFill>
-              </a:rPr>
-            </a:br>
-            <a:r>
-              <a:rPr lang="en-US" dirty="0">
-                <a:solidFill>
-                  <a:schemeClr val="tx2">
-                    <a:lumMod val="75000"/>
-                  </a:schemeClr>
-                </a:solidFill>
-              </a:rPr>
-              <a:t>Booleans</a:t>
-            </a:r>
-            <a:endParaRPr lang="en-US" dirty="0"/>
-          </a:p>
-        </p:txBody>
-      </p:sp>
-      <p:sp>
-        <p:nvSpPr>
-          <p:cNvPr id="3" name="Content Placeholder 2">
-            <a:extLst>
-              <a:ext uri="{FF2B5EF4-FFF2-40B4-BE49-F238E27FC236}">
-                <a16:creationId xmlns:a16="http://schemas.microsoft.com/office/drawing/2014/main" id="{AE2CB732-625F-2841-9D7D-66837B39AA7A}"/>
-              </a:ext>
-            </a:extLst>
-          </p:cNvPr>
-          <p:cNvSpPr>
-            <a:spLocks noGrp="1"/>
-          </p:cNvSpPr>
-          <p:nvPr>
-            <p:ph idx="1"/>
-          </p:nvPr>
-        </p:nvSpPr>
-        <p:spPr>
-          <a:xfrm>
-            <a:off x="1175512" y="2557849"/>
-            <a:ext cx="9792208" cy="3407862"/>
-          </a:xfrm>
-        </p:spPr>
-        <p:txBody>
-          <a:bodyPr>
-            <a:normAutofit/>
-          </a:bodyPr>
-          <a:lstStyle/>
-          <a:p>
-            <a:r>
-              <a:rPr lang="en-US" dirty="0">
-                <a:solidFill>
-                  <a:schemeClr val="tx2">
-                    <a:lumMod val="75000"/>
-                  </a:schemeClr>
-                </a:solidFill>
-              </a:rPr>
-              <a:t>Can hold the values </a:t>
-            </a:r>
-            <a:r>
-              <a:rPr lang="en-US" dirty="0">
-                <a:solidFill>
-                  <a:schemeClr val="tx2">
-                    <a:lumMod val="75000"/>
-                  </a:schemeClr>
-                </a:solidFill>
-                <a:latin typeface="Consolas" panose="020B0609020204030204" pitchFamily="49" charset="0"/>
-                <a:cs typeface="Consolas" panose="020B0609020204030204" pitchFamily="49" charset="0"/>
-              </a:rPr>
-              <a:t>True</a:t>
-            </a:r>
-            <a:r>
-              <a:rPr lang="en-US" dirty="0">
-                <a:solidFill>
-                  <a:schemeClr val="tx2">
-                    <a:lumMod val="75000"/>
-                  </a:schemeClr>
-                </a:solidFill>
-              </a:rPr>
-              <a:t> or </a:t>
-            </a:r>
-            <a:r>
-              <a:rPr lang="en-US" dirty="0">
-                <a:solidFill>
-                  <a:schemeClr val="tx2">
-                    <a:lumMod val="75000"/>
-                  </a:schemeClr>
-                </a:solidFill>
-                <a:latin typeface="Consolas" panose="020B0609020204030204" pitchFamily="49" charset="0"/>
-                <a:cs typeface="Consolas" panose="020B0609020204030204" pitchFamily="49" charset="0"/>
-              </a:rPr>
-              <a:t>False</a:t>
-            </a:r>
-          </a:p>
-          <a:p>
-            <a:r>
-              <a:rPr lang="en-US" dirty="0">
-                <a:solidFill>
-                  <a:schemeClr val="tx2">
-                    <a:lumMod val="75000"/>
-                  </a:schemeClr>
-                </a:solidFill>
-                <a:cs typeface="Consolas" panose="020B0609020204030204" pitchFamily="49" charset="0"/>
-              </a:rPr>
-              <a:t>Represented by &lt;class ‘bool’&gt;</a:t>
-            </a:r>
-          </a:p>
-          <a:p>
-            <a:r>
-              <a:rPr lang="en-US" dirty="0">
-                <a:solidFill>
-                  <a:schemeClr val="tx2">
-                    <a:lumMod val="75000"/>
-                  </a:schemeClr>
-                </a:solidFill>
-                <a:cs typeface="Consolas" panose="020B0609020204030204" pitchFamily="49" charset="0"/>
-              </a:rPr>
-              <a:t>Most common functions applied on Boolean:</a:t>
-            </a:r>
-          </a:p>
-          <a:p>
-            <a:pPr lvl="1"/>
-            <a:r>
-              <a:rPr lang="en-US" b="1" dirty="0">
-                <a:solidFill>
-                  <a:schemeClr val="tx2">
-                    <a:lumMod val="75000"/>
-                  </a:schemeClr>
-                </a:solidFill>
-                <a:cs typeface="Consolas" panose="020B0609020204030204" pitchFamily="49" charset="0"/>
-              </a:rPr>
-              <a:t>and, or, negation, equality</a:t>
-            </a:r>
-          </a:p>
-          <a:p>
-            <a:r>
-              <a:rPr lang="en-US" dirty="0">
-                <a:solidFill>
-                  <a:schemeClr val="tx2">
-                    <a:lumMod val="75000"/>
-                  </a:schemeClr>
-                </a:solidFill>
-                <a:cs typeface="Consolas" panose="020B0609020204030204" pitchFamily="49" charset="0"/>
-              </a:rPr>
-              <a:t>Have a look at </a:t>
-            </a:r>
-            <a:r>
-              <a:rPr lang="en-US" dirty="0">
-                <a:solidFill>
-                  <a:schemeClr val="tx2">
-                    <a:lumMod val="75000"/>
-                  </a:schemeClr>
-                </a:solidFill>
-                <a:cs typeface="Consolas" panose="020B0609020204030204" pitchFamily="49" charset="0"/>
-                <a:hlinkClick r:id="rId2"/>
-              </a:rPr>
-              <a:t>https://en.wikipedia.org/wiki/Truth_table</a:t>
-            </a:r>
-            <a:endParaRPr lang="en-US" dirty="0">
-              <a:solidFill>
-                <a:schemeClr val="tx2">
-                  <a:lumMod val="75000"/>
-                </a:schemeClr>
-              </a:solidFill>
-              <a:cs typeface="Consolas" panose="020B0609020204030204" pitchFamily="49" charset="0"/>
-            </a:endParaRPr>
-          </a:p>
-          <a:p>
-            <a:endParaRPr lang="en-US" dirty="0">
-              <a:solidFill>
-                <a:schemeClr val="tx2">
-                  <a:lumMod val="75000"/>
-                </a:schemeClr>
-              </a:solidFill>
-              <a:cs typeface="Consolas" panose="020B0609020204030204" pitchFamily="49" charset="0"/>
-            </a:endParaRPr>
+          <a:bodyPr/>
+          <a:lstStyle/>
+          <a:p>
+            <a:pPr algn="ctr"/>
+            <a:r>
+              <a:rPr lang="en-US" dirty="0"/>
+              <a:t>Data Types</a:t>
+            </a:r>
           </a:p>
         </p:txBody>
       </p:sp>
     </p:spTree>
     <p:extLst>
       <p:ext uri="{BB962C8B-B14F-4D97-AF65-F5344CB8AC3E}">
-        <p14:creationId xmlns:p14="http://schemas.microsoft.com/office/powerpoint/2010/main" val="3093890287"/>
+        <p14:creationId xmlns:p14="http://schemas.microsoft.com/office/powerpoint/2010/main" val="738934140"/>
       </p:ext>
     </p:extLst>
   </p:cSld>
@@ -7103,7 +8029,7 @@
           <p:cNvPr id="2" name="Title 1">
             <a:extLst>
               <a:ext uri="{FF2B5EF4-FFF2-40B4-BE49-F238E27FC236}">
-                <a16:creationId xmlns:a16="http://schemas.microsoft.com/office/drawing/2014/main" id="{6485DAC9-81E1-8C4A-AC44-D8AEABA28682}"/>
+                <a16:creationId xmlns:a16="http://schemas.microsoft.com/office/drawing/2014/main" id="{E1323627-9991-F846-8467-8BE7A62F0169}"/>
               </a:ext>
             </a:extLst>
           </p:cNvPr>
@@ -7114,270 +8040,98 @@
             <p:ph type="title"/>
           </p:nvPr>
         </p:nvSpPr>
-        <p:spPr/>
-        <p:txBody>
-          <a:bodyPr/>
-          <a:lstStyle/>
-          <a:p>
-            <a:r>
-              <a:rPr lang="en-US" dirty="0"/>
-              <a:t>What can you do with a bool</a:t>
-            </a:r>
-          </a:p>
-        </p:txBody>
-      </p:sp>
-      <p:sp>
-        <p:nvSpPr>
-          <p:cNvPr id="3" name="Text Placeholder 2">
-            <a:extLst>
-              <a:ext uri="{FF2B5EF4-FFF2-40B4-BE49-F238E27FC236}">
-                <a16:creationId xmlns:a16="http://schemas.microsoft.com/office/drawing/2014/main" id="{BF83ACE2-61FF-5A4C-9887-D1CE1DBF2603}"/>
-              </a:ext>
-            </a:extLst>
-          </p:cNvPr>
-          <p:cNvSpPr>
-            <a:spLocks noGrp="1"/>
-          </p:cNvSpPr>
-          <p:nvPr>
-            <p:ph type="body" idx="1"/>
-          </p:nvPr>
-        </p:nvSpPr>
-        <p:spPr/>
-        <p:txBody>
-          <a:bodyPr/>
-          <a:lstStyle/>
-          <a:p>
-            <a:r>
-              <a:rPr lang="en-US" dirty="0"/>
-              <a:t>Operation</a:t>
-            </a:r>
-          </a:p>
-        </p:txBody>
-      </p:sp>
-      <p:sp>
-        <p:nvSpPr>
-          <p:cNvPr id="4" name="Content Placeholder 3">
-            <a:extLst>
-              <a:ext uri="{FF2B5EF4-FFF2-40B4-BE49-F238E27FC236}">
-                <a16:creationId xmlns:a16="http://schemas.microsoft.com/office/drawing/2014/main" id="{B30DFECA-55BB-094C-B661-D055D91138F3}"/>
-              </a:ext>
-            </a:extLst>
-          </p:cNvPr>
-          <p:cNvSpPr>
-            <a:spLocks noGrp="1"/>
-          </p:cNvSpPr>
-          <p:nvPr>
-            <p:ph sz="half" idx="2"/>
-          </p:nvPr>
-        </p:nvSpPr>
-        <p:spPr/>
+        <p:spPr>
+          <a:xfrm>
+            <a:off x="1175512" y="870132"/>
+            <a:ext cx="9792208" cy="1527078"/>
+          </a:xfrm>
+        </p:spPr>
         <p:txBody>
           <a:bodyPr>
-            <a:normAutofit fontScale="92500" lnSpcReduction="20000"/>
+            <a:normAutofit/>
           </a:bodyPr>
           <a:lstStyle/>
           <a:p>
-            <a:r>
-              <a:rPr lang="en-US" dirty="0"/>
-              <a:t>Assignment</a:t>
-            </a:r>
-          </a:p>
-          <a:p>
-            <a:r>
-              <a:rPr lang="en-US" dirty="0"/>
-              <a:t>Comparison</a:t>
-            </a:r>
-          </a:p>
-          <a:p>
-            <a:r>
-              <a:rPr lang="en-US" dirty="0"/>
-              <a:t>Negation	</a:t>
-            </a:r>
-          </a:p>
-          <a:p>
-            <a:r>
-              <a:rPr lang="en-US" dirty="0"/>
-              <a:t>Logical AND	</a:t>
-            </a:r>
-          </a:p>
-          <a:p>
-            <a:r>
-              <a:rPr lang="en-US" dirty="0"/>
-              <a:t>Logical OR</a:t>
-            </a:r>
-          </a:p>
-          <a:p>
-            <a:r>
-              <a:rPr lang="en-US" dirty="0"/>
-              <a:t>Identity</a:t>
-            </a:r>
-          </a:p>
-          <a:p>
+            <a:pPr algn="ctr"/>
+            <a:r>
+              <a:rPr lang="en-US" dirty="0">
+                <a:solidFill>
+                  <a:schemeClr val="tx2">
+                    <a:lumMod val="75000"/>
+                  </a:schemeClr>
+                </a:solidFill>
+              </a:rPr>
+              <a:t>bool</a:t>
+            </a:r>
             <a:endParaRPr lang="en-US" dirty="0"/>
           </a:p>
-          <a:p>
-            <a:r>
-              <a:rPr lang="en-US" dirty="0"/>
-              <a:t># Many more</a:t>
-            </a:r>
-          </a:p>
-        </p:txBody>
-      </p:sp>
-      <p:sp>
-        <p:nvSpPr>
-          <p:cNvPr id="5" name="Text Placeholder 4">
-            <a:extLst>
-              <a:ext uri="{FF2B5EF4-FFF2-40B4-BE49-F238E27FC236}">
-                <a16:creationId xmlns:a16="http://schemas.microsoft.com/office/drawing/2014/main" id="{6C4BDE2E-C83E-2C48-8F42-8B8E3AC9C8E5}"/>
-              </a:ext>
-            </a:extLst>
-          </p:cNvPr>
-          <p:cNvSpPr>
-            <a:spLocks noGrp="1"/>
-          </p:cNvSpPr>
-          <p:nvPr>
-            <p:ph type="body" sz="quarter" idx="3"/>
-          </p:nvPr>
-        </p:nvSpPr>
-        <p:spPr/>
-        <p:txBody>
-          <a:bodyPr/>
-          <a:lstStyle/>
-          <a:p>
-            <a:r>
-              <a:rPr lang="en-US" dirty="0"/>
-              <a:t>Code</a:t>
-            </a:r>
-          </a:p>
-        </p:txBody>
-      </p:sp>
-      <p:sp>
-        <p:nvSpPr>
-          <p:cNvPr id="6" name="Content Placeholder 5">
-            <a:extLst>
-              <a:ext uri="{FF2B5EF4-FFF2-40B4-BE49-F238E27FC236}">
-                <a16:creationId xmlns:a16="http://schemas.microsoft.com/office/drawing/2014/main" id="{DB12C907-E140-D544-8941-1E5A484ABBCE}"/>
-              </a:ext>
-            </a:extLst>
-          </p:cNvPr>
-          <p:cNvSpPr>
-            <a:spLocks noGrp="1"/>
-          </p:cNvSpPr>
-          <p:nvPr>
-            <p:ph sz="quarter" idx="4"/>
-          </p:nvPr>
-        </p:nvSpPr>
-        <p:spPr/>
+        </p:txBody>
+      </p:sp>
+      <p:sp>
+        <p:nvSpPr>
+          <p:cNvPr id="3" name="Content Placeholder 2">
+            <a:extLst>
+              <a:ext uri="{FF2B5EF4-FFF2-40B4-BE49-F238E27FC236}">
+                <a16:creationId xmlns:a16="http://schemas.microsoft.com/office/drawing/2014/main" id="{AE2CB732-625F-2841-9D7D-66837B39AA7A}"/>
+              </a:ext>
+            </a:extLst>
+          </p:cNvPr>
+          <p:cNvSpPr>
+            <a:spLocks noGrp="1"/>
+          </p:cNvSpPr>
+          <p:nvPr>
+            <p:ph idx="1"/>
+          </p:nvPr>
+        </p:nvSpPr>
+        <p:spPr>
+          <a:xfrm>
+            <a:off x="1175512" y="2557849"/>
+            <a:ext cx="9792208" cy="3407862"/>
+          </a:xfrm>
+        </p:spPr>
         <p:txBody>
           <a:bodyPr>
-            <a:normAutofit fontScale="92500" lnSpcReduction="20000"/>
+            <a:normAutofit/>
           </a:bodyPr>
           <a:lstStyle/>
           <a:p>
-            <a:r>
-              <a:rPr lang="en-US" dirty="0"/>
-              <a:t>a = </a:t>
-            </a:r>
-            <a:r>
-              <a:rPr lang="en-US" b="1" dirty="0"/>
-              <a:t>False</a:t>
-            </a:r>
-            <a:endParaRPr lang="en-US" dirty="0"/>
-          </a:p>
-          <a:p>
-            <a:r>
-              <a:rPr lang="en-US" dirty="0"/>
-              <a:t>a == </a:t>
-            </a:r>
-            <a:r>
-              <a:rPr lang="en-US" b="1" dirty="0"/>
-              <a:t>True</a:t>
-            </a:r>
-          </a:p>
-          <a:p>
-            <a:r>
-              <a:rPr lang="en-US" b="1" dirty="0"/>
-              <a:t>not</a:t>
-            </a:r>
-            <a:r>
-              <a:rPr lang="en-US" dirty="0"/>
-              <a:t> a</a:t>
-            </a:r>
-          </a:p>
-          <a:p>
-            <a:r>
-              <a:rPr lang="en-US" dirty="0"/>
-              <a:t>a </a:t>
-            </a:r>
-            <a:r>
-              <a:rPr lang="en-US" b="1" dirty="0"/>
-              <a:t>and</a:t>
-            </a:r>
-            <a:r>
-              <a:rPr lang="en-US" dirty="0"/>
-              <a:t> b</a:t>
-            </a:r>
-          </a:p>
-          <a:p>
-            <a:r>
-              <a:rPr lang="en-US" dirty="0"/>
-              <a:t>a </a:t>
-            </a:r>
-            <a:r>
-              <a:rPr lang="en-US" b="1" dirty="0"/>
-              <a:t>or </a:t>
-            </a:r>
-            <a:r>
-              <a:rPr lang="en-US" dirty="0"/>
-              <a:t>b</a:t>
-            </a:r>
-          </a:p>
-          <a:p>
-            <a:r>
-              <a:rPr lang="en-US" dirty="0"/>
-              <a:t>a </a:t>
-            </a:r>
-            <a:r>
-              <a:rPr lang="en-US" b="1" dirty="0"/>
-              <a:t> is </a:t>
-            </a:r>
-            <a:r>
-              <a:rPr lang="en-US" dirty="0"/>
-              <a:t>b, a </a:t>
-            </a:r>
-            <a:r>
-              <a:rPr lang="en-US" b="1" dirty="0"/>
-              <a:t>is not </a:t>
-            </a:r>
-            <a:r>
-              <a:rPr lang="en-US" dirty="0"/>
-              <a:t>b</a:t>
-            </a:r>
-          </a:p>
-          <a:p>
-            <a:endParaRPr lang="en-US" dirty="0"/>
-          </a:p>
-          <a:p>
-            <a:r>
-              <a:rPr lang="en-US" dirty="0">
-                <a:hlinkClick r:id="rId2">
-                  <a:extLst>
-                    <a:ext uri="{A12FA001-AC4F-418D-AE19-62706E023703}">
-                      <ahyp:hlinkClr xmlns:ahyp="http://schemas.microsoft.com/office/drawing/2018/hyperlinkcolor" val="tx"/>
-                    </a:ext>
-                  </a:extLst>
-                </a:hlinkClick>
-              </a:rPr>
-              <a:t>https://en.wikipedia.org/wiki/Truth_table</a:t>
-            </a:r>
-            <a:endParaRPr lang="en-US" dirty="0"/>
+            <a:pPr marL="0" indent="0" algn="ctr">
+              <a:buNone/>
+            </a:pPr>
+            <a:endParaRPr lang="en-US" sz="5400" dirty="0">
+              <a:cs typeface="Consolas" panose="020B0609020204030204" pitchFamily="49" charset="0"/>
+            </a:endParaRPr>
+          </a:p>
+          <a:p>
+            <a:pPr marL="0" indent="0" algn="ctr">
+              <a:buNone/>
+            </a:pPr>
+            <a:r>
+              <a:rPr lang="en-US" sz="5400" dirty="0">
+                <a:cs typeface="Consolas" panose="020B0609020204030204" pitchFamily="49" charset="0"/>
+              </a:rPr>
+              <a:t>True					False</a:t>
+            </a:r>
+          </a:p>
+          <a:p>
+            <a:pPr marL="0" indent="0" algn="ctr">
+              <a:buNone/>
+            </a:pPr>
+            <a:endParaRPr lang="en-US" sz="5400" dirty="0">
+              <a:solidFill>
+                <a:schemeClr val="tx2">
+                  <a:lumMod val="75000"/>
+                </a:schemeClr>
+              </a:solidFill>
+              <a:cs typeface="Consolas" panose="020B0609020204030204" pitchFamily="49" charset="0"/>
+            </a:endParaRPr>
           </a:p>
         </p:txBody>
       </p:sp>
     </p:spTree>
     <p:extLst>
       <p:ext uri="{BB962C8B-B14F-4D97-AF65-F5344CB8AC3E}">
-        <p14:creationId xmlns:p14="http://schemas.microsoft.com/office/powerpoint/2010/main" val="3920176024"/>
+        <p14:creationId xmlns:p14="http://schemas.microsoft.com/office/powerpoint/2010/main" val="534878389"/>
       </p:ext>
     </p:extLst>
   </p:cSld>
@@ -7417,7 +8171,7 @@
           <p:cNvPr id="2" name="Title 1">
             <a:extLst>
               <a:ext uri="{FF2B5EF4-FFF2-40B4-BE49-F238E27FC236}">
-                <a16:creationId xmlns:a16="http://schemas.microsoft.com/office/drawing/2014/main" id="{4BABC735-F742-524D-9C18-02D121293AE0}"/>
+                <a16:creationId xmlns:a16="http://schemas.microsoft.com/office/drawing/2014/main" id="{E1323627-9991-F846-8467-8BE7A62F0169}"/>
               </a:ext>
             </a:extLst>
           </p:cNvPr>
@@ -7448,7 +8202,7 @@
                   </a:schemeClr>
                 </a:solidFill>
               </a:rPr>
-              <a:t>Data type #1</a:t>
+              <a:t>Data type #0</a:t>
             </a:r>
             <a:br>
               <a:rPr lang="en-US" dirty="0">
@@ -7467,8 +8221,9 @@
                   </a:schemeClr>
                 </a:solidFill>
               </a:rPr>
-              <a:t>Integers</a:t>
-            </a:r>
+              <a:t>Booleans</a:t>
+            </a:r>
+            <a:endParaRPr lang="en-US" dirty="0"/>
           </a:p>
         </p:txBody>
       </p:sp>
@@ -7477,7 +8232,7 @@
           <p:cNvPr id="3" name="Content Placeholder 2">
             <a:extLst>
               <a:ext uri="{FF2B5EF4-FFF2-40B4-BE49-F238E27FC236}">
-                <a16:creationId xmlns:a16="http://schemas.microsoft.com/office/drawing/2014/main" id="{04504026-8053-BA41-B32A-EBAFC0B3934B}"/>
+                <a16:creationId xmlns:a16="http://schemas.microsoft.com/office/drawing/2014/main" id="{AE2CB732-625F-2841-9D7D-66837B39AA7A}"/>
               </a:ext>
             </a:extLst>
           </p:cNvPr>
@@ -7508,39 +8263,106 @@
                   </a:schemeClr>
                 </a:solidFill>
               </a:rPr>
-              <a:t>Can hold numerical values such as 34, 8610, -189 etc.</a:t>
-            </a:r>
-          </a:p>
-          <a:p>
-            <a:r>
-              <a:rPr lang="en-US" dirty="0"/>
-              <a:t>Python3 allows you to create as big an integer as you want (constrained by our memory availability) !</a:t>
+              <a:t>Can hold the values </a:t>
+            </a:r>
+            <a:r>
+              <a:rPr lang="en-US" dirty="0">
+                <a:solidFill>
+                  <a:schemeClr val="tx2">
+                    <a:lumMod val="75000"/>
+                  </a:schemeClr>
+                </a:solidFill>
+                <a:latin typeface="Consolas" panose="020B0609020204030204" pitchFamily="49" charset="0"/>
+                <a:cs typeface="Consolas" panose="020B0609020204030204" pitchFamily="49" charset="0"/>
+              </a:rPr>
+              <a:t>True</a:t>
+            </a:r>
+            <a:r>
+              <a:rPr lang="en-US" dirty="0">
+                <a:solidFill>
+                  <a:schemeClr val="tx2">
+                    <a:lumMod val="75000"/>
+                  </a:schemeClr>
+                </a:solidFill>
+              </a:rPr>
+              <a:t> or </a:t>
+            </a:r>
+            <a:r>
+              <a:rPr lang="en-US" dirty="0">
+                <a:solidFill>
+                  <a:schemeClr val="tx2">
+                    <a:lumMod val="75000"/>
+                  </a:schemeClr>
+                </a:solidFill>
+                <a:latin typeface="Consolas" panose="020B0609020204030204" pitchFamily="49" charset="0"/>
+                <a:cs typeface="Consolas" panose="020B0609020204030204" pitchFamily="49" charset="0"/>
+              </a:rPr>
+              <a:t>False</a:t>
+            </a:r>
+          </a:p>
+          <a:p>
+            <a:r>
+              <a:rPr lang="en-US" dirty="0">
+                <a:solidFill>
+                  <a:schemeClr val="tx2">
+                    <a:lumMod val="75000"/>
+                  </a:schemeClr>
+                </a:solidFill>
+                <a:cs typeface="Consolas" panose="020B0609020204030204" pitchFamily="49" charset="0"/>
+              </a:rPr>
+              <a:t>Represented by &lt;class ‘bool’&gt;</a:t>
+            </a:r>
+          </a:p>
+          <a:p>
+            <a:r>
+              <a:rPr lang="en-US" dirty="0">
+                <a:solidFill>
+                  <a:schemeClr val="tx2">
+                    <a:lumMod val="75000"/>
+                  </a:schemeClr>
+                </a:solidFill>
+                <a:cs typeface="Consolas" panose="020B0609020204030204" pitchFamily="49" charset="0"/>
+              </a:rPr>
+              <a:t>Most common functions applied on Boolean:</a:t>
             </a:r>
           </a:p>
           <a:p>
             <a:pPr lvl="1"/>
             <a:r>
-              <a:rPr lang="en-US" i="1" dirty="0"/>
-              <a:t>It can do this by internally maintaining </a:t>
-            </a:r>
-            <a:r>
-              <a:rPr lang="en-US" b="1" i="1" dirty="0"/>
-              <a:t>array</a:t>
-            </a:r>
-            <a:r>
-              <a:rPr lang="en-US" i="1" dirty="0"/>
-              <a:t> of </a:t>
-            </a:r>
-            <a:r>
-              <a:rPr lang="en-US" b="1" i="1" dirty="0"/>
-              <a:t>digits</a:t>
-            </a:r>
-          </a:p>
-          <a:p>
-            <a:pPr lvl="1"/>
-            <a:r>
-              <a:rPr lang="en-US" dirty="0"/>
-              <a:t>123456789123456789123456789123456789…</a:t>
+              <a:rPr lang="en-US" b="1" dirty="0">
+                <a:solidFill>
+                  <a:schemeClr val="tx2">
+                    <a:lumMod val="75000"/>
+                  </a:schemeClr>
+                </a:solidFill>
+                <a:cs typeface="Consolas" panose="020B0609020204030204" pitchFamily="49" charset="0"/>
+              </a:rPr>
+              <a:t>and, or, negation, equality</a:t>
+            </a:r>
+          </a:p>
+          <a:p>
+            <a:r>
+              <a:rPr lang="en-US" dirty="0">
+                <a:solidFill>
+                  <a:schemeClr val="tx2">
+                    <a:lumMod val="75000"/>
+                  </a:schemeClr>
+                </a:solidFill>
+                <a:cs typeface="Consolas" panose="020B0609020204030204" pitchFamily="49" charset="0"/>
+              </a:rPr>
+              <a:t>Have a look at </a:t>
+            </a:r>
+            <a:r>
+              <a:rPr lang="en-US" dirty="0">
+                <a:solidFill>
+                  <a:schemeClr val="tx2">
+                    <a:lumMod val="75000"/>
+                  </a:schemeClr>
+                </a:solidFill>
+                <a:cs typeface="Consolas" panose="020B0609020204030204" pitchFamily="49" charset="0"/>
+                <a:hlinkClick r:id="rId2"/>
+              </a:rPr>
+              <a:t>https://en.wikipedia.org/wiki/Truth_table</a:t>
             </a:r>
             <a:endParaRPr lang="en-US" dirty="0">
               <a:solidFill>
@@ -7548,19 +8370,8 @@
                   <a:lumMod val="75000"/>
                 </a:schemeClr>
               </a:solidFill>
+              <a:cs typeface="Consolas" panose="020B0609020204030204" pitchFamily="49" charset="0"/>
             </a:endParaRPr>
-          </a:p>
-          <a:p>
-            <a:r>
-              <a:rPr lang="en-US" i="1" dirty="0">
-                <a:solidFill>
-                  <a:schemeClr val="tx2">
-                    <a:lumMod val="75000"/>
-                  </a:schemeClr>
-                </a:solidFill>
-              </a:rPr>
-              <a:t>Represented by built-in &lt;class ‘int’&gt; 	(Don’t worry about it for now)</a:t>
-            </a:r>
           </a:p>
           <a:p>
             <a:endParaRPr lang="en-US" dirty="0">
@@ -7569,6 +8380,7 @@
                   <a:lumMod val="75000"/>
                 </a:schemeClr>
               </a:solidFill>
+              <a:cs typeface="Consolas" panose="020B0609020204030204" pitchFamily="49" charset="0"/>
             </a:endParaRPr>
           </a:p>
         </p:txBody>
@@ -7576,7 +8388,7 @@
     </p:spTree>
     <p:extLst>
       <p:ext uri="{BB962C8B-B14F-4D97-AF65-F5344CB8AC3E}">
-        <p14:creationId xmlns:p14="http://schemas.microsoft.com/office/powerpoint/2010/main" val="2173141983"/>
+        <p14:creationId xmlns:p14="http://schemas.microsoft.com/office/powerpoint/2010/main" val="3093890287"/>
       </p:ext>
     </p:extLst>
   </p:cSld>
@@ -7608,7 +8420,7 @@
           <p:cNvPr id="2" name="Title 1">
             <a:extLst>
               <a:ext uri="{FF2B5EF4-FFF2-40B4-BE49-F238E27FC236}">
-                <a16:creationId xmlns:a16="http://schemas.microsoft.com/office/drawing/2014/main" id="{4C970B5A-97F0-684E-A16E-98244CDD4470}"/>
+                <a16:creationId xmlns:a16="http://schemas.microsoft.com/office/drawing/2014/main" id="{6485DAC9-81E1-8C4A-AC44-D8AEABA28682}"/>
               </a:ext>
             </a:extLst>
           </p:cNvPr>
@@ -7626,25 +8438,25 @@
           <a:p>
             <a:r>
               <a:rPr lang="en-US" dirty="0"/>
-              <a:t>Integer representation</a:t>
-            </a:r>
-          </a:p>
-        </p:txBody>
-      </p:sp>
-      <p:sp>
-        <p:nvSpPr>
-          <p:cNvPr id="3" name="Content Placeholder 2">
-            <a:extLst>
-              <a:ext uri="{FF2B5EF4-FFF2-40B4-BE49-F238E27FC236}">
-                <a16:creationId xmlns:a16="http://schemas.microsoft.com/office/drawing/2014/main" id="{64092239-6C99-2942-9837-84176A779218}"/>
-              </a:ext>
-            </a:extLst>
-          </p:cNvPr>
-          <p:cNvSpPr>
-            <a:spLocks noGrp="1"/>
-          </p:cNvSpPr>
-          <p:nvPr>
-            <p:ph idx="1"/>
+              <a:t>What can you do with a bool</a:t>
+            </a:r>
+          </a:p>
+        </p:txBody>
+      </p:sp>
+      <p:sp>
+        <p:nvSpPr>
+          <p:cNvPr id="3" name="Text Placeholder 2">
+            <a:extLst>
+              <a:ext uri="{FF2B5EF4-FFF2-40B4-BE49-F238E27FC236}">
+                <a16:creationId xmlns:a16="http://schemas.microsoft.com/office/drawing/2014/main" id="{BF83ACE2-61FF-5A4C-9887-D1CE1DBF2603}"/>
+              </a:ext>
+            </a:extLst>
+          </p:cNvPr>
+          <p:cNvSpPr>
+            <a:spLocks noGrp="1"/>
+          </p:cNvSpPr>
+          <p:nvPr>
+            <p:ph type="body" idx="1"/>
           </p:nvPr>
         </p:nvSpPr>
         <p:spPr/>
@@ -7654,129 +8466,227 @@
           <a:p>
             <a:r>
               <a:rPr lang="en-US" dirty="0"/>
-              <a:t>Can be represented as </a:t>
+              <a:t>Operation</a:t>
+            </a:r>
+          </a:p>
+        </p:txBody>
+      </p:sp>
+      <p:sp>
+        <p:nvSpPr>
+          <p:cNvPr id="4" name="Content Placeholder 3">
+            <a:extLst>
+              <a:ext uri="{FF2B5EF4-FFF2-40B4-BE49-F238E27FC236}">
+                <a16:creationId xmlns:a16="http://schemas.microsoft.com/office/drawing/2014/main" id="{B30DFECA-55BB-094C-B661-D055D91138F3}"/>
+              </a:ext>
+            </a:extLst>
+          </p:cNvPr>
+          <p:cNvSpPr>
+            <a:spLocks noGrp="1"/>
+          </p:cNvSpPr>
+          <p:nvPr>
+            <p:ph sz="half" idx="2"/>
+          </p:nvPr>
+        </p:nvSpPr>
+        <p:spPr/>
+        <p:txBody>
+          <a:bodyPr>
+            <a:normAutofit fontScale="92500" lnSpcReduction="20000"/>
+          </a:bodyPr>
+          <a:lstStyle/>
+          <a:p>
+            <a:r>
+              <a:rPr lang="en-US" dirty="0"/>
+              <a:t>Assignment</a:t>
+            </a:r>
+          </a:p>
+          <a:p>
+            <a:r>
+              <a:rPr lang="en-US" dirty="0"/>
+              <a:t>Comparison</a:t>
+            </a:r>
+          </a:p>
+          <a:p>
+            <a:r>
+              <a:rPr lang="en-US" dirty="0"/>
+              <a:t>Negation	</a:t>
+            </a:r>
+          </a:p>
+          <a:p>
+            <a:r>
+              <a:rPr lang="en-US" dirty="0"/>
+              <a:t>Logical AND	</a:t>
+            </a:r>
+          </a:p>
+          <a:p>
+            <a:r>
+              <a:rPr lang="en-US" dirty="0"/>
+              <a:t>Logical OR</a:t>
+            </a:r>
+          </a:p>
+          <a:p>
+            <a:r>
+              <a:rPr lang="en-US" dirty="0"/>
+              <a:t>Identity</a:t>
+            </a:r>
+          </a:p>
+          <a:p>
+            <a:endParaRPr lang="en-US" dirty="0"/>
+          </a:p>
+          <a:p>
+            <a:r>
+              <a:rPr lang="en-US" dirty="0"/>
+              <a:t># Many more</a:t>
+            </a:r>
+          </a:p>
+        </p:txBody>
+      </p:sp>
+      <p:sp>
+        <p:nvSpPr>
+          <p:cNvPr id="5" name="Text Placeholder 4">
+            <a:extLst>
+              <a:ext uri="{FF2B5EF4-FFF2-40B4-BE49-F238E27FC236}">
+                <a16:creationId xmlns:a16="http://schemas.microsoft.com/office/drawing/2014/main" id="{6C4BDE2E-C83E-2C48-8F42-8B8E3AC9C8E5}"/>
+              </a:ext>
+            </a:extLst>
+          </p:cNvPr>
+          <p:cNvSpPr>
+            <a:spLocks noGrp="1"/>
+          </p:cNvSpPr>
+          <p:nvPr>
+            <p:ph type="body" sz="quarter" idx="3"/>
+          </p:nvPr>
+        </p:nvSpPr>
+        <p:spPr/>
+        <p:txBody>
+          <a:bodyPr/>
+          <a:lstStyle/>
+          <a:p>
+            <a:r>
+              <a:rPr lang="en-US" dirty="0"/>
+              <a:t>Code</a:t>
+            </a:r>
+          </a:p>
+        </p:txBody>
+      </p:sp>
+      <p:sp>
+        <p:nvSpPr>
+          <p:cNvPr id="6" name="Content Placeholder 5">
+            <a:extLst>
+              <a:ext uri="{FF2B5EF4-FFF2-40B4-BE49-F238E27FC236}">
+                <a16:creationId xmlns:a16="http://schemas.microsoft.com/office/drawing/2014/main" id="{DB12C907-E140-D544-8941-1E5A484ABBCE}"/>
+              </a:ext>
+            </a:extLst>
+          </p:cNvPr>
+          <p:cNvSpPr>
+            <a:spLocks noGrp="1"/>
+          </p:cNvSpPr>
+          <p:nvPr>
+            <p:ph sz="quarter" idx="4"/>
+          </p:nvPr>
+        </p:nvSpPr>
+        <p:spPr/>
+        <p:txBody>
+          <a:bodyPr>
+            <a:normAutofit fontScale="92500" lnSpcReduction="20000"/>
+          </a:bodyPr>
+          <a:lstStyle/>
+          <a:p>
+            <a:r>
+              <a:rPr lang="en-US" dirty="0"/>
+              <a:t>a = </a:t>
             </a:r>
             <a:r>
               <a:rPr lang="en-US" b="1" dirty="0"/>
-              <a:t>decimal </a:t>
-            </a:r>
-            <a:r>
-              <a:rPr lang="en-US" i="1" dirty="0"/>
-              <a:t>(default) </a:t>
+              <a:t>False</a:t>
+            </a:r>
+            <a:endParaRPr lang="en-US" dirty="0"/>
+          </a:p>
+          <a:p>
+            <a:r>
+              <a:rPr lang="en-US" dirty="0"/>
+              <a:t>a == </a:t>
             </a:r>
             <a:r>
               <a:rPr lang="en-US" b="1" dirty="0"/>
-              <a:t>, octal </a:t>
-            </a:r>
-            <a:r>
-              <a:rPr lang="en-US" i="1" dirty="0"/>
-              <a:t>(</a:t>
-            </a:r>
-            <a:r>
-              <a:rPr lang="en-US" i="1" dirty="0">
-                <a:latin typeface="Consolas" panose="020B0609020204030204" pitchFamily="49" charset="0"/>
-                <a:cs typeface="Consolas" panose="020B0609020204030204" pitchFamily="49" charset="0"/>
-              </a:rPr>
-              <a:t>0o/0O</a:t>
-            </a:r>
-            <a:r>
-              <a:rPr lang="en-US" i="1" dirty="0"/>
-              <a:t>)</a:t>
-            </a:r>
+              <a:t>True</a:t>
+            </a:r>
+          </a:p>
+          <a:p>
             <a:r>
               <a:rPr lang="en-US" b="1" dirty="0"/>
-              <a:t>, hexadecimal</a:t>
+              <a:t>not</a:t>
             </a:r>
             <a:r>
               <a:rPr lang="en-US" dirty="0"/>
-              <a:t> </a:t>
-            </a:r>
-            <a:r>
-              <a:rPr lang="en-US" i="1" dirty="0">
-                <a:latin typeface="Consolas" panose="020B0609020204030204" pitchFamily="49" charset="0"/>
-                <a:cs typeface="Consolas" panose="020B0609020204030204" pitchFamily="49" charset="0"/>
-              </a:rPr>
-              <a:t>(0x/0X)</a:t>
-            </a:r>
-            <a:r>
-              <a:rPr lang="en-US" b="1" dirty="0">
-                <a:latin typeface="Consolas" panose="020B0609020204030204" pitchFamily="49" charset="0"/>
-                <a:cs typeface="Consolas" panose="020B0609020204030204" pitchFamily="49" charset="0"/>
-              </a:rPr>
-              <a:t>, </a:t>
+              <a:t> a</a:t>
+            </a:r>
+          </a:p>
+          <a:p>
+            <a:r>
+              <a:rPr lang="en-US" dirty="0"/>
+              <a:t>a </a:t>
             </a:r>
             <a:r>
               <a:rPr lang="en-US" b="1" dirty="0"/>
-              <a:t>binary </a:t>
-            </a:r>
-            <a:r>
-              <a:rPr lang="en-US" i="1" dirty="0"/>
-              <a:t>(</a:t>
-            </a:r>
-            <a:r>
-              <a:rPr lang="en-US" i="1" dirty="0">
-                <a:latin typeface="Consolas" panose="020B0609020204030204" pitchFamily="49" charset="0"/>
-                <a:cs typeface="Consolas" panose="020B0609020204030204" pitchFamily="49" charset="0"/>
-              </a:rPr>
-              <a:t>0b/0B</a:t>
-            </a:r>
-            <a:r>
-              <a:rPr lang="en-US" i="1" dirty="0"/>
-              <a:t>)</a:t>
-            </a:r>
-          </a:p>
-          <a:p>
-            <a:endParaRPr lang="en-US" i="1" dirty="0">
-              <a:solidFill>
-                <a:srgbClr val="7030A0"/>
-              </a:solidFill>
-            </a:endParaRPr>
-          </a:p>
-          <a:p>
-            <a:r>
-              <a:rPr lang="en-US" i="1" dirty="0"/>
-              <a:t>Following information varies between programming languages:</a:t>
-            </a:r>
-          </a:p>
-          <a:p>
-            <a:pPr lvl="1"/>
-            <a:r>
-              <a:rPr lang="en-US" i="1" dirty="0"/>
-              <a:t>Typically, </a:t>
-            </a:r>
-            <a:r>
-              <a:rPr lang="en-US" b="1" i="1" dirty="0"/>
-              <a:t>4 Bytes or 32 Bits</a:t>
-            </a:r>
-            <a:r>
-              <a:rPr lang="en-US" i="1" dirty="0"/>
-              <a:t> are used in memory to represent a single integer</a:t>
-            </a:r>
-          </a:p>
-          <a:p>
-            <a:pPr lvl="1"/>
-            <a:r>
-              <a:rPr lang="en-US" i="1" dirty="0"/>
-              <a:t>Similarly, </a:t>
-            </a:r>
-            <a:r>
-              <a:rPr lang="en-US" b="1" i="1" dirty="0"/>
-              <a:t>8 Bytes or 64 Bits</a:t>
-            </a:r>
-            <a:r>
-              <a:rPr lang="en-US" i="1" dirty="0"/>
-              <a:t> are used in memory to represent a </a:t>
-            </a:r>
-            <a:r>
-              <a:rPr lang="en-US" b="1" i="1" dirty="0"/>
-              <a:t>Long</a:t>
-            </a:r>
-            <a:r>
-              <a:rPr lang="en-US" i="1" dirty="0"/>
-              <a:t> integer</a:t>
-            </a:r>
-          </a:p>
-          <a:p>
+              <a:t>and</a:t>
+            </a:r>
+            <a:r>
+              <a:rPr lang="en-US" dirty="0"/>
+              <a:t> b</a:t>
+            </a:r>
+          </a:p>
+          <a:p>
+            <a:r>
+              <a:rPr lang="en-US" dirty="0"/>
+              <a:t>a </a:t>
+            </a:r>
+            <a:r>
+              <a:rPr lang="en-US" b="1" dirty="0"/>
+              <a:t>or </a:t>
+            </a:r>
+            <a:r>
+              <a:rPr lang="en-US" dirty="0"/>
+              <a:t>b</a:t>
+            </a:r>
+          </a:p>
+          <a:p>
+            <a:r>
+              <a:rPr lang="en-US" dirty="0"/>
+              <a:t>a </a:t>
+            </a:r>
+            <a:r>
+              <a:rPr lang="en-US" b="1" dirty="0"/>
+              <a:t> is </a:t>
+            </a:r>
+            <a:r>
+              <a:rPr lang="en-US" dirty="0"/>
+              <a:t>b, a </a:t>
+            </a:r>
+            <a:r>
+              <a:rPr lang="en-US" b="1" dirty="0"/>
+              <a:t>is not </a:t>
+            </a:r>
+            <a:r>
+              <a:rPr lang="en-US" dirty="0"/>
+              <a:t>b</a:t>
+            </a:r>
+          </a:p>
+          <a:p>
+            <a:endParaRPr lang="en-US" dirty="0"/>
+          </a:p>
+          <a:p>
+            <a:r>
+              <a:rPr lang="en-US" dirty="0">
+                <a:hlinkClick r:id="rId2">
+                  <a:extLst>
+                    <a:ext uri="{A12FA001-AC4F-418D-AE19-62706E023703}">
+                      <ahyp:hlinkClr xmlns:ahyp="http://schemas.microsoft.com/office/drawing/2018/hyperlinkcolor" val="tx"/>
+                    </a:ext>
+                  </a:extLst>
+                </a:hlinkClick>
+              </a:rPr>
+              <a:t>https://en.wikipedia.org/wiki/Truth_table</a:t>
+            </a:r>
             <a:endParaRPr lang="en-US" dirty="0"/>
           </a:p>
         </p:txBody>
@@ -7784,7 +8694,7 @@
     </p:spTree>
     <p:extLst>
       <p:ext uri="{BB962C8B-B14F-4D97-AF65-F5344CB8AC3E}">
-        <p14:creationId xmlns:p14="http://schemas.microsoft.com/office/powerpoint/2010/main" val="3831058090"/>
+        <p14:creationId xmlns:p14="http://schemas.microsoft.com/office/powerpoint/2010/main" val="3920176024"/>
       </p:ext>
     </p:extLst>
   </p:cSld>

--- a/fundamentals/2-State, Data types.pptx
+++ b/fundamentals/2-State, Data types.pptx
@@ -5,30 +5,36 @@
     <p:sldMasterId id="2147483954" r:id="rId1"/>
   </p:sldMasterIdLst>
   <p:notesMasterIdLst>
-    <p:notesMasterId r:id="rId23"/>
+    <p:notesMasterId r:id="rId29"/>
   </p:notesMasterIdLst>
   <p:sldIdLst>
     <p:sldId id="273" r:id="rId2"/>
     <p:sldId id="263" r:id="rId3"/>
-    <p:sldId id="264" r:id="rId4"/>
-    <p:sldId id="276" r:id="rId5"/>
-    <p:sldId id="277" r:id="rId6"/>
-    <p:sldId id="286" r:id="rId7"/>
-    <p:sldId id="285" r:id="rId8"/>
-    <p:sldId id="272" r:id="rId9"/>
-    <p:sldId id="275" r:id="rId10"/>
-    <p:sldId id="287" r:id="rId11"/>
-    <p:sldId id="265" r:id="rId12"/>
-    <p:sldId id="284" r:id="rId13"/>
-    <p:sldId id="279" r:id="rId14"/>
-    <p:sldId id="281" r:id="rId15"/>
-    <p:sldId id="288" r:id="rId16"/>
-    <p:sldId id="266" r:id="rId17"/>
-    <p:sldId id="282" r:id="rId18"/>
-    <p:sldId id="290" r:id="rId19"/>
-    <p:sldId id="267" r:id="rId20"/>
-    <p:sldId id="283" r:id="rId21"/>
-    <p:sldId id="270" r:id="rId22"/>
+    <p:sldId id="291" r:id="rId4"/>
+    <p:sldId id="292" r:id="rId5"/>
+    <p:sldId id="293" r:id="rId6"/>
+    <p:sldId id="264" r:id="rId7"/>
+    <p:sldId id="294" r:id="rId8"/>
+    <p:sldId id="276" r:id="rId9"/>
+    <p:sldId id="277" r:id="rId10"/>
+    <p:sldId id="286" r:id="rId11"/>
+    <p:sldId id="285" r:id="rId12"/>
+    <p:sldId id="272" r:id="rId13"/>
+    <p:sldId id="275" r:id="rId14"/>
+    <p:sldId id="287" r:id="rId15"/>
+    <p:sldId id="265" r:id="rId16"/>
+    <p:sldId id="284" r:id="rId17"/>
+    <p:sldId id="279" r:id="rId18"/>
+    <p:sldId id="281" r:id="rId19"/>
+    <p:sldId id="288" r:id="rId20"/>
+    <p:sldId id="266" r:id="rId21"/>
+    <p:sldId id="282" r:id="rId22"/>
+    <p:sldId id="290" r:id="rId23"/>
+    <p:sldId id="267" r:id="rId24"/>
+    <p:sldId id="283" r:id="rId25"/>
+    <p:sldId id="296" r:id="rId26"/>
+    <p:sldId id="295" r:id="rId27"/>
+    <p:sldId id="270" r:id="rId28"/>
   </p:sldIdLst>
   <p:sldSz cx="12192000" cy="6858000"/>
   <p:notesSz cx="6858000" cy="9144000"/>
@@ -553,7 +559,7 @@
           <a:p>
             <a:fld id="{7A1290A3-92E3-6F43-88C0-EE439678F7B9}" type="slidenum">
               <a:rPr lang="en-US" smtClean="0"/>
-              <a:t>3</a:t>
+              <a:t>6</a:t>
             </a:fld>
             <a:endParaRPr lang="en-US"/>
           </a:p>
@@ -3969,6 +3975,767 @@
       </p:grpSpPr>
       <p:sp>
         <p:nvSpPr>
+          <p:cNvPr id="2" name="Title 1">
+            <a:extLst>
+              <a:ext uri="{FF2B5EF4-FFF2-40B4-BE49-F238E27FC236}">
+                <a16:creationId xmlns:a16="http://schemas.microsoft.com/office/drawing/2014/main" id="{ED2BA839-EAC7-8C47-BC04-4DDE8DD60FC3}"/>
+              </a:ext>
+            </a:extLst>
+          </p:cNvPr>
+          <p:cNvSpPr>
+            <a:spLocks noGrp="1"/>
+          </p:cNvSpPr>
+          <p:nvPr>
+            <p:ph type="title"/>
+          </p:nvPr>
+        </p:nvSpPr>
+        <p:spPr>
+          <a:xfrm>
+            <a:off x="1064231" y="2766218"/>
+            <a:ext cx="10515600" cy="1325563"/>
+          </a:xfrm>
+        </p:spPr>
+        <p:txBody>
+          <a:bodyPr/>
+          <a:lstStyle/>
+          <a:p>
+            <a:pPr algn="ctr"/>
+            <a:r>
+              <a:rPr lang="en-US" dirty="0"/>
+              <a:t>Data Types</a:t>
+            </a:r>
+          </a:p>
+        </p:txBody>
+      </p:sp>
+    </p:spTree>
+    <p:extLst>
+      <p:ext uri="{BB962C8B-B14F-4D97-AF65-F5344CB8AC3E}">
+        <p14:creationId xmlns:p14="http://schemas.microsoft.com/office/powerpoint/2010/main" val="738934140"/>
+      </p:ext>
+    </p:extLst>
+  </p:cSld>
+  <p:clrMapOvr>
+    <a:masterClrMapping/>
+  </p:clrMapOvr>
+</p:sld>
+</file>
+
+<file path=ppt/slides/slide11.xml><?xml version="1.0" encoding="utf-8"?>
+<p:sld xmlns:a="http://schemas.openxmlformats.org/drawingml/2006/main" xmlns:r="http://schemas.openxmlformats.org/officeDocument/2006/relationships" xmlns:p="http://schemas.openxmlformats.org/presentationml/2006/main">
+  <p:cSld>
+    <p:spTree>
+      <p:nvGrpSpPr>
+        <p:cNvPr id="1" name=""/>
+        <p:cNvGrpSpPr/>
+        <p:nvPr/>
+      </p:nvGrpSpPr>
+      <p:grpSpPr>
+        <a:xfrm>
+          <a:off x="0" y="0"/>
+          <a:ext cx="0" cy="0"/>
+          <a:chOff x="0" y="0"/>
+          <a:chExt cx="0" cy="0"/>
+        </a:xfrm>
+      </p:grpSpPr>
+      <p:sp>
+        <p:nvSpPr>
+          <p:cNvPr id="2" name="Title 1">
+            <a:extLst>
+              <a:ext uri="{FF2B5EF4-FFF2-40B4-BE49-F238E27FC236}">
+                <a16:creationId xmlns:a16="http://schemas.microsoft.com/office/drawing/2014/main" id="{E1323627-9991-F846-8467-8BE7A62F0169}"/>
+              </a:ext>
+            </a:extLst>
+          </p:cNvPr>
+          <p:cNvSpPr>
+            <a:spLocks noGrp="1"/>
+          </p:cNvSpPr>
+          <p:nvPr>
+            <p:ph type="title"/>
+          </p:nvPr>
+        </p:nvSpPr>
+        <p:spPr>
+          <a:xfrm>
+            <a:off x="1175512" y="870132"/>
+            <a:ext cx="9792208" cy="1527078"/>
+          </a:xfrm>
+        </p:spPr>
+        <p:txBody>
+          <a:bodyPr>
+            <a:normAutofit/>
+          </a:bodyPr>
+          <a:lstStyle/>
+          <a:p>
+            <a:pPr algn="ctr"/>
+            <a:r>
+              <a:rPr lang="en-US" dirty="0">
+                <a:solidFill>
+                  <a:schemeClr val="tx2">
+                    <a:lumMod val="75000"/>
+                  </a:schemeClr>
+                </a:solidFill>
+              </a:rPr>
+              <a:t>bool</a:t>
+            </a:r>
+            <a:endParaRPr lang="en-US" dirty="0"/>
+          </a:p>
+        </p:txBody>
+      </p:sp>
+      <p:sp>
+        <p:nvSpPr>
+          <p:cNvPr id="3" name="Content Placeholder 2">
+            <a:extLst>
+              <a:ext uri="{FF2B5EF4-FFF2-40B4-BE49-F238E27FC236}">
+                <a16:creationId xmlns:a16="http://schemas.microsoft.com/office/drawing/2014/main" id="{AE2CB732-625F-2841-9D7D-66837B39AA7A}"/>
+              </a:ext>
+            </a:extLst>
+          </p:cNvPr>
+          <p:cNvSpPr>
+            <a:spLocks noGrp="1"/>
+          </p:cNvSpPr>
+          <p:nvPr>
+            <p:ph idx="1"/>
+          </p:nvPr>
+        </p:nvSpPr>
+        <p:spPr>
+          <a:xfrm>
+            <a:off x="1175512" y="2557849"/>
+            <a:ext cx="9792208" cy="3407862"/>
+          </a:xfrm>
+        </p:spPr>
+        <p:txBody>
+          <a:bodyPr>
+            <a:normAutofit/>
+          </a:bodyPr>
+          <a:lstStyle/>
+          <a:p>
+            <a:pPr marL="0" indent="0" algn="ctr">
+              <a:buNone/>
+            </a:pPr>
+            <a:endParaRPr lang="en-US" sz="5400" dirty="0">
+              <a:cs typeface="Consolas" panose="020B0609020204030204" pitchFamily="49" charset="0"/>
+            </a:endParaRPr>
+          </a:p>
+          <a:p>
+            <a:pPr marL="0" indent="0" algn="ctr">
+              <a:buNone/>
+            </a:pPr>
+            <a:r>
+              <a:rPr lang="en-US" sz="5400" dirty="0">
+                <a:cs typeface="Consolas" panose="020B0609020204030204" pitchFamily="49" charset="0"/>
+              </a:rPr>
+              <a:t>True					False</a:t>
+            </a:r>
+          </a:p>
+          <a:p>
+            <a:pPr marL="0" indent="0" algn="ctr">
+              <a:buNone/>
+            </a:pPr>
+            <a:endParaRPr lang="en-US" sz="5400" dirty="0">
+              <a:solidFill>
+                <a:schemeClr val="tx2">
+                  <a:lumMod val="75000"/>
+                </a:schemeClr>
+              </a:solidFill>
+              <a:cs typeface="Consolas" panose="020B0609020204030204" pitchFamily="49" charset="0"/>
+            </a:endParaRPr>
+          </a:p>
+        </p:txBody>
+      </p:sp>
+    </p:spTree>
+    <p:extLst>
+      <p:ext uri="{BB962C8B-B14F-4D97-AF65-F5344CB8AC3E}">
+        <p14:creationId xmlns:p14="http://schemas.microsoft.com/office/powerpoint/2010/main" val="534878389"/>
+      </p:ext>
+    </p:extLst>
+  </p:cSld>
+  <p:clrMapOvr>
+    <a:masterClrMapping/>
+  </p:clrMapOvr>
+</p:sld>
+</file>
+
+<file path=ppt/slides/slide12.xml><?xml version="1.0" encoding="utf-8"?>
+<p:sld xmlns:a="http://schemas.openxmlformats.org/drawingml/2006/main" xmlns:r="http://schemas.openxmlformats.org/officeDocument/2006/relationships" xmlns:p="http://schemas.openxmlformats.org/presentationml/2006/main">
+  <p:cSld>
+    <p:bg>
+      <p:bgPr>
+        <a:solidFill>
+          <a:schemeClr val="bg1"/>
+        </a:solidFill>
+        <a:effectLst/>
+      </p:bgPr>
+    </p:bg>
+    <p:spTree>
+      <p:nvGrpSpPr>
+        <p:cNvPr id="1" name=""/>
+        <p:cNvGrpSpPr/>
+        <p:nvPr/>
+      </p:nvGrpSpPr>
+      <p:grpSpPr>
+        <a:xfrm>
+          <a:off x="0" y="0"/>
+          <a:ext cx="0" cy="0"/>
+          <a:chOff x="0" y="0"/>
+          <a:chExt cx="0" cy="0"/>
+        </a:xfrm>
+      </p:grpSpPr>
+      <p:sp>
+        <p:nvSpPr>
+          <p:cNvPr id="2" name="Title 1">
+            <a:extLst>
+              <a:ext uri="{FF2B5EF4-FFF2-40B4-BE49-F238E27FC236}">
+                <a16:creationId xmlns:a16="http://schemas.microsoft.com/office/drawing/2014/main" id="{E1323627-9991-F846-8467-8BE7A62F0169}"/>
+              </a:ext>
+            </a:extLst>
+          </p:cNvPr>
+          <p:cNvSpPr>
+            <a:spLocks noGrp="1"/>
+          </p:cNvSpPr>
+          <p:nvPr>
+            <p:ph type="title"/>
+          </p:nvPr>
+        </p:nvSpPr>
+        <p:spPr>
+          <a:xfrm>
+            <a:off x="1175512" y="870132"/>
+            <a:ext cx="9792208" cy="1527078"/>
+          </a:xfrm>
+        </p:spPr>
+        <p:txBody>
+          <a:bodyPr>
+            <a:normAutofit/>
+          </a:bodyPr>
+          <a:lstStyle/>
+          <a:p>
+            <a:r>
+              <a:rPr lang="en-US" dirty="0">
+                <a:solidFill>
+                  <a:schemeClr val="tx2">
+                    <a:lumMod val="75000"/>
+                  </a:schemeClr>
+                </a:solidFill>
+              </a:rPr>
+              <a:t>Data type #0</a:t>
+            </a:r>
+            <a:br>
+              <a:rPr lang="en-US" dirty="0">
+                <a:solidFill>
+                  <a:schemeClr val="tx2">
+                    <a:lumMod val="75000"/>
+                  </a:schemeClr>
+                </a:solidFill>
+              </a:rPr>
+            </a:br>
+            <a:r>
+              <a:rPr lang="en-US" dirty="0">
+                <a:solidFill>
+                  <a:schemeClr val="tx2">
+                    <a:lumMod val="75000"/>
+                  </a:schemeClr>
+                </a:solidFill>
+              </a:rPr>
+              <a:t>Booleans</a:t>
+            </a:r>
+            <a:endParaRPr lang="en-US" dirty="0"/>
+          </a:p>
+        </p:txBody>
+      </p:sp>
+      <p:sp>
+        <p:nvSpPr>
+          <p:cNvPr id="3" name="Content Placeholder 2">
+            <a:extLst>
+              <a:ext uri="{FF2B5EF4-FFF2-40B4-BE49-F238E27FC236}">
+                <a16:creationId xmlns:a16="http://schemas.microsoft.com/office/drawing/2014/main" id="{AE2CB732-625F-2841-9D7D-66837B39AA7A}"/>
+              </a:ext>
+            </a:extLst>
+          </p:cNvPr>
+          <p:cNvSpPr>
+            <a:spLocks noGrp="1"/>
+          </p:cNvSpPr>
+          <p:nvPr>
+            <p:ph idx="1"/>
+          </p:nvPr>
+        </p:nvSpPr>
+        <p:spPr>
+          <a:xfrm>
+            <a:off x="1175512" y="2557849"/>
+            <a:ext cx="9792208" cy="3407862"/>
+          </a:xfrm>
+        </p:spPr>
+        <p:txBody>
+          <a:bodyPr>
+            <a:normAutofit/>
+          </a:bodyPr>
+          <a:lstStyle/>
+          <a:p>
+            <a:r>
+              <a:rPr lang="en-US" dirty="0">
+                <a:solidFill>
+                  <a:schemeClr val="tx2">
+                    <a:lumMod val="75000"/>
+                  </a:schemeClr>
+                </a:solidFill>
+              </a:rPr>
+              <a:t>Can hold the values </a:t>
+            </a:r>
+            <a:r>
+              <a:rPr lang="en-US" dirty="0">
+                <a:solidFill>
+                  <a:schemeClr val="tx2">
+                    <a:lumMod val="75000"/>
+                  </a:schemeClr>
+                </a:solidFill>
+                <a:latin typeface="Consolas" panose="020B0609020204030204" pitchFamily="49" charset="0"/>
+                <a:cs typeface="Consolas" panose="020B0609020204030204" pitchFamily="49" charset="0"/>
+              </a:rPr>
+              <a:t>True</a:t>
+            </a:r>
+            <a:r>
+              <a:rPr lang="en-US" dirty="0">
+                <a:solidFill>
+                  <a:schemeClr val="tx2">
+                    <a:lumMod val="75000"/>
+                  </a:schemeClr>
+                </a:solidFill>
+              </a:rPr>
+              <a:t> or </a:t>
+            </a:r>
+            <a:r>
+              <a:rPr lang="en-US" dirty="0">
+                <a:solidFill>
+                  <a:schemeClr val="tx2">
+                    <a:lumMod val="75000"/>
+                  </a:schemeClr>
+                </a:solidFill>
+                <a:latin typeface="Consolas" panose="020B0609020204030204" pitchFamily="49" charset="0"/>
+                <a:cs typeface="Consolas" panose="020B0609020204030204" pitchFamily="49" charset="0"/>
+              </a:rPr>
+              <a:t>False</a:t>
+            </a:r>
+          </a:p>
+          <a:p>
+            <a:r>
+              <a:rPr lang="en-US" dirty="0">
+                <a:solidFill>
+                  <a:schemeClr val="tx2">
+                    <a:lumMod val="75000"/>
+                  </a:schemeClr>
+                </a:solidFill>
+                <a:cs typeface="Consolas" panose="020B0609020204030204" pitchFamily="49" charset="0"/>
+              </a:rPr>
+              <a:t>Represented by &lt;class ‘bool’&gt;</a:t>
+            </a:r>
+          </a:p>
+          <a:p>
+            <a:r>
+              <a:rPr lang="en-US" dirty="0">
+                <a:solidFill>
+                  <a:schemeClr val="tx2">
+                    <a:lumMod val="75000"/>
+                  </a:schemeClr>
+                </a:solidFill>
+                <a:cs typeface="Consolas" panose="020B0609020204030204" pitchFamily="49" charset="0"/>
+              </a:rPr>
+              <a:t>Most common functions applied on Boolean:</a:t>
+            </a:r>
+          </a:p>
+          <a:p>
+            <a:pPr lvl="1"/>
+            <a:r>
+              <a:rPr lang="en-US" b="1" dirty="0">
+                <a:solidFill>
+                  <a:schemeClr val="tx2">
+                    <a:lumMod val="75000"/>
+                  </a:schemeClr>
+                </a:solidFill>
+                <a:cs typeface="Consolas" panose="020B0609020204030204" pitchFamily="49" charset="0"/>
+              </a:rPr>
+              <a:t>and, or, negation, equality</a:t>
+            </a:r>
+          </a:p>
+          <a:p>
+            <a:r>
+              <a:rPr lang="en-US" dirty="0">
+                <a:solidFill>
+                  <a:schemeClr val="tx2">
+                    <a:lumMod val="75000"/>
+                  </a:schemeClr>
+                </a:solidFill>
+                <a:cs typeface="Consolas" panose="020B0609020204030204" pitchFamily="49" charset="0"/>
+              </a:rPr>
+              <a:t>Have a look at </a:t>
+            </a:r>
+            <a:r>
+              <a:rPr lang="en-US" dirty="0">
+                <a:solidFill>
+                  <a:schemeClr val="tx2">
+                    <a:lumMod val="75000"/>
+                  </a:schemeClr>
+                </a:solidFill>
+                <a:cs typeface="Consolas" panose="020B0609020204030204" pitchFamily="49" charset="0"/>
+                <a:hlinkClick r:id="rId2"/>
+              </a:rPr>
+              <a:t>https://en.wikipedia.org/wiki/Truth_table</a:t>
+            </a:r>
+            <a:endParaRPr lang="en-US" dirty="0">
+              <a:solidFill>
+                <a:schemeClr val="tx2">
+                  <a:lumMod val="75000"/>
+                </a:schemeClr>
+              </a:solidFill>
+              <a:cs typeface="Consolas" panose="020B0609020204030204" pitchFamily="49" charset="0"/>
+            </a:endParaRPr>
+          </a:p>
+          <a:p>
+            <a:endParaRPr lang="en-US" dirty="0">
+              <a:solidFill>
+                <a:schemeClr val="tx2">
+                  <a:lumMod val="75000"/>
+                </a:schemeClr>
+              </a:solidFill>
+              <a:cs typeface="Consolas" panose="020B0609020204030204" pitchFamily="49" charset="0"/>
+            </a:endParaRPr>
+          </a:p>
+        </p:txBody>
+      </p:sp>
+    </p:spTree>
+    <p:extLst>
+      <p:ext uri="{BB962C8B-B14F-4D97-AF65-F5344CB8AC3E}">
+        <p14:creationId xmlns:p14="http://schemas.microsoft.com/office/powerpoint/2010/main" val="3093890287"/>
+      </p:ext>
+    </p:extLst>
+  </p:cSld>
+  <p:clrMapOvr>
+    <a:masterClrMapping/>
+  </p:clrMapOvr>
+</p:sld>
+</file>
+
+<file path=ppt/slides/slide13.xml><?xml version="1.0" encoding="utf-8"?>
+<p:sld xmlns:a="http://schemas.openxmlformats.org/drawingml/2006/main" xmlns:r="http://schemas.openxmlformats.org/officeDocument/2006/relationships" xmlns:p="http://schemas.openxmlformats.org/presentationml/2006/main">
+  <p:cSld>
+    <p:spTree>
+      <p:nvGrpSpPr>
+        <p:cNvPr id="1" name=""/>
+        <p:cNvGrpSpPr/>
+        <p:nvPr/>
+      </p:nvGrpSpPr>
+      <p:grpSpPr>
+        <a:xfrm>
+          <a:off x="0" y="0"/>
+          <a:ext cx="0" cy="0"/>
+          <a:chOff x="0" y="0"/>
+          <a:chExt cx="0" cy="0"/>
+        </a:xfrm>
+      </p:grpSpPr>
+      <p:sp>
+        <p:nvSpPr>
+          <p:cNvPr id="2" name="Title 1">
+            <a:extLst>
+              <a:ext uri="{FF2B5EF4-FFF2-40B4-BE49-F238E27FC236}">
+                <a16:creationId xmlns:a16="http://schemas.microsoft.com/office/drawing/2014/main" id="{6485DAC9-81E1-8C4A-AC44-D8AEABA28682}"/>
+              </a:ext>
+            </a:extLst>
+          </p:cNvPr>
+          <p:cNvSpPr>
+            <a:spLocks noGrp="1"/>
+          </p:cNvSpPr>
+          <p:nvPr>
+            <p:ph type="title"/>
+          </p:nvPr>
+        </p:nvSpPr>
+        <p:spPr/>
+        <p:txBody>
+          <a:bodyPr/>
+          <a:lstStyle/>
+          <a:p>
+            <a:r>
+              <a:rPr lang="en-US" dirty="0"/>
+              <a:t>What can you do with a bool</a:t>
+            </a:r>
+          </a:p>
+        </p:txBody>
+      </p:sp>
+      <p:sp>
+        <p:nvSpPr>
+          <p:cNvPr id="3" name="Text Placeholder 2">
+            <a:extLst>
+              <a:ext uri="{FF2B5EF4-FFF2-40B4-BE49-F238E27FC236}">
+                <a16:creationId xmlns:a16="http://schemas.microsoft.com/office/drawing/2014/main" id="{BF83ACE2-61FF-5A4C-9887-D1CE1DBF2603}"/>
+              </a:ext>
+            </a:extLst>
+          </p:cNvPr>
+          <p:cNvSpPr>
+            <a:spLocks noGrp="1"/>
+          </p:cNvSpPr>
+          <p:nvPr>
+            <p:ph type="body" idx="1"/>
+          </p:nvPr>
+        </p:nvSpPr>
+        <p:spPr/>
+        <p:txBody>
+          <a:bodyPr/>
+          <a:lstStyle/>
+          <a:p>
+            <a:r>
+              <a:rPr lang="en-US" dirty="0"/>
+              <a:t>Operation</a:t>
+            </a:r>
+          </a:p>
+        </p:txBody>
+      </p:sp>
+      <p:sp>
+        <p:nvSpPr>
+          <p:cNvPr id="4" name="Content Placeholder 3">
+            <a:extLst>
+              <a:ext uri="{FF2B5EF4-FFF2-40B4-BE49-F238E27FC236}">
+                <a16:creationId xmlns:a16="http://schemas.microsoft.com/office/drawing/2014/main" id="{B30DFECA-55BB-094C-B661-D055D91138F3}"/>
+              </a:ext>
+            </a:extLst>
+          </p:cNvPr>
+          <p:cNvSpPr>
+            <a:spLocks noGrp="1"/>
+          </p:cNvSpPr>
+          <p:nvPr>
+            <p:ph sz="half" idx="2"/>
+          </p:nvPr>
+        </p:nvSpPr>
+        <p:spPr/>
+        <p:txBody>
+          <a:bodyPr>
+            <a:normAutofit fontScale="92500" lnSpcReduction="20000"/>
+          </a:bodyPr>
+          <a:lstStyle/>
+          <a:p>
+            <a:r>
+              <a:rPr lang="en-US" dirty="0"/>
+              <a:t>Assignment</a:t>
+            </a:r>
+          </a:p>
+          <a:p>
+            <a:r>
+              <a:rPr lang="en-US" dirty="0"/>
+              <a:t>Comparison</a:t>
+            </a:r>
+          </a:p>
+          <a:p>
+            <a:r>
+              <a:rPr lang="en-US" dirty="0"/>
+              <a:t>Negation	</a:t>
+            </a:r>
+          </a:p>
+          <a:p>
+            <a:r>
+              <a:rPr lang="en-US" dirty="0"/>
+              <a:t>Logical AND	</a:t>
+            </a:r>
+          </a:p>
+          <a:p>
+            <a:r>
+              <a:rPr lang="en-US" dirty="0"/>
+              <a:t>Logical OR</a:t>
+            </a:r>
+          </a:p>
+          <a:p>
+            <a:r>
+              <a:rPr lang="en-US" dirty="0"/>
+              <a:t>Identity</a:t>
+            </a:r>
+          </a:p>
+          <a:p>
+            <a:endParaRPr lang="en-US" dirty="0"/>
+          </a:p>
+          <a:p>
+            <a:r>
+              <a:rPr lang="en-US" dirty="0"/>
+              <a:t># Many more</a:t>
+            </a:r>
+          </a:p>
+        </p:txBody>
+      </p:sp>
+      <p:sp>
+        <p:nvSpPr>
+          <p:cNvPr id="5" name="Text Placeholder 4">
+            <a:extLst>
+              <a:ext uri="{FF2B5EF4-FFF2-40B4-BE49-F238E27FC236}">
+                <a16:creationId xmlns:a16="http://schemas.microsoft.com/office/drawing/2014/main" id="{6C4BDE2E-C83E-2C48-8F42-8B8E3AC9C8E5}"/>
+              </a:ext>
+            </a:extLst>
+          </p:cNvPr>
+          <p:cNvSpPr>
+            <a:spLocks noGrp="1"/>
+          </p:cNvSpPr>
+          <p:nvPr>
+            <p:ph type="body" sz="quarter" idx="3"/>
+          </p:nvPr>
+        </p:nvSpPr>
+        <p:spPr/>
+        <p:txBody>
+          <a:bodyPr/>
+          <a:lstStyle/>
+          <a:p>
+            <a:r>
+              <a:rPr lang="en-US" dirty="0"/>
+              <a:t>Code</a:t>
+            </a:r>
+          </a:p>
+        </p:txBody>
+      </p:sp>
+      <p:sp>
+        <p:nvSpPr>
+          <p:cNvPr id="6" name="Content Placeholder 5">
+            <a:extLst>
+              <a:ext uri="{FF2B5EF4-FFF2-40B4-BE49-F238E27FC236}">
+                <a16:creationId xmlns:a16="http://schemas.microsoft.com/office/drawing/2014/main" id="{DB12C907-E140-D544-8941-1E5A484ABBCE}"/>
+              </a:ext>
+            </a:extLst>
+          </p:cNvPr>
+          <p:cNvSpPr>
+            <a:spLocks noGrp="1"/>
+          </p:cNvSpPr>
+          <p:nvPr>
+            <p:ph sz="quarter" idx="4"/>
+          </p:nvPr>
+        </p:nvSpPr>
+        <p:spPr/>
+        <p:txBody>
+          <a:bodyPr>
+            <a:normAutofit fontScale="92500" lnSpcReduction="20000"/>
+          </a:bodyPr>
+          <a:lstStyle/>
+          <a:p>
+            <a:r>
+              <a:rPr lang="en-US" dirty="0"/>
+              <a:t>a = </a:t>
+            </a:r>
+            <a:r>
+              <a:rPr lang="en-US" b="1" dirty="0"/>
+              <a:t>False</a:t>
+            </a:r>
+            <a:endParaRPr lang="en-US" dirty="0"/>
+          </a:p>
+          <a:p>
+            <a:r>
+              <a:rPr lang="en-US" dirty="0"/>
+              <a:t>a == </a:t>
+            </a:r>
+            <a:r>
+              <a:rPr lang="en-US" b="1" dirty="0"/>
+              <a:t>True</a:t>
+            </a:r>
+          </a:p>
+          <a:p>
+            <a:r>
+              <a:rPr lang="en-US" b="1" dirty="0"/>
+              <a:t>not</a:t>
+            </a:r>
+            <a:r>
+              <a:rPr lang="en-US" dirty="0"/>
+              <a:t> a</a:t>
+            </a:r>
+          </a:p>
+          <a:p>
+            <a:r>
+              <a:rPr lang="en-US" dirty="0"/>
+              <a:t>a </a:t>
+            </a:r>
+            <a:r>
+              <a:rPr lang="en-US" b="1" dirty="0"/>
+              <a:t>and</a:t>
+            </a:r>
+            <a:r>
+              <a:rPr lang="en-US" dirty="0"/>
+              <a:t> b</a:t>
+            </a:r>
+          </a:p>
+          <a:p>
+            <a:r>
+              <a:rPr lang="en-US" dirty="0"/>
+              <a:t>a </a:t>
+            </a:r>
+            <a:r>
+              <a:rPr lang="en-US" b="1" dirty="0"/>
+              <a:t>or </a:t>
+            </a:r>
+            <a:r>
+              <a:rPr lang="en-US" dirty="0"/>
+              <a:t>b</a:t>
+            </a:r>
+          </a:p>
+          <a:p>
+            <a:r>
+              <a:rPr lang="en-US" dirty="0"/>
+              <a:t>a </a:t>
+            </a:r>
+            <a:r>
+              <a:rPr lang="en-US" b="1" dirty="0"/>
+              <a:t> is </a:t>
+            </a:r>
+            <a:r>
+              <a:rPr lang="en-US" dirty="0"/>
+              <a:t>b, a </a:t>
+            </a:r>
+            <a:r>
+              <a:rPr lang="en-US" b="1" dirty="0"/>
+              <a:t>is not </a:t>
+            </a:r>
+            <a:r>
+              <a:rPr lang="en-US" dirty="0"/>
+              <a:t>b</a:t>
+            </a:r>
+          </a:p>
+          <a:p>
+            <a:endParaRPr lang="en-US" dirty="0"/>
+          </a:p>
+          <a:p>
+            <a:r>
+              <a:rPr lang="en-US" dirty="0">
+                <a:hlinkClick r:id="rId2">
+                  <a:extLst>
+                    <a:ext uri="{A12FA001-AC4F-418D-AE19-62706E023703}">
+                      <ahyp:hlinkClr xmlns:ahyp="http://schemas.microsoft.com/office/drawing/2018/hyperlinkcolor" val="tx"/>
+                    </a:ext>
+                  </a:extLst>
+                </a:hlinkClick>
+              </a:rPr>
+              <a:t>https://en.wikipedia.org/wiki/Truth_table</a:t>
+            </a:r>
+            <a:endParaRPr lang="en-US" dirty="0"/>
+          </a:p>
+        </p:txBody>
+      </p:sp>
+    </p:spTree>
+    <p:extLst>
+      <p:ext uri="{BB962C8B-B14F-4D97-AF65-F5344CB8AC3E}">
+        <p14:creationId xmlns:p14="http://schemas.microsoft.com/office/powerpoint/2010/main" val="3920176024"/>
+      </p:ext>
+    </p:extLst>
+  </p:cSld>
+  <p:clrMapOvr>
+    <a:masterClrMapping/>
+  </p:clrMapOvr>
+</p:sld>
+</file>
+
+<file path=ppt/slides/slide14.xml><?xml version="1.0" encoding="utf-8"?>
+<p:sld xmlns:a="http://schemas.openxmlformats.org/drawingml/2006/main" xmlns:r="http://schemas.openxmlformats.org/officeDocument/2006/relationships" xmlns:p="http://schemas.openxmlformats.org/presentationml/2006/main">
+  <p:cSld>
+    <p:spTree>
+      <p:nvGrpSpPr>
+        <p:cNvPr id="1" name=""/>
+        <p:cNvGrpSpPr/>
+        <p:nvPr/>
+      </p:nvGrpSpPr>
+      <p:grpSpPr>
+        <a:xfrm>
+          <a:off x="0" y="0"/>
+          <a:ext cx="0" cy="0"/>
+          <a:chOff x="0" y="0"/>
+          <a:chExt cx="0" cy="0"/>
+        </a:xfrm>
+      </p:grpSpPr>
+      <p:sp>
+        <p:nvSpPr>
           <p:cNvPr id="7" name="Title 1">
             <a:extLst>
               <a:ext uri="{FF2B5EF4-FFF2-40B4-BE49-F238E27FC236}">
@@ -4265,7 +5032,7 @@
 </p:sld>
 </file>
 
-<file path=ppt/slides/slide11.xml><?xml version="1.0" encoding="utf-8"?>
+<file path=ppt/slides/slide15.xml><?xml version="1.0" encoding="utf-8"?>
 <p:sld xmlns:a="http://schemas.openxmlformats.org/drawingml/2006/main" xmlns:r="http://schemas.openxmlformats.org/officeDocument/2006/relationships" xmlns:p="http://schemas.openxmlformats.org/presentationml/2006/main">
   <p:cSld>
     <p:bg>
@@ -4464,7 +5231,7 @@
 </p:sld>
 </file>
 
-<file path=ppt/slides/slide12.xml><?xml version="1.0" encoding="utf-8"?>
+<file path=ppt/slides/slide16.xml><?xml version="1.0" encoding="utf-8"?>
 <p:sld xmlns:a="http://schemas.openxmlformats.org/drawingml/2006/main" xmlns:r="http://schemas.openxmlformats.org/officeDocument/2006/relationships" xmlns:p="http://schemas.openxmlformats.org/presentationml/2006/main">
   <p:cSld>
     <p:spTree>
@@ -4672,7 +5439,7 @@
 </p:sld>
 </file>
 
-<file path=ppt/slides/slide13.xml><?xml version="1.0" encoding="utf-8"?>
+<file path=ppt/slides/slide17.xml><?xml version="1.0" encoding="utf-8"?>
 <p:sld xmlns:a="http://schemas.openxmlformats.org/drawingml/2006/main" xmlns:r="http://schemas.openxmlformats.org/officeDocument/2006/relationships" xmlns:p="http://schemas.openxmlformats.org/presentationml/2006/main">
   <p:cSld>
     <p:spTree>
@@ -4924,7 +5691,7 @@
 </p:sld>
 </file>
 
-<file path=ppt/slides/slide14.xml><?xml version="1.0" encoding="utf-8"?>
+<file path=ppt/slides/slide18.xml><?xml version="1.0" encoding="utf-8"?>
 <p:sld xmlns:a="http://schemas.openxmlformats.org/drawingml/2006/main" xmlns:r="http://schemas.openxmlformats.org/officeDocument/2006/relationships" xmlns:p="http://schemas.openxmlformats.org/presentationml/2006/main">
   <p:cSld>
     <p:spTree>
@@ -5110,7 +5877,7 @@
 </p:sld>
 </file>
 
-<file path=ppt/slides/slide15.xml><?xml version="1.0" encoding="utf-8"?>
+<file path=ppt/slides/slide19.xml><?xml version="1.0" encoding="utf-8"?>
 <p:sld xmlns:a="http://schemas.openxmlformats.org/drawingml/2006/main" xmlns:r="http://schemas.openxmlformats.org/officeDocument/2006/relationships" xmlns:p="http://schemas.openxmlformats.org/presentationml/2006/main">
   <p:cSld>
     <p:spTree>
@@ -5416,900 +6183,6 @@
     <p:extLst>
       <p:ext uri="{BB962C8B-B14F-4D97-AF65-F5344CB8AC3E}">
         <p14:creationId xmlns:p14="http://schemas.microsoft.com/office/powerpoint/2010/main" val="705079295"/>
-      </p:ext>
-    </p:extLst>
-  </p:cSld>
-  <p:clrMapOvr>
-    <a:masterClrMapping/>
-  </p:clrMapOvr>
-</p:sld>
-</file>
-
-<file path=ppt/slides/slide16.xml><?xml version="1.0" encoding="utf-8"?>
-<p:sld xmlns:a="http://schemas.openxmlformats.org/drawingml/2006/main" xmlns:r="http://schemas.openxmlformats.org/officeDocument/2006/relationships" xmlns:p="http://schemas.openxmlformats.org/presentationml/2006/main">
-  <p:cSld>
-    <p:bg>
-      <p:bgPr>
-        <a:solidFill>
-          <a:schemeClr val="bg1"/>
-        </a:solidFill>
-        <a:effectLst/>
-      </p:bgPr>
-    </p:bg>
-    <p:spTree>
-      <p:nvGrpSpPr>
-        <p:cNvPr id="1" name=""/>
-        <p:cNvGrpSpPr/>
-        <p:nvPr/>
-      </p:nvGrpSpPr>
-      <p:grpSpPr>
-        <a:xfrm>
-          <a:off x="0" y="0"/>
-          <a:ext cx="0" cy="0"/>
-          <a:chOff x="0" y="0"/>
-          <a:chExt cx="0" cy="0"/>
-        </a:xfrm>
-      </p:grpSpPr>
-      <p:sp>
-        <p:nvSpPr>
-          <p:cNvPr id="2" name="Title 1">
-            <a:extLst>
-              <a:ext uri="{FF2B5EF4-FFF2-40B4-BE49-F238E27FC236}">
-                <a16:creationId xmlns:a16="http://schemas.microsoft.com/office/drawing/2014/main" id="{E2D77E67-1D0F-5C45-A365-CDC3649D56FE}"/>
-              </a:ext>
-            </a:extLst>
-          </p:cNvPr>
-          <p:cNvSpPr>
-            <a:spLocks noGrp="1"/>
-          </p:cNvSpPr>
-          <p:nvPr>
-            <p:ph type="title"/>
-          </p:nvPr>
-        </p:nvSpPr>
-        <p:spPr>
-          <a:xfrm>
-            <a:off x="1175512" y="870132"/>
-            <a:ext cx="9792208" cy="1527078"/>
-          </a:xfrm>
-        </p:spPr>
-        <p:txBody>
-          <a:bodyPr>
-            <a:normAutofit/>
-          </a:bodyPr>
-          <a:lstStyle/>
-          <a:p>
-            <a:r>
-              <a:rPr lang="en-US" dirty="0">
-                <a:solidFill>
-                  <a:schemeClr val="tx2">
-                    <a:lumMod val="75000"/>
-                  </a:schemeClr>
-                </a:solidFill>
-              </a:rPr>
-              <a:t>Data type #2</a:t>
-            </a:r>
-            <a:br>
-              <a:rPr lang="en-US" dirty="0">
-                <a:solidFill>
-                  <a:schemeClr val="tx2">
-                    <a:lumMod val="75000"/>
-                  </a:schemeClr>
-                </a:solidFill>
-              </a:rPr>
-            </a:br>
-            <a:r>
-              <a:rPr lang="en-US" dirty="0">
-                <a:solidFill>
-                  <a:schemeClr val="tx2">
-                    <a:lumMod val="75000"/>
-                  </a:schemeClr>
-                </a:solidFill>
-              </a:rPr>
-              <a:t>Floating-Point numbers</a:t>
-            </a:r>
-          </a:p>
-        </p:txBody>
-      </p:sp>
-      <p:sp>
-        <p:nvSpPr>
-          <p:cNvPr id="3" name="Content Placeholder 2">
-            <a:extLst>
-              <a:ext uri="{FF2B5EF4-FFF2-40B4-BE49-F238E27FC236}">
-                <a16:creationId xmlns:a16="http://schemas.microsoft.com/office/drawing/2014/main" id="{90FB4CCD-6C1F-B24C-A890-0D3EA6A21464}"/>
-              </a:ext>
-            </a:extLst>
-          </p:cNvPr>
-          <p:cNvSpPr>
-            <a:spLocks noGrp="1"/>
-          </p:cNvSpPr>
-          <p:nvPr>
-            <p:ph idx="1"/>
-          </p:nvPr>
-        </p:nvSpPr>
-        <p:spPr>
-          <a:xfrm>
-            <a:off x="1175512" y="2557849"/>
-            <a:ext cx="9792208" cy="3407862"/>
-          </a:xfrm>
-        </p:spPr>
-        <p:txBody>
-          <a:bodyPr>
-            <a:normAutofit fontScale="92500" lnSpcReduction="20000"/>
-          </a:bodyPr>
-          <a:lstStyle/>
-          <a:p>
-            <a:r>
-              <a:rPr lang="en-US" dirty="0"/>
-              <a:t>Represented as a number with a </a:t>
-            </a:r>
-            <a:r>
-              <a:rPr lang="en-US" b="1" dirty="0"/>
-              <a:t>decimal</a:t>
-            </a:r>
-            <a:r>
-              <a:rPr lang="en-US" dirty="0"/>
-              <a:t> point</a:t>
-            </a:r>
-          </a:p>
-          <a:p>
-            <a:r>
-              <a:rPr lang="en-US" dirty="0"/>
-              <a:t>Optionally, the character </a:t>
-            </a:r>
-            <a:r>
-              <a:rPr lang="en-US" b="1" dirty="0"/>
-              <a:t>e</a:t>
-            </a:r>
-            <a:r>
-              <a:rPr lang="en-US" dirty="0"/>
-              <a:t> or </a:t>
-            </a:r>
-            <a:r>
-              <a:rPr lang="en-US" b="1" dirty="0"/>
-              <a:t>E</a:t>
-            </a:r>
-            <a:r>
-              <a:rPr lang="en-US" dirty="0"/>
-              <a:t> followed by a positive or negative integer can be used to write in </a:t>
-            </a:r>
-            <a:r>
-              <a:rPr lang="en-US" i="1" dirty="0"/>
-              <a:t>scientific-notation</a:t>
-            </a:r>
-          </a:p>
-          <a:p>
-            <a:r>
-              <a:rPr lang="en-US" dirty="0"/>
-              <a:t>0.0016	# Non-scientific notation</a:t>
-            </a:r>
-          </a:p>
-          <a:p>
-            <a:r>
-              <a:rPr lang="en-US"/>
-              <a:t>1.6e-3 	# </a:t>
-            </a:r>
-            <a:r>
-              <a:rPr lang="en-US" dirty="0"/>
-              <a:t>Scientific notation</a:t>
-            </a:r>
-          </a:p>
-          <a:p>
-            <a:r>
-              <a:rPr lang="en-US" i="1" dirty="0"/>
-              <a:t>Following information varies between programming languages:</a:t>
-            </a:r>
-          </a:p>
-          <a:p>
-            <a:pPr lvl="1"/>
-            <a:r>
-              <a:rPr lang="en-US" i="1" dirty="0"/>
-              <a:t>Typically, </a:t>
-            </a:r>
-            <a:r>
-              <a:rPr lang="en-US" b="1" i="1" dirty="0"/>
-              <a:t>8 Bytes or 64 Bits</a:t>
-            </a:r>
-            <a:r>
-              <a:rPr lang="en-US" i="1" dirty="0"/>
-              <a:t> are used in memory to represent a single floating-point number</a:t>
-            </a:r>
-          </a:p>
-          <a:p>
-            <a:r>
-              <a:rPr lang="en-US" i="1" dirty="0"/>
-              <a:t>Represented by built-in &lt;class ‘float’&gt;</a:t>
-            </a:r>
-          </a:p>
-          <a:p>
-            <a:endParaRPr lang="en-US" i="1" dirty="0"/>
-          </a:p>
-          <a:p>
-            <a:pPr marL="274320" lvl="1" indent="0">
-              <a:buNone/>
-            </a:pPr>
-            <a:endParaRPr lang="en-US" i="1" dirty="0"/>
-          </a:p>
-          <a:p>
-            <a:pPr marL="274320" lvl="1" indent="0">
-              <a:buNone/>
-            </a:pPr>
-            <a:endParaRPr lang="en-US" i="1" dirty="0"/>
-          </a:p>
-          <a:p>
-            <a:endParaRPr lang="en-US" dirty="0"/>
-          </a:p>
-        </p:txBody>
-      </p:sp>
-    </p:spTree>
-    <p:extLst>
-      <p:ext uri="{BB962C8B-B14F-4D97-AF65-F5344CB8AC3E}">
-        <p14:creationId xmlns:p14="http://schemas.microsoft.com/office/powerpoint/2010/main" val="486065988"/>
-      </p:ext>
-    </p:extLst>
-  </p:cSld>
-  <p:clrMapOvr>
-    <a:masterClrMapping/>
-  </p:clrMapOvr>
-</p:sld>
-</file>
-
-<file path=ppt/slides/slide17.xml><?xml version="1.0" encoding="utf-8"?>
-<p:sld xmlns:a="http://schemas.openxmlformats.org/drawingml/2006/main" xmlns:r="http://schemas.openxmlformats.org/officeDocument/2006/relationships" xmlns:p="http://schemas.openxmlformats.org/presentationml/2006/main">
-  <p:cSld>
-    <p:spTree>
-      <p:nvGrpSpPr>
-        <p:cNvPr id="1" name=""/>
-        <p:cNvGrpSpPr/>
-        <p:nvPr/>
-      </p:nvGrpSpPr>
-      <p:grpSpPr>
-        <a:xfrm>
-          <a:off x="0" y="0"/>
-          <a:ext cx="0" cy="0"/>
-          <a:chOff x="0" y="0"/>
-          <a:chExt cx="0" cy="0"/>
-        </a:xfrm>
-      </p:grpSpPr>
-      <p:sp>
-        <p:nvSpPr>
-          <p:cNvPr id="2" name="Title 1">
-            <a:extLst>
-              <a:ext uri="{FF2B5EF4-FFF2-40B4-BE49-F238E27FC236}">
-                <a16:creationId xmlns:a16="http://schemas.microsoft.com/office/drawing/2014/main" id="{9C042FCC-8D49-4049-B35D-D27812C2AD24}"/>
-              </a:ext>
-            </a:extLst>
-          </p:cNvPr>
-          <p:cNvSpPr>
-            <a:spLocks noGrp="1"/>
-          </p:cNvSpPr>
-          <p:nvPr>
-            <p:ph type="title"/>
-          </p:nvPr>
-        </p:nvSpPr>
-        <p:spPr/>
-        <p:txBody>
-          <a:bodyPr/>
-          <a:lstStyle/>
-          <a:p>
-            <a:r>
-              <a:rPr lang="en-US" dirty="0"/>
-              <a:t>What can you do with a </a:t>
-            </a:r>
-            <a:r>
-              <a:rPr lang="en-US" b="1" dirty="0"/>
-              <a:t>float</a:t>
-            </a:r>
-            <a:endParaRPr lang="en-US" dirty="0"/>
-          </a:p>
-        </p:txBody>
-      </p:sp>
-      <p:sp>
-        <p:nvSpPr>
-          <p:cNvPr id="3" name="Content Placeholder 2">
-            <a:extLst>
-              <a:ext uri="{FF2B5EF4-FFF2-40B4-BE49-F238E27FC236}">
-                <a16:creationId xmlns:a16="http://schemas.microsoft.com/office/drawing/2014/main" id="{F16A345D-2E8C-AE49-9D66-C99F887467CB}"/>
-              </a:ext>
-            </a:extLst>
-          </p:cNvPr>
-          <p:cNvSpPr>
-            <a:spLocks noGrp="1"/>
-          </p:cNvSpPr>
-          <p:nvPr>
-            <p:ph idx="1"/>
-          </p:nvPr>
-        </p:nvSpPr>
-        <p:spPr/>
-        <p:txBody>
-          <a:bodyPr/>
-          <a:lstStyle/>
-          <a:p>
-            <a:endParaRPr lang="en-US" dirty="0"/>
-          </a:p>
-          <a:p>
-            <a:endParaRPr lang="en-US" dirty="0"/>
-          </a:p>
-          <a:p>
-            <a:endParaRPr lang="en-US" dirty="0"/>
-          </a:p>
-          <a:p>
-            <a:r>
-              <a:rPr lang="en-US" dirty="0"/>
-              <a:t>Everything that you can do with an </a:t>
-            </a:r>
-            <a:r>
-              <a:rPr lang="en-US" b="1" dirty="0"/>
-              <a:t>int</a:t>
-            </a:r>
-            <a:endParaRPr lang="en-US" dirty="0"/>
-          </a:p>
-        </p:txBody>
-      </p:sp>
-    </p:spTree>
-    <p:extLst>
-      <p:ext uri="{BB962C8B-B14F-4D97-AF65-F5344CB8AC3E}">
-        <p14:creationId xmlns:p14="http://schemas.microsoft.com/office/powerpoint/2010/main" val="3608219218"/>
-      </p:ext>
-    </p:extLst>
-  </p:cSld>
-  <p:clrMapOvr>
-    <a:masterClrMapping/>
-  </p:clrMapOvr>
-</p:sld>
-</file>
-
-<file path=ppt/slides/slide18.xml><?xml version="1.0" encoding="utf-8"?>
-<p:sld xmlns:a="http://schemas.openxmlformats.org/drawingml/2006/main" xmlns:r="http://schemas.openxmlformats.org/officeDocument/2006/relationships" xmlns:p="http://schemas.openxmlformats.org/presentationml/2006/main">
-  <p:cSld>
-    <p:spTree>
-      <p:nvGrpSpPr>
-        <p:cNvPr id="1" name=""/>
-        <p:cNvGrpSpPr/>
-        <p:nvPr/>
-      </p:nvGrpSpPr>
-      <p:grpSpPr>
-        <a:xfrm>
-          <a:off x="0" y="0"/>
-          <a:ext cx="0" cy="0"/>
-          <a:chOff x="0" y="0"/>
-          <a:chExt cx="0" cy="0"/>
-        </a:xfrm>
-      </p:grpSpPr>
-      <p:sp>
-        <p:nvSpPr>
-          <p:cNvPr id="7" name="Title 1">
-            <a:extLst>
-              <a:ext uri="{FF2B5EF4-FFF2-40B4-BE49-F238E27FC236}">
-                <a16:creationId xmlns:a16="http://schemas.microsoft.com/office/drawing/2014/main" id="{15211E08-8CF7-0F48-9FA7-F9196E21549C}"/>
-              </a:ext>
-            </a:extLst>
-          </p:cNvPr>
-          <p:cNvSpPr>
-            <a:spLocks noGrp="1"/>
-          </p:cNvSpPr>
-          <p:nvPr>
-            <p:ph type="title"/>
-          </p:nvPr>
-        </p:nvSpPr>
-        <p:spPr>
-          <a:xfrm>
-            <a:off x="1175512" y="870132"/>
-            <a:ext cx="9792208" cy="1527078"/>
-          </a:xfrm>
-        </p:spPr>
-        <p:txBody>
-          <a:bodyPr>
-            <a:normAutofit/>
-          </a:bodyPr>
-          <a:lstStyle/>
-          <a:p>
-            <a:pPr algn="ctr"/>
-            <a:r>
-              <a:rPr lang="en-US" dirty="0">
-                <a:solidFill>
-                  <a:schemeClr val="tx2">
-                    <a:lumMod val="75000"/>
-                  </a:schemeClr>
-                </a:solidFill>
-              </a:rPr>
-              <a:t>complex</a:t>
-            </a:r>
-            <a:endParaRPr lang="en-US" dirty="0"/>
-          </a:p>
-        </p:txBody>
-      </p:sp>
-      <p:sp>
-        <p:nvSpPr>
-          <p:cNvPr id="8" name="Content Placeholder 2">
-            <a:extLst>
-              <a:ext uri="{FF2B5EF4-FFF2-40B4-BE49-F238E27FC236}">
-                <a16:creationId xmlns:a16="http://schemas.microsoft.com/office/drawing/2014/main" id="{B791251F-D68C-684B-A890-294087488534}"/>
-              </a:ext>
-            </a:extLst>
-          </p:cNvPr>
-          <p:cNvSpPr txBox="1">
-            <a:spLocks/>
-          </p:cNvSpPr>
-          <p:nvPr/>
-        </p:nvSpPr>
-        <p:spPr>
-          <a:xfrm>
-            <a:off x="1175512" y="3348959"/>
-            <a:ext cx="9792208" cy="3407862"/>
-          </a:xfrm>
-          <a:prstGeom prst="rect">
-            <a:avLst/>
-          </a:prstGeom>
-        </p:spPr>
-        <p:txBody>
-          <a:bodyPr vert="horz" lIns="91440" tIns="45720" rIns="91440" bIns="45720" rtlCol="0" anchor="b">
-            <a:normAutofit fontScale="92500"/>
-          </a:bodyPr>
-          <a:lstStyle>
-            <a:lvl1pPr marL="0" indent="0" algn="l" defTabSz="914400" rtl="0" eaLnBrk="1" latinLnBrk="0" hangingPunct="1">
-              <a:lnSpc>
-                <a:spcPct val="90000"/>
-              </a:lnSpc>
-              <a:spcBef>
-                <a:spcPts val="1000"/>
-              </a:spcBef>
-              <a:buFont typeface="Arial" panose="020B0604020202020204" pitchFamily="34" charset="0"/>
-              <a:buNone/>
-              <a:defRPr sz="2400" b="1" kern="1200">
-                <a:solidFill>
-                  <a:schemeClr val="tx2">
-                    <a:lumMod val="75000"/>
-                  </a:schemeClr>
-                </a:solidFill>
-                <a:latin typeface="+mn-lt"/>
-                <a:ea typeface="+mn-ea"/>
-                <a:cs typeface="+mn-cs"/>
-              </a:defRPr>
-            </a:lvl1pPr>
-            <a:lvl2pPr marL="457200" indent="0" algn="l" defTabSz="914400" rtl="0" eaLnBrk="1" latinLnBrk="0" hangingPunct="1">
-              <a:lnSpc>
-                <a:spcPct val="90000"/>
-              </a:lnSpc>
-              <a:spcBef>
-                <a:spcPts val="500"/>
-              </a:spcBef>
-              <a:buFont typeface="Arial" panose="020B0604020202020204" pitchFamily="34" charset="0"/>
-              <a:buNone/>
-              <a:defRPr sz="2000" b="1" kern="1200">
-                <a:solidFill>
-                  <a:schemeClr val="tx2">
-                    <a:lumMod val="75000"/>
-                  </a:schemeClr>
-                </a:solidFill>
-                <a:latin typeface="+mn-lt"/>
-                <a:ea typeface="+mn-ea"/>
-                <a:cs typeface="+mn-cs"/>
-              </a:defRPr>
-            </a:lvl2pPr>
-            <a:lvl3pPr marL="914400" indent="0" algn="l" defTabSz="914400" rtl="0" eaLnBrk="1" latinLnBrk="0" hangingPunct="1">
-              <a:lnSpc>
-                <a:spcPct val="90000"/>
-              </a:lnSpc>
-              <a:spcBef>
-                <a:spcPts val="500"/>
-              </a:spcBef>
-              <a:buFont typeface="Arial" panose="020B0604020202020204" pitchFamily="34" charset="0"/>
-              <a:buNone/>
-              <a:defRPr sz="1800" b="1" kern="1200">
-                <a:solidFill>
-                  <a:schemeClr val="tx2">
-                    <a:lumMod val="75000"/>
-                  </a:schemeClr>
-                </a:solidFill>
-                <a:latin typeface="+mn-lt"/>
-                <a:ea typeface="+mn-ea"/>
-                <a:cs typeface="+mn-cs"/>
-              </a:defRPr>
-            </a:lvl3pPr>
-            <a:lvl4pPr marL="1371600" indent="0" algn="l" defTabSz="914400" rtl="0" eaLnBrk="1" latinLnBrk="0" hangingPunct="1">
-              <a:lnSpc>
-                <a:spcPct val="90000"/>
-              </a:lnSpc>
-              <a:spcBef>
-                <a:spcPts val="500"/>
-              </a:spcBef>
-              <a:buFont typeface="Arial" panose="020B0604020202020204" pitchFamily="34" charset="0"/>
-              <a:buNone/>
-              <a:defRPr sz="1600" b="1" kern="1200">
-                <a:solidFill>
-                  <a:schemeClr val="tx2">
-                    <a:lumMod val="75000"/>
-                  </a:schemeClr>
-                </a:solidFill>
-                <a:latin typeface="+mn-lt"/>
-                <a:ea typeface="+mn-ea"/>
-                <a:cs typeface="+mn-cs"/>
-              </a:defRPr>
-            </a:lvl4pPr>
-            <a:lvl5pPr marL="1828800" indent="0" algn="l" defTabSz="914400" rtl="0" eaLnBrk="1" latinLnBrk="0" hangingPunct="1">
-              <a:lnSpc>
-                <a:spcPct val="90000"/>
-              </a:lnSpc>
-              <a:spcBef>
-                <a:spcPts val="500"/>
-              </a:spcBef>
-              <a:buFont typeface="Arial" panose="020B0604020202020204" pitchFamily="34" charset="0"/>
-              <a:buNone/>
-              <a:defRPr sz="1600" b="1" kern="1200">
-                <a:solidFill>
-                  <a:schemeClr val="tx2">
-                    <a:lumMod val="75000"/>
-                  </a:schemeClr>
-                </a:solidFill>
-                <a:latin typeface="+mn-lt"/>
-                <a:ea typeface="+mn-ea"/>
-                <a:cs typeface="+mn-cs"/>
-              </a:defRPr>
-            </a:lvl5pPr>
-            <a:lvl6pPr marL="2286000" indent="0" algn="l" defTabSz="914400" rtl="0" eaLnBrk="1" latinLnBrk="0" hangingPunct="1">
-              <a:lnSpc>
-                <a:spcPct val="90000"/>
-              </a:lnSpc>
-              <a:spcBef>
-                <a:spcPts val="500"/>
-              </a:spcBef>
-              <a:buFont typeface="Arial" panose="020B0604020202020204" pitchFamily="34" charset="0"/>
-              <a:buNone/>
-              <a:defRPr sz="1600" b="1" kern="1200">
-                <a:solidFill>
-                  <a:schemeClr val="tx1"/>
-                </a:solidFill>
-                <a:latin typeface="+mn-lt"/>
-                <a:ea typeface="+mn-ea"/>
-                <a:cs typeface="+mn-cs"/>
-              </a:defRPr>
-            </a:lvl6pPr>
-            <a:lvl7pPr marL="2743200" indent="0" algn="l" defTabSz="914400" rtl="0" eaLnBrk="1" latinLnBrk="0" hangingPunct="1">
-              <a:lnSpc>
-                <a:spcPct val="90000"/>
-              </a:lnSpc>
-              <a:spcBef>
-                <a:spcPts val="500"/>
-              </a:spcBef>
-              <a:buFont typeface="Arial" panose="020B0604020202020204" pitchFamily="34" charset="0"/>
-              <a:buNone/>
-              <a:defRPr sz="1600" b="1" kern="1200">
-                <a:solidFill>
-                  <a:schemeClr val="tx1"/>
-                </a:solidFill>
-                <a:latin typeface="+mn-lt"/>
-                <a:ea typeface="+mn-ea"/>
-                <a:cs typeface="+mn-cs"/>
-              </a:defRPr>
-            </a:lvl7pPr>
-            <a:lvl8pPr marL="3200400" indent="0" algn="l" defTabSz="914400" rtl="0" eaLnBrk="1" latinLnBrk="0" hangingPunct="1">
-              <a:lnSpc>
-                <a:spcPct val="90000"/>
-              </a:lnSpc>
-              <a:spcBef>
-                <a:spcPts val="500"/>
-              </a:spcBef>
-              <a:buFont typeface="Arial" panose="020B0604020202020204" pitchFamily="34" charset="0"/>
-              <a:buNone/>
-              <a:defRPr sz="1600" b="1" kern="1200">
-                <a:solidFill>
-                  <a:schemeClr val="tx1"/>
-                </a:solidFill>
-                <a:latin typeface="+mn-lt"/>
-                <a:ea typeface="+mn-ea"/>
-                <a:cs typeface="+mn-cs"/>
-              </a:defRPr>
-            </a:lvl8pPr>
-            <a:lvl9pPr marL="3657600" indent="0" algn="l" defTabSz="914400" rtl="0" eaLnBrk="1" latinLnBrk="0" hangingPunct="1">
-              <a:lnSpc>
-                <a:spcPct val="90000"/>
-              </a:lnSpc>
-              <a:spcBef>
-                <a:spcPts val="500"/>
-              </a:spcBef>
-              <a:buFont typeface="Arial" panose="020B0604020202020204" pitchFamily="34" charset="0"/>
-              <a:buNone/>
-              <a:defRPr sz="1600" b="1" kern="1200">
-                <a:solidFill>
-                  <a:schemeClr val="tx1"/>
-                </a:solidFill>
-                <a:latin typeface="+mn-lt"/>
-                <a:ea typeface="+mn-ea"/>
-                <a:cs typeface="+mn-cs"/>
-              </a:defRPr>
-            </a:lvl9pPr>
-          </a:lstStyle>
-          <a:p>
-            <a:pPr algn="ctr"/>
-            <a:r>
-              <a:rPr lang="en-US" sz="5400" dirty="0">
-                <a:cs typeface="Consolas" panose="020B0609020204030204" pitchFamily="49" charset="0"/>
-              </a:rPr>
-              <a:t>1 + i23		-55 + i0			9 + i7</a:t>
-            </a:r>
-          </a:p>
-          <a:p>
-            <a:pPr algn="ctr"/>
-            <a:endParaRPr lang="en-US" sz="5400" dirty="0">
-              <a:cs typeface="Consolas" panose="020B0609020204030204" pitchFamily="49" charset="0"/>
-            </a:endParaRPr>
-          </a:p>
-          <a:p>
-            <a:pPr algn="ctr"/>
-            <a:r>
-              <a:rPr lang="en-US" sz="5400" dirty="0">
-                <a:cs typeface="Consolas" panose="020B0609020204030204" pitchFamily="49" charset="0"/>
-              </a:rPr>
-              <a:t>-728 + i8		-3 + i90		81 + i92</a:t>
-            </a:r>
-          </a:p>
-          <a:p>
-            <a:pPr algn="ctr"/>
-            <a:r>
-              <a:rPr lang="en-US" sz="5400" dirty="0">
-                <a:cs typeface="Consolas" panose="020B0609020204030204" pitchFamily="49" charset="0"/>
-              </a:rPr>
-              <a:t>					</a:t>
-            </a:r>
-          </a:p>
-          <a:p>
-            <a:pPr algn="ctr"/>
-            <a:endParaRPr lang="en-US" sz="5400" dirty="0">
-              <a:cs typeface="Consolas" panose="020B0609020204030204" pitchFamily="49" charset="0"/>
-            </a:endParaRPr>
-          </a:p>
-        </p:txBody>
-      </p:sp>
-    </p:spTree>
-    <p:extLst>
-      <p:ext uri="{BB962C8B-B14F-4D97-AF65-F5344CB8AC3E}">
-        <p14:creationId xmlns:p14="http://schemas.microsoft.com/office/powerpoint/2010/main" val="4266193849"/>
-      </p:ext>
-    </p:extLst>
-  </p:cSld>
-  <p:clrMapOvr>
-    <a:masterClrMapping/>
-  </p:clrMapOvr>
-</p:sld>
-</file>
-
-<file path=ppt/slides/slide19.xml><?xml version="1.0" encoding="utf-8"?>
-<p:sld xmlns:a="http://schemas.openxmlformats.org/drawingml/2006/main" xmlns:r="http://schemas.openxmlformats.org/officeDocument/2006/relationships" xmlns:p="http://schemas.openxmlformats.org/presentationml/2006/main">
-  <p:cSld>
-    <p:bg>
-      <p:bgPr>
-        <a:solidFill>
-          <a:schemeClr val="bg1"/>
-        </a:solidFill>
-        <a:effectLst/>
-      </p:bgPr>
-    </p:bg>
-    <p:spTree>
-      <p:nvGrpSpPr>
-        <p:cNvPr id="1" name=""/>
-        <p:cNvGrpSpPr/>
-        <p:nvPr/>
-      </p:nvGrpSpPr>
-      <p:grpSpPr>
-        <a:xfrm>
-          <a:off x="0" y="0"/>
-          <a:ext cx="0" cy="0"/>
-          <a:chOff x="0" y="0"/>
-          <a:chExt cx="0" cy="0"/>
-        </a:xfrm>
-      </p:grpSpPr>
-      <p:sp>
-        <p:nvSpPr>
-          <p:cNvPr id="2" name="Title 1">
-            <a:extLst>
-              <a:ext uri="{FF2B5EF4-FFF2-40B4-BE49-F238E27FC236}">
-                <a16:creationId xmlns:a16="http://schemas.microsoft.com/office/drawing/2014/main" id="{C1AD2C26-AA88-894F-878A-E9DCBD69C79A}"/>
-              </a:ext>
-            </a:extLst>
-          </p:cNvPr>
-          <p:cNvSpPr>
-            <a:spLocks noGrp="1"/>
-          </p:cNvSpPr>
-          <p:nvPr>
-            <p:ph type="title"/>
-          </p:nvPr>
-        </p:nvSpPr>
-        <p:spPr>
-          <a:xfrm>
-            <a:off x="1175512" y="870132"/>
-            <a:ext cx="9792208" cy="1527078"/>
-          </a:xfrm>
-        </p:spPr>
-        <p:txBody>
-          <a:bodyPr>
-            <a:normAutofit/>
-          </a:bodyPr>
-          <a:lstStyle/>
-          <a:p>
-            <a:r>
-              <a:rPr lang="en-US" dirty="0">
-                <a:solidFill>
-                  <a:schemeClr val="tx2">
-                    <a:lumMod val="75000"/>
-                  </a:schemeClr>
-                </a:solidFill>
-              </a:rPr>
-              <a:t>Data type #3</a:t>
-            </a:r>
-            <a:br>
-              <a:rPr lang="en-US" dirty="0">
-                <a:solidFill>
-                  <a:schemeClr val="tx2">
-                    <a:lumMod val="75000"/>
-                  </a:schemeClr>
-                </a:solidFill>
-              </a:rPr>
-            </a:br>
-            <a:r>
-              <a:rPr lang="en-US" dirty="0">
-                <a:solidFill>
-                  <a:schemeClr val="tx2">
-                    <a:lumMod val="75000"/>
-                  </a:schemeClr>
-                </a:solidFill>
-              </a:rPr>
-              <a:t>Complex numbers</a:t>
-            </a:r>
-          </a:p>
-        </p:txBody>
-      </p:sp>
-      <p:sp>
-        <p:nvSpPr>
-          <p:cNvPr id="3" name="Content Placeholder 2">
-            <a:extLst>
-              <a:ext uri="{FF2B5EF4-FFF2-40B4-BE49-F238E27FC236}">
-                <a16:creationId xmlns:a16="http://schemas.microsoft.com/office/drawing/2014/main" id="{7223CCE3-23CA-7349-8910-FA533F8532E0}"/>
-              </a:ext>
-            </a:extLst>
-          </p:cNvPr>
-          <p:cNvSpPr>
-            <a:spLocks noGrp="1"/>
-          </p:cNvSpPr>
-          <p:nvPr>
-            <p:ph idx="1"/>
-          </p:nvPr>
-        </p:nvSpPr>
-        <p:spPr>
-          <a:xfrm>
-            <a:off x="1175512" y="2557849"/>
-            <a:ext cx="9792208" cy="3407862"/>
-          </a:xfrm>
-        </p:spPr>
-        <p:txBody>
-          <a:bodyPr>
-            <a:normAutofit/>
-          </a:bodyPr>
-          <a:lstStyle/>
-          <a:p>
-            <a:r>
-              <a:rPr lang="en-US" dirty="0">
-                <a:solidFill>
-                  <a:schemeClr val="tx2">
-                    <a:lumMod val="75000"/>
-                  </a:schemeClr>
-                </a:solidFill>
-              </a:rPr>
-              <a:t>Super important in all major scientific and computing fields</a:t>
-            </a:r>
-          </a:p>
-          <a:p>
-            <a:r>
-              <a:rPr lang="en-US" dirty="0">
-                <a:solidFill>
-                  <a:schemeClr val="tx2">
-                    <a:lumMod val="75000"/>
-                  </a:schemeClr>
-                </a:solidFill>
-              </a:rPr>
-              <a:t>It is a lesson on its own!</a:t>
-            </a:r>
-          </a:p>
-          <a:p>
-            <a:r>
-              <a:rPr lang="en-US" dirty="0">
-                <a:solidFill>
-                  <a:schemeClr val="tx2">
-                    <a:lumMod val="75000"/>
-                  </a:schemeClr>
-                </a:solidFill>
-              </a:rPr>
-              <a:t>For now, in Python, it can be used as (</a:t>
-            </a:r>
-            <a:r>
-              <a:rPr lang="en-US" dirty="0">
-                <a:solidFill>
-                  <a:schemeClr val="tx2">
-                    <a:lumMod val="75000"/>
-                  </a:schemeClr>
-                </a:solidFill>
-                <a:latin typeface="Consolas" panose="020B0609020204030204" pitchFamily="49" charset="0"/>
-                <a:cs typeface="Consolas" panose="020B0609020204030204" pitchFamily="49" charset="0"/>
-              </a:rPr>
-              <a:t>3 + 4</a:t>
-            </a:r>
-            <a:r>
-              <a:rPr lang="en-US" b="1" dirty="0">
-                <a:solidFill>
-                  <a:schemeClr val="tx2">
-                    <a:lumMod val="75000"/>
-                  </a:schemeClr>
-                </a:solidFill>
-                <a:latin typeface="Consolas" panose="020B0609020204030204" pitchFamily="49" charset="0"/>
-                <a:cs typeface="Consolas" panose="020B0609020204030204" pitchFamily="49" charset="0"/>
-              </a:rPr>
-              <a:t>j</a:t>
-            </a:r>
-            <a:r>
-              <a:rPr lang="en-US" dirty="0">
-                <a:solidFill>
-                  <a:schemeClr val="tx2">
-                    <a:lumMod val="75000"/>
-                  </a:schemeClr>
-                </a:solidFill>
-                <a:latin typeface="Consolas" panose="020B0609020204030204" pitchFamily="49" charset="0"/>
-                <a:cs typeface="Consolas" panose="020B0609020204030204" pitchFamily="49" charset="0"/>
-              </a:rPr>
-              <a:t>) # (real + </a:t>
-            </a:r>
-            <a:r>
-              <a:rPr lang="en-US" b="1" dirty="0">
-                <a:solidFill>
-                  <a:schemeClr val="tx2">
-                    <a:lumMod val="75000"/>
-                  </a:schemeClr>
-                </a:solidFill>
-                <a:latin typeface="Consolas" panose="020B0609020204030204" pitchFamily="49" charset="0"/>
-                <a:cs typeface="Consolas" panose="020B0609020204030204" pitchFamily="49" charset="0"/>
-              </a:rPr>
-              <a:t>j</a:t>
-            </a:r>
-            <a:r>
-              <a:rPr lang="en-US" dirty="0">
-                <a:solidFill>
-                  <a:schemeClr val="tx2">
-                    <a:lumMod val="75000"/>
-                  </a:schemeClr>
-                </a:solidFill>
-                <a:latin typeface="Consolas" panose="020B0609020204030204" pitchFamily="49" charset="0"/>
-                <a:cs typeface="Consolas" panose="020B0609020204030204" pitchFamily="49" charset="0"/>
-              </a:rPr>
-              <a:t> imaginary)</a:t>
-            </a:r>
-          </a:p>
-          <a:p>
-            <a:r>
-              <a:rPr lang="en-US" i="1" dirty="0">
-                <a:solidFill>
-                  <a:schemeClr val="tx2">
-                    <a:lumMod val="75000"/>
-                  </a:schemeClr>
-                </a:solidFill>
-              </a:rPr>
-              <a:t>Represented by built-in &lt;class ‘complex’&gt;</a:t>
-            </a:r>
-          </a:p>
-          <a:p>
-            <a:endParaRPr lang="en-US" dirty="0">
-              <a:solidFill>
-                <a:schemeClr val="tx2">
-                  <a:lumMod val="75000"/>
-                </a:schemeClr>
-              </a:solidFill>
-              <a:latin typeface="Consolas" panose="020B0609020204030204" pitchFamily="49" charset="0"/>
-              <a:cs typeface="Consolas" panose="020B0609020204030204" pitchFamily="49" charset="0"/>
-            </a:endParaRPr>
-          </a:p>
-        </p:txBody>
-      </p:sp>
-    </p:spTree>
-    <p:extLst>
-      <p:ext uri="{BB962C8B-B14F-4D97-AF65-F5344CB8AC3E}">
-        <p14:creationId xmlns:p14="http://schemas.microsoft.com/office/powerpoint/2010/main" val="865892057"/>
       </p:ext>
     </p:extLst>
   </p:cSld>
@@ -6563,6 +6436,234 @@
 <file path=ppt/slides/slide20.xml><?xml version="1.0" encoding="utf-8"?>
 <p:sld xmlns:a="http://schemas.openxmlformats.org/drawingml/2006/main" xmlns:r="http://schemas.openxmlformats.org/officeDocument/2006/relationships" xmlns:p="http://schemas.openxmlformats.org/presentationml/2006/main">
   <p:cSld>
+    <p:bg>
+      <p:bgPr>
+        <a:solidFill>
+          <a:schemeClr val="bg1"/>
+        </a:solidFill>
+        <a:effectLst/>
+      </p:bgPr>
+    </p:bg>
+    <p:spTree>
+      <p:nvGrpSpPr>
+        <p:cNvPr id="1" name=""/>
+        <p:cNvGrpSpPr/>
+        <p:nvPr/>
+      </p:nvGrpSpPr>
+      <p:grpSpPr>
+        <a:xfrm>
+          <a:off x="0" y="0"/>
+          <a:ext cx="0" cy="0"/>
+          <a:chOff x="0" y="0"/>
+          <a:chExt cx="0" cy="0"/>
+        </a:xfrm>
+      </p:grpSpPr>
+      <p:sp>
+        <p:nvSpPr>
+          <p:cNvPr id="2" name="Title 1">
+            <a:extLst>
+              <a:ext uri="{FF2B5EF4-FFF2-40B4-BE49-F238E27FC236}">
+                <a16:creationId xmlns:a16="http://schemas.microsoft.com/office/drawing/2014/main" id="{E2D77E67-1D0F-5C45-A365-CDC3649D56FE}"/>
+              </a:ext>
+            </a:extLst>
+          </p:cNvPr>
+          <p:cNvSpPr>
+            <a:spLocks noGrp="1"/>
+          </p:cNvSpPr>
+          <p:nvPr>
+            <p:ph type="title"/>
+          </p:nvPr>
+        </p:nvSpPr>
+        <p:spPr>
+          <a:xfrm>
+            <a:off x="1175512" y="870132"/>
+            <a:ext cx="9792208" cy="1527078"/>
+          </a:xfrm>
+        </p:spPr>
+        <p:txBody>
+          <a:bodyPr>
+            <a:normAutofit/>
+          </a:bodyPr>
+          <a:lstStyle/>
+          <a:p>
+            <a:r>
+              <a:rPr lang="en-US" dirty="0">
+                <a:solidFill>
+                  <a:schemeClr val="tx2">
+                    <a:lumMod val="75000"/>
+                  </a:schemeClr>
+                </a:solidFill>
+              </a:rPr>
+              <a:t>Data type #2</a:t>
+            </a:r>
+            <a:br>
+              <a:rPr lang="en-US" dirty="0">
+                <a:solidFill>
+                  <a:schemeClr val="tx2">
+                    <a:lumMod val="75000"/>
+                  </a:schemeClr>
+                </a:solidFill>
+              </a:rPr>
+            </a:br>
+            <a:r>
+              <a:rPr lang="en-US" dirty="0">
+                <a:solidFill>
+                  <a:schemeClr val="tx2">
+                    <a:lumMod val="75000"/>
+                  </a:schemeClr>
+                </a:solidFill>
+              </a:rPr>
+              <a:t>Floating-Point numbers</a:t>
+            </a:r>
+          </a:p>
+        </p:txBody>
+      </p:sp>
+      <p:sp>
+        <p:nvSpPr>
+          <p:cNvPr id="3" name="Content Placeholder 2">
+            <a:extLst>
+              <a:ext uri="{FF2B5EF4-FFF2-40B4-BE49-F238E27FC236}">
+                <a16:creationId xmlns:a16="http://schemas.microsoft.com/office/drawing/2014/main" id="{90FB4CCD-6C1F-B24C-A890-0D3EA6A21464}"/>
+              </a:ext>
+            </a:extLst>
+          </p:cNvPr>
+          <p:cNvSpPr>
+            <a:spLocks noGrp="1"/>
+          </p:cNvSpPr>
+          <p:nvPr>
+            <p:ph idx="1"/>
+          </p:nvPr>
+        </p:nvSpPr>
+        <p:spPr>
+          <a:xfrm>
+            <a:off x="1175512" y="2557849"/>
+            <a:ext cx="9792208" cy="3407862"/>
+          </a:xfrm>
+        </p:spPr>
+        <p:txBody>
+          <a:bodyPr>
+            <a:normAutofit fontScale="92500" lnSpcReduction="20000"/>
+          </a:bodyPr>
+          <a:lstStyle/>
+          <a:p>
+            <a:r>
+              <a:rPr lang="en-US" dirty="0"/>
+              <a:t>Represented as a number with a </a:t>
+            </a:r>
+            <a:r>
+              <a:rPr lang="en-US" b="1" dirty="0"/>
+              <a:t>decimal</a:t>
+            </a:r>
+            <a:r>
+              <a:rPr lang="en-US" dirty="0"/>
+              <a:t> point</a:t>
+            </a:r>
+          </a:p>
+          <a:p>
+            <a:r>
+              <a:rPr lang="en-US" dirty="0"/>
+              <a:t>Optionally, the character </a:t>
+            </a:r>
+            <a:r>
+              <a:rPr lang="en-US" b="1" dirty="0"/>
+              <a:t>e</a:t>
+            </a:r>
+            <a:r>
+              <a:rPr lang="en-US" dirty="0"/>
+              <a:t> or </a:t>
+            </a:r>
+            <a:r>
+              <a:rPr lang="en-US" b="1" dirty="0"/>
+              <a:t>E</a:t>
+            </a:r>
+            <a:r>
+              <a:rPr lang="en-US" dirty="0"/>
+              <a:t> followed by a positive or negative integer can be used to write in </a:t>
+            </a:r>
+            <a:r>
+              <a:rPr lang="en-US" i="1" dirty="0"/>
+              <a:t>scientific-notation</a:t>
+            </a:r>
+          </a:p>
+          <a:p>
+            <a:r>
+              <a:rPr lang="en-US" dirty="0"/>
+              <a:t>0.0016	# Non-scientific notation</a:t>
+            </a:r>
+          </a:p>
+          <a:p>
+            <a:r>
+              <a:rPr lang="en-US"/>
+              <a:t>1.6e-3 	# </a:t>
+            </a:r>
+            <a:r>
+              <a:rPr lang="en-US" dirty="0"/>
+              <a:t>Scientific notation</a:t>
+            </a:r>
+          </a:p>
+          <a:p>
+            <a:r>
+              <a:rPr lang="en-US" i="1" dirty="0"/>
+              <a:t>Following information varies between programming languages:</a:t>
+            </a:r>
+          </a:p>
+          <a:p>
+            <a:pPr lvl="1"/>
+            <a:r>
+              <a:rPr lang="en-US" i="1" dirty="0"/>
+              <a:t>Typically, </a:t>
+            </a:r>
+            <a:r>
+              <a:rPr lang="en-US" b="1" i="1" dirty="0"/>
+              <a:t>8 Bytes or 64 Bits</a:t>
+            </a:r>
+            <a:r>
+              <a:rPr lang="en-US" i="1" dirty="0"/>
+              <a:t> are used in memory to represent a single floating-point number</a:t>
+            </a:r>
+          </a:p>
+          <a:p>
+            <a:r>
+              <a:rPr lang="en-US" i="1" dirty="0"/>
+              <a:t>Represented by built-in &lt;class ‘float’&gt;</a:t>
+            </a:r>
+          </a:p>
+          <a:p>
+            <a:endParaRPr lang="en-US" i="1" dirty="0"/>
+          </a:p>
+          <a:p>
+            <a:pPr marL="274320" lvl="1" indent="0">
+              <a:buNone/>
+            </a:pPr>
+            <a:endParaRPr lang="en-US" i="1" dirty="0"/>
+          </a:p>
+          <a:p>
+            <a:pPr marL="274320" lvl="1" indent="0">
+              <a:buNone/>
+            </a:pPr>
+            <a:endParaRPr lang="en-US" i="1" dirty="0"/>
+          </a:p>
+          <a:p>
+            <a:endParaRPr lang="en-US" dirty="0"/>
+          </a:p>
+        </p:txBody>
+      </p:sp>
+    </p:spTree>
+    <p:extLst>
+      <p:ext uri="{BB962C8B-B14F-4D97-AF65-F5344CB8AC3E}">
+        <p14:creationId xmlns:p14="http://schemas.microsoft.com/office/powerpoint/2010/main" val="486065988"/>
+      </p:ext>
+    </p:extLst>
+  </p:cSld>
+  <p:clrMapOvr>
+    <a:masterClrMapping/>
+  </p:clrMapOvr>
+</p:sld>
+</file>
+
+<file path=ppt/slides/slide21.xml><?xml version="1.0" encoding="utf-8"?>
+<p:sld xmlns:a="http://schemas.openxmlformats.org/drawingml/2006/main" xmlns:r="http://schemas.openxmlformats.org/officeDocument/2006/relationships" xmlns:p="http://schemas.openxmlformats.org/presentationml/2006/main">
+  <p:cSld>
     <p:spTree>
       <p:nvGrpSpPr>
         <p:cNvPr id="1" name=""/>
@@ -6604,7 +6705,7 @@
             </a:r>
             <a:r>
               <a:rPr lang="en-US" b="1" dirty="0"/>
-              <a:t>complex</a:t>
+              <a:t>float</a:t>
             </a:r>
             <a:endParaRPr lang="en-US" dirty="0"/>
           </a:p>
@@ -6655,6 +6756,672 @@
     </p:spTree>
     <p:extLst>
       <p:ext uri="{BB962C8B-B14F-4D97-AF65-F5344CB8AC3E}">
+        <p14:creationId xmlns:p14="http://schemas.microsoft.com/office/powerpoint/2010/main" val="3608219218"/>
+      </p:ext>
+    </p:extLst>
+  </p:cSld>
+  <p:clrMapOvr>
+    <a:masterClrMapping/>
+  </p:clrMapOvr>
+</p:sld>
+</file>
+
+<file path=ppt/slides/slide22.xml><?xml version="1.0" encoding="utf-8"?>
+<p:sld xmlns:a="http://schemas.openxmlformats.org/drawingml/2006/main" xmlns:r="http://schemas.openxmlformats.org/officeDocument/2006/relationships" xmlns:p="http://schemas.openxmlformats.org/presentationml/2006/main">
+  <p:cSld>
+    <p:spTree>
+      <p:nvGrpSpPr>
+        <p:cNvPr id="1" name=""/>
+        <p:cNvGrpSpPr/>
+        <p:nvPr/>
+      </p:nvGrpSpPr>
+      <p:grpSpPr>
+        <a:xfrm>
+          <a:off x="0" y="0"/>
+          <a:ext cx="0" cy="0"/>
+          <a:chOff x="0" y="0"/>
+          <a:chExt cx="0" cy="0"/>
+        </a:xfrm>
+      </p:grpSpPr>
+      <p:sp>
+        <p:nvSpPr>
+          <p:cNvPr id="7" name="Title 1">
+            <a:extLst>
+              <a:ext uri="{FF2B5EF4-FFF2-40B4-BE49-F238E27FC236}">
+                <a16:creationId xmlns:a16="http://schemas.microsoft.com/office/drawing/2014/main" id="{15211E08-8CF7-0F48-9FA7-F9196E21549C}"/>
+              </a:ext>
+            </a:extLst>
+          </p:cNvPr>
+          <p:cNvSpPr>
+            <a:spLocks noGrp="1"/>
+          </p:cNvSpPr>
+          <p:nvPr>
+            <p:ph type="title"/>
+          </p:nvPr>
+        </p:nvSpPr>
+        <p:spPr>
+          <a:xfrm>
+            <a:off x="1175512" y="870132"/>
+            <a:ext cx="9792208" cy="1527078"/>
+          </a:xfrm>
+        </p:spPr>
+        <p:txBody>
+          <a:bodyPr>
+            <a:normAutofit/>
+          </a:bodyPr>
+          <a:lstStyle/>
+          <a:p>
+            <a:pPr algn="ctr"/>
+            <a:r>
+              <a:rPr lang="en-US" dirty="0">
+                <a:solidFill>
+                  <a:schemeClr val="tx2">
+                    <a:lumMod val="75000"/>
+                  </a:schemeClr>
+                </a:solidFill>
+              </a:rPr>
+              <a:t>complex</a:t>
+            </a:r>
+            <a:endParaRPr lang="en-US" dirty="0"/>
+          </a:p>
+        </p:txBody>
+      </p:sp>
+      <p:sp>
+        <p:nvSpPr>
+          <p:cNvPr id="8" name="Content Placeholder 2">
+            <a:extLst>
+              <a:ext uri="{FF2B5EF4-FFF2-40B4-BE49-F238E27FC236}">
+                <a16:creationId xmlns:a16="http://schemas.microsoft.com/office/drawing/2014/main" id="{B791251F-D68C-684B-A890-294087488534}"/>
+              </a:ext>
+            </a:extLst>
+          </p:cNvPr>
+          <p:cNvSpPr txBox="1">
+            <a:spLocks/>
+          </p:cNvSpPr>
+          <p:nvPr/>
+        </p:nvSpPr>
+        <p:spPr>
+          <a:xfrm>
+            <a:off x="1175512" y="3348959"/>
+            <a:ext cx="9792208" cy="3407862"/>
+          </a:xfrm>
+          <a:prstGeom prst="rect">
+            <a:avLst/>
+          </a:prstGeom>
+        </p:spPr>
+        <p:txBody>
+          <a:bodyPr vert="horz" lIns="91440" tIns="45720" rIns="91440" bIns="45720" rtlCol="0" anchor="b">
+            <a:normAutofit fontScale="92500"/>
+          </a:bodyPr>
+          <a:lstStyle>
+            <a:lvl1pPr marL="0" indent="0" algn="l" defTabSz="914400" rtl="0" eaLnBrk="1" latinLnBrk="0" hangingPunct="1">
+              <a:lnSpc>
+                <a:spcPct val="90000"/>
+              </a:lnSpc>
+              <a:spcBef>
+                <a:spcPts val="1000"/>
+              </a:spcBef>
+              <a:buFont typeface="Arial" panose="020B0604020202020204" pitchFamily="34" charset="0"/>
+              <a:buNone/>
+              <a:defRPr sz="2400" b="1" kern="1200">
+                <a:solidFill>
+                  <a:schemeClr val="tx2">
+                    <a:lumMod val="75000"/>
+                  </a:schemeClr>
+                </a:solidFill>
+                <a:latin typeface="+mn-lt"/>
+                <a:ea typeface="+mn-ea"/>
+                <a:cs typeface="+mn-cs"/>
+              </a:defRPr>
+            </a:lvl1pPr>
+            <a:lvl2pPr marL="457200" indent="0" algn="l" defTabSz="914400" rtl="0" eaLnBrk="1" latinLnBrk="0" hangingPunct="1">
+              <a:lnSpc>
+                <a:spcPct val="90000"/>
+              </a:lnSpc>
+              <a:spcBef>
+                <a:spcPts val="500"/>
+              </a:spcBef>
+              <a:buFont typeface="Arial" panose="020B0604020202020204" pitchFamily="34" charset="0"/>
+              <a:buNone/>
+              <a:defRPr sz="2000" b="1" kern="1200">
+                <a:solidFill>
+                  <a:schemeClr val="tx2">
+                    <a:lumMod val="75000"/>
+                  </a:schemeClr>
+                </a:solidFill>
+                <a:latin typeface="+mn-lt"/>
+                <a:ea typeface="+mn-ea"/>
+                <a:cs typeface="+mn-cs"/>
+              </a:defRPr>
+            </a:lvl2pPr>
+            <a:lvl3pPr marL="914400" indent="0" algn="l" defTabSz="914400" rtl="0" eaLnBrk="1" latinLnBrk="0" hangingPunct="1">
+              <a:lnSpc>
+                <a:spcPct val="90000"/>
+              </a:lnSpc>
+              <a:spcBef>
+                <a:spcPts val="500"/>
+              </a:spcBef>
+              <a:buFont typeface="Arial" panose="020B0604020202020204" pitchFamily="34" charset="0"/>
+              <a:buNone/>
+              <a:defRPr sz="1800" b="1" kern="1200">
+                <a:solidFill>
+                  <a:schemeClr val="tx2">
+                    <a:lumMod val="75000"/>
+                  </a:schemeClr>
+                </a:solidFill>
+                <a:latin typeface="+mn-lt"/>
+                <a:ea typeface="+mn-ea"/>
+                <a:cs typeface="+mn-cs"/>
+              </a:defRPr>
+            </a:lvl3pPr>
+            <a:lvl4pPr marL="1371600" indent="0" algn="l" defTabSz="914400" rtl="0" eaLnBrk="1" latinLnBrk="0" hangingPunct="1">
+              <a:lnSpc>
+                <a:spcPct val="90000"/>
+              </a:lnSpc>
+              <a:spcBef>
+                <a:spcPts val="500"/>
+              </a:spcBef>
+              <a:buFont typeface="Arial" panose="020B0604020202020204" pitchFamily="34" charset="0"/>
+              <a:buNone/>
+              <a:defRPr sz="1600" b="1" kern="1200">
+                <a:solidFill>
+                  <a:schemeClr val="tx2">
+                    <a:lumMod val="75000"/>
+                  </a:schemeClr>
+                </a:solidFill>
+                <a:latin typeface="+mn-lt"/>
+                <a:ea typeface="+mn-ea"/>
+                <a:cs typeface="+mn-cs"/>
+              </a:defRPr>
+            </a:lvl4pPr>
+            <a:lvl5pPr marL="1828800" indent="0" algn="l" defTabSz="914400" rtl="0" eaLnBrk="1" latinLnBrk="0" hangingPunct="1">
+              <a:lnSpc>
+                <a:spcPct val="90000"/>
+              </a:lnSpc>
+              <a:spcBef>
+                <a:spcPts val="500"/>
+              </a:spcBef>
+              <a:buFont typeface="Arial" panose="020B0604020202020204" pitchFamily="34" charset="0"/>
+              <a:buNone/>
+              <a:defRPr sz="1600" b="1" kern="1200">
+                <a:solidFill>
+                  <a:schemeClr val="tx2">
+                    <a:lumMod val="75000"/>
+                  </a:schemeClr>
+                </a:solidFill>
+                <a:latin typeface="+mn-lt"/>
+                <a:ea typeface="+mn-ea"/>
+                <a:cs typeface="+mn-cs"/>
+              </a:defRPr>
+            </a:lvl5pPr>
+            <a:lvl6pPr marL="2286000" indent="0" algn="l" defTabSz="914400" rtl="0" eaLnBrk="1" latinLnBrk="0" hangingPunct="1">
+              <a:lnSpc>
+                <a:spcPct val="90000"/>
+              </a:lnSpc>
+              <a:spcBef>
+                <a:spcPts val="500"/>
+              </a:spcBef>
+              <a:buFont typeface="Arial" panose="020B0604020202020204" pitchFamily="34" charset="0"/>
+              <a:buNone/>
+              <a:defRPr sz="1600" b="1" kern="1200">
+                <a:solidFill>
+                  <a:schemeClr val="tx1"/>
+                </a:solidFill>
+                <a:latin typeface="+mn-lt"/>
+                <a:ea typeface="+mn-ea"/>
+                <a:cs typeface="+mn-cs"/>
+              </a:defRPr>
+            </a:lvl6pPr>
+            <a:lvl7pPr marL="2743200" indent="0" algn="l" defTabSz="914400" rtl="0" eaLnBrk="1" latinLnBrk="0" hangingPunct="1">
+              <a:lnSpc>
+                <a:spcPct val="90000"/>
+              </a:lnSpc>
+              <a:spcBef>
+                <a:spcPts val="500"/>
+              </a:spcBef>
+              <a:buFont typeface="Arial" panose="020B0604020202020204" pitchFamily="34" charset="0"/>
+              <a:buNone/>
+              <a:defRPr sz="1600" b="1" kern="1200">
+                <a:solidFill>
+                  <a:schemeClr val="tx1"/>
+                </a:solidFill>
+                <a:latin typeface="+mn-lt"/>
+                <a:ea typeface="+mn-ea"/>
+                <a:cs typeface="+mn-cs"/>
+              </a:defRPr>
+            </a:lvl7pPr>
+            <a:lvl8pPr marL="3200400" indent="0" algn="l" defTabSz="914400" rtl="0" eaLnBrk="1" latinLnBrk="0" hangingPunct="1">
+              <a:lnSpc>
+                <a:spcPct val="90000"/>
+              </a:lnSpc>
+              <a:spcBef>
+                <a:spcPts val="500"/>
+              </a:spcBef>
+              <a:buFont typeface="Arial" panose="020B0604020202020204" pitchFamily="34" charset="0"/>
+              <a:buNone/>
+              <a:defRPr sz="1600" b="1" kern="1200">
+                <a:solidFill>
+                  <a:schemeClr val="tx1"/>
+                </a:solidFill>
+                <a:latin typeface="+mn-lt"/>
+                <a:ea typeface="+mn-ea"/>
+                <a:cs typeface="+mn-cs"/>
+              </a:defRPr>
+            </a:lvl8pPr>
+            <a:lvl9pPr marL="3657600" indent="0" algn="l" defTabSz="914400" rtl="0" eaLnBrk="1" latinLnBrk="0" hangingPunct="1">
+              <a:lnSpc>
+                <a:spcPct val="90000"/>
+              </a:lnSpc>
+              <a:spcBef>
+                <a:spcPts val="500"/>
+              </a:spcBef>
+              <a:buFont typeface="Arial" panose="020B0604020202020204" pitchFamily="34" charset="0"/>
+              <a:buNone/>
+              <a:defRPr sz="1600" b="1" kern="1200">
+                <a:solidFill>
+                  <a:schemeClr val="tx1"/>
+                </a:solidFill>
+                <a:latin typeface="+mn-lt"/>
+                <a:ea typeface="+mn-ea"/>
+                <a:cs typeface="+mn-cs"/>
+              </a:defRPr>
+            </a:lvl9pPr>
+          </a:lstStyle>
+          <a:p>
+            <a:pPr algn="ctr"/>
+            <a:r>
+              <a:rPr lang="en-US" sz="5400" dirty="0">
+                <a:cs typeface="Consolas" panose="020B0609020204030204" pitchFamily="49" charset="0"/>
+              </a:rPr>
+              <a:t>1 + i23		-55 + i0			9 + i7</a:t>
+            </a:r>
+          </a:p>
+          <a:p>
+            <a:pPr algn="ctr"/>
+            <a:endParaRPr lang="en-US" sz="5400" dirty="0">
+              <a:cs typeface="Consolas" panose="020B0609020204030204" pitchFamily="49" charset="0"/>
+            </a:endParaRPr>
+          </a:p>
+          <a:p>
+            <a:pPr algn="ctr"/>
+            <a:r>
+              <a:rPr lang="en-US" sz="5400" dirty="0">
+                <a:cs typeface="Consolas" panose="020B0609020204030204" pitchFamily="49" charset="0"/>
+              </a:rPr>
+              <a:t>-728 + i8		-3 + i90		81 + i92</a:t>
+            </a:r>
+          </a:p>
+          <a:p>
+            <a:pPr algn="ctr"/>
+            <a:r>
+              <a:rPr lang="en-US" sz="5400" dirty="0">
+                <a:cs typeface="Consolas" panose="020B0609020204030204" pitchFamily="49" charset="0"/>
+              </a:rPr>
+              <a:t>					</a:t>
+            </a:r>
+          </a:p>
+          <a:p>
+            <a:pPr algn="ctr"/>
+            <a:endParaRPr lang="en-US" sz="5400" dirty="0">
+              <a:cs typeface="Consolas" panose="020B0609020204030204" pitchFamily="49" charset="0"/>
+            </a:endParaRPr>
+          </a:p>
+        </p:txBody>
+      </p:sp>
+    </p:spTree>
+    <p:extLst>
+      <p:ext uri="{BB962C8B-B14F-4D97-AF65-F5344CB8AC3E}">
+        <p14:creationId xmlns:p14="http://schemas.microsoft.com/office/powerpoint/2010/main" val="4266193849"/>
+      </p:ext>
+    </p:extLst>
+  </p:cSld>
+  <p:clrMapOvr>
+    <a:masterClrMapping/>
+  </p:clrMapOvr>
+</p:sld>
+</file>
+
+<file path=ppt/slides/slide23.xml><?xml version="1.0" encoding="utf-8"?>
+<p:sld xmlns:a="http://schemas.openxmlformats.org/drawingml/2006/main" xmlns:r="http://schemas.openxmlformats.org/officeDocument/2006/relationships" xmlns:p="http://schemas.openxmlformats.org/presentationml/2006/main">
+  <p:cSld>
+    <p:bg>
+      <p:bgPr>
+        <a:solidFill>
+          <a:schemeClr val="bg1"/>
+        </a:solidFill>
+        <a:effectLst/>
+      </p:bgPr>
+    </p:bg>
+    <p:spTree>
+      <p:nvGrpSpPr>
+        <p:cNvPr id="1" name=""/>
+        <p:cNvGrpSpPr/>
+        <p:nvPr/>
+      </p:nvGrpSpPr>
+      <p:grpSpPr>
+        <a:xfrm>
+          <a:off x="0" y="0"/>
+          <a:ext cx="0" cy="0"/>
+          <a:chOff x="0" y="0"/>
+          <a:chExt cx="0" cy="0"/>
+        </a:xfrm>
+      </p:grpSpPr>
+      <p:sp>
+        <p:nvSpPr>
+          <p:cNvPr id="2" name="Title 1">
+            <a:extLst>
+              <a:ext uri="{FF2B5EF4-FFF2-40B4-BE49-F238E27FC236}">
+                <a16:creationId xmlns:a16="http://schemas.microsoft.com/office/drawing/2014/main" id="{C1AD2C26-AA88-894F-878A-E9DCBD69C79A}"/>
+              </a:ext>
+            </a:extLst>
+          </p:cNvPr>
+          <p:cNvSpPr>
+            <a:spLocks noGrp="1"/>
+          </p:cNvSpPr>
+          <p:nvPr>
+            <p:ph type="title"/>
+          </p:nvPr>
+        </p:nvSpPr>
+        <p:spPr>
+          <a:xfrm>
+            <a:off x="1175512" y="870132"/>
+            <a:ext cx="9792208" cy="1527078"/>
+          </a:xfrm>
+        </p:spPr>
+        <p:txBody>
+          <a:bodyPr>
+            <a:normAutofit/>
+          </a:bodyPr>
+          <a:lstStyle/>
+          <a:p>
+            <a:r>
+              <a:rPr lang="en-US" dirty="0">
+                <a:solidFill>
+                  <a:schemeClr val="tx2">
+                    <a:lumMod val="75000"/>
+                  </a:schemeClr>
+                </a:solidFill>
+              </a:rPr>
+              <a:t>Data type #3</a:t>
+            </a:r>
+            <a:br>
+              <a:rPr lang="en-US" dirty="0">
+                <a:solidFill>
+                  <a:schemeClr val="tx2">
+                    <a:lumMod val="75000"/>
+                  </a:schemeClr>
+                </a:solidFill>
+              </a:rPr>
+            </a:br>
+            <a:r>
+              <a:rPr lang="en-US" dirty="0">
+                <a:solidFill>
+                  <a:schemeClr val="tx2">
+                    <a:lumMod val="75000"/>
+                  </a:schemeClr>
+                </a:solidFill>
+              </a:rPr>
+              <a:t>Complex numbers</a:t>
+            </a:r>
+          </a:p>
+        </p:txBody>
+      </p:sp>
+      <p:sp>
+        <p:nvSpPr>
+          <p:cNvPr id="3" name="Content Placeholder 2">
+            <a:extLst>
+              <a:ext uri="{FF2B5EF4-FFF2-40B4-BE49-F238E27FC236}">
+                <a16:creationId xmlns:a16="http://schemas.microsoft.com/office/drawing/2014/main" id="{7223CCE3-23CA-7349-8910-FA533F8532E0}"/>
+              </a:ext>
+            </a:extLst>
+          </p:cNvPr>
+          <p:cNvSpPr>
+            <a:spLocks noGrp="1"/>
+          </p:cNvSpPr>
+          <p:nvPr>
+            <p:ph idx="1"/>
+          </p:nvPr>
+        </p:nvSpPr>
+        <p:spPr>
+          <a:xfrm>
+            <a:off x="1175512" y="2557849"/>
+            <a:ext cx="9792208" cy="3407862"/>
+          </a:xfrm>
+        </p:spPr>
+        <p:txBody>
+          <a:bodyPr>
+            <a:normAutofit/>
+          </a:bodyPr>
+          <a:lstStyle/>
+          <a:p>
+            <a:r>
+              <a:rPr lang="en-US" dirty="0">
+                <a:solidFill>
+                  <a:schemeClr val="tx2">
+                    <a:lumMod val="75000"/>
+                  </a:schemeClr>
+                </a:solidFill>
+              </a:rPr>
+              <a:t>Super important in all major scientific and computing fields</a:t>
+            </a:r>
+          </a:p>
+          <a:p>
+            <a:r>
+              <a:rPr lang="en-US" dirty="0">
+                <a:solidFill>
+                  <a:schemeClr val="tx2">
+                    <a:lumMod val="75000"/>
+                  </a:schemeClr>
+                </a:solidFill>
+              </a:rPr>
+              <a:t>It is a lesson on its own!</a:t>
+            </a:r>
+          </a:p>
+          <a:p>
+            <a:r>
+              <a:rPr lang="en-US" dirty="0">
+                <a:solidFill>
+                  <a:schemeClr val="tx2">
+                    <a:lumMod val="75000"/>
+                  </a:schemeClr>
+                </a:solidFill>
+              </a:rPr>
+              <a:t>For now, in Python, it can be used as (</a:t>
+            </a:r>
+            <a:r>
+              <a:rPr lang="en-US" dirty="0">
+                <a:solidFill>
+                  <a:schemeClr val="tx2">
+                    <a:lumMod val="75000"/>
+                  </a:schemeClr>
+                </a:solidFill>
+                <a:latin typeface="Consolas" panose="020B0609020204030204" pitchFamily="49" charset="0"/>
+                <a:cs typeface="Consolas" panose="020B0609020204030204" pitchFamily="49" charset="0"/>
+              </a:rPr>
+              <a:t>3 + 4</a:t>
+            </a:r>
+            <a:r>
+              <a:rPr lang="en-US" b="1" dirty="0">
+                <a:solidFill>
+                  <a:schemeClr val="tx2">
+                    <a:lumMod val="75000"/>
+                  </a:schemeClr>
+                </a:solidFill>
+                <a:latin typeface="Consolas" panose="020B0609020204030204" pitchFamily="49" charset="0"/>
+                <a:cs typeface="Consolas" panose="020B0609020204030204" pitchFamily="49" charset="0"/>
+              </a:rPr>
+              <a:t>j</a:t>
+            </a:r>
+            <a:r>
+              <a:rPr lang="en-US" dirty="0">
+                <a:solidFill>
+                  <a:schemeClr val="tx2">
+                    <a:lumMod val="75000"/>
+                  </a:schemeClr>
+                </a:solidFill>
+                <a:latin typeface="Consolas" panose="020B0609020204030204" pitchFamily="49" charset="0"/>
+                <a:cs typeface="Consolas" panose="020B0609020204030204" pitchFamily="49" charset="0"/>
+              </a:rPr>
+              <a:t>) # (real + </a:t>
+            </a:r>
+            <a:r>
+              <a:rPr lang="en-US" b="1" dirty="0">
+                <a:solidFill>
+                  <a:schemeClr val="tx2">
+                    <a:lumMod val="75000"/>
+                  </a:schemeClr>
+                </a:solidFill>
+                <a:latin typeface="Consolas" panose="020B0609020204030204" pitchFamily="49" charset="0"/>
+                <a:cs typeface="Consolas" panose="020B0609020204030204" pitchFamily="49" charset="0"/>
+              </a:rPr>
+              <a:t>j</a:t>
+            </a:r>
+            <a:r>
+              <a:rPr lang="en-US" dirty="0">
+                <a:solidFill>
+                  <a:schemeClr val="tx2">
+                    <a:lumMod val="75000"/>
+                  </a:schemeClr>
+                </a:solidFill>
+                <a:latin typeface="Consolas" panose="020B0609020204030204" pitchFamily="49" charset="0"/>
+                <a:cs typeface="Consolas" panose="020B0609020204030204" pitchFamily="49" charset="0"/>
+              </a:rPr>
+              <a:t> imaginary)</a:t>
+            </a:r>
+          </a:p>
+          <a:p>
+            <a:r>
+              <a:rPr lang="en-US" i="1" dirty="0">
+                <a:solidFill>
+                  <a:schemeClr val="tx2">
+                    <a:lumMod val="75000"/>
+                  </a:schemeClr>
+                </a:solidFill>
+              </a:rPr>
+              <a:t>Represented by built-in &lt;class ‘complex’&gt;</a:t>
+            </a:r>
+          </a:p>
+          <a:p>
+            <a:endParaRPr lang="en-US" dirty="0">
+              <a:solidFill>
+                <a:schemeClr val="tx2">
+                  <a:lumMod val="75000"/>
+                </a:schemeClr>
+              </a:solidFill>
+              <a:latin typeface="Consolas" panose="020B0609020204030204" pitchFamily="49" charset="0"/>
+              <a:cs typeface="Consolas" panose="020B0609020204030204" pitchFamily="49" charset="0"/>
+            </a:endParaRPr>
+          </a:p>
+        </p:txBody>
+      </p:sp>
+    </p:spTree>
+    <p:extLst>
+      <p:ext uri="{BB962C8B-B14F-4D97-AF65-F5344CB8AC3E}">
+        <p14:creationId xmlns:p14="http://schemas.microsoft.com/office/powerpoint/2010/main" val="865892057"/>
+      </p:ext>
+    </p:extLst>
+  </p:cSld>
+  <p:clrMapOvr>
+    <a:masterClrMapping/>
+  </p:clrMapOvr>
+</p:sld>
+</file>
+
+<file path=ppt/slides/slide24.xml><?xml version="1.0" encoding="utf-8"?>
+<p:sld xmlns:a="http://schemas.openxmlformats.org/drawingml/2006/main" xmlns:r="http://schemas.openxmlformats.org/officeDocument/2006/relationships" xmlns:p="http://schemas.openxmlformats.org/presentationml/2006/main">
+  <p:cSld>
+    <p:spTree>
+      <p:nvGrpSpPr>
+        <p:cNvPr id="1" name=""/>
+        <p:cNvGrpSpPr/>
+        <p:nvPr/>
+      </p:nvGrpSpPr>
+      <p:grpSpPr>
+        <a:xfrm>
+          <a:off x="0" y="0"/>
+          <a:ext cx="0" cy="0"/>
+          <a:chOff x="0" y="0"/>
+          <a:chExt cx="0" cy="0"/>
+        </a:xfrm>
+      </p:grpSpPr>
+      <p:sp>
+        <p:nvSpPr>
+          <p:cNvPr id="2" name="Title 1">
+            <a:extLst>
+              <a:ext uri="{FF2B5EF4-FFF2-40B4-BE49-F238E27FC236}">
+                <a16:creationId xmlns:a16="http://schemas.microsoft.com/office/drawing/2014/main" id="{9C042FCC-8D49-4049-B35D-D27812C2AD24}"/>
+              </a:ext>
+            </a:extLst>
+          </p:cNvPr>
+          <p:cNvSpPr>
+            <a:spLocks noGrp="1"/>
+          </p:cNvSpPr>
+          <p:nvPr>
+            <p:ph type="title"/>
+          </p:nvPr>
+        </p:nvSpPr>
+        <p:spPr/>
+        <p:txBody>
+          <a:bodyPr/>
+          <a:lstStyle/>
+          <a:p>
+            <a:r>
+              <a:rPr lang="en-US" dirty="0"/>
+              <a:t>What can you do with a </a:t>
+            </a:r>
+            <a:r>
+              <a:rPr lang="en-US" b="1" dirty="0"/>
+              <a:t>complex</a:t>
+            </a:r>
+            <a:endParaRPr lang="en-US" dirty="0"/>
+          </a:p>
+        </p:txBody>
+      </p:sp>
+      <p:sp>
+        <p:nvSpPr>
+          <p:cNvPr id="3" name="Content Placeholder 2">
+            <a:extLst>
+              <a:ext uri="{FF2B5EF4-FFF2-40B4-BE49-F238E27FC236}">
+                <a16:creationId xmlns:a16="http://schemas.microsoft.com/office/drawing/2014/main" id="{F16A345D-2E8C-AE49-9D66-C99F887467CB}"/>
+              </a:ext>
+            </a:extLst>
+          </p:cNvPr>
+          <p:cNvSpPr>
+            <a:spLocks noGrp="1"/>
+          </p:cNvSpPr>
+          <p:nvPr>
+            <p:ph idx="1"/>
+          </p:nvPr>
+        </p:nvSpPr>
+        <p:spPr/>
+        <p:txBody>
+          <a:bodyPr/>
+          <a:lstStyle/>
+          <a:p>
+            <a:endParaRPr lang="en-US" dirty="0"/>
+          </a:p>
+          <a:p>
+            <a:endParaRPr lang="en-US" dirty="0"/>
+          </a:p>
+          <a:p>
+            <a:endParaRPr lang="en-US" dirty="0"/>
+          </a:p>
+          <a:p>
+            <a:r>
+              <a:rPr lang="en-US" dirty="0"/>
+              <a:t>Everything that you can do with an </a:t>
+            </a:r>
+            <a:r>
+              <a:rPr lang="en-US" b="1" dirty="0"/>
+              <a:t>int</a:t>
+            </a:r>
+            <a:endParaRPr lang="en-US" dirty="0"/>
+          </a:p>
+        </p:txBody>
+      </p:sp>
+    </p:spTree>
+    <p:extLst>
+      <p:ext uri="{BB962C8B-B14F-4D97-AF65-F5344CB8AC3E}">
         <p14:creationId xmlns:p14="http://schemas.microsoft.com/office/powerpoint/2010/main" val="1816746277"/>
       </p:ext>
     </p:extLst>
@@ -6665,7 +7432,3301 @@
 </p:sld>
 </file>
 
-<file path=ppt/slides/slide21.xml><?xml version="1.0" encoding="utf-8"?>
+<file path=ppt/slides/slide25.xml><?xml version="1.0" encoding="utf-8"?>
+<p:sld xmlns:a="http://schemas.openxmlformats.org/drawingml/2006/main" xmlns:r="http://schemas.openxmlformats.org/officeDocument/2006/relationships" xmlns:p="http://schemas.openxmlformats.org/presentationml/2006/main">
+  <p:cSld>
+    <p:spTree>
+      <p:nvGrpSpPr>
+        <p:cNvPr id="1" name=""/>
+        <p:cNvGrpSpPr/>
+        <p:nvPr/>
+      </p:nvGrpSpPr>
+      <p:grpSpPr>
+        <a:xfrm>
+          <a:off x="0" y="0"/>
+          <a:ext cx="0" cy="0"/>
+          <a:chOff x="0" y="0"/>
+          <a:chExt cx="0" cy="0"/>
+        </a:xfrm>
+      </p:grpSpPr>
+      <p:sp>
+        <p:nvSpPr>
+          <p:cNvPr id="2" name="Title 1">
+            <a:extLst>
+              <a:ext uri="{FF2B5EF4-FFF2-40B4-BE49-F238E27FC236}">
+                <a16:creationId xmlns:a16="http://schemas.microsoft.com/office/drawing/2014/main" id="{51F6C6AD-404A-9944-B9F5-2BB60F35A1E8}"/>
+              </a:ext>
+            </a:extLst>
+          </p:cNvPr>
+          <p:cNvSpPr>
+            <a:spLocks noGrp="1"/>
+          </p:cNvSpPr>
+          <p:nvPr>
+            <p:ph type="title"/>
+          </p:nvPr>
+        </p:nvSpPr>
+        <p:spPr/>
+        <p:txBody>
+          <a:bodyPr/>
+          <a:lstStyle/>
+          <a:p>
+            <a:r>
+              <a:rPr lang="en-US" dirty="0"/>
+              <a:t>How does this book look with some </a:t>
+            </a:r>
+            <a:r>
+              <a:rPr lang="en-US" dirty="0">
+                <a:solidFill>
+                  <a:srgbClr val="0070C0"/>
+                </a:solidFill>
+                <a:latin typeface="Consolas" panose="020B0609020204030204" pitchFamily="49" charset="0"/>
+                <a:cs typeface="Consolas" panose="020B0609020204030204" pitchFamily="49" charset="0"/>
+              </a:rPr>
+              <a:t>bool</a:t>
+            </a:r>
+            <a:r>
+              <a:rPr lang="en-US" dirty="0">
+                <a:latin typeface="Consolas" panose="020B0609020204030204" pitchFamily="49" charset="0"/>
+                <a:cs typeface="Consolas" panose="020B0609020204030204" pitchFamily="49" charset="0"/>
+              </a:rPr>
+              <a:t>, </a:t>
+            </a:r>
+            <a:r>
+              <a:rPr lang="en-US" dirty="0">
+                <a:solidFill>
+                  <a:srgbClr val="00B050"/>
+                </a:solidFill>
+                <a:latin typeface="Consolas" panose="020B0609020204030204" pitchFamily="49" charset="0"/>
+                <a:cs typeface="Consolas" panose="020B0609020204030204" pitchFamily="49" charset="0"/>
+              </a:rPr>
+              <a:t>int</a:t>
+            </a:r>
+            <a:r>
+              <a:rPr lang="en-US" dirty="0">
+                <a:latin typeface="Consolas" panose="020B0609020204030204" pitchFamily="49" charset="0"/>
+                <a:cs typeface="Consolas" panose="020B0609020204030204" pitchFamily="49" charset="0"/>
+              </a:rPr>
+              <a:t>, </a:t>
+            </a:r>
+            <a:r>
+              <a:rPr lang="en-US" dirty="0">
+                <a:solidFill>
+                  <a:srgbClr val="FFC000"/>
+                </a:solidFill>
+                <a:latin typeface="Consolas" panose="020B0609020204030204" pitchFamily="49" charset="0"/>
+                <a:cs typeface="Consolas" panose="020B0609020204030204" pitchFamily="49" charset="0"/>
+              </a:rPr>
+              <a:t>float</a:t>
+            </a:r>
+            <a:r>
+              <a:rPr lang="en-US" dirty="0">
+                <a:latin typeface="Consolas" panose="020B0609020204030204" pitchFamily="49" charset="0"/>
+                <a:cs typeface="Consolas" panose="020B0609020204030204" pitchFamily="49" charset="0"/>
+              </a:rPr>
+              <a:t>, </a:t>
+            </a:r>
+            <a:r>
+              <a:rPr lang="en-US" dirty="0">
+                <a:solidFill>
+                  <a:srgbClr val="7030A0"/>
+                </a:solidFill>
+                <a:latin typeface="Consolas" panose="020B0609020204030204" pitchFamily="49" charset="0"/>
+                <a:cs typeface="Consolas" panose="020B0609020204030204" pitchFamily="49" charset="0"/>
+              </a:rPr>
+              <a:t>complex</a:t>
+            </a:r>
+            <a:r>
+              <a:rPr lang="en-US" dirty="0"/>
+              <a:t> ?</a:t>
+            </a:r>
+          </a:p>
+        </p:txBody>
+      </p:sp>
+      <p:sp>
+        <p:nvSpPr>
+          <p:cNvPr id="3" name="Content Placeholder 2">
+            <a:extLst>
+              <a:ext uri="{FF2B5EF4-FFF2-40B4-BE49-F238E27FC236}">
+                <a16:creationId xmlns:a16="http://schemas.microsoft.com/office/drawing/2014/main" id="{87722CE8-3E25-7C4F-838C-599236C8FCB6}"/>
+              </a:ext>
+            </a:extLst>
+          </p:cNvPr>
+          <p:cNvSpPr>
+            <a:spLocks noGrp="1"/>
+          </p:cNvSpPr>
+          <p:nvPr>
+            <p:ph idx="1"/>
+          </p:nvPr>
+        </p:nvSpPr>
+        <p:spPr/>
+        <p:txBody>
+          <a:bodyPr/>
+          <a:lstStyle/>
+          <a:p>
+            <a:pPr marL="0" indent="0">
+              <a:buNone/>
+            </a:pPr>
+            <a:r>
+              <a:rPr lang="en-US" dirty="0">
+                <a:solidFill>
+                  <a:srgbClr val="0070C0"/>
+                </a:solidFill>
+                <a:latin typeface="Consolas" panose="020B0609020204030204" pitchFamily="49" charset="0"/>
+                <a:cs typeface="Consolas" panose="020B0609020204030204" pitchFamily="49" charset="0"/>
+              </a:rPr>
+              <a:t>in_out: bool = True</a:t>
+            </a:r>
+          </a:p>
+          <a:p>
+            <a:pPr marL="0" indent="0">
+              <a:buNone/>
+            </a:pPr>
+            <a:endParaRPr lang="en-US" dirty="0">
+              <a:latin typeface="Consolas" panose="020B0609020204030204" pitchFamily="49" charset="0"/>
+              <a:cs typeface="Consolas" panose="020B0609020204030204" pitchFamily="49" charset="0"/>
+            </a:endParaRPr>
+          </a:p>
+          <a:p>
+            <a:pPr marL="0" indent="0">
+              <a:buNone/>
+            </a:pPr>
+            <a:r>
+              <a:rPr lang="en-US" dirty="0">
+                <a:solidFill>
+                  <a:srgbClr val="00B050"/>
+                </a:solidFill>
+                <a:latin typeface="Consolas" panose="020B0609020204030204" pitchFamily="49" charset="0"/>
+                <a:cs typeface="Consolas" panose="020B0609020204030204" pitchFamily="49" charset="0"/>
+              </a:rPr>
+              <a:t>magic_number: int = 71039</a:t>
+            </a:r>
+          </a:p>
+          <a:p>
+            <a:pPr marL="0" indent="0">
+              <a:buNone/>
+            </a:pPr>
+            <a:endParaRPr lang="en-US" dirty="0">
+              <a:latin typeface="Consolas" panose="020B0609020204030204" pitchFamily="49" charset="0"/>
+              <a:cs typeface="Consolas" panose="020B0609020204030204" pitchFamily="49" charset="0"/>
+            </a:endParaRPr>
+          </a:p>
+          <a:p>
+            <a:pPr marL="0" indent="0">
+              <a:buNone/>
+            </a:pPr>
+            <a:r>
+              <a:rPr lang="en-US" dirty="0">
+                <a:solidFill>
+                  <a:srgbClr val="FFC000"/>
+                </a:solidFill>
+                <a:latin typeface="Consolas" panose="020B0609020204030204" pitchFamily="49" charset="0"/>
+                <a:cs typeface="Consolas" panose="020B0609020204030204" pitchFamily="49" charset="0"/>
+              </a:rPr>
+              <a:t>pi: float = 3.141</a:t>
+            </a:r>
+          </a:p>
+          <a:p>
+            <a:pPr marL="0" indent="0">
+              <a:buNone/>
+            </a:pPr>
+            <a:endParaRPr lang="en-US" dirty="0">
+              <a:latin typeface="Consolas" panose="020B0609020204030204" pitchFamily="49" charset="0"/>
+              <a:cs typeface="Consolas" panose="020B0609020204030204" pitchFamily="49" charset="0"/>
+            </a:endParaRPr>
+          </a:p>
+          <a:p>
+            <a:pPr marL="0" indent="0">
+              <a:buNone/>
+            </a:pPr>
+            <a:r>
+              <a:rPr lang="en-US" dirty="0">
+                <a:solidFill>
+                  <a:srgbClr val="7030A0"/>
+                </a:solidFill>
+                <a:latin typeface="Consolas" panose="020B0609020204030204" pitchFamily="49" charset="0"/>
+                <a:cs typeface="Consolas" panose="020B0609020204030204" pitchFamily="49" charset="0"/>
+              </a:rPr>
+              <a:t>zed: complex = 13 + 4j</a:t>
+            </a:r>
+          </a:p>
+        </p:txBody>
+      </p:sp>
+    </p:spTree>
+    <p:extLst>
+      <p:ext uri="{BB962C8B-B14F-4D97-AF65-F5344CB8AC3E}">
+        <p14:creationId xmlns:p14="http://schemas.microsoft.com/office/powerpoint/2010/main" val="1751893966"/>
+      </p:ext>
+    </p:extLst>
+  </p:cSld>
+  <p:clrMapOvr>
+    <a:masterClrMapping/>
+  </p:clrMapOvr>
+</p:sld>
+</file>
+
+<file path=ppt/slides/slide26.xml><?xml version="1.0" encoding="utf-8"?>
+<p:sld xmlns:a="http://schemas.openxmlformats.org/drawingml/2006/main" xmlns:r="http://schemas.openxmlformats.org/officeDocument/2006/relationships" xmlns:p="http://schemas.openxmlformats.org/presentationml/2006/main">
+  <p:cSld>
+    <p:spTree>
+      <p:nvGrpSpPr>
+        <p:cNvPr id="1" name=""/>
+        <p:cNvGrpSpPr/>
+        <p:nvPr/>
+      </p:nvGrpSpPr>
+      <p:grpSpPr>
+        <a:xfrm>
+          <a:off x="0" y="0"/>
+          <a:ext cx="0" cy="0"/>
+          <a:chOff x="0" y="0"/>
+          <a:chExt cx="0" cy="0"/>
+        </a:xfrm>
+      </p:grpSpPr>
+      <p:sp>
+        <p:nvSpPr>
+          <p:cNvPr id="4" name="Rounded Rectangle 3">
+            <a:extLst>
+              <a:ext uri="{FF2B5EF4-FFF2-40B4-BE49-F238E27FC236}">
+                <a16:creationId xmlns:a16="http://schemas.microsoft.com/office/drawing/2014/main" id="{1E2DA959-0AB4-224E-BFE5-7DE584CA045C}"/>
+              </a:ext>
+            </a:extLst>
+          </p:cNvPr>
+          <p:cNvSpPr/>
+          <p:nvPr/>
+        </p:nvSpPr>
+        <p:spPr>
+          <a:xfrm>
+            <a:off x="870005" y="1385939"/>
+            <a:ext cx="5064305" cy="3671090"/>
+          </a:xfrm>
+          <a:prstGeom prst="roundRect">
+            <a:avLst/>
+          </a:prstGeom>
+          <a:noFill/>
+        </p:spPr>
+        <p:style>
+          <a:lnRef idx="2">
+            <a:schemeClr val="accent1">
+              <a:shade val="50000"/>
+            </a:schemeClr>
+          </a:lnRef>
+          <a:fillRef idx="1">
+            <a:schemeClr val="accent1"/>
+          </a:fillRef>
+          <a:effectRef idx="0">
+            <a:schemeClr val="accent1"/>
+          </a:effectRef>
+          <a:fontRef idx="minor">
+            <a:schemeClr val="lt1"/>
+          </a:fontRef>
+        </p:style>
+        <p:txBody>
+          <a:bodyPr rtlCol="0" anchor="ctr"/>
+          <a:lstStyle/>
+          <a:p>
+            <a:pPr algn="ctr"/>
+            <a:endParaRPr lang="en-US"/>
+          </a:p>
+        </p:txBody>
+      </p:sp>
+      <p:sp>
+        <p:nvSpPr>
+          <p:cNvPr id="5" name="Rounded Rectangle 4">
+            <a:extLst>
+              <a:ext uri="{FF2B5EF4-FFF2-40B4-BE49-F238E27FC236}">
+                <a16:creationId xmlns:a16="http://schemas.microsoft.com/office/drawing/2014/main" id="{09FEC43A-99F8-5F4E-8852-E827177A2DB2}"/>
+              </a:ext>
+            </a:extLst>
+          </p:cNvPr>
+          <p:cNvSpPr/>
+          <p:nvPr/>
+        </p:nvSpPr>
+        <p:spPr>
+          <a:xfrm>
+            <a:off x="6127805" y="1385939"/>
+            <a:ext cx="5064305" cy="3814214"/>
+          </a:xfrm>
+          <a:prstGeom prst="roundRect">
+            <a:avLst/>
+          </a:prstGeom>
+          <a:noFill/>
+        </p:spPr>
+        <p:style>
+          <a:lnRef idx="2">
+            <a:schemeClr val="accent1">
+              <a:shade val="50000"/>
+            </a:schemeClr>
+          </a:lnRef>
+          <a:fillRef idx="1">
+            <a:schemeClr val="accent1"/>
+          </a:fillRef>
+          <a:effectRef idx="0">
+            <a:schemeClr val="accent1"/>
+          </a:effectRef>
+          <a:fontRef idx="minor">
+            <a:schemeClr val="lt1"/>
+          </a:fontRef>
+        </p:style>
+        <p:txBody>
+          <a:bodyPr rtlCol="0" anchor="ctr"/>
+          <a:lstStyle/>
+          <a:p>
+            <a:pPr algn="ctr"/>
+            <a:endParaRPr lang="en-US"/>
+          </a:p>
+        </p:txBody>
+      </p:sp>
+      <p:sp>
+        <p:nvSpPr>
+          <p:cNvPr id="6" name="Rectangle 5">
+            <a:extLst>
+              <a:ext uri="{FF2B5EF4-FFF2-40B4-BE49-F238E27FC236}">
+                <a16:creationId xmlns:a16="http://schemas.microsoft.com/office/drawing/2014/main" id="{7F8691FF-78B0-FA46-9811-E45B04FBD238}"/>
+              </a:ext>
+            </a:extLst>
+          </p:cNvPr>
+          <p:cNvSpPr/>
+          <p:nvPr/>
+        </p:nvSpPr>
+        <p:spPr>
+          <a:xfrm>
+            <a:off x="5934310" y="1766083"/>
+            <a:ext cx="193496" cy="2342508"/>
+          </a:xfrm>
+          <a:prstGeom prst="rect">
+            <a:avLst/>
+          </a:prstGeom>
+          <a:solidFill>
+            <a:schemeClr val="tx2">
+              <a:lumMod val="75000"/>
+            </a:schemeClr>
+          </a:solidFill>
+        </p:spPr>
+        <p:style>
+          <a:lnRef idx="2">
+            <a:schemeClr val="accent1">
+              <a:shade val="50000"/>
+            </a:schemeClr>
+          </a:lnRef>
+          <a:fillRef idx="1">
+            <a:schemeClr val="accent1"/>
+          </a:fillRef>
+          <a:effectRef idx="0">
+            <a:schemeClr val="accent1"/>
+          </a:effectRef>
+          <a:fontRef idx="minor">
+            <a:schemeClr val="lt1"/>
+          </a:fontRef>
+        </p:style>
+        <p:txBody>
+          <a:bodyPr rtlCol="0" anchor="ctr"/>
+          <a:lstStyle/>
+          <a:p>
+            <a:pPr algn="ctr"/>
+            <a:endParaRPr lang="en-US"/>
+          </a:p>
+        </p:txBody>
+      </p:sp>
+      <p:graphicFrame>
+        <p:nvGraphicFramePr>
+          <p:cNvPr id="7" name="Table 6">
+            <a:extLst>
+              <a:ext uri="{FF2B5EF4-FFF2-40B4-BE49-F238E27FC236}">
+                <a16:creationId xmlns:a16="http://schemas.microsoft.com/office/drawing/2014/main" id="{650A8962-DD11-9F49-845D-09E5474AFD31}"/>
+              </a:ext>
+            </a:extLst>
+          </p:cNvPr>
+          <p:cNvGraphicFramePr>
+            <a:graphicFrameLocks noGrp="1"/>
+          </p:cNvGraphicFramePr>
+          <p:nvPr>
+            <p:extLst>
+              <p:ext uri="{D42A27DB-BD31-4B8C-83A1-F6EECF244321}">
+                <p14:modId xmlns:p14="http://schemas.microsoft.com/office/powerpoint/2010/main" val="4062214398"/>
+              </p:ext>
+            </p:extLst>
+          </p:nvPr>
+        </p:nvGraphicFramePr>
+        <p:xfrm>
+          <a:off x="1121133" y="1859053"/>
+          <a:ext cx="4813176" cy="2926080"/>
+        </p:xfrm>
+        <a:graphic>
+          <a:graphicData uri="http://schemas.openxmlformats.org/drawingml/2006/table">
+            <a:tbl>
+              <a:tblPr firstRow="1" bandRow="1">
+                <a:tableStyleId>{5940675A-B579-460E-94D1-54222C63F5DA}</a:tableStyleId>
+              </a:tblPr>
+              <a:tblGrid>
+                <a:gridCol w="601647">
+                  <a:extLst>
+                    <a:ext uri="{9D8B030D-6E8A-4147-A177-3AD203B41FA5}">
+                      <a16:colId xmlns:a16="http://schemas.microsoft.com/office/drawing/2014/main" val="2858882873"/>
+                    </a:ext>
+                  </a:extLst>
+                </a:gridCol>
+                <a:gridCol w="601647">
+                  <a:extLst>
+                    <a:ext uri="{9D8B030D-6E8A-4147-A177-3AD203B41FA5}">
+                      <a16:colId xmlns:a16="http://schemas.microsoft.com/office/drawing/2014/main" val="1382564874"/>
+                    </a:ext>
+                  </a:extLst>
+                </a:gridCol>
+                <a:gridCol w="601647">
+                  <a:extLst>
+                    <a:ext uri="{9D8B030D-6E8A-4147-A177-3AD203B41FA5}">
+                      <a16:colId xmlns:a16="http://schemas.microsoft.com/office/drawing/2014/main" val="767832771"/>
+                    </a:ext>
+                  </a:extLst>
+                </a:gridCol>
+                <a:gridCol w="601647">
+                  <a:extLst>
+                    <a:ext uri="{9D8B030D-6E8A-4147-A177-3AD203B41FA5}">
+                      <a16:colId xmlns:a16="http://schemas.microsoft.com/office/drawing/2014/main" val="3920578021"/>
+                    </a:ext>
+                  </a:extLst>
+                </a:gridCol>
+                <a:gridCol w="601647">
+                  <a:extLst>
+                    <a:ext uri="{9D8B030D-6E8A-4147-A177-3AD203B41FA5}">
+                      <a16:colId xmlns:a16="http://schemas.microsoft.com/office/drawing/2014/main" val="177356102"/>
+                    </a:ext>
+                  </a:extLst>
+                </a:gridCol>
+                <a:gridCol w="601647">
+                  <a:extLst>
+                    <a:ext uri="{9D8B030D-6E8A-4147-A177-3AD203B41FA5}">
+                      <a16:colId xmlns:a16="http://schemas.microsoft.com/office/drawing/2014/main" val="3004817649"/>
+                    </a:ext>
+                  </a:extLst>
+                </a:gridCol>
+                <a:gridCol w="601647">
+                  <a:extLst>
+                    <a:ext uri="{9D8B030D-6E8A-4147-A177-3AD203B41FA5}">
+                      <a16:colId xmlns:a16="http://schemas.microsoft.com/office/drawing/2014/main" val="2644163751"/>
+                    </a:ext>
+                  </a:extLst>
+                </a:gridCol>
+                <a:gridCol w="601647">
+                  <a:extLst>
+                    <a:ext uri="{9D8B030D-6E8A-4147-A177-3AD203B41FA5}">
+                      <a16:colId xmlns:a16="http://schemas.microsoft.com/office/drawing/2014/main" val="3647778500"/>
+                    </a:ext>
+                  </a:extLst>
+                </a:gridCol>
+              </a:tblGrid>
+              <a:tr h="292813">
+                <a:tc>
+                  <a:txBody>
+                    <a:bodyPr/>
+                    <a:lstStyle/>
+                    <a:p>
+                      <a:r>
+                        <a:rPr lang="en-US" dirty="0"/>
+                        <a:t>1</a:t>
+                      </a:r>
+                    </a:p>
+                  </a:txBody>
+                  <a:tcPr/>
+                </a:tc>
+                <a:tc>
+                  <a:txBody>
+                    <a:bodyPr/>
+                    <a:lstStyle/>
+                    <a:p>
+                      <a:r>
+                        <a:rPr lang="en-US" dirty="0"/>
+                        <a:t>1</a:t>
+                      </a:r>
+                    </a:p>
+                  </a:txBody>
+                  <a:tcPr/>
+                </a:tc>
+                <a:tc>
+                  <a:txBody>
+                    <a:bodyPr/>
+                    <a:lstStyle/>
+                    <a:p>
+                      <a:r>
+                        <a:rPr lang="en-US" dirty="0"/>
+                        <a:t>0</a:t>
+                      </a:r>
+                    </a:p>
+                  </a:txBody>
+                  <a:tcPr/>
+                </a:tc>
+                <a:tc>
+                  <a:txBody>
+                    <a:bodyPr/>
+                    <a:lstStyle/>
+                    <a:p>
+                      <a:r>
+                        <a:rPr lang="en-US" dirty="0"/>
+                        <a:t>1</a:t>
+                      </a:r>
+                    </a:p>
+                  </a:txBody>
+                  <a:tcPr/>
+                </a:tc>
+                <a:tc>
+                  <a:txBody>
+                    <a:bodyPr/>
+                    <a:lstStyle/>
+                    <a:p>
+                      <a:r>
+                        <a:rPr lang="en-US" dirty="0"/>
+                        <a:t>0</a:t>
+                      </a:r>
+                    </a:p>
+                  </a:txBody>
+                  <a:tcPr/>
+                </a:tc>
+                <a:tc>
+                  <a:txBody>
+                    <a:bodyPr/>
+                    <a:lstStyle/>
+                    <a:p>
+                      <a:r>
+                        <a:rPr lang="en-US" dirty="0"/>
+                        <a:t>0</a:t>
+                      </a:r>
+                    </a:p>
+                  </a:txBody>
+                  <a:tcPr/>
+                </a:tc>
+                <a:tc>
+                  <a:txBody>
+                    <a:bodyPr/>
+                    <a:lstStyle/>
+                    <a:p>
+                      <a:r>
+                        <a:rPr lang="en-US" dirty="0"/>
+                        <a:t>0</a:t>
+                      </a:r>
+                    </a:p>
+                  </a:txBody>
+                  <a:tcPr/>
+                </a:tc>
+                <a:tc>
+                  <a:txBody>
+                    <a:bodyPr/>
+                    <a:lstStyle/>
+                    <a:p>
+                      <a:r>
+                        <a:rPr lang="en-US" dirty="0"/>
+                        <a:t>1</a:t>
+                      </a:r>
+                    </a:p>
+                  </a:txBody>
+                  <a:tcPr/>
+                </a:tc>
+                <a:extLst>
+                  <a:ext uri="{0D108BD9-81ED-4DB2-BD59-A6C34878D82A}">
+                    <a16:rowId xmlns:a16="http://schemas.microsoft.com/office/drawing/2014/main" val="1701118784"/>
+                  </a:ext>
+                </a:extLst>
+              </a:tr>
+              <a:tr h="292813">
+                <a:tc>
+                  <a:txBody>
+                    <a:bodyPr/>
+                    <a:lstStyle/>
+                    <a:p>
+                      <a:r>
+                        <a:rPr lang="en-US" dirty="0">
+                          <a:solidFill>
+                            <a:srgbClr val="0070C0"/>
+                          </a:solidFill>
+                        </a:rPr>
+                        <a:t>0</a:t>
+                      </a:r>
+                    </a:p>
+                  </a:txBody>
+                  <a:tcPr/>
+                </a:tc>
+                <a:tc>
+                  <a:txBody>
+                    <a:bodyPr/>
+                    <a:lstStyle/>
+                    <a:p>
+                      <a:r>
+                        <a:rPr lang="en-US" dirty="0">
+                          <a:solidFill>
+                            <a:srgbClr val="0070C0"/>
+                          </a:solidFill>
+                        </a:rPr>
+                        <a:t>1</a:t>
+                      </a:r>
+                    </a:p>
+                  </a:txBody>
+                  <a:tcPr/>
+                </a:tc>
+                <a:tc>
+                  <a:txBody>
+                    <a:bodyPr/>
+                    <a:lstStyle/>
+                    <a:p>
+                      <a:r>
+                        <a:rPr lang="en-US" dirty="0">
+                          <a:solidFill>
+                            <a:srgbClr val="0070C0"/>
+                          </a:solidFill>
+                        </a:rPr>
+                        <a:t>1</a:t>
+                      </a:r>
+                    </a:p>
+                  </a:txBody>
+                  <a:tcPr/>
+                </a:tc>
+                <a:tc>
+                  <a:txBody>
+                    <a:bodyPr/>
+                    <a:lstStyle/>
+                    <a:p>
+                      <a:r>
+                        <a:rPr lang="en-US" dirty="0">
+                          <a:solidFill>
+                            <a:srgbClr val="0070C0"/>
+                          </a:solidFill>
+                        </a:rPr>
+                        <a:t>0</a:t>
+                      </a:r>
+                    </a:p>
+                  </a:txBody>
+                  <a:tcPr/>
+                </a:tc>
+                <a:tc>
+                  <a:txBody>
+                    <a:bodyPr/>
+                    <a:lstStyle/>
+                    <a:p>
+                      <a:r>
+                        <a:rPr lang="en-US" dirty="0">
+                          <a:solidFill>
+                            <a:srgbClr val="0070C0"/>
+                          </a:solidFill>
+                        </a:rPr>
+                        <a:t>1</a:t>
+                      </a:r>
+                    </a:p>
+                  </a:txBody>
+                  <a:tcPr/>
+                </a:tc>
+                <a:tc>
+                  <a:txBody>
+                    <a:bodyPr/>
+                    <a:lstStyle/>
+                    <a:p>
+                      <a:r>
+                        <a:rPr lang="en-US" dirty="0">
+                          <a:solidFill>
+                            <a:srgbClr val="0070C0"/>
+                          </a:solidFill>
+                        </a:rPr>
+                        <a:t>1</a:t>
+                      </a:r>
+                    </a:p>
+                  </a:txBody>
+                  <a:tcPr/>
+                </a:tc>
+                <a:tc>
+                  <a:txBody>
+                    <a:bodyPr/>
+                    <a:lstStyle/>
+                    <a:p>
+                      <a:r>
+                        <a:rPr lang="en-US" dirty="0">
+                          <a:solidFill>
+                            <a:srgbClr val="0070C0"/>
+                          </a:solidFill>
+                        </a:rPr>
+                        <a:t>0</a:t>
+                      </a:r>
+                    </a:p>
+                  </a:txBody>
+                  <a:tcPr/>
+                </a:tc>
+                <a:tc>
+                  <a:txBody>
+                    <a:bodyPr/>
+                    <a:lstStyle/>
+                    <a:p>
+                      <a:r>
+                        <a:rPr lang="en-US" dirty="0">
+                          <a:solidFill>
+                            <a:srgbClr val="0070C0"/>
+                          </a:solidFill>
+                        </a:rPr>
+                        <a:t>0</a:t>
+                      </a:r>
+                    </a:p>
+                  </a:txBody>
+                  <a:tcPr/>
+                </a:tc>
+                <a:extLst>
+                  <a:ext uri="{0D108BD9-81ED-4DB2-BD59-A6C34878D82A}">
+                    <a16:rowId xmlns:a16="http://schemas.microsoft.com/office/drawing/2014/main" val="2206428840"/>
+                  </a:ext>
+                </a:extLst>
+              </a:tr>
+              <a:tr h="292813">
+                <a:tc>
+                  <a:txBody>
+                    <a:bodyPr/>
+                    <a:lstStyle/>
+                    <a:p>
+                      <a:r>
+                        <a:rPr lang="en-US" dirty="0"/>
+                        <a:t>0</a:t>
+                      </a:r>
+                    </a:p>
+                  </a:txBody>
+                  <a:tcPr/>
+                </a:tc>
+                <a:tc>
+                  <a:txBody>
+                    <a:bodyPr/>
+                    <a:lstStyle/>
+                    <a:p>
+                      <a:r>
+                        <a:rPr lang="en-US" dirty="0"/>
+                        <a:t>0</a:t>
+                      </a:r>
+                    </a:p>
+                  </a:txBody>
+                  <a:tcPr/>
+                </a:tc>
+                <a:tc>
+                  <a:txBody>
+                    <a:bodyPr/>
+                    <a:lstStyle/>
+                    <a:p>
+                      <a:r>
+                        <a:rPr lang="en-US" dirty="0"/>
+                        <a:t>0</a:t>
+                      </a:r>
+                    </a:p>
+                  </a:txBody>
+                  <a:tcPr/>
+                </a:tc>
+                <a:tc>
+                  <a:txBody>
+                    <a:bodyPr/>
+                    <a:lstStyle/>
+                    <a:p>
+                      <a:r>
+                        <a:rPr lang="en-US" dirty="0"/>
+                        <a:t>0</a:t>
+                      </a:r>
+                    </a:p>
+                  </a:txBody>
+                  <a:tcPr/>
+                </a:tc>
+                <a:tc>
+                  <a:txBody>
+                    <a:bodyPr/>
+                    <a:lstStyle/>
+                    <a:p>
+                      <a:r>
+                        <a:rPr lang="en-US" dirty="0"/>
+                        <a:t>0</a:t>
+                      </a:r>
+                    </a:p>
+                  </a:txBody>
+                  <a:tcPr/>
+                </a:tc>
+                <a:tc>
+                  <a:txBody>
+                    <a:bodyPr/>
+                    <a:lstStyle/>
+                    <a:p>
+                      <a:r>
+                        <a:rPr lang="en-US" dirty="0"/>
+                        <a:t>0</a:t>
+                      </a:r>
+                    </a:p>
+                  </a:txBody>
+                  <a:tcPr/>
+                </a:tc>
+                <a:tc>
+                  <a:txBody>
+                    <a:bodyPr/>
+                    <a:lstStyle/>
+                    <a:p>
+                      <a:r>
+                        <a:rPr lang="en-US" dirty="0"/>
+                        <a:t>0</a:t>
+                      </a:r>
+                    </a:p>
+                  </a:txBody>
+                  <a:tcPr/>
+                </a:tc>
+                <a:tc>
+                  <a:txBody>
+                    <a:bodyPr/>
+                    <a:lstStyle/>
+                    <a:p>
+                      <a:r>
+                        <a:rPr lang="en-US" dirty="0"/>
+                        <a:t>1</a:t>
+                      </a:r>
+                    </a:p>
+                  </a:txBody>
+                  <a:tcPr/>
+                </a:tc>
+                <a:extLst>
+                  <a:ext uri="{0D108BD9-81ED-4DB2-BD59-A6C34878D82A}">
+                    <a16:rowId xmlns:a16="http://schemas.microsoft.com/office/drawing/2014/main" val="2565347026"/>
+                  </a:ext>
+                </a:extLst>
+              </a:tr>
+              <a:tr h="292813">
+                <a:tc>
+                  <a:txBody>
+                    <a:bodyPr/>
+                    <a:lstStyle/>
+                    <a:p>
+                      <a:r>
+                        <a:rPr lang="en-US" dirty="0">
+                          <a:solidFill>
+                            <a:srgbClr val="00B050"/>
+                          </a:solidFill>
+                        </a:rPr>
+                        <a:t>1</a:t>
+                      </a:r>
+                    </a:p>
+                  </a:txBody>
+                  <a:tcPr/>
+                </a:tc>
+                <a:tc>
+                  <a:txBody>
+                    <a:bodyPr/>
+                    <a:lstStyle/>
+                    <a:p>
+                      <a:r>
+                        <a:rPr lang="en-US" dirty="0">
+                          <a:solidFill>
+                            <a:srgbClr val="00B050"/>
+                          </a:solidFill>
+                        </a:rPr>
+                        <a:t>0</a:t>
+                      </a:r>
+                    </a:p>
+                  </a:txBody>
+                  <a:tcPr/>
+                </a:tc>
+                <a:tc>
+                  <a:txBody>
+                    <a:bodyPr/>
+                    <a:lstStyle/>
+                    <a:p>
+                      <a:r>
+                        <a:rPr lang="en-US" dirty="0">
+                          <a:solidFill>
+                            <a:srgbClr val="00B050"/>
+                          </a:solidFill>
+                        </a:rPr>
+                        <a:t>0</a:t>
+                      </a:r>
+                    </a:p>
+                  </a:txBody>
+                  <a:tcPr/>
+                </a:tc>
+                <a:tc>
+                  <a:txBody>
+                    <a:bodyPr/>
+                    <a:lstStyle/>
+                    <a:p>
+                      <a:r>
+                        <a:rPr lang="en-US" dirty="0">
+                          <a:solidFill>
+                            <a:srgbClr val="00B050"/>
+                          </a:solidFill>
+                        </a:rPr>
+                        <a:t>0</a:t>
+                      </a:r>
+                    </a:p>
+                  </a:txBody>
+                  <a:tcPr/>
+                </a:tc>
+                <a:tc>
+                  <a:txBody>
+                    <a:bodyPr/>
+                    <a:lstStyle/>
+                    <a:p>
+                      <a:r>
+                        <a:rPr lang="en-US" dirty="0">
+                          <a:solidFill>
+                            <a:srgbClr val="00B050"/>
+                          </a:solidFill>
+                        </a:rPr>
+                        <a:t>1</a:t>
+                      </a:r>
+                    </a:p>
+                  </a:txBody>
+                  <a:tcPr/>
+                </a:tc>
+                <a:tc>
+                  <a:txBody>
+                    <a:bodyPr/>
+                    <a:lstStyle/>
+                    <a:p>
+                      <a:r>
+                        <a:rPr lang="en-US" dirty="0">
+                          <a:solidFill>
+                            <a:srgbClr val="00B050"/>
+                          </a:solidFill>
+                        </a:rPr>
+                        <a:t>0</a:t>
+                      </a:r>
+                    </a:p>
+                  </a:txBody>
+                  <a:tcPr/>
+                </a:tc>
+                <a:tc>
+                  <a:txBody>
+                    <a:bodyPr/>
+                    <a:lstStyle/>
+                    <a:p>
+                      <a:r>
+                        <a:rPr lang="en-US" dirty="0">
+                          <a:solidFill>
+                            <a:srgbClr val="00B050"/>
+                          </a:solidFill>
+                        </a:rPr>
+                        <a:t>1</a:t>
+                      </a:r>
+                    </a:p>
+                  </a:txBody>
+                  <a:tcPr/>
+                </a:tc>
+                <a:tc>
+                  <a:txBody>
+                    <a:bodyPr/>
+                    <a:lstStyle/>
+                    <a:p>
+                      <a:r>
+                        <a:rPr lang="en-US" dirty="0">
+                          <a:solidFill>
+                            <a:srgbClr val="00B050"/>
+                          </a:solidFill>
+                        </a:rPr>
+                        <a:t>0</a:t>
+                      </a:r>
+                    </a:p>
+                  </a:txBody>
+                  <a:tcPr/>
+                </a:tc>
+                <a:extLst>
+                  <a:ext uri="{0D108BD9-81ED-4DB2-BD59-A6C34878D82A}">
+                    <a16:rowId xmlns:a16="http://schemas.microsoft.com/office/drawing/2014/main" val="2663373973"/>
+                  </a:ext>
+                </a:extLst>
+              </a:tr>
+              <a:tr h="292813">
+                <a:tc>
+                  <a:txBody>
+                    <a:bodyPr/>
+                    <a:lstStyle/>
+                    <a:p>
+                      <a:r>
+                        <a:rPr lang="en-US" dirty="0">
+                          <a:solidFill>
+                            <a:srgbClr val="00B050"/>
+                          </a:solidFill>
+                        </a:rPr>
+                        <a:t>0</a:t>
+                      </a:r>
+                    </a:p>
+                  </a:txBody>
+                  <a:tcPr/>
+                </a:tc>
+                <a:tc>
+                  <a:txBody>
+                    <a:bodyPr/>
+                    <a:lstStyle/>
+                    <a:p>
+                      <a:r>
+                        <a:rPr lang="en-US" dirty="0">
+                          <a:solidFill>
+                            <a:srgbClr val="00B050"/>
+                          </a:solidFill>
+                        </a:rPr>
+                        <a:t>0</a:t>
+                      </a:r>
+                    </a:p>
+                  </a:txBody>
+                  <a:tcPr/>
+                </a:tc>
+                <a:tc>
+                  <a:txBody>
+                    <a:bodyPr/>
+                    <a:lstStyle/>
+                    <a:p>
+                      <a:r>
+                        <a:rPr lang="en-US" dirty="0">
+                          <a:solidFill>
+                            <a:srgbClr val="00B050"/>
+                          </a:solidFill>
+                        </a:rPr>
+                        <a:t>0</a:t>
+                      </a:r>
+                    </a:p>
+                  </a:txBody>
+                  <a:tcPr/>
+                </a:tc>
+                <a:tc>
+                  <a:txBody>
+                    <a:bodyPr/>
+                    <a:lstStyle/>
+                    <a:p>
+                      <a:r>
+                        <a:rPr lang="en-US" dirty="0">
+                          <a:solidFill>
+                            <a:srgbClr val="00B050"/>
+                          </a:solidFill>
+                        </a:rPr>
+                        <a:t>1</a:t>
+                      </a:r>
+                    </a:p>
+                  </a:txBody>
+                  <a:tcPr/>
+                </a:tc>
+                <a:tc>
+                  <a:txBody>
+                    <a:bodyPr/>
+                    <a:lstStyle/>
+                    <a:p>
+                      <a:r>
+                        <a:rPr lang="en-US" dirty="0">
+                          <a:solidFill>
+                            <a:srgbClr val="00B050"/>
+                          </a:solidFill>
+                        </a:rPr>
+                        <a:t>0</a:t>
+                      </a:r>
+                    </a:p>
+                  </a:txBody>
+                  <a:tcPr/>
+                </a:tc>
+                <a:tc>
+                  <a:txBody>
+                    <a:bodyPr/>
+                    <a:lstStyle/>
+                    <a:p>
+                      <a:r>
+                        <a:rPr lang="en-US" dirty="0">
+                          <a:solidFill>
+                            <a:srgbClr val="00B050"/>
+                          </a:solidFill>
+                        </a:rPr>
+                        <a:t>0</a:t>
+                      </a:r>
+                    </a:p>
+                  </a:txBody>
+                  <a:tcPr/>
+                </a:tc>
+                <a:tc>
+                  <a:txBody>
+                    <a:bodyPr/>
+                    <a:lstStyle/>
+                    <a:p>
+                      <a:r>
+                        <a:rPr lang="en-US" dirty="0">
+                          <a:solidFill>
+                            <a:srgbClr val="00B050"/>
+                          </a:solidFill>
+                        </a:rPr>
+                        <a:t>0</a:t>
+                      </a:r>
+                    </a:p>
+                  </a:txBody>
+                  <a:tcPr/>
+                </a:tc>
+                <a:tc>
+                  <a:txBody>
+                    <a:bodyPr/>
+                    <a:lstStyle/>
+                    <a:p>
+                      <a:r>
+                        <a:rPr lang="en-US" dirty="0">
+                          <a:solidFill>
+                            <a:srgbClr val="00B050"/>
+                          </a:solidFill>
+                        </a:rPr>
+                        <a:t>0</a:t>
+                      </a:r>
+                    </a:p>
+                  </a:txBody>
+                  <a:tcPr/>
+                </a:tc>
+                <a:extLst>
+                  <a:ext uri="{0D108BD9-81ED-4DB2-BD59-A6C34878D82A}">
+                    <a16:rowId xmlns:a16="http://schemas.microsoft.com/office/drawing/2014/main" val="2879267755"/>
+                  </a:ext>
+                </a:extLst>
+              </a:tr>
+              <a:tr h="292813">
+                <a:tc>
+                  <a:txBody>
+                    <a:bodyPr/>
+                    <a:lstStyle/>
+                    <a:p>
+                      <a:r>
+                        <a:rPr lang="en-US" dirty="0">
+                          <a:solidFill>
+                            <a:srgbClr val="00B050"/>
+                          </a:solidFill>
+                        </a:rPr>
+                        <a:t>0</a:t>
+                      </a:r>
+                    </a:p>
+                  </a:txBody>
+                  <a:tcPr/>
+                </a:tc>
+                <a:tc>
+                  <a:txBody>
+                    <a:bodyPr/>
+                    <a:lstStyle/>
+                    <a:p>
+                      <a:r>
+                        <a:rPr lang="en-US" dirty="0">
+                          <a:solidFill>
+                            <a:srgbClr val="00B050"/>
+                          </a:solidFill>
+                        </a:rPr>
+                        <a:t>1</a:t>
+                      </a:r>
+                    </a:p>
+                  </a:txBody>
+                  <a:tcPr/>
+                </a:tc>
+                <a:tc>
+                  <a:txBody>
+                    <a:bodyPr/>
+                    <a:lstStyle/>
+                    <a:p>
+                      <a:r>
+                        <a:rPr lang="en-US" dirty="0">
+                          <a:solidFill>
+                            <a:srgbClr val="00B050"/>
+                          </a:solidFill>
+                        </a:rPr>
+                        <a:t>1</a:t>
+                      </a:r>
+                    </a:p>
+                  </a:txBody>
+                  <a:tcPr/>
+                </a:tc>
+                <a:tc>
+                  <a:txBody>
+                    <a:bodyPr/>
+                    <a:lstStyle/>
+                    <a:p>
+                      <a:r>
+                        <a:rPr lang="en-US" dirty="0">
+                          <a:solidFill>
+                            <a:srgbClr val="00B050"/>
+                          </a:solidFill>
+                        </a:rPr>
+                        <a:t>0</a:t>
+                      </a:r>
+                    </a:p>
+                  </a:txBody>
+                  <a:tcPr/>
+                </a:tc>
+                <a:tc>
+                  <a:txBody>
+                    <a:bodyPr/>
+                    <a:lstStyle/>
+                    <a:p>
+                      <a:r>
+                        <a:rPr lang="en-US" dirty="0">
+                          <a:solidFill>
+                            <a:srgbClr val="00B050"/>
+                          </a:solidFill>
+                        </a:rPr>
+                        <a:t>1</a:t>
+                      </a:r>
+                    </a:p>
+                  </a:txBody>
+                  <a:tcPr/>
+                </a:tc>
+                <a:tc>
+                  <a:txBody>
+                    <a:bodyPr/>
+                    <a:lstStyle/>
+                    <a:p>
+                      <a:r>
+                        <a:rPr lang="en-US" dirty="0">
+                          <a:solidFill>
+                            <a:srgbClr val="00B050"/>
+                          </a:solidFill>
+                        </a:rPr>
+                        <a:t>0</a:t>
+                      </a:r>
+                    </a:p>
+                  </a:txBody>
+                  <a:tcPr/>
+                </a:tc>
+                <a:tc>
+                  <a:txBody>
+                    <a:bodyPr/>
+                    <a:lstStyle/>
+                    <a:p>
+                      <a:r>
+                        <a:rPr lang="en-US" dirty="0">
+                          <a:solidFill>
+                            <a:srgbClr val="00B050"/>
+                          </a:solidFill>
+                        </a:rPr>
+                        <a:t>0</a:t>
+                      </a:r>
+                    </a:p>
+                  </a:txBody>
+                  <a:tcPr/>
+                </a:tc>
+                <a:tc>
+                  <a:txBody>
+                    <a:bodyPr/>
+                    <a:lstStyle/>
+                    <a:p>
+                      <a:r>
+                        <a:rPr lang="en-US" dirty="0">
+                          <a:solidFill>
+                            <a:srgbClr val="00B050"/>
+                          </a:solidFill>
+                        </a:rPr>
+                        <a:t>1</a:t>
+                      </a:r>
+                    </a:p>
+                  </a:txBody>
+                  <a:tcPr/>
+                </a:tc>
+                <a:extLst>
+                  <a:ext uri="{0D108BD9-81ED-4DB2-BD59-A6C34878D82A}">
+                    <a16:rowId xmlns:a16="http://schemas.microsoft.com/office/drawing/2014/main" val="4191691729"/>
+                  </a:ext>
+                </a:extLst>
+              </a:tr>
+              <a:tr h="292813">
+                <a:tc>
+                  <a:txBody>
+                    <a:bodyPr/>
+                    <a:lstStyle/>
+                    <a:p>
+                      <a:r>
+                        <a:rPr lang="en-US" dirty="0">
+                          <a:solidFill>
+                            <a:srgbClr val="00B050"/>
+                          </a:solidFill>
+                        </a:rPr>
+                        <a:t>1</a:t>
+                      </a:r>
+                    </a:p>
+                  </a:txBody>
+                  <a:tcPr/>
+                </a:tc>
+                <a:tc>
+                  <a:txBody>
+                    <a:bodyPr/>
+                    <a:lstStyle/>
+                    <a:p>
+                      <a:r>
+                        <a:rPr lang="en-US" dirty="0">
+                          <a:solidFill>
+                            <a:srgbClr val="00B050"/>
+                          </a:solidFill>
+                        </a:rPr>
+                        <a:t>1</a:t>
+                      </a:r>
+                    </a:p>
+                  </a:txBody>
+                  <a:tcPr/>
+                </a:tc>
+                <a:tc>
+                  <a:txBody>
+                    <a:bodyPr/>
+                    <a:lstStyle/>
+                    <a:p>
+                      <a:r>
+                        <a:rPr lang="en-US" dirty="0">
+                          <a:solidFill>
+                            <a:srgbClr val="00B050"/>
+                          </a:solidFill>
+                        </a:rPr>
+                        <a:t>1</a:t>
+                      </a:r>
+                    </a:p>
+                  </a:txBody>
+                  <a:tcPr/>
+                </a:tc>
+                <a:tc>
+                  <a:txBody>
+                    <a:bodyPr/>
+                    <a:lstStyle/>
+                    <a:p>
+                      <a:r>
+                        <a:rPr lang="en-US" dirty="0">
+                          <a:solidFill>
+                            <a:srgbClr val="00B050"/>
+                          </a:solidFill>
+                        </a:rPr>
+                        <a:t>1</a:t>
+                      </a:r>
+                    </a:p>
+                  </a:txBody>
+                  <a:tcPr/>
+                </a:tc>
+                <a:tc>
+                  <a:txBody>
+                    <a:bodyPr/>
+                    <a:lstStyle/>
+                    <a:p>
+                      <a:r>
+                        <a:rPr lang="en-US" dirty="0">
+                          <a:solidFill>
+                            <a:srgbClr val="00B050"/>
+                          </a:solidFill>
+                        </a:rPr>
+                        <a:t>0</a:t>
+                      </a:r>
+                    </a:p>
+                  </a:txBody>
+                  <a:tcPr/>
+                </a:tc>
+                <a:tc>
+                  <a:txBody>
+                    <a:bodyPr/>
+                    <a:lstStyle/>
+                    <a:p>
+                      <a:r>
+                        <a:rPr lang="en-US" dirty="0">
+                          <a:solidFill>
+                            <a:srgbClr val="00B050"/>
+                          </a:solidFill>
+                        </a:rPr>
+                        <a:t>0</a:t>
+                      </a:r>
+                    </a:p>
+                  </a:txBody>
+                  <a:tcPr/>
+                </a:tc>
+                <a:tc>
+                  <a:txBody>
+                    <a:bodyPr/>
+                    <a:lstStyle/>
+                    <a:p>
+                      <a:r>
+                        <a:rPr lang="en-US" dirty="0">
+                          <a:solidFill>
+                            <a:srgbClr val="00B050"/>
+                          </a:solidFill>
+                        </a:rPr>
+                        <a:t>1</a:t>
+                      </a:r>
+                    </a:p>
+                  </a:txBody>
+                  <a:tcPr/>
+                </a:tc>
+                <a:tc>
+                  <a:txBody>
+                    <a:bodyPr/>
+                    <a:lstStyle/>
+                    <a:p>
+                      <a:r>
+                        <a:rPr lang="en-US" dirty="0">
+                          <a:solidFill>
+                            <a:srgbClr val="00B050"/>
+                          </a:solidFill>
+                        </a:rPr>
+                        <a:t>0</a:t>
+                      </a:r>
+                    </a:p>
+                  </a:txBody>
+                  <a:tcPr/>
+                </a:tc>
+                <a:extLst>
+                  <a:ext uri="{0D108BD9-81ED-4DB2-BD59-A6C34878D82A}">
+                    <a16:rowId xmlns:a16="http://schemas.microsoft.com/office/drawing/2014/main" val="430522434"/>
+                  </a:ext>
+                </a:extLst>
+              </a:tr>
+              <a:tr h="292813">
+                <a:tc>
+                  <a:txBody>
+                    <a:bodyPr/>
+                    <a:lstStyle/>
+                    <a:p>
+                      <a:r>
+                        <a:rPr lang="en-US" dirty="0"/>
+                        <a:t>0</a:t>
+                      </a:r>
+                    </a:p>
+                  </a:txBody>
+                  <a:tcPr/>
+                </a:tc>
+                <a:tc>
+                  <a:txBody>
+                    <a:bodyPr/>
+                    <a:lstStyle/>
+                    <a:p>
+                      <a:r>
+                        <a:rPr lang="en-US" dirty="0"/>
+                        <a:t>1</a:t>
+                      </a:r>
+                    </a:p>
+                  </a:txBody>
+                  <a:tcPr/>
+                </a:tc>
+                <a:tc>
+                  <a:txBody>
+                    <a:bodyPr/>
+                    <a:lstStyle/>
+                    <a:p>
+                      <a:r>
+                        <a:rPr lang="en-US" dirty="0"/>
+                        <a:t>0</a:t>
+                      </a:r>
+                    </a:p>
+                  </a:txBody>
+                  <a:tcPr/>
+                </a:tc>
+                <a:tc>
+                  <a:txBody>
+                    <a:bodyPr/>
+                    <a:lstStyle/>
+                    <a:p>
+                      <a:r>
+                        <a:rPr lang="en-US" dirty="0"/>
+                        <a:t>0</a:t>
+                      </a:r>
+                    </a:p>
+                  </a:txBody>
+                  <a:tcPr/>
+                </a:tc>
+                <a:tc>
+                  <a:txBody>
+                    <a:bodyPr/>
+                    <a:lstStyle/>
+                    <a:p>
+                      <a:r>
+                        <a:rPr lang="en-US" dirty="0"/>
+                        <a:t>0</a:t>
+                      </a:r>
+                    </a:p>
+                  </a:txBody>
+                  <a:tcPr/>
+                </a:tc>
+                <a:tc>
+                  <a:txBody>
+                    <a:bodyPr/>
+                    <a:lstStyle/>
+                    <a:p>
+                      <a:r>
+                        <a:rPr lang="en-US" dirty="0"/>
+                        <a:t>1</a:t>
+                      </a:r>
+                    </a:p>
+                  </a:txBody>
+                  <a:tcPr/>
+                </a:tc>
+                <a:tc>
+                  <a:txBody>
+                    <a:bodyPr/>
+                    <a:lstStyle/>
+                    <a:p>
+                      <a:r>
+                        <a:rPr lang="en-US" dirty="0"/>
+                        <a:t>1</a:t>
+                      </a:r>
+                    </a:p>
+                  </a:txBody>
+                  <a:tcPr/>
+                </a:tc>
+                <a:tc>
+                  <a:txBody>
+                    <a:bodyPr/>
+                    <a:lstStyle/>
+                    <a:p>
+                      <a:r>
+                        <a:rPr lang="en-US" dirty="0"/>
+                        <a:t>1</a:t>
+                      </a:r>
+                    </a:p>
+                  </a:txBody>
+                  <a:tcPr/>
+                </a:tc>
+                <a:extLst>
+                  <a:ext uri="{0D108BD9-81ED-4DB2-BD59-A6C34878D82A}">
+                    <a16:rowId xmlns:a16="http://schemas.microsoft.com/office/drawing/2014/main" val="487994492"/>
+                  </a:ext>
+                </a:extLst>
+              </a:tr>
+            </a:tbl>
+          </a:graphicData>
+        </a:graphic>
+      </p:graphicFrame>
+      <p:sp>
+        <p:nvSpPr>
+          <p:cNvPr id="10" name="TextBox 9">
+            <a:extLst>
+              <a:ext uri="{FF2B5EF4-FFF2-40B4-BE49-F238E27FC236}">
+                <a16:creationId xmlns:a16="http://schemas.microsoft.com/office/drawing/2014/main" id="{9D6267B8-06CB-8043-9065-8FE759096C66}"/>
+              </a:ext>
+            </a:extLst>
+          </p:cNvPr>
+          <p:cNvSpPr txBox="1"/>
+          <p:nvPr/>
+        </p:nvSpPr>
+        <p:spPr>
+          <a:xfrm>
+            <a:off x="2331221" y="1489721"/>
+            <a:ext cx="918393" cy="369332"/>
+          </a:xfrm>
+          <a:prstGeom prst="rect">
+            <a:avLst/>
+          </a:prstGeom>
+          <a:noFill/>
+        </p:spPr>
+        <p:txBody>
+          <a:bodyPr wrap="square" rtlCol="0">
+            <a:spAutoFit/>
+          </a:bodyPr>
+          <a:lstStyle/>
+          <a:p>
+            <a:r>
+              <a:rPr lang="en-US" dirty="0">
+                <a:solidFill>
+                  <a:schemeClr val="tx2">
+                    <a:lumMod val="75000"/>
+                  </a:schemeClr>
+                </a:solidFill>
+              </a:rPr>
+              <a:t>Page 87</a:t>
+            </a:r>
+          </a:p>
+        </p:txBody>
+      </p:sp>
+      <p:sp>
+        <p:nvSpPr>
+          <p:cNvPr id="11" name="TextBox 10">
+            <a:extLst>
+              <a:ext uri="{FF2B5EF4-FFF2-40B4-BE49-F238E27FC236}">
+                <a16:creationId xmlns:a16="http://schemas.microsoft.com/office/drawing/2014/main" id="{D09B5C75-4B86-4A4D-B265-C0F82B71966F}"/>
+              </a:ext>
+            </a:extLst>
+          </p:cNvPr>
+          <p:cNvSpPr txBox="1"/>
+          <p:nvPr/>
+        </p:nvSpPr>
+        <p:spPr>
+          <a:xfrm>
+            <a:off x="9005996" y="1461586"/>
+            <a:ext cx="918393" cy="369332"/>
+          </a:xfrm>
+          <a:prstGeom prst="rect">
+            <a:avLst/>
+          </a:prstGeom>
+          <a:noFill/>
+        </p:spPr>
+        <p:txBody>
+          <a:bodyPr wrap="square" rtlCol="0">
+            <a:spAutoFit/>
+          </a:bodyPr>
+          <a:lstStyle/>
+          <a:p>
+            <a:r>
+              <a:rPr lang="en-US" dirty="0">
+                <a:solidFill>
+                  <a:schemeClr val="tx2">
+                    <a:lumMod val="75000"/>
+                  </a:schemeClr>
+                </a:solidFill>
+              </a:rPr>
+              <a:t>Page 88</a:t>
+            </a:r>
+          </a:p>
+        </p:txBody>
+      </p:sp>
+      <p:sp>
+        <p:nvSpPr>
+          <p:cNvPr id="12" name="TextBox 11">
+            <a:extLst>
+              <a:ext uri="{FF2B5EF4-FFF2-40B4-BE49-F238E27FC236}">
+                <a16:creationId xmlns:a16="http://schemas.microsoft.com/office/drawing/2014/main" id="{AEFEEB21-DFC0-8D44-A165-2E9F8BAAE2F3}"/>
+              </a:ext>
+            </a:extLst>
+          </p:cNvPr>
+          <p:cNvSpPr txBox="1"/>
+          <p:nvPr/>
+        </p:nvSpPr>
+        <p:spPr>
+          <a:xfrm>
+            <a:off x="3617801" y="1489721"/>
+            <a:ext cx="1489126" cy="369332"/>
+          </a:xfrm>
+          <a:prstGeom prst="rect">
+            <a:avLst/>
+          </a:prstGeom>
+          <a:noFill/>
+        </p:spPr>
+        <p:txBody>
+          <a:bodyPr wrap="square" rtlCol="0">
+            <a:spAutoFit/>
+          </a:bodyPr>
+          <a:lstStyle/>
+          <a:p>
+            <a:r>
+              <a:rPr lang="en-US" i="1" dirty="0">
+                <a:solidFill>
+                  <a:schemeClr val="tx2">
+                    <a:lumMod val="75000"/>
+                  </a:schemeClr>
+                </a:solidFill>
+              </a:rPr>
+              <a:t>Memory book</a:t>
+            </a:r>
+          </a:p>
+        </p:txBody>
+      </p:sp>
+      <p:sp>
+        <p:nvSpPr>
+          <p:cNvPr id="13" name="TextBox 12">
+            <a:extLst>
+              <a:ext uri="{FF2B5EF4-FFF2-40B4-BE49-F238E27FC236}">
+                <a16:creationId xmlns:a16="http://schemas.microsoft.com/office/drawing/2014/main" id="{455189DC-24EB-F943-B9B0-727F6C5F9378}"/>
+              </a:ext>
+            </a:extLst>
+          </p:cNvPr>
+          <p:cNvSpPr txBox="1"/>
+          <p:nvPr/>
+        </p:nvSpPr>
+        <p:spPr>
+          <a:xfrm>
+            <a:off x="6955188" y="1461586"/>
+            <a:ext cx="1489126" cy="369332"/>
+          </a:xfrm>
+          <a:prstGeom prst="rect">
+            <a:avLst/>
+          </a:prstGeom>
+          <a:noFill/>
+        </p:spPr>
+        <p:txBody>
+          <a:bodyPr wrap="square" rtlCol="0">
+            <a:spAutoFit/>
+          </a:bodyPr>
+          <a:lstStyle/>
+          <a:p>
+            <a:r>
+              <a:rPr lang="en-US" i="1" dirty="0">
+                <a:solidFill>
+                  <a:schemeClr val="tx2">
+                    <a:lumMod val="75000"/>
+                  </a:schemeClr>
+                </a:solidFill>
+              </a:rPr>
+              <a:t>Memory book</a:t>
+            </a:r>
+          </a:p>
+        </p:txBody>
+      </p:sp>
+      <p:graphicFrame>
+        <p:nvGraphicFramePr>
+          <p:cNvPr id="14" name="Table 13">
+            <a:extLst>
+              <a:ext uri="{FF2B5EF4-FFF2-40B4-BE49-F238E27FC236}">
+                <a16:creationId xmlns:a16="http://schemas.microsoft.com/office/drawing/2014/main" id="{1A807977-C7DB-CA4F-AC2A-0749D8F8F424}"/>
+              </a:ext>
+            </a:extLst>
+          </p:cNvPr>
+          <p:cNvGraphicFramePr>
+            <a:graphicFrameLocks noGrp="1"/>
+          </p:cNvGraphicFramePr>
+          <p:nvPr>
+            <p:extLst>
+              <p:ext uri="{D42A27DB-BD31-4B8C-83A1-F6EECF244321}">
+                <p14:modId xmlns:p14="http://schemas.microsoft.com/office/powerpoint/2010/main" val="3679474895"/>
+              </p:ext>
+            </p:extLst>
+          </p:nvPr>
+        </p:nvGraphicFramePr>
+        <p:xfrm>
+          <a:off x="6127804" y="1859053"/>
+          <a:ext cx="4813176" cy="2926080"/>
+        </p:xfrm>
+        <a:graphic>
+          <a:graphicData uri="http://schemas.openxmlformats.org/drawingml/2006/table">
+            <a:tbl>
+              <a:tblPr firstRow="1" bandRow="1">
+                <a:tableStyleId>{5940675A-B579-460E-94D1-54222C63F5DA}</a:tableStyleId>
+              </a:tblPr>
+              <a:tblGrid>
+                <a:gridCol w="601647">
+                  <a:extLst>
+                    <a:ext uri="{9D8B030D-6E8A-4147-A177-3AD203B41FA5}">
+                      <a16:colId xmlns:a16="http://schemas.microsoft.com/office/drawing/2014/main" val="2858882873"/>
+                    </a:ext>
+                  </a:extLst>
+                </a:gridCol>
+                <a:gridCol w="601647">
+                  <a:extLst>
+                    <a:ext uri="{9D8B030D-6E8A-4147-A177-3AD203B41FA5}">
+                      <a16:colId xmlns:a16="http://schemas.microsoft.com/office/drawing/2014/main" val="1382564874"/>
+                    </a:ext>
+                  </a:extLst>
+                </a:gridCol>
+                <a:gridCol w="601647">
+                  <a:extLst>
+                    <a:ext uri="{9D8B030D-6E8A-4147-A177-3AD203B41FA5}">
+                      <a16:colId xmlns:a16="http://schemas.microsoft.com/office/drawing/2014/main" val="767832771"/>
+                    </a:ext>
+                  </a:extLst>
+                </a:gridCol>
+                <a:gridCol w="601647">
+                  <a:extLst>
+                    <a:ext uri="{9D8B030D-6E8A-4147-A177-3AD203B41FA5}">
+                      <a16:colId xmlns:a16="http://schemas.microsoft.com/office/drawing/2014/main" val="3920578021"/>
+                    </a:ext>
+                  </a:extLst>
+                </a:gridCol>
+                <a:gridCol w="601647">
+                  <a:extLst>
+                    <a:ext uri="{9D8B030D-6E8A-4147-A177-3AD203B41FA5}">
+                      <a16:colId xmlns:a16="http://schemas.microsoft.com/office/drawing/2014/main" val="177356102"/>
+                    </a:ext>
+                  </a:extLst>
+                </a:gridCol>
+                <a:gridCol w="601647">
+                  <a:extLst>
+                    <a:ext uri="{9D8B030D-6E8A-4147-A177-3AD203B41FA5}">
+                      <a16:colId xmlns:a16="http://schemas.microsoft.com/office/drawing/2014/main" val="3004817649"/>
+                    </a:ext>
+                  </a:extLst>
+                </a:gridCol>
+                <a:gridCol w="601647">
+                  <a:extLst>
+                    <a:ext uri="{9D8B030D-6E8A-4147-A177-3AD203B41FA5}">
+                      <a16:colId xmlns:a16="http://schemas.microsoft.com/office/drawing/2014/main" val="2644163751"/>
+                    </a:ext>
+                  </a:extLst>
+                </a:gridCol>
+                <a:gridCol w="601647">
+                  <a:extLst>
+                    <a:ext uri="{9D8B030D-6E8A-4147-A177-3AD203B41FA5}">
+                      <a16:colId xmlns:a16="http://schemas.microsoft.com/office/drawing/2014/main" val="3647778500"/>
+                    </a:ext>
+                  </a:extLst>
+                </a:gridCol>
+              </a:tblGrid>
+              <a:tr h="292813">
+                <a:tc>
+                  <a:txBody>
+                    <a:bodyPr/>
+                    <a:lstStyle/>
+                    <a:p>
+                      <a:r>
+                        <a:rPr lang="en-US" dirty="0">
+                          <a:solidFill>
+                            <a:srgbClr val="FFC000"/>
+                          </a:solidFill>
+                        </a:rPr>
+                        <a:t>1</a:t>
+                      </a:r>
+                    </a:p>
+                  </a:txBody>
+                  <a:tcPr/>
+                </a:tc>
+                <a:tc>
+                  <a:txBody>
+                    <a:bodyPr/>
+                    <a:lstStyle/>
+                    <a:p>
+                      <a:r>
+                        <a:rPr lang="en-US" dirty="0">
+                          <a:solidFill>
+                            <a:srgbClr val="FFC000"/>
+                          </a:solidFill>
+                        </a:rPr>
+                        <a:t>1</a:t>
+                      </a:r>
+                    </a:p>
+                  </a:txBody>
+                  <a:tcPr/>
+                </a:tc>
+                <a:tc>
+                  <a:txBody>
+                    <a:bodyPr/>
+                    <a:lstStyle/>
+                    <a:p>
+                      <a:r>
+                        <a:rPr lang="en-US" dirty="0">
+                          <a:solidFill>
+                            <a:srgbClr val="FFC000"/>
+                          </a:solidFill>
+                        </a:rPr>
+                        <a:t>0</a:t>
+                      </a:r>
+                    </a:p>
+                  </a:txBody>
+                  <a:tcPr/>
+                </a:tc>
+                <a:tc>
+                  <a:txBody>
+                    <a:bodyPr/>
+                    <a:lstStyle/>
+                    <a:p>
+                      <a:r>
+                        <a:rPr lang="en-US" dirty="0">
+                          <a:solidFill>
+                            <a:srgbClr val="FFC000"/>
+                          </a:solidFill>
+                        </a:rPr>
+                        <a:t>1</a:t>
+                      </a:r>
+                    </a:p>
+                  </a:txBody>
+                  <a:tcPr/>
+                </a:tc>
+                <a:tc>
+                  <a:txBody>
+                    <a:bodyPr/>
+                    <a:lstStyle/>
+                    <a:p>
+                      <a:r>
+                        <a:rPr lang="en-US" dirty="0">
+                          <a:solidFill>
+                            <a:srgbClr val="FFC000"/>
+                          </a:solidFill>
+                        </a:rPr>
+                        <a:t>0</a:t>
+                      </a:r>
+                    </a:p>
+                  </a:txBody>
+                  <a:tcPr/>
+                </a:tc>
+                <a:tc>
+                  <a:txBody>
+                    <a:bodyPr/>
+                    <a:lstStyle/>
+                    <a:p>
+                      <a:r>
+                        <a:rPr lang="en-US" dirty="0">
+                          <a:solidFill>
+                            <a:srgbClr val="FFC000"/>
+                          </a:solidFill>
+                        </a:rPr>
+                        <a:t>0</a:t>
+                      </a:r>
+                    </a:p>
+                  </a:txBody>
+                  <a:tcPr/>
+                </a:tc>
+                <a:tc>
+                  <a:txBody>
+                    <a:bodyPr/>
+                    <a:lstStyle/>
+                    <a:p>
+                      <a:r>
+                        <a:rPr lang="en-US" dirty="0">
+                          <a:solidFill>
+                            <a:srgbClr val="FFC000"/>
+                          </a:solidFill>
+                        </a:rPr>
+                        <a:t>0</a:t>
+                      </a:r>
+                    </a:p>
+                  </a:txBody>
+                  <a:tcPr/>
+                </a:tc>
+                <a:tc>
+                  <a:txBody>
+                    <a:bodyPr/>
+                    <a:lstStyle/>
+                    <a:p>
+                      <a:r>
+                        <a:rPr lang="en-US" dirty="0">
+                          <a:solidFill>
+                            <a:srgbClr val="FFC000"/>
+                          </a:solidFill>
+                        </a:rPr>
+                        <a:t>1</a:t>
+                      </a:r>
+                    </a:p>
+                  </a:txBody>
+                  <a:tcPr/>
+                </a:tc>
+                <a:extLst>
+                  <a:ext uri="{0D108BD9-81ED-4DB2-BD59-A6C34878D82A}">
+                    <a16:rowId xmlns:a16="http://schemas.microsoft.com/office/drawing/2014/main" val="1701118784"/>
+                  </a:ext>
+                </a:extLst>
+              </a:tr>
+              <a:tr h="292813">
+                <a:tc>
+                  <a:txBody>
+                    <a:bodyPr/>
+                    <a:lstStyle/>
+                    <a:p>
+                      <a:r>
+                        <a:rPr lang="en-US" dirty="0">
+                          <a:solidFill>
+                            <a:srgbClr val="FFC000"/>
+                          </a:solidFill>
+                        </a:rPr>
+                        <a:t>0</a:t>
+                      </a:r>
+                    </a:p>
+                  </a:txBody>
+                  <a:tcPr/>
+                </a:tc>
+                <a:tc>
+                  <a:txBody>
+                    <a:bodyPr/>
+                    <a:lstStyle/>
+                    <a:p>
+                      <a:r>
+                        <a:rPr lang="en-US" dirty="0">
+                          <a:solidFill>
+                            <a:srgbClr val="FFC000"/>
+                          </a:solidFill>
+                        </a:rPr>
+                        <a:t>1</a:t>
+                      </a:r>
+                    </a:p>
+                  </a:txBody>
+                  <a:tcPr/>
+                </a:tc>
+                <a:tc>
+                  <a:txBody>
+                    <a:bodyPr/>
+                    <a:lstStyle/>
+                    <a:p>
+                      <a:r>
+                        <a:rPr lang="en-US" dirty="0">
+                          <a:solidFill>
+                            <a:srgbClr val="FFC000"/>
+                          </a:solidFill>
+                        </a:rPr>
+                        <a:t>1</a:t>
+                      </a:r>
+                    </a:p>
+                  </a:txBody>
+                  <a:tcPr/>
+                </a:tc>
+                <a:tc>
+                  <a:txBody>
+                    <a:bodyPr/>
+                    <a:lstStyle/>
+                    <a:p>
+                      <a:r>
+                        <a:rPr lang="en-US" dirty="0">
+                          <a:solidFill>
+                            <a:srgbClr val="FFC000"/>
+                          </a:solidFill>
+                        </a:rPr>
+                        <a:t>0</a:t>
+                      </a:r>
+                    </a:p>
+                  </a:txBody>
+                  <a:tcPr/>
+                </a:tc>
+                <a:tc>
+                  <a:txBody>
+                    <a:bodyPr/>
+                    <a:lstStyle/>
+                    <a:p>
+                      <a:r>
+                        <a:rPr lang="en-US" dirty="0">
+                          <a:solidFill>
+                            <a:srgbClr val="FFC000"/>
+                          </a:solidFill>
+                        </a:rPr>
+                        <a:t>1</a:t>
+                      </a:r>
+                    </a:p>
+                  </a:txBody>
+                  <a:tcPr/>
+                </a:tc>
+                <a:tc>
+                  <a:txBody>
+                    <a:bodyPr/>
+                    <a:lstStyle/>
+                    <a:p>
+                      <a:r>
+                        <a:rPr lang="en-US" dirty="0">
+                          <a:solidFill>
+                            <a:srgbClr val="FFC000"/>
+                          </a:solidFill>
+                        </a:rPr>
+                        <a:t>1</a:t>
+                      </a:r>
+                    </a:p>
+                  </a:txBody>
+                  <a:tcPr/>
+                </a:tc>
+                <a:tc>
+                  <a:txBody>
+                    <a:bodyPr/>
+                    <a:lstStyle/>
+                    <a:p>
+                      <a:r>
+                        <a:rPr lang="en-US" dirty="0">
+                          <a:solidFill>
+                            <a:srgbClr val="FFC000"/>
+                          </a:solidFill>
+                        </a:rPr>
+                        <a:t>0</a:t>
+                      </a:r>
+                    </a:p>
+                  </a:txBody>
+                  <a:tcPr/>
+                </a:tc>
+                <a:tc>
+                  <a:txBody>
+                    <a:bodyPr/>
+                    <a:lstStyle/>
+                    <a:p>
+                      <a:r>
+                        <a:rPr lang="en-US" dirty="0">
+                          <a:solidFill>
+                            <a:srgbClr val="FFC000"/>
+                          </a:solidFill>
+                        </a:rPr>
+                        <a:t>0</a:t>
+                      </a:r>
+                    </a:p>
+                  </a:txBody>
+                  <a:tcPr/>
+                </a:tc>
+                <a:extLst>
+                  <a:ext uri="{0D108BD9-81ED-4DB2-BD59-A6C34878D82A}">
+                    <a16:rowId xmlns:a16="http://schemas.microsoft.com/office/drawing/2014/main" val="2206428840"/>
+                  </a:ext>
+                </a:extLst>
+              </a:tr>
+              <a:tr h="292813">
+                <a:tc>
+                  <a:txBody>
+                    <a:bodyPr/>
+                    <a:lstStyle/>
+                    <a:p>
+                      <a:r>
+                        <a:rPr lang="en-US" dirty="0">
+                          <a:solidFill>
+                            <a:srgbClr val="FFC000"/>
+                          </a:solidFill>
+                        </a:rPr>
+                        <a:t>0</a:t>
+                      </a:r>
+                    </a:p>
+                  </a:txBody>
+                  <a:tcPr/>
+                </a:tc>
+                <a:tc>
+                  <a:txBody>
+                    <a:bodyPr/>
+                    <a:lstStyle/>
+                    <a:p>
+                      <a:r>
+                        <a:rPr lang="en-US" dirty="0">
+                          <a:solidFill>
+                            <a:srgbClr val="FFC000"/>
+                          </a:solidFill>
+                        </a:rPr>
+                        <a:t>0</a:t>
+                      </a:r>
+                    </a:p>
+                  </a:txBody>
+                  <a:tcPr/>
+                </a:tc>
+                <a:tc>
+                  <a:txBody>
+                    <a:bodyPr/>
+                    <a:lstStyle/>
+                    <a:p>
+                      <a:r>
+                        <a:rPr lang="en-US" dirty="0">
+                          <a:solidFill>
+                            <a:srgbClr val="FFC000"/>
+                          </a:solidFill>
+                        </a:rPr>
+                        <a:t>0</a:t>
+                      </a:r>
+                    </a:p>
+                  </a:txBody>
+                  <a:tcPr/>
+                </a:tc>
+                <a:tc>
+                  <a:txBody>
+                    <a:bodyPr/>
+                    <a:lstStyle/>
+                    <a:p>
+                      <a:r>
+                        <a:rPr lang="en-US" dirty="0">
+                          <a:solidFill>
+                            <a:srgbClr val="FFC000"/>
+                          </a:solidFill>
+                        </a:rPr>
+                        <a:t>0</a:t>
+                      </a:r>
+                    </a:p>
+                  </a:txBody>
+                  <a:tcPr/>
+                </a:tc>
+                <a:tc>
+                  <a:txBody>
+                    <a:bodyPr/>
+                    <a:lstStyle/>
+                    <a:p>
+                      <a:r>
+                        <a:rPr lang="en-US" dirty="0">
+                          <a:solidFill>
+                            <a:srgbClr val="FFC000"/>
+                          </a:solidFill>
+                        </a:rPr>
+                        <a:t>0</a:t>
+                      </a:r>
+                    </a:p>
+                  </a:txBody>
+                  <a:tcPr/>
+                </a:tc>
+                <a:tc>
+                  <a:txBody>
+                    <a:bodyPr/>
+                    <a:lstStyle/>
+                    <a:p>
+                      <a:r>
+                        <a:rPr lang="en-US" dirty="0">
+                          <a:solidFill>
+                            <a:srgbClr val="FFC000"/>
+                          </a:solidFill>
+                        </a:rPr>
+                        <a:t>0</a:t>
+                      </a:r>
+                    </a:p>
+                  </a:txBody>
+                  <a:tcPr/>
+                </a:tc>
+                <a:tc>
+                  <a:txBody>
+                    <a:bodyPr/>
+                    <a:lstStyle/>
+                    <a:p>
+                      <a:r>
+                        <a:rPr lang="en-US" dirty="0">
+                          <a:solidFill>
+                            <a:srgbClr val="FFC000"/>
+                          </a:solidFill>
+                        </a:rPr>
+                        <a:t>0</a:t>
+                      </a:r>
+                    </a:p>
+                  </a:txBody>
+                  <a:tcPr/>
+                </a:tc>
+                <a:tc>
+                  <a:txBody>
+                    <a:bodyPr/>
+                    <a:lstStyle/>
+                    <a:p>
+                      <a:r>
+                        <a:rPr lang="en-US" dirty="0">
+                          <a:solidFill>
+                            <a:srgbClr val="FFC000"/>
+                          </a:solidFill>
+                        </a:rPr>
+                        <a:t>1</a:t>
+                      </a:r>
+                    </a:p>
+                  </a:txBody>
+                  <a:tcPr/>
+                </a:tc>
+                <a:extLst>
+                  <a:ext uri="{0D108BD9-81ED-4DB2-BD59-A6C34878D82A}">
+                    <a16:rowId xmlns:a16="http://schemas.microsoft.com/office/drawing/2014/main" val="2565347026"/>
+                  </a:ext>
+                </a:extLst>
+              </a:tr>
+              <a:tr h="292813">
+                <a:tc>
+                  <a:txBody>
+                    <a:bodyPr/>
+                    <a:lstStyle/>
+                    <a:p>
+                      <a:r>
+                        <a:rPr lang="en-US" dirty="0">
+                          <a:solidFill>
+                            <a:srgbClr val="FFC000"/>
+                          </a:solidFill>
+                        </a:rPr>
+                        <a:t>1</a:t>
+                      </a:r>
+                    </a:p>
+                  </a:txBody>
+                  <a:tcPr/>
+                </a:tc>
+                <a:tc>
+                  <a:txBody>
+                    <a:bodyPr/>
+                    <a:lstStyle/>
+                    <a:p>
+                      <a:r>
+                        <a:rPr lang="en-US" dirty="0">
+                          <a:solidFill>
+                            <a:srgbClr val="FFC000"/>
+                          </a:solidFill>
+                        </a:rPr>
+                        <a:t>0</a:t>
+                      </a:r>
+                    </a:p>
+                  </a:txBody>
+                  <a:tcPr/>
+                </a:tc>
+                <a:tc>
+                  <a:txBody>
+                    <a:bodyPr/>
+                    <a:lstStyle/>
+                    <a:p>
+                      <a:r>
+                        <a:rPr lang="en-US" dirty="0">
+                          <a:solidFill>
+                            <a:srgbClr val="FFC000"/>
+                          </a:solidFill>
+                        </a:rPr>
+                        <a:t>0</a:t>
+                      </a:r>
+                    </a:p>
+                  </a:txBody>
+                  <a:tcPr/>
+                </a:tc>
+                <a:tc>
+                  <a:txBody>
+                    <a:bodyPr/>
+                    <a:lstStyle/>
+                    <a:p>
+                      <a:r>
+                        <a:rPr lang="en-US" dirty="0">
+                          <a:solidFill>
+                            <a:srgbClr val="FFC000"/>
+                          </a:solidFill>
+                        </a:rPr>
+                        <a:t>0</a:t>
+                      </a:r>
+                    </a:p>
+                  </a:txBody>
+                  <a:tcPr/>
+                </a:tc>
+                <a:tc>
+                  <a:txBody>
+                    <a:bodyPr/>
+                    <a:lstStyle/>
+                    <a:p>
+                      <a:r>
+                        <a:rPr lang="en-US" dirty="0">
+                          <a:solidFill>
+                            <a:srgbClr val="FFC000"/>
+                          </a:solidFill>
+                        </a:rPr>
+                        <a:t>1</a:t>
+                      </a:r>
+                    </a:p>
+                  </a:txBody>
+                  <a:tcPr/>
+                </a:tc>
+                <a:tc>
+                  <a:txBody>
+                    <a:bodyPr/>
+                    <a:lstStyle/>
+                    <a:p>
+                      <a:r>
+                        <a:rPr lang="en-US" dirty="0">
+                          <a:solidFill>
+                            <a:srgbClr val="FFC000"/>
+                          </a:solidFill>
+                        </a:rPr>
+                        <a:t>0</a:t>
+                      </a:r>
+                    </a:p>
+                  </a:txBody>
+                  <a:tcPr/>
+                </a:tc>
+                <a:tc>
+                  <a:txBody>
+                    <a:bodyPr/>
+                    <a:lstStyle/>
+                    <a:p>
+                      <a:r>
+                        <a:rPr lang="en-US" dirty="0">
+                          <a:solidFill>
+                            <a:srgbClr val="FFC000"/>
+                          </a:solidFill>
+                        </a:rPr>
+                        <a:t>1</a:t>
+                      </a:r>
+                    </a:p>
+                  </a:txBody>
+                  <a:tcPr/>
+                </a:tc>
+                <a:tc>
+                  <a:txBody>
+                    <a:bodyPr/>
+                    <a:lstStyle/>
+                    <a:p>
+                      <a:r>
+                        <a:rPr lang="en-US" dirty="0">
+                          <a:solidFill>
+                            <a:srgbClr val="FFC000"/>
+                          </a:solidFill>
+                        </a:rPr>
+                        <a:t>0</a:t>
+                      </a:r>
+                    </a:p>
+                  </a:txBody>
+                  <a:tcPr/>
+                </a:tc>
+                <a:extLst>
+                  <a:ext uri="{0D108BD9-81ED-4DB2-BD59-A6C34878D82A}">
+                    <a16:rowId xmlns:a16="http://schemas.microsoft.com/office/drawing/2014/main" val="2663373973"/>
+                  </a:ext>
+                </a:extLst>
+              </a:tr>
+              <a:tr h="292813">
+                <a:tc>
+                  <a:txBody>
+                    <a:bodyPr/>
+                    <a:lstStyle/>
+                    <a:p>
+                      <a:r>
+                        <a:rPr lang="en-US" dirty="0">
+                          <a:solidFill>
+                            <a:srgbClr val="7030A0"/>
+                          </a:solidFill>
+                        </a:rPr>
+                        <a:t>0</a:t>
+                      </a:r>
+                    </a:p>
+                  </a:txBody>
+                  <a:tcPr/>
+                </a:tc>
+                <a:tc>
+                  <a:txBody>
+                    <a:bodyPr/>
+                    <a:lstStyle/>
+                    <a:p>
+                      <a:r>
+                        <a:rPr lang="en-US" dirty="0">
+                          <a:solidFill>
+                            <a:srgbClr val="7030A0"/>
+                          </a:solidFill>
+                        </a:rPr>
+                        <a:t>0</a:t>
+                      </a:r>
+                    </a:p>
+                  </a:txBody>
+                  <a:tcPr/>
+                </a:tc>
+                <a:tc>
+                  <a:txBody>
+                    <a:bodyPr/>
+                    <a:lstStyle/>
+                    <a:p>
+                      <a:r>
+                        <a:rPr lang="en-US" dirty="0">
+                          <a:solidFill>
+                            <a:srgbClr val="7030A0"/>
+                          </a:solidFill>
+                        </a:rPr>
+                        <a:t>0</a:t>
+                      </a:r>
+                    </a:p>
+                  </a:txBody>
+                  <a:tcPr/>
+                </a:tc>
+                <a:tc>
+                  <a:txBody>
+                    <a:bodyPr/>
+                    <a:lstStyle/>
+                    <a:p>
+                      <a:r>
+                        <a:rPr lang="en-US" dirty="0">
+                          <a:solidFill>
+                            <a:srgbClr val="7030A0"/>
+                          </a:solidFill>
+                        </a:rPr>
+                        <a:t>1</a:t>
+                      </a:r>
+                    </a:p>
+                  </a:txBody>
+                  <a:tcPr/>
+                </a:tc>
+                <a:tc>
+                  <a:txBody>
+                    <a:bodyPr/>
+                    <a:lstStyle/>
+                    <a:p>
+                      <a:r>
+                        <a:rPr lang="en-US" dirty="0">
+                          <a:solidFill>
+                            <a:srgbClr val="7030A0"/>
+                          </a:solidFill>
+                        </a:rPr>
+                        <a:t>0</a:t>
+                      </a:r>
+                    </a:p>
+                  </a:txBody>
+                  <a:tcPr/>
+                </a:tc>
+                <a:tc>
+                  <a:txBody>
+                    <a:bodyPr/>
+                    <a:lstStyle/>
+                    <a:p>
+                      <a:r>
+                        <a:rPr lang="en-US" dirty="0">
+                          <a:solidFill>
+                            <a:srgbClr val="7030A0"/>
+                          </a:solidFill>
+                        </a:rPr>
+                        <a:t>0</a:t>
+                      </a:r>
+                    </a:p>
+                  </a:txBody>
+                  <a:tcPr/>
+                </a:tc>
+                <a:tc>
+                  <a:txBody>
+                    <a:bodyPr/>
+                    <a:lstStyle/>
+                    <a:p>
+                      <a:r>
+                        <a:rPr lang="en-US" dirty="0">
+                          <a:solidFill>
+                            <a:srgbClr val="7030A0"/>
+                          </a:solidFill>
+                        </a:rPr>
+                        <a:t>0</a:t>
+                      </a:r>
+                    </a:p>
+                  </a:txBody>
+                  <a:tcPr/>
+                </a:tc>
+                <a:tc>
+                  <a:txBody>
+                    <a:bodyPr/>
+                    <a:lstStyle/>
+                    <a:p>
+                      <a:r>
+                        <a:rPr lang="en-US" dirty="0">
+                          <a:solidFill>
+                            <a:srgbClr val="7030A0"/>
+                          </a:solidFill>
+                        </a:rPr>
+                        <a:t>0</a:t>
+                      </a:r>
+                    </a:p>
+                  </a:txBody>
+                  <a:tcPr/>
+                </a:tc>
+                <a:extLst>
+                  <a:ext uri="{0D108BD9-81ED-4DB2-BD59-A6C34878D82A}">
+                    <a16:rowId xmlns:a16="http://schemas.microsoft.com/office/drawing/2014/main" val="2879267755"/>
+                  </a:ext>
+                </a:extLst>
+              </a:tr>
+              <a:tr h="292813">
+                <a:tc>
+                  <a:txBody>
+                    <a:bodyPr/>
+                    <a:lstStyle/>
+                    <a:p>
+                      <a:r>
+                        <a:rPr lang="en-US" dirty="0">
+                          <a:solidFill>
+                            <a:srgbClr val="7030A0"/>
+                          </a:solidFill>
+                        </a:rPr>
+                        <a:t>0</a:t>
+                      </a:r>
+                    </a:p>
+                  </a:txBody>
+                  <a:tcPr/>
+                </a:tc>
+                <a:tc>
+                  <a:txBody>
+                    <a:bodyPr/>
+                    <a:lstStyle/>
+                    <a:p>
+                      <a:r>
+                        <a:rPr lang="en-US" dirty="0">
+                          <a:solidFill>
+                            <a:srgbClr val="7030A0"/>
+                          </a:solidFill>
+                        </a:rPr>
+                        <a:t>1</a:t>
+                      </a:r>
+                    </a:p>
+                  </a:txBody>
+                  <a:tcPr/>
+                </a:tc>
+                <a:tc>
+                  <a:txBody>
+                    <a:bodyPr/>
+                    <a:lstStyle/>
+                    <a:p>
+                      <a:r>
+                        <a:rPr lang="en-US" dirty="0">
+                          <a:solidFill>
+                            <a:srgbClr val="7030A0"/>
+                          </a:solidFill>
+                        </a:rPr>
+                        <a:t>1</a:t>
+                      </a:r>
+                    </a:p>
+                  </a:txBody>
+                  <a:tcPr/>
+                </a:tc>
+                <a:tc>
+                  <a:txBody>
+                    <a:bodyPr/>
+                    <a:lstStyle/>
+                    <a:p>
+                      <a:r>
+                        <a:rPr lang="en-US" dirty="0">
+                          <a:solidFill>
+                            <a:srgbClr val="7030A0"/>
+                          </a:solidFill>
+                        </a:rPr>
+                        <a:t>0</a:t>
+                      </a:r>
+                    </a:p>
+                  </a:txBody>
+                  <a:tcPr/>
+                </a:tc>
+                <a:tc>
+                  <a:txBody>
+                    <a:bodyPr/>
+                    <a:lstStyle/>
+                    <a:p>
+                      <a:r>
+                        <a:rPr lang="en-US" dirty="0">
+                          <a:solidFill>
+                            <a:srgbClr val="7030A0"/>
+                          </a:solidFill>
+                        </a:rPr>
+                        <a:t>1</a:t>
+                      </a:r>
+                    </a:p>
+                  </a:txBody>
+                  <a:tcPr/>
+                </a:tc>
+                <a:tc>
+                  <a:txBody>
+                    <a:bodyPr/>
+                    <a:lstStyle/>
+                    <a:p>
+                      <a:r>
+                        <a:rPr lang="en-US" dirty="0">
+                          <a:solidFill>
+                            <a:srgbClr val="7030A0"/>
+                          </a:solidFill>
+                        </a:rPr>
+                        <a:t>0</a:t>
+                      </a:r>
+                    </a:p>
+                  </a:txBody>
+                  <a:tcPr/>
+                </a:tc>
+                <a:tc>
+                  <a:txBody>
+                    <a:bodyPr/>
+                    <a:lstStyle/>
+                    <a:p>
+                      <a:r>
+                        <a:rPr lang="en-US" dirty="0">
+                          <a:solidFill>
+                            <a:srgbClr val="7030A0"/>
+                          </a:solidFill>
+                        </a:rPr>
+                        <a:t>0</a:t>
+                      </a:r>
+                    </a:p>
+                  </a:txBody>
+                  <a:tcPr/>
+                </a:tc>
+                <a:tc>
+                  <a:txBody>
+                    <a:bodyPr/>
+                    <a:lstStyle/>
+                    <a:p>
+                      <a:r>
+                        <a:rPr lang="en-US" dirty="0">
+                          <a:solidFill>
+                            <a:srgbClr val="7030A0"/>
+                          </a:solidFill>
+                        </a:rPr>
+                        <a:t>1</a:t>
+                      </a:r>
+                    </a:p>
+                  </a:txBody>
+                  <a:tcPr/>
+                </a:tc>
+                <a:extLst>
+                  <a:ext uri="{0D108BD9-81ED-4DB2-BD59-A6C34878D82A}">
+                    <a16:rowId xmlns:a16="http://schemas.microsoft.com/office/drawing/2014/main" val="4191691729"/>
+                  </a:ext>
+                </a:extLst>
+              </a:tr>
+              <a:tr h="292813">
+                <a:tc>
+                  <a:txBody>
+                    <a:bodyPr/>
+                    <a:lstStyle/>
+                    <a:p>
+                      <a:r>
+                        <a:rPr lang="en-US" dirty="0">
+                          <a:solidFill>
+                            <a:srgbClr val="7030A0"/>
+                          </a:solidFill>
+                        </a:rPr>
+                        <a:t>1</a:t>
+                      </a:r>
+                    </a:p>
+                  </a:txBody>
+                  <a:tcPr/>
+                </a:tc>
+                <a:tc>
+                  <a:txBody>
+                    <a:bodyPr/>
+                    <a:lstStyle/>
+                    <a:p>
+                      <a:r>
+                        <a:rPr lang="en-US" dirty="0">
+                          <a:solidFill>
+                            <a:srgbClr val="7030A0"/>
+                          </a:solidFill>
+                        </a:rPr>
+                        <a:t>1</a:t>
+                      </a:r>
+                    </a:p>
+                  </a:txBody>
+                  <a:tcPr/>
+                </a:tc>
+                <a:tc>
+                  <a:txBody>
+                    <a:bodyPr/>
+                    <a:lstStyle/>
+                    <a:p>
+                      <a:r>
+                        <a:rPr lang="en-US" dirty="0">
+                          <a:solidFill>
+                            <a:srgbClr val="7030A0"/>
+                          </a:solidFill>
+                        </a:rPr>
+                        <a:t>1</a:t>
+                      </a:r>
+                    </a:p>
+                  </a:txBody>
+                  <a:tcPr/>
+                </a:tc>
+                <a:tc>
+                  <a:txBody>
+                    <a:bodyPr/>
+                    <a:lstStyle/>
+                    <a:p>
+                      <a:r>
+                        <a:rPr lang="en-US" dirty="0">
+                          <a:solidFill>
+                            <a:srgbClr val="7030A0"/>
+                          </a:solidFill>
+                        </a:rPr>
+                        <a:t>1</a:t>
+                      </a:r>
+                    </a:p>
+                  </a:txBody>
+                  <a:tcPr/>
+                </a:tc>
+                <a:tc>
+                  <a:txBody>
+                    <a:bodyPr/>
+                    <a:lstStyle/>
+                    <a:p>
+                      <a:r>
+                        <a:rPr lang="en-US" dirty="0">
+                          <a:solidFill>
+                            <a:srgbClr val="7030A0"/>
+                          </a:solidFill>
+                        </a:rPr>
+                        <a:t>0</a:t>
+                      </a:r>
+                    </a:p>
+                  </a:txBody>
+                  <a:tcPr/>
+                </a:tc>
+                <a:tc>
+                  <a:txBody>
+                    <a:bodyPr/>
+                    <a:lstStyle/>
+                    <a:p>
+                      <a:r>
+                        <a:rPr lang="en-US" dirty="0">
+                          <a:solidFill>
+                            <a:srgbClr val="7030A0"/>
+                          </a:solidFill>
+                        </a:rPr>
+                        <a:t>0</a:t>
+                      </a:r>
+                    </a:p>
+                  </a:txBody>
+                  <a:tcPr/>
+                </a:tc>
+                <a:tc>
+                  <a:txBody>
+                    <a:bodyPr/>
+                    <a:lstStyle/>
+                    <a:p>
+                      <a:r>
+                        <a:rPr lang="en-US" dirty="0">
+                          <a:solidFill>
+                            <a:srgbClr val="7030A0"/>
+                          </a:solidFill>
+                        </a:rPr>
+                        <a:t>1</a:t>
+                      </a:r>
+                    </a:p>
+                  </a:txBody>
+                  <a:tcPr/>
+                </a:tc>
+                <a:tc>
+                  <a:txBody>
+                    <a:bodyPr/>
+                    <a:lstStyle/>
+                    <a:p>
+                      <a:r>
+                        <a:rPr lang="en-US" dirty="0">
+                          <a:solidFill>
+                            <a:srgbClr val="7030A0"/>
+                          </a:solidFill>
+                        </a:rPr>
+                        <a:t>0</a:t>
+                      </a:r>
+                    </a:p>
+                  </a:txBody>
+                  <a:tcPr/>
+                </a:tc>
+                <a:extLst>
+                  <a:ext uri="{0D108BD9-81ED-4DB2-BD59-A6C34878D82A}">
+                    <a16:rowId xmlns:a16="http://schemas.microsoft.com/office/drawing/2014/main" val="430522434"/>
+                  </a:ext>
+                </a:extLst>
+              </a:tr>
+              <a:tr h="292813">
+                <a:tc>
+                  <a:txBody>
+                    <a:bodyPr/>
+                    <a:lstStyle/>
+                    <a:p>
+                      <a:r>
+                        <a:rPr lang="en-US" dirty="0">
+                          <a:solidFill>
+                            <a:srgbClr val="7030A0"/>
+                          </a:solidFill>
+                        </a:rPr>
+                        <a:t>0</a:t>
+                      </a:r>
+                    </a:p>
+                  </a:txBody>
+                  <a:tcPr/>
+                </a:tc>
+                <a:tc>
+                  <a:txBody>
+                    <a:bodyPr/>
+                    <a:lstStyle/>
+                    <a:p>
+                      <a:r>
+                        <a:rPr lang="en-US" dirty="0">
+                          <a:solidFill>
+                            <a:srgbClr val="7030A0"/>
+                          </a:solidFill>
+                        </a:rPr>
+                        <a:t>1</a:t>
+                      </a:r>
+                    </a:p>
+                  </a:txBody>
+                  <a:tcPr/>
+                </a:tc>
+                <a:tc>
+                  <a:txBody>
+                    <a:bodyPr/>
+                    <a:lstStyle/>
+                    <a:p>
+                      <a:r>
+                        <a:rPr lang="en-US" dirty="0">
+                          <a:solidFill>
+                            <a:srgbClr val="7030A0"/>
+                          </a:solidFill>
+                        </a:rPr>
+                        <a:t>0</a:t>
+                      </a:r>
+                    </a:p>
+                  </a:txBody>
+                  <a:tcPr/>
+                </a:tc>
+                <a:tc>
+                  <a:txBody>
+                    <a:bodyPr/>
+                    <a:lstStyle/>
+                    <a:p>
+                      <a:r>
+                        <a:rPr lang="en-US" dirty="0">
+                          <a:solidFill>
+                            <a:srgbClr val="7030A0"/>
+                          </a:solidFill>
+                        </a:rPr>
+                        <a:t>0</a:t>
+                      </a:r>
+                    </a:p>
+                  </a:txBody>
+                  <a:tcPr/>
+                </a:tc>
+                <a:tc>
+                  <a:txBody>
+                    <a:bodyPr/>
+                    <a:lstStyle/>
+                    <a:p>
+                      <a:r>
+                        <a:rPr lang="en-US" dirty="0">
+                          <a:solidFill>
+                            <a:srgbClr val="7030A0"/>
+                          </a:solidFill>
+                        </a:rPr>
+                        <a:t>0</a:t>
+                      </a:r>
+                    </a:p>
+                  </a:txBody>
+                  <a:tcPr/>
+                </a:tc>
+                <a:tc>
+                  <a:txBody>
+                    <a:bodyPr/>
+                    <a:lstStyle/>
+                    <a:p>
+                      <a:r>
+                        <a:rPr lang="en-US" dirty="0">
+                          <a:solidFill>
+                            <a:srgbClr val="7030A0"/>
+                          </a:solidFill>
+                        </a:rPr>
+                        <a:t>1</a:t>
+                      </a:r>
+                    </a:p>
+                  </a:txBody>
+                  <a:tcPr/>
+                </a:tc>
+                <a:tc>
+                  <a:txBody>
+                    <a:bodyPr/>
+                    <a:lstStyle/>
+                    <a:p>
+                      <a:r>
+                        <a:rPr lang="en-US" dirty="0">
+                          <a:solidFill>
+                            <a:srgbClr val="7030A0"/>
+                          </a:solidFill>
+                        </a:rPr>
+                        <a:t>1</a:t>
+                      </a:r>
+                    </a:p>
+                  </a:txBody>
+                  <a:tcPr/>
+                </a:tc>
+                <a:tc>
+                  <a:txBody>
+                    <a:bodyPr/>
+                    <a:lstStyle/>
+                    <a:p>
+                      <a:r>
+                        <a:rPr lang="en-US" dirty="0">
+                          <a:solidFill>
+                            <a:srgbClr val="7030A0"/>
+                          </a:solidFill>
+                        </a:rPr>
+                        <a:t>1</a:t>
+                      </a:r>
+                    </a:p>
+                  </a:txBody>
+                  <a:tcPr/>
+                </a:tc>
+                <a:extLst>
+                  <a:ext uri="{0D108BD9-81ED-4DB2-BD59-A6C34878D82A}">
+                    <a16:rowId xmlns:a16="http://schemas.microsoft.com/office/drawing/2014/main" val="487994492"/>
+                  </a:ext>
+                </a:extLst>
+              </a:tr>
+            </a:tbl>
+          </a:graphicData>
+        </a:graphic>
+      </p:graphicFrame>
+      <p:graphicFrame>
+        <p:nvGraphicFramePr>
+          <p:cNvPr id="15" name="Table 14">
+            <a:extLst>
+              <a:ext uri="{FF2B5EF4-FFF2-40B4-BE49-F238E27FC236}">
+                <a16:creationId xmlns:a16="http://schemas.microsoft.com/office/drawing/2014/main" id="{494BD7A9-A8C9-314D-B9F8-9F71C8F34057}"/>
+              </a:ext>
+            </a:extLst>
+          </p:cNvPr>
+          <p:cNvGraphicFramePr>
+            <a:graphicFrameLocks noGrp="1"/>
+          </p:cNvGraphicFramePr>
+          <p:nvPr>
+            <p:extLst>
+              <p:ext uri="{D42A27DB-BD31-4B8C-83A1-F6EECF244321}">
+                <p14:modId xmlns:p14="http://schemas.microsoft.com/office/powerpoint/2010/main" val="3513355893"/>
+              </p:ext>
+            </p:extLst>
+          </p:nvPr>
+        </p:nvGraphicFramePr>
+        <p:xfrm>
+          <a:off x="124505" y="1859053"/>
+          <a:ext cx="745498" cy="2926080"/>
+        </p:xfrm>
+        <a:graphic>
+          <a:graphicData uri="http://schemas.openxmlformats.org/drawingml/2006/table">
+            <a:tbl>
+              <a:tblPr firstRow="1" bandRow="1">
+                <a:tableStyleId>{5940675A-B579-460E-94D1-54222C63F5DA}</a:tableStyleId>
+              </a:tblPr>
+              <a:tblGrid>
+                <a:gridCol w="745498">
+                  <a:extLst>
+                    <a:ext uri="{9D8B030D-6E8A-4147-A177-3AD203B41FA5}">
+                      <a16:colId xmlns:a16="http://schemas.microsoft.com/office/drawing/2014/main" val="1054931151"/>
+                    </a:ext>
+                  </a:extLst>
+                </a:gridCol>
+              </a:tblGrid>
+              <a:tr h="585216">
+                <a:tc>
+                  <a:txBody>
+                    <a:bodyPr/>
+                    <a:lstStyle/>
+                    <a:p>
+                      <a:r>
+                        <a:rPr lang="en-US" dirty="0"/>
+                        <a:t>Line 0</a:t>
+                      </a:r>
+                    </a:p>
+                  </a:txBody>
+                  <a:tcPr/>
+                </a:tc>
+                <a:extLst>
+                  <a:ext uri="{0D108BD9-81ED-4DB2-BD59-A6C34878D82A}">
+                    <a16:rowId xmlns:a16="http://schemas.microsoft.com/office/drawing/2014/main" val="1041752894"/>
+                  </a:ext>
+                </a:extLst>
+              </a:tr>
+              <a:tr h="585216">
+                <a:tc>
+                  <a:txBody>
+                    <a:bodyPr/>
+                    <a:lstStyle/>
+                    <a:p>
+                      <a:r>
+                        <a:rPr lang="en-US" dirty="0"/>
+                        <a:t>Line 1</a:t>
+                      </a:r>
+                    </a:p>
+                  </a:txBody>
+                  <a:tcPr/>
+                </a:tc>
+                <a:extLst>
+                  <a:ext uri="{0D108BD9-81ED-4DB2-BD59-A6C34878D82A}">
+                    <a16:rowId xmlns:a16="http://schemas.microsoft.com/office/drawing/2014/main" val="1760921122"/>
+                  </a:ext>
+                </a:extLst>
+              </a:tr>
+              <a:tr h="585216">
+                <a:tc>
+                  <a:txBody>
+                    <a:bodyPr/>
+                    <a:lstStyle/>
+                    <a:p>
+                      <a:r>
+                        <a:rPr lang="en-US" dirty="0"/>
+                        <a:t>Line 2</a:t>
+                      </a:r>
+                    </a:p>
+                  </a:txBody>
+                  <a:tcPr/>
+                </a:tc>
+                <a:extLst>
+                  <a:ext uri="{0D108BD9-81ED-4DB2-BD59-A6C34878D82A}">
+                    <a16:rowId xmlns:a16="http://schemas.microsoft.com/office/drawing/2014/main" val="3045800876"/>
+                  </a:ext>
+                </a:extLst>
+              </a:tr>
+              <a:tr h="585216">
+                <a:tc>
+                  <a:txBody>
+                    <a:bodyPr/>
+                    <a:lstStyle/>
+                    <a:p>
+                      <a:r>
+                        <a:rPr lang="en-US" dirty="0"/>
+                        <a:t>Line 3</a:t>
+                      </a:r>
+                    </a:p>
+                  </a:txBody>
+                  <a:tcPr/>
+                </a:tc>
+                <a:extLst>
+                  <a:ext uri="{0D108BD9-81ED-4DB2-BD59-A6C34878D82A}">
+                    <a16:rowId xmlns:a16="http://schemas.microsoft.com/office/drawing/2014/main" val="2201208643"/>
+                  </a:ext>
+                </a:extLst>
+              </a:tr>
+              <a:tr h="585216">
+                <a:tc>
+                  <a:txBody>
+                    <a:bodyPr/>
+                    <a:lstStyle/>
+                    <a:p>
+                      <a:r>
+                        <a:rPr lang="en-US" dirty="0"/>
+                        <a:t>Line 4</a:t>
+                      </a:r>
+                    </a:p>
+                  </a:txBody>
+                  <a:tcPr/>
+                </a:tc>
+                <a:extLst>
+                  <a:ext uri="{0D108BD9-81ED-4DB2-BD59-A6C34878D82A}">
+                    <a16:rowId xmlns:a16="http://schemas.microsoft.com/office/drawing/2014/main" val="1258763262"/>
+                  </a:ext>
+                </a:extLst>
+              </a:tr>
+            </a:tbl>
+          </a:graphicData>
+        </a:graphic>
+      </p:graphicFrame>
+      <p:graphicFrame>
+        <p:nvGraphicFramePr>
+          <p:cNvPr id="16" name="Table 15">
+            <a:extLst>
+              <a:ext uri="{FF2B5EF4-FFF2-40B4-BE49-F238E27FC236}">
+                <a16:creationId xmlns:a16="http://schemas.microsoft.com/office/drawing/2014/main" id="{46E810D3-BCAC-934D-855C-9FF7B3308BBE}"/>
+              </a:ext>
+            </a:extLst>
+          </p:cNvPr>
+          <p:cNvGraphicFramePr>
+            <a:graphicFrameLocks noGrp="1"/>
+          </p:cNvGraphicFramePr>
+          <p:nvPr>
+            <p:extLst>
+              <p:ext uri="{D42A27DB-BD31-4B8C-83A1-F6EECF244321}">
+                <p14:modId xmlns:p14="http://schemas.microsoft.com/office/powerpoint/2010/main" val="667063067"/>
+              </p:ext>
+            </p:extLst>
+          </p:nvPr>
+        </p:nvGraphicFramePr>
+        <p:xfrm>
+          <a:off x="11192110" y="1859053"/>
+          <a:ext cx="745498" cy="2926080"/>
+        </p:xfrm>
+        <a:graphic>
+          <a:graphicData uri="http://schemas.openxmlformats.org/drawingml/2006/table">
+            <a:tbl>
+              <a:tblPr firstRow="1" bandRow="1">
+                <a:tableStyleId>{5940675A-B579-460E-94D1-54222C63F5DA}</a:tableStyleId>
+              </a:tblPr>
+              <a:tblGrid>
+                <a:gridCol w="745498">
+                  <a:extLst>
+                    <a:ext uri="{9D8B030D-6E8A-4147-A177-3AD203B41FA5}">
+                      <a16:colId xmlns:a16="http://schemas.microsoft.com/office/drawing/2014/main" val="1054931151"/>
+                    </a:ext>
+                  </a:extLst>
+                </a:gridCol>
+              </a:tblGrid>
+              <a:tr h="585216">
+                <a:tc>
+                  <a:txBody>
+                    <a:bodyPr/>
+                    <a:lstStyle/>
+                    <a:p>
+                      <a:r>
+                        <a:rPr lang="en-US" dirty="0"/>
+                        <a:t>Line 5</a:t>
+                      </a:r>
+                    </a:p>
+                  </a:txBody>
+                  <a:tcPr/>
+                </a:tc>
+                <a:extLst>
+                  <a:ext uri="{0D108BD9-81ED-4DB2-BD59-A6C34878D82A}">
+                    <a16:rowId xmlns:a16="http://schemas.microsoft.com/office/drawing/2014/main" val="1041752894"/>
+                  </a:ext>
+                </a:extLst>
+              </a:tr>
+              <a:tr h="585216">
+                <a:tc>
+                  <a:txBody>
+                    <a:bodyPr/>
+                    <a:lstStyle/>
+                    <a:p>
+                      <a:r>
+                        <a:rPr lang="en-US" dirty="0"/>
+                        <a:t>Line 6</a:t>
+                      </a:r>
+                    </a:p>
+                  </a:txBody>
+                  <a:tcPr/>
+                </a:tc>
+                <a:extLst>
+                  <a:ext uri="{0D108BD9-81ED-4DB2-BD59-A6C34878D82A}">
+                    <a16:rowId xmlns:a16="http://schemas.microsoft.com/office/drawing/2014/main" val="1760921122"/>
+                  </a:ext>
+                </a:extLst>
+              </a:tr>
+              <a:tr h="585216">
+                <a:tc>
+                  <a:txBody>
+                    <a:bodyPr/>
+                    <a:lstStyle/>
+                    <a:p>
+                      <a:r>
+                        <a:rPr lang="en-US" dirty="0"/>
+                        <a:t>Line 7</a:t>
+                      </a:r>
+                    </a:p>
+                  </a:txBody>
+                  <a:tcPr/>
+                </a:tc>
+                <a:extLst>
+                  <a:ext uri="{0D108BD9-81ED-4DB2-BD59-A6C34878D82A}">
+                    <a16:rowId xmlns:a16="http://schemas.microsoft.com/office/drawing/2014/main" val="3045800876"/>
+                  </a:ext>
+                </a:extLst>
+              </a:tr>
+              <a:tr h="585216">
+                <a:tc>
+                  <a:txBody>
+                    <a:bodyPr/>
+                    <a:lstStyle/>
+                    <a:p>
+                      <a:r>
+                        <a:rPr lang="en-US" dirty="0"/>
+                        <a:t>Line 8</a:t>
+                      </a:r>
+                    </a:p>
+                  </a:txBody>
+                  <a:tcPr/>
+                </a:tc>
+                <a:extLst>
+                  <a:ext uri="{0D108BD9-81ED-4DB2-BD59-A6C34878D82A}">
+                    <a16:rowId xmlns:a16="http://schemas.microsoft.com/office/drawing/2014/main" val="2201208643"/>
+                  </a:ext>
+                </a:extLst>
+              </a:tr>
+              <a:tr h="585216">
+                <a:tc>
+                  <a:txBody>
+                    <a:bodyPr/>
+                    <a:lstStyle/>
+                    <a:p>
+                      <a:r>
+                        <a:rPr lang="en-US" dirty="0"/>
+                        <a:t>Line 9</a:t>
+                      </a:r>
+                    </a:p>
+                  </a:txBody>
+                  <a:tcPr/>
+                </a:tc>
+                <a:extLst>
+                  <a:ext uri="{0D108BD9-81ED-4DB2-BD59-A6C34878D82A}">
+                    <a16:rowId xmlns:a16="http://schemas.microsoft.com/office/drawing/2014/main" val="1258763262"/>
+                  </a:ext>
+                </a:extLst>
+              </a:tr>
+            </a:tbl>
+          </a:graphicData>
+        </a:graphic>
+      </p:graphicFrame>
+      <p:sp>
+        <p:nvSpPr>
+          <p:cNvPr id="17" name="TextBox 16">
+            <a:extLst>
+              <a:ext uri="{FF2B5EF4-FFF2-40B4-BE49-F238E27FC236}">
+                <a16:creationId xmlns:a16="http://schemas.microsoft.com/office/drawing/2014/main" id="{D3CE7CC8-6396-A741-989E-4E27A89F90D5}"/>
+              </a:ext>
+            </a:extLst>
+          </p:cNvPr>
+          <p:cNvSpPr txBox="1"/>
+          <p:nvPr/>
+        </p:nvSpPr>
+        <p:spPr>
+          <a:xfrm>
+            <a:off x="3446728" y="6397226"/>
+            <a:ext cx="5168659" cy="369332"/>
+          </a:xfrm>
+          <a:prstGeom prst="rect">
+            <a:avLst/>
+          </a:prstGeom>
+          <a:noFill/>
+        </p:spPr>
+        <p:txBody>
+          <a:bodyPr wrap="none" rtlCol="0">
+            <a:spAutoFit/>
+          </a:bodyPr>
+          <a:lstStyle/>
+          <a:p>
+            <a:r>
+              <a:rPr lang="en-US" dirty="0">
+                <a:solidFill>
+                  <a:schemeClr val="tx2">
+                    <a:lumMod val="75000"/>
+                  </a:schemeClr>
+                </a:solidFill>
+              </a:rPr>
+              <a:t># Line number is called </a:t>
+            </a:r>
+            <a:r>
+              <a:rPr lang="en-US" b="1" dirty="0">
+                <a:solidFill>
+                  <a:schemeClr val="tx2">
+                    <a:lumMod val="75000"/>
+                  </a:schemeClr>
+                </a:solidFill>
+              </a:rPr>
+              <a:t>address</a:t>
+            </a:r>
+            <a:r>
+              <a:rPr lang="en-US" dirty="0">
+                <a:solidFill>
+                  <a:schemeClr val="tx2">
+                    <a:lumMod val="75000"/>
+                  </a:schemeClr>
+                </a:solidFill>
+              </a:rPr>
+              <a:t> in computer memory</a:t>
+            </a:r>
+          </a:p>
+        </p:txBody>
+      </p:sp>
+    </p:spTree>
+    <p:extLst>
+      <p:ext uri="{BB962C8B-B14F-4D97-AF65-F5344CB8AC3E}">
+        <p14:creationId xmlns:p14="http://schemas.microsoft.com/office/powerpoint/2010/main" val="1344890115"/>
+      </p:ext>
+    </p:extLst>
+  </p:cSld>
+  <p:clrMapOvr>
+    <a:masterClrMapping/>
+  </p:clrMapOvr>
+</p:sld>
+</file>
+
+<file path=ppt/slides/slide27.xml><?xml version="1.0" encoding="utf-8"?>
 <p:sld xmlns:a="http://schemas.openxmlformats.org/drawingml/2006/main" xmlns:r="http://schemas.openxmlformats.org/officeDocument/2006/relationships" xmlns:p="http://schemas.openxmlformats.org/presentationml/2006/main">
   <p:cSld>
     <p:bg>
@@ -7028,6 +11089,2299 @@
 <file path=ppt/slides/slide3.xml><?xml version="1.0" encoding="utf-8"?>
 <p:sld xmlns:a="http://schemas.openxmlformats.org/drawingml/2006/main" xmlns:r="http://schemas.openxmlformats.org/officeDocument/2006/relationships" xmlns:p="http://schemas.openxmlformats.org/presentationml/2006/main">
   <p:cSld>
+    <p:spTree>
+      <p:nvGrpSpPr>
+        <p:cNvPr id="1" name=""/>
+        <p:cNvGrpSpPr/>
+        <p:nvPr/>
+      </p:nvGrpSpPr>
+      <p:grpSpPr>
+        <a:xfrm>
+          <a:off x="0" y="0"/>
+          <a:ext cx="0" cy="0"/>
+          <a:chOff x="0" y="0"/>
+          <a:chExt cx="0" cy="0"/>
+        </a:xfrm>
+      </p:grpSpPr>
+      <p:sp>
+        <p:nvSpPr>
+          <p:cNvPr id="2" name="Title 1">
+            <a:extLst>
+              <a:ext uri="{FF2B5EF4-FFF2-40B4-BE49-F238E27FC236}">
+                <a16:creationId xmlns:a16="http://schemas.microsoft.com/office/drawing/2014/main" id="{C118C3AF-E5FE-614D-96C0-055E5C7B5155}"/>
+              </a:ext>
+            </a:extLst>
+          </p:cNvPr>
+          <p:cNvSpPr>
+            <a:spLocks noGrp="1"/>
+          </p:cNvSpPr>
+          <p:nvPr>
+            <p:ph type="title"/>
+          </p:nvPr>
+        </p:nvSpPr>
+        <p:spPr/>
+        <p:txBody>
+          <a:bodyPr/>
+          <a:lstStyle/>
+          <a:p>
+            <a:r>
+              <a:rPr lang="en-US" dirty="0"/>
+              <a:t>Remember the </a:t>
+            </a:r>
+            <a:r>
+              <a:rPr lang="en-US" i="1" dirty="0"/>
+              <a:t>book-intuition-for-memory ?</a:t>
+            </a:r>
+            <a:endParaRPr lang="en-US" dirty="0"/>
+          </a:p>
+        </p:txBody>
+      </p:sp>
+      <p:sp>
+        <p:nvSpPr>
+          <p:cNvPr id="3" name="Content Placeholder 2">
+            <a:extLst>
+              <a:ext uri="{FF2B5EF4-FFF2-40B4-BE49-F238E27FC236}">
+                <a16:creationId xmlns:a16="http://schemas.microsoft.com/office/drawing/2014/main" id="{C4FDEAFA-9794-5345-A4F7-88947E2CBF19}"/>
+              </a:ext>
+            </a:extLst>
+          </p:cNvPr>
+          <p:cNvSpPr>
+            <a:spLocks noGrp="1"/>
+          </p:cNvSpPr>
+          <p:nvPr>
+            <p:ph idx="1"/>
+          </p:nvPr>
+        </p:nvSpPr>
+        <p:spPr/>
+        <p:txBody>
+          <a:bodyPr>
+            <a:normAutofit/>
+          </a:bodyPr>
+          <a:lstStyle/>
+          <a:p>
+            <a:pPr marL="0" indent="0">
+              <a:buNone/>
+            </a:pPr>
+            <a:endParaRPr lang="en-US" dirty="0"/>
+          </a:p>
+          <a:p>
+            <a:pPr marL="0" indent="0">
+              <a:buNone/>
+            </a:pPr>
+            <a:r>
+              <a:rPr lang="en-US" dirty="0"/>
+              <a:t>Add these </a:t>
+            </a:r>
+            <a:r>
+              <a:rPr lang="en-US" dirty="0" err="1"/>
+              <a:t>rulea</a:t>
+            </a:r>
+            <a:r>
+              <a:rPr lang="en-US" dirty="0"/>
+              <a:t> to your mental model:</a:t>
+            </a:r>
+          </a:p>
+          <a:p>
+            <a:pPr marL="0" indent="0">
+              <a:buNone/>
+            </a:pPr>
+            <a:endParaRPr lang="en-US" sz="4400" dirty="0"/>
+          </a:p>
+          <a:p>
+            <a:r>
+              <a:rPr lang="en-US" sz="4400" dirty="0"/>
+              <a:t>You can only write </a:t>
+            </a:r>
+            <a:r>
+              <a:rPr lang="en-US" sz="4400" b="1" dirty="0"/>
+              <a:t>1</a:t>
+            </a:r>
+            <a:r>
+              <a:rPr lang="en-US" sz="4400" dirty="0"/>
+              <a:t> and </a:t>
+            </a:r>
+            <a:r>
+              <a:rPr lang="en-US" sz="4400" b="1" dirty="0"/>
+              <a:t>0</a:t>
+            </a:r>
+            <a:r>
+              <a:rPr lang="en-US" sz="4400" dirty="0"/>
+              <a:t> in our book</a:t>
+            </a:r>
+          </a:p>
+          <a:p>
+            <a:r>
+              <a:rPr lang="en-US" sz="4400" dirty="0"/>
+              <a:t>You can only write </a:t>
+            </a:r>
+            <a:r>
+              <a:rPr lang="en-US" sz="4400" b="1" dirty="0"/>
+              <a:t>eight</a:t>
+            </a:r>
+            <a:r>
+              <a:rPr lang="en-US" sz="4400" dirty="0"/>
+              <a:t> such </a:t>
+            </a:r>
+            <a:r>
+              <a:rPr lang="en-US" sz="4400" b="1" dirty="0"/>
+              <a:t>bits</a:t>
+            </a:r>
+            <a:r>
+              <a:rPr lang="en-US" sz="4400" dirty="0"/>
+              <a:t> in one line of our book</a:t>
+            </a:r>
+          </a:p>
+        </p:txBody>
+      </p:sp>
+    </p:spTree>
+    <p:extLst>
+      <p:ext uri="{BB962C8B-B14F-4D97-AF65-F5344CB8AC3E}">
+        <p14:creationId xmlns:p14="http://schemas.microsoft.com/office/powerpoint/2010/main" val="4142317995"/>
+      </p:ext>
+    </p:extLst>
+  </p:cSld>
+  <p:clrMapOvr>
+    <a:masterClrMapping/>
+  </p:clrMapOvr>
+</p:sld>
+</file>
+
+<file path=ppt/slides/slide4.xml><?xml version="1.0" encoding="utf-8"?>
+<p:sld xmlns:a="http://schemas.openxmlformats.org/drawingml/2006/main" xmlns:r="http://schemas.openxmlformats.org/officeDocument/2006/relationships" xmlns:p="http://schemas.openxmlformats.org/presentationml/2006/main">
+  <p:cSld>
+    <p:spTree>
+      <p:nvGrpSpPr>
+        <p:cNvPr id="1" name=""/>
+        <p:cNvGrpSpPr/>
+        <p:nvPr/>
+      </p:nvGrpSpPr>
+      <p:grpSpPr>
+        <a:xfrm>
+          <a:off x="0" y="0"/>
+          <a:ext cx="0" cy="0"/>
+          <a:chOff x="0" y="0"/>
+          <a:chExt cx="0" cy="0"/>
+        </a:xfrm>
+      </p:grpSpPr>
+      <p:sp>
+        <p:nvSpPr>
+          <p:cNvPr id="2" name="Title 1">
+            <a:extLst>
+              <a:ext uri="{FF2B5EF4-FFF2-40B4-BE49-F238E27FC236}">
+                <a16:creationId xmlns:a16="http://schemas.microsoft.com/office/drawing/2014/main" id="{4933CD97-3729-4340-A5F1-E9B4F04B1B06}"/>
+              </a:ext>
+            </a:extLst>
+          </p:cNvPr>
+          <p:cNvSpPr>
+            <a:spLocks noGrp="1"/>
+          </p:cNvSpPr>
+          <p:nvPr>
+            <p:ph type="title"/>
+          </p:nvPr>
+        </p:nvSpPr>
+        <p:spPr/>
+        <p:txBody>
+          <a:bodyPr/>
+          <a:lstStyle/>
+          <a:p>
+            <a:r>
+              <a:rPr lang="en-US" dirty="0"/>
+              <a:t>So, how does this book look ?</a:t>
+            </a:r>
+          </a:p>
+        </p:txBody>
+      </p:sp>
+      <p:sp>
+        <p:nvSpPr>
+          <p:cNvPr id="4" name="Rounded Rectangle 3">
+            <a:extLst>
+              <a:ext uri="{FF2B5EF4-FFF2-40B4-BE49-F238E27FC236}">
+                <a16:creationId xmlns:a16="http://schemas.microsoft.com/office/drawing/2014/main" id="{1E2DA959-0AB4-224E-BFE5-7DE584CA045C}"/>
+              </a:ext>
+            </a:extLst>
+          </p:cNvPr>
+          <p:cNvSpPr/>
+          <p:nvPr/>
+        </p:nvSpPr>
+        <p:spPr>
+          <a:xfrm>
+            <a:off x="1366463" y="2085654"/>
+            <a:ext cx="3143892" cy="3061699"/>
+          </a:xfrm>
+          <a:prstGeom prst="roundRect">
+            <a:avLst/>
+          </a:prstGeom>
+          <a:noFill/>
+        </p:spPr>
+        <p:style>
+          <a:lnRef idx="2">
+            <a:schemeClr val="accent1">
+              <a:shade val="50000"/>
+            </a:schemeClr>
+          </a:lnRef>
+          <a:fillRef idx="1">
+            <a:schemeClr val="accent1"/>
+          </a:fillRef>
+          <a:effectRef idx="0">
+            <a:schemeClr val="accent1"/>
+          </a:effectRef>
+          <a:fontRef idx="minor">
+            <a:schemeClr val="lt1"/>
+          </a:fontRef>
+        </p:style>
+        <p:txBody>
+          <a:bodyPr rtlCol="0" anchor="ctr"/>
+          <a:lstStyle/>
+          <a:p>
+            <a:pPr algn="ctr"/>
+            <a:endParaRPr lang="en-US"/>
+          </a:p>
+        </p:txBody>
+      </p:sp>
+      <p:sp>
+        <p:nvSpPr>
+          <p:cNvPr id="5" name="Rounded Rectangle 4">
+            <a:extLst>
+              <a:ext uri="{FF2B5EF4-FFF2-40B4-BE49-F238E27FC236}">
+                <a16:creationId xmlns:a16="http://schemas.microsoft.com/office/drawing/2014/main" id="{09FEC43A-99F8-5F4E-8852-E827177A2DB2}"/>
+              </a:ext>
+            </a:extLst>
+          </p:cNvPr>
+          <p:cNvSpPr/>
+          <p:nvPr/>
+        </p:nvSpPr>
+        <p:spPr>
+          <a:xfrm>
+            <a:off x="4703851" y="2085654"/>
+            <a:ext cx="3143892" cy="3061699"/>
+          </a:xfrm>
+          <a:prstGeom prst="roundRect">
+            <a:avLst/>
+          </a:prstGeom>
+          <a:noFill/>
+        </p:spPr>
+        <p:style>
+          <a:lnRef idx="2">
+            <a:schemeClr val="accent1">
+              <a:shade val="50000"/>
+            </a:schemeClr>
+          </a:lnRef>
+          <a:fillRef idx="1">
+            <a:schemeClr val="accent1"/>
+          </a:fillRef>
+          <a:effectRef idx="0">
+            <a:schemeClr val="accent1"/>
+          </a:effectRef>
+          <a:fontRef idx="minor">
+            <a:schemeClr val="lt1"/>
+          </a:fontRef>
+        </p:style>
+        <p:txBody>
+          <a:bodyPr rtlCol="0" anchor="ctr"/>
+          <a:lstStyle/>
+          <a:p>
+            <a:pPr algn="ctr"/>
+            <a:endParaRPr lang="en-US"/>
+          </a:p>
+        </p:txBody>
+      </p:sp>
+      <p:sp>
+        <p:nvSpPr>
+          <p:cNvPr id="6" name="Rectangle 5">
+            <a:extLst>
+              <a:ext uri="{FF2B5EF4-FFF2-40B4-BE49-F238E27FC236}">
+                <a16:creationId xmlns:a16="http://schemas.microsoft.com/office/drawing/2014/main" id="{7F8691FF-78B0-FA46-9811-E45B04FBD238}"/>
+              </a:ext>
+            </a:extLst>
+          </p:cNvPr>
+          <p:cNvSpPr/>
+          <p:nvPr/>
+        </p:nvSpPr>
+        <p:spPr>
+          <a:xfrm>
+            <a:off x="4510355" y="2465798"/>
+            <a:ext cx="193496" cy="2342508"/>
+          </a:xfrm>
+          <a:prstGeom prst="rect">
+            <a:avLst/>
+          </a:prstGeom>
+          <a:solidFill>
+            <a:schemeClr val="tx2">
+              <a:lumMod val="75000"/>
+            </a:schemeClr>
+          </a:solidFill>
+        </p:spPr>
+        <p:style>
+          <a:lnRef idx="2">
+            <a:schemeClr val="accent1">
+              <a:shade val="50000"/>
+            </a:schemeClr>
+          </a:lnRef>
+          <a:fillRef idx="1">
+            <a:schemeClr val="accent1"/>
+          </a:fillRef>
+          <a:effectRef idx="0">
+            <a:schemeClr val="accent1"/>
+          </a:effectRef>
+          <a:fontRef idx="minor">
+            <a:schemeClr val="lt1"/>
+          </a:fontRef>
+        </p:style>
+        <p:txBody>
+          <a:bodyPr rtlCol="0" anchor="ctr"/>
+          <a:lstStyle/>
+          <a:p>
+            <a:pPr algn="ctr"/>
+            <a:endParaRPr lang="en-US"/>
+          </a:p>
+        </p:txBody>
+      </p:sp>
+      <p:graphicFrame>
+        <p:nvGraphicFramePr>
+          <p:cNvPr id="7" name="Table 6">
+            <a:extLst>
+              <a:ext uri="{FF2B5EF4-FFF2-40B4-BE49-F238E27FC236}">
+                <a16:creationId xmlns:a16="http://schemas.microsoft.com/office/drawing/2014/main" id="{650A8962-DD11-9F49-845D-09E5474AFD31}"/>
+              </a:ext>
+            </a:extLst>
+          </p:cNvPr>
+          <p:cNvGraphicFramePr>
+            <a:graphicFrameLocks noGrp="1"/>
+          </p:cNvGraphicFramePr>
+          <p:nvPr>
+            <p:extLst>
+              <p:ext uri="{D42A27DB-BD31-4B8C-83A1-F6EECF244321}">
+                <p14:modId xmlns:p14="http://schemas.microsoft.com/office/powerpoint/2010/main" val="3805118881"/>
+              </p:ext>
+            </p:extLst>
+          </p:nvPr>
+        </p:nvGraphicFramePr>
+        <p:xfrm>
+          <a:off x="1356189" y="2676655"/>
+          <a:ext cx="3154168" cy="1885070"/>
+        </p:xfrm>
+        <a:graphic>
+          <a:graphicData uri="http://schemas.openxmlformats.org/drawingml/2006/table">
+            <a:tbl>
+              <a:tblPr firstRow="1" bandRow="1">
+                <a:tableStyleId>{5940675A-B579-460E-94D1-54222C63F5DA}</a:tableStyleId>
+              </a:tblPr>
+              <a:tblGrid>
+                <a:gridCol w="394271">
+                  <a:extLst>
+                    <a:ext uri="{9D8B030D-6E8A-4147-A177-3AD203B41FA5}">
+                      <a16:colId xmlns:a16="http://schemas.microsoft.com/office/drawing/2014/main" val="2858882873"/>
+                    </a:ext>
+                  </a:extLst>
+                </a:gridCol>
+                <a:gridCol w="394271">
+                  <a:extLst>
+                    <a:ext uri="{9D8B030D-6E8A-4147-A177-3AD203B41FA5}">
+                      <a16:colId xmlns:a16="http://schemas.microsoft.com/office/drawing/2014/main" val="1382564874"/>
+                    </a:ext>
+                  </a:extLst>
+                </a:gridCol>
+                <a:gridCol w="394271">
+                  <a:extLst>
+                    <a:ext uri="{9D8B030D-6E8A-4147-A177-3AD203B41FA5}">
+                      <a16:colId xmlns:a16="http://schemas.microsoft.com/office/drawing/2014/main" val="767832771"/>
+                    </a:ext>
+                  </a:extLst>
+                </a:gridCol>
+                <a:gridCol w="394271">
+                  <a:extLst>
+                    <a:ext uri="{9D8B030D-6E8A-4147-A177-3AD203B41FA5}">
+                      <a16:colId xmlns:a16="http://schemas.microsoft.com/office/drawing/2014/main" val="3920578021"/>
+                    </a:ext>
+                  </a:extLst>
+                </a:gridCol>
+                <a:gridCol w="394271">
+                  <a:extLst>
+                    <a:ext uri="{9D8B030D-6E8A-4147-A177-3AD203B41FA5}">
+                      <a16:colId xmlns:a16="http://schemas.microsoft.com/office/drawing/2014/main" val="177356102"/>
+                    </a:ext>
+                  </a:extLst>
+                </a:gridCol>
+                <a:gridCol w="394271">
+                  <a:extLst>
+                    <a:ext uri="{9D8B030D-6E8A-4147-A177-3AD203B41FA5}">
+                      <a16:colId xmlns:a16="http://schemas.microsoft.com/office/drawing/2014/main" val="3004817649"/>
+                    </a:ext>
+                  </a:extLst>
+                </a:gridCol>
+                <a:gridCol w="394271">
+                  <a:extLst>
+                    <a:ext uri="{9D8B030D-6E8A-4147-A177-3AD203B41FA5}">
+                      <a16:colId xmlns:a16="http://schemas.microsoft.com/office/drawing/2014/main" val="2644163751"/>
+                    </a:ext>
+                  </a:extLst>
+                </a:gridCol>
+                <a:gridCol w="394271">
+                  <a:extLst>
+                    <a:ext uri="{9D8B030D-6E8A-4147-A177-3AD203B41FA5}">
+                      <a16:colId xmlns:a16="http://schemas.microsoft.com/office/drawing/2014/main" val="3647778500"/>
+                    </a:ext>
+                  </a:extLst>
+                </a:gridCol>
+              </a:tblGrid>
+              <a:tr h="377014">
+                <a:tc>
+                  <a:txBody>
+                    <a:bodyPr/>
+                    <a:lstStyle/>
+                    <a:p>
+                      <a:r>
+                        <a:rPr lang="en-US" dirty="0"/>
+                        <a:t>1</a:t>
+                      </a:r>
+                    </a:p>
+                  </a:txBody>
+                  <a:tcPr/>
+                </a:tc>
+                <a:tc>
+                  <a:txBody>
+                    <a:bodyPr/>
+                    <a:lstStyle/>
+                    <a:p>
+                      <a:r>
+                        <a:rPr lang="en-US" dirty="0"/>
+                        <a:t>1</a:t>
+                      </a:r>
+                    </a:p>
+                  </a:txBody>
+                  <a:tcPr/>
+                </a:tc>
+                <a:tc>
+                  <a:txBody>
+                    <a:bodyPr/>
+                    <a:lstStyle/>
+                    <a:p>
+                      <a:r>
+                        <a:rPr lang="en-US" dirty="0"/>
+                        <a:t>0</a:t>
+                      </a:r>
+                    </a:p>
+                  </a:txBody>
+                  <a:tcPr/>
+                </a:tc>
+                <a:tc>
+                  <a:txBody>
+                    <a:bodyPr/>
+                    <a:lstStyle/>
+                    <a:p>
+                      <a:r>
+                        <a:rPr lang="en-US" dirty="0"/>
+                        <a:t>1</a:t>
+                      </a:r>
+                    </a:p>
+                  </a:txBody>
+                  <a:tcPr/>
+                </a:tc>
+                <a:tc>
+                  <a:txBody>
+                    <a:bodyPr/>
+                    <a:lstStyle/>
+                    <a:p>
+                      <a:r>
+                        <a:rPr lang="en-US" dirty="0"/>
+                        <a:t>0</a:t>
+                      </a:r>
+                    </a:p>
+                  </a:txBody>
+                  <a:tcPr/>
+                </a:tc>
+                <a:tc>
+                  <a:txBody>
+                    <a:bodyPr/>
+                    <a:lstStyle/>
+                    <a:p>
+                      <a:r>
+                        <a:rPr lang="en-US" dirty="0"/>
+                        <a:t>0</a:t>
+                      </a:r>
+                    </a:p>
+                  </a:txBody>
+                  <a:tcPr/>
+                </a:tc>
+                <a:tc>
+                  <a:txBody>
+                    <a:bodyPr/>
+                    <a:lstStyle/>
+                    <a:p>
+                      <a:r>
+                        <a:rPr lang="en-US" dirty="0"/>
+                        <a:t>0</a:t>
+                      </a:r>
+                    </a:p>
+                  </a:txBody>
+                  <a:tcPr/>
+                </a:tc>
+                <a:tc>
+                  <a:txBody>
+                    <a:bodyPr/>
+                    <a:lstStyle/>
+                    <a:p>
+                      <a:r>
+                        <a:rPr lang="en-US" dirty="0"/>
+                        <a:t>1</a:t>
+                      </a:r>
+                    </a:p>
+                  </a:txBody>
+                  <a:tcPr/>
+                </a:tc>
+                <a:extLst>
+                  <a:ext uri="{0D108BD9-81ED-4DB2-BD59-A6C34878D82A}">
+                    <a16:rowId xmlns:a16="http://schemas.microsoft.com/office/drawing/2014/main" val="1701118784"/>
+                  </a:ext>
+                </a:extLst>
+              </a:tr>
+              <a:tr h="377014">
+                <a:tc>
+                  <a:txBody>
+                    <a:bodyPr/>
+                    <a:lstStyle/>
+                    <a:p>
+                      <a:r>
+                        <a:rPr lang="en-US" dirty="0"/>
+                        <a:t>0</a:t>
+                      </a:r>
+                    </a:p>
+                  </a:txBody>
+                  <a:tcPr/>
+                </a:tc>
+                <a:tc>
+                  <a:txBody>
+                    <a:bodyPr/>
+                    <a:lstStyle/>
+                    <a:p>
+                      <a:r>
+                        <a:rPr lang="en-US" dirty="0"/>
+                        <a:t>1</a:t>
+                      </a:r>
+                    </a:p>
+                  </a:txBody>
+                  <a:tcPr/>
+                </a:tc>
+                <a:tc>
+                  <a:txBody>
+                    <a:bodyPr/>
+                    <a:lstStyle/>
+                    <a:p>
+                      <a:r>
+                        <a:rPr lang="en-US" dirty="0"/>
+                        <a:t>1</a:t>
+                      </a:r>
+                    </a:p>
+                  </a:txBody>
+                  <a:tcPr/>
+                </a:tc>
+                <a:tc>
+                  <a:txBody>
+                    <a:bodyPr/>
+                    <a:lstStyle/>
+                    <a:p>
+                      <a:r>
+                        <a:rPr lang="en-US" dirty="0"/>
+                        <a:t>0</a:t>
+                      </a:r>
+                    </a:p>
+                  </a:txBody>
+                  <a:tcPr/>
+                </a:tc>
+                <a:tc>
+                  <a:txBody>
+                    <a:bodyPr/>
+                    <a:lstStyle/>
+                    <a:p>
+                      <a:r>
+                        <a:rPr lang="en-US" dirty="0"/>
+                        <a:t>1</a:t>
+                      </a:r>
+                    </a:p>
+                  </a:txBody>
+                  <a:tcPr/>
+                </a:tc>
+                <a:tc>
+                  <a:txBody>
+                    <a:bodyPr/>
+                    <a:lstStyle/>
+                    <a:p>
+                      <a:r>
+                        <a:rPr lang="en-US" dirty="0"/>
+                        <a:t>1</a:t>
+                      </a:r>
+                    </a:p>
+                  </a:txBody>
+                  <a:tcPr/>
+                </a:tc>
+                <a:tc>
+                  <a:txBody>
+                    <a:bodyPr/>
+                    <a:lstStyle/>
+                    <a:p>
+                      <a:r>
+                        <a:rPr lang="en-US" dirty="0"/>
+                        <a:t>0</a:t>
+                      </a:r>
+                    </a:p>
+                  </a:txBody>
+                  <a:tcPr/>
+                </a:tc>
+                <a:tc>
+                  <a:txBody>
+                    <a:bodyPr/>
+                    <a:lstStyle/>
+                    <a:p>
+                      <a:r>
+                        <a:rPr lang="en-US" dirty="0"/>
+                        <a:t>0</a:t>
+                      </a:r>
+                    </a:p>
+                  </a:txBody>
+                  <a:tcPr/>
+                </a:tc>
+                <a:extLst>
+                  <a:ext uri="{0D108BD9-81ED-4DB2-BD59-A6C34878D82A}">
+                    <a16:rowId xmlns:a16="http://schemas.microsoft.com/office/drawing/2014/main" val="2206428840"/>
+                  </a:ext>
+                </a:extLst>
+              </a:tr>
+              <a:tr h="377014">
+                <a:tc>
+                  <a:txBody>
+                    <a:bodyPr/>
+                    <a:lstStyle/>
+                    <a:p>
+                      <a:r>
+                        <a:rPr lang="en-US" dirty="0"/>
+                        <a:t>0</a:t>
+                      </a:r>
+                    </a:p>
+                  </a:txBody>
+                  <a:tcPr/>
+                </a:tc>
+                <a:tc>
+                  <a:txBody>
+                    <a:bodyPr/>
+                    <a:lstStyle/>
+                    <a:p>
+                      <a:r>
+                        <a:rPr lang="en-US" dirty="0"/>
+                        <a:t>0</a:t>
+                      </a:r>
+                    </a:p>
+                  </a:txBody>
+                  <a:tcPr/>
+                </a:tc>
+                <a:tc>
+                  <a:txBody>
+                    <a:bodyPr/>
+                    <a:lstStyle/>
+                    <a:p>
+                      <a:r>
+                        <a:rPr lang="en-US" dirty="0"/>
+                        <a:t>0</a:t>
+                      </a:r>
+                    </a:p>
+                  </a:txBody>
+                  <a:tcPr/>
+                </a:tc>
+                <a:tc>
+                  <a:txBody>
+                    <a:bodyPr/>
+                    <a:lstStyle/>
+                    <a:p>
+                      <a:r>
+                        <a:rPr lang="en-US" dirty="0"/>
+                        <a:t>0</a:t>
+                      </a:r>
+                    </a:p>
+                  </a:txBody>
+                  <a:tcPr/>
+                </a:tc>
+                <a:tc>
+                  <a:txBody>
+                    <a:bodyPr/>
+                    <a:lstStyle/>
+                    <a:p>
+                      <a:r>
+                        <a:rPr lang="en-US" dirty="0"/>
+                        <a:t>0</a:t>
+                      </a:r>
+                    </a:p>
+                  </a:txBody>
+                  <a:tcPr/>
+                </a:tc>
+                <a:tc>
+                  <a:txBody>
+                    <a:bodyPr/>
+                    <a:lstStyle/>
+                    <a:p>
+                      <a:r>
+                        <a:rPr lang="en-US" dirty="0"/>
+                        <a:t>0</a:t>
+                      </a:r>
+                    </a:p>
+                  </a:txBody>
+                  <a:tcPr/>
+                </a:tc>
+                <a:tc>
+                  <a:txBody>
+                    <a:bodyPr/>
+                    <a:lstStyle/>
+                    <a:p>
+                      <a:r>
+                        <a:rPr lang="en-US" dirty="0"/>
+                        <a:t>0</a:t>
+                      </a:r>
+                    </a:p>
+                  </a:txBody>
+                  <a:tcPr/>
+                </a:tc>
+                <a:tc>
+                  <a:txBody>
+                    <a:bodyPr/>
+                    <a:lstStyle/>
+                    <a:p>
+                      <a:r>
+                        <a:rPr lang="en-US" dirty="0"/>
+                        <a:t>1</a:t>
+                      </a:r>
+                    </a:p>
+                  </a:txBody>
+                  <a:tcPr/>
+                </a:tc>
+                <a:extLst>
+                  <a:ext uri="{0D108BD9-81ED-4DB2-BD59-A6C34878D82A}">
+                    <a16:rowId xmlns:a16="http://schemas.microsoft.com/office/drawing/2014/main" val="2565347026"/>
+                  </a:ext>
+                </a:extLst>
+              </a:tr>
+              <a:tr h="377014">
+                <a:tc>
+                  <a:txBody>
+                    <a:bodyPr/>
+                    <a:lstStyle/>
+                    <a:p>
+                      <a:r>
+                        <a:rPr lang="en-US" dirty="0"/>
+                        <a:t>1</a:t>
+                      </a:r>
+                    </a:p>
+                  </a:txBody>
+                  <a:tcPr/>
+                </a:tc>
+                <a:tc>
+                  <a:txBody>
+                    <a:bodyPr/>
+                    <a:lstStyle/>
+                    <a:p>
+                      <a:r>
+                        <a:rPr lang="en-US" dirty="0"/>
+                        <a:t>0</a:t>
+                      </a:r>
+                    </a:p>
+                  </a:txBody>
+                  <a:tcPr/>
+                </a:tc>
+                <a:tc>
+                  <a:txBody>
+                    <a:bodyPr/>
+                    <a:lstStyle/>
+                    <a:p>
+                      <a:r>
+                        <a:rPr lang="en-US" dirty="0"/>
+                        <a:t>0</a:t>
+                      </a:r>
+                    </a:p>
+                  </a:txBody>
+                  <a:tcPr/>
+                </a:tc>
+                <a:tc>
+                  <a:txBody>
+                    <a:bodyPr/>
+                    <a:lstStyle/>
+                    <a:p>
+                      <a:r>
+                        <a:rPr lang="en-US" dirty="0"/>
+                        <a:t>0</a:t>
+                      </a:r>
+                    </a:p>
+                  </a:txBody>
+                  <a:tcPr/>
+                </a:tc>
+                <a:tc>
+                  <a:txBody>
+                    <a:bodyPr/>
+                    <a:lstStyle/>
+                    <a:p>
+                      <a:r>
+                        <a:rPr lang="en-US" dirty="0"/>
+                        <a:t>1</a:t>
+                      </a:r>
+                    </a:p>
+                  </a:txBody>
+                  <a:tcPr/>
+                </a:tc>
+                <a:tc>
+                  <a:txBody>
+                    <a:bodyPr/>
+                    <a:lstStyle/>
+                    <a:p>
+                      <a:r>
+                        <a:rPr lang="en-US" dirty="0"/>
+                        <a:t>0</a:t>
+                      </a:r>
+                    </a:p>
+                  </a:txBody>
+                  <a:tcPr/>
+                </a:tc>
+                <a:tc>
+                  <a:txBody>
+                    <a:bodyPr/>
+                    <a:lstStyle/>
+                    <a:p>
+                      <a:r>
+                        <a:rPr lang="en-US" dirty="0"/>
+                        <a:t>1</a:t>
+                      </a:r>
+                    </a:p>
+                  </a:txBody>
+                  <a:tcPr/>
+                </a:tc>
+                <a:tc>
+                  <a:txBody>
+                    <a:bodyPr/>
+                    <a:lstStyle/>
+                    <a:p>
+                      <a:r>
+                        <a:rPr lang="en-US" dirty="0"/>
+                        <a:t>0</a:t>
+                      </a:r>
+                    </a:p>
+                  </a:txBody>
+                  <a:tcPr/>
+                </a:tc>
+                <a:extLst>
+                  <a:ext uri="{0D108BD9-81ED-4DB2-BD59-A6C34878D82A}">
+                    <a16:rowId xmlns:a16="http://schemas.microsoft.com/office/drawing/2014/main" val="2663373973"/>
+                  </a:ext>
+                </a:extLst>
+              </a:tr>
+              <a:tr h="377014">
+                <a:tc>
+                  <a:txBody>
+                    <a:bodyPr/>
+                    <a:lstStyle/>
+                    <a:p>
+                      <a:r>
+                        <a:rPr lang="en-US" dirty="0"/>
+                        <a:t>0</a:t>
+                      </a:r>
+                    </a:p>
+                  </a:txBody>
+                  <a:tcPr/>
+                </a:tc>
+                <a:tc>
+                  <a:txBody>
+                    <a:bodyPr/>
+                    <a:lstStyle/>
+                    <a:p>
+                      <a:r>
+                        <a:rPr lang="en-US" dirty="0"/>
+                        <a:t>0</a:t>
+                      </a:r>
+                    </a:p>
+                  </a:txBody>
+                  <a:tcPr/>
+                </a:tc>
+                <a:tc>
+                  <a:txBody>
+                    <a:bodyPr/>
+                    <a:lstStyle/>
+                    <a:p>
+                      <a:r>
+                        <a:rPr lang="en-US" dirty="0"/>
+                        <a:t>0</a:t>
+                      </a:r>
+                    </a:p>
+                  </a:txBody>
+                  <a:tcPr/>
+                </a:tc>
+                <a:tc>
+                  <a:txBody>
+                    <a:bodyPr/>
+                    <a:lstStyle/>
+                    <a:p>
+                      <a:r>
+                        <a:rPr lang="en-US" dirty="0"/>
+                        <a:t>1</a:t>
+                      </a:r>
+                    </a:p>
+                  </a:txBody>
+                  <a:tcPr/>
+                </a:tc>
+                <a:tc>
+                  <a:txBody>
+                    <a:bodyPr/>
+                    <a:lstStyle/>
+                    <a:p>
+                      <a:r>
+                        <a:rPr lang="en-US" dirty="0"/>
+                        <a:t>0</a:t>
+                      </a:r>
+                    </a:p>
+                  </a:txBody>
+                  <a:tcPr/>
+                </a:tc>
+                <a:tc>
+                  <a:txBody>
+                    <a:bodyPr/>
+                    <a:lstStyle/>
+                    <a:p>
+                      <a:r>
+                        <a:rPr lang="en-US" dirty="0"/>
+                        <a:t>0</a:t>
+                      </a:r>
+                    </a:p>
+                  </a:txBody>
+                  <a:tcPr/>
+                </a:tc>
+                <a:tc>
+                  <a:txBody>
+                    <a:bodyPr/>
+                    <a:lstStyle/>
+                    <a:p>
+                      <a:r>
+                        <a:rPr lang="en-US" dirty="0"/>
+                        <a:t>0</a:t>
+                      </a:r>
+                    </a:p>
+                  </a:txBody>
+                  <a:tcPr/>
+                </a:tc>
+                <a:tc>
+                  <a:txBody>
+                    <a:bodyPr/>
+                    <a:lstStyle/>
+                    <a:p>
+                      <a:r>
+                        <a:rPr lang="en-US" dirty="0"/>
+                        <a:t>0</a:t>
+                      </a:r>
+                    </a:p>
+                  </a:txBody>
+                  <a:tcPr/>
+                </a:tc>
+                <a:extLst>
+                  <a:ext uri="{0D108BD9-81ED-4DB2-BD59-A6C34878D82A}">
+                    <a16:rowId xmlns:a16="http://schemas.microsoft.com/office/drawing/2014/main" val="2879267755"/>
+                  </a:ext>
+                </a:extLst>
+              </a:tr>
+            </a:tbl>
+          </a:graphicData>
+        </a:graphic>
+      </p:graphicFrame>
+      <p:graphicFrame>
+        <p:nvGraphicFramePr>
+          <p:cNvPr id="9" name="Table 8">
+            <a:extLst>
+              <a:ext uri="{FF2B5EF4-FFF2-40B4-BE49-F238E27FC236}">
+                <a16:creationId xmlns:a16="http://schemas.microsoft.com/office/drawing/2014/main" id="{C75DF764-A12F-0744-ABB4-8335A60FE45A}"/>
+              </a:ext>
+            </a:extLst>
+          </p:cNvPr>
+          <p:cNvGraphicFramePr>
+            <a:graphicFrameLocks noGrp="1"/>
+          </p:cNvGraphicFramePr>
+          <p:nvPr>
+            <p:extLst>
+              <p:ext uri="{D42A27DB-BD31-4B8C-83A1-F6EECF244321}">
+                <p14:modId xmlns:p14="http://schemas.microsoft.com/office/powerpoint/2010/main" val="569124673"/>
+              </p:ext>
+            </p:extLst>
+          </p:nvPr>
+        </p:nvGraphicFramePr>
+        <p:xfrm>
+          <a:off x="4698713" y="2694517"/>
+          <a:ext cx="3154168" cy="1885070"/>
+        </p:xfrm>
+        <a:graphic>
+          <a:graphicData uri="http://schemas.openxmlformats.org/drawingml/2006/table">
+            <a:tbl>
+              <a:tblPr firstRow="1" bandRow="1">
+                <a:tableStyleId>{5940675A-B579-460E-94D1-54222C63F5DA}</a:tableStyleId>
+              </a:tblPr>
+              <a:tblGrid>
+                <a:gridCol w="394271">
+                  <a:extLst>
+                    <a:ext uri="{9D8B030D-6E8A-4147-A177-3AD203B41FA5}">
+                      <a16:colId xmlns:a16="http://schemas.microsoft.com/office/drawing/2014/main" val="2858882873"/>
+                    </a:ext>
+                  </a:extLst>
+                </a:gridCol>
+                <a:gridCol w="394271">
+                  <a:extLst>
+                    <a:ext uri="{9D8B030D-6E8A-4147-A177-3AD203B41FA5}">
+                      <a16:colId xmlns:a16="http://schemas.microsoft.com/office/drawing/2014/main" val="1382564874"/>
+                    </a:ext>
+                  </a:extLst>
+                </a:gridCol>
+                <a:gridCol w="394271">
+                  <a:extLst>
+                    <a:ext uri="{9D8B030D-6E8A-4147-A177-3AD203B41FA5}">
+                      <a16:colId xmlns:a16="http://schemas.microsoft.com/office/drawing/2014/main" val="767832771"/>
+                    </a:ext>
+                  </a:extLst>
+                </a:gridCol>
+                <a:gridCol w="394271">
+                  <a:extLst>
+                    <a:ext uri="{9D8B030D-6E8A-4147-A177-3AD203B41FA5}">
+                      <a16:colId xmlns:a16="http://schemas.microsoft.com/office/drawing/2014/main" val="3920578021"/>
+                    </a:ext>
+                  </a:extLst>
+                </a:gridCol>
+                <a:gridCol w="394271">
+                  <a:extLst>
+                    <a:ext uri="{9D8B030D-6E8A-4147-A177-3AD203B41FA5}">
+                      <a16:colId xmlns:a16="http://schemas.microsoft.com/office/drawing/2014/main" val="177356102"/>
+                    </a:ext>
+                  </a:extLst>
+                </a:gridCol>
+                <a:gridCol w="394271">
+                  <a:extLst>
+                    <a:ext uri="{9D8B030D-6E8A-4147-A177-3AD203B41FA5}">
+                      <a16:colId xmlns:a16="http://schemas.microsoft.com/office/drawing/2014/main" val="3004817649"/>
+                    </a:ext>
+                  </a:extLst>
+                </a:gridCol>
+                <a:gridCol w="394271">
+                  <a:extLst>
+                    <a:ext uri="{9D8B030D-6E8A-4147-A177-3AD203B41FA5}">
+                      <a16:colId xmlns:a16="http://schemas.microsoft.com/office/drawing/2014/main" val="2644163751"/>
+                    </a:ext>
+                  </a:extLst>
+                </a:gridCol>
+                <a:gridCol w="394271">
+                  <a:extLst>
+                    <a:ext uri="{9D8B030D-6E8A-4147-A177-3AD203B41FA5}">
+                      <a16:colId xmlns:a16="http://schemas.microsoft.com/office/drawing/2014/main" val="3647778500"/>
+                    </a:ext>
+                  </a:extLst>
+                </a:gridCol>
+              </a:tblGrid>
+              <a:tr h="377014">
+                <a:tc>
+                  <a:txBody>
+                    <a:bodyPr/>
+                    <a:lstStyle/>
+                    <a:p>
+                      <a:r>
+                        <a:rPr lang="en-US" dirty="0"/>
+                        <a:t>1</a:t>
+                      </a:r>
+                    </a:p>
+                  </a:txBody>
+                  <a:tcPr/>
+                </a:tc>
+                <a:tc>
+                  <a:txBody>
+                    <a:bodyPr/>
+                    <a:lstStyle/>
+                    <a:p>
+                      <a:r>
+                        <a:rPr lang="en-US" dirty="0"/>
+                        <a:t>1</a:t>
+                      </a:r>
+                    </a:p>
+                  </a:txBody>
+                  <a:tcPr/>
+                </a:tc>
+                <a:tc>
+                  <a:txBody>
+                    <a:bodyPr/>
+                    <a:lstStyle/>
+                    <a:p>
+                      <a:r>
+                        <a:rPr lang="en-US" dirty="0"/>
+                        <a:t>0</a:t>
+                      </a:r>
+                    </a:p>
+                  </a:txBody>
+                  <a:tcPr/>
+                </a:tc>
+                <a:tc>
+                  <a:txBody>
+                    <a:bodyPr/>
+                    <a:lstStyle/>
+                    <a:p>
+                      <a:r>
+                        <a:rPr lang="en-US" dirty="0"/>
+                        <a:t>1</a:t>
+                      </a:r>
+                    </a:p>
+                  </a:txBody>
+                  <a:tcPr/>
+                </a:tc>
+                <a:tc>
+                  <a:txBody>
+                    <a:bodyPr/>
+                    <a:lstStyle/>
+                    <a:p>
+                      <a:r>
+                        <a:rPr lang="en-US" dirty="0"/>
+                        <a:t>0</a:t>
+                      </a:r>
+                    </a:p>
+                  </a:txBody>
+                  <a:tcPr/>
+                </a:tc>
+                <a:tc>
+                  <a:txBody>
+                    <a:bodyPr/>
+                    <a:lstStyle/>
+                    <a:p>
+                      <a:r>
+                        <a:rPr lang="en-US" dirty="0"/>
+                        <a:t>0</a:t>
+                      </a:r>
+                    </a:p>
+                  </a:txBody>
+                  <a:tcPr/>
+                </a:tc>
+                <a:tc>
+                  <a:txBody>
+                    <a:bodyPr/>
+                    <a:lstStyle/>
+                    <a:p>
+                      <a:r>
+                        <a:rPr lang="en-US" dirty="0"/>
+                        <a:t>0</a:t>
+                      </a:r>
+                    </a:p>
+                  </a:txBody>
+                  <a:tcPr/>
+                </a:tc>
+                <a:tc>
+                  <a:txBody>
+                    <a:bodyPr/>
+                    <a:lstStyle/>
+                    <a:p>
+                      <a:r>
+                        <a:rPr lang="en-US" dirty="0"/>
+                        <a:t>1</a:t>
+                      </a:r>
+                    </a:p>
+                  </a:txBody>
+                  <a:tcPr/>
+                </a:tc>
+                <a:extLst>
+                  <a:ext uri="{0D108BD9-81ED-4DB2-BD59-A6C34878D82A}">
+                    <a16:rowId xmlns:a16="http://schemas.microsoft.com/office/drawing/2014/main" val="1701118784"/>
+                  </a:ext>
+                </a:extLst>
+              </a:tr>
+              <a:tr h="377014">
+                <a:tc>
+                  <a:txBody>
+                    <a:bodyPr/>
+                    <a:lstStyle/>
+                    <a:p>
+                      <a:r>
+                        <a:rPr lang="en-US" dirty="0"/>
+                        <a:t>0</a:t>
+                      </a:r>
+                    </a:p>
+                  </a:txBody>
+                  <a:tcPr/>
+                </a:tc>
+                <a:tc>
+                  <a:txBody>
+                    <a:bodyPr/>
+                    <a:lstStyle/>
+                    <a:p>
+                      <a:r>
+                        <a:rPr lang="en-US" dirty="0"/>
+                        <a:t>1</a:t>
+                      </a:r>
+                    </a:p>
+                  </a:txBody>
+                  <a:tcPr/>
+                </a:tc>
+                <a:tc>
+                  <a:txBody>
+                    <a:bodyPr/>
+                    <a:lstStyle/>
+                    <a:p>
+                      <a:r>
+                        <a:rPr lang="en-US" dirty="0"/>
+                        <a:t>1</a:t>
+                      </a:r>
+                    </a:p>
+                  </a:txBody>
+                  <a:tcPr/>
+                </a:tc>
+                <a:tc>
+                  <a:txBody>
+                    <a:bodyPr/>
+                    <a:lstStyle/>
+                    <a:p>
+                      <a:r>
+                        <a:rPr lang="en-US" dirty="0"/>
+                        <a:t>0</a:t>
+                      </a:r>
+                    </a:p>
+                  </a:txBody>
+                  <a:tcPr/>
+                </a:tc>
+                <a:tc>
+                  <a:txBody>
+                    <a:bodyPr/>
+                    <a:lstStyle/>
+                    <a:p>
+                      <a:r>
+                        <a:rPr lang="en-US" dirty="0"/>
+                        <a:t>1</a:t>
+                      </a:r>
+                    </a:p>
+                  </a:txBody>
+                  <a:tcPr/>
+                </a:tc>
+                <a:tc>
+                  <a:txBody>
+                    <a:bodyPr/>
+                    <a:lstStyle/>
+                    <a:p>
+                      <a:r>
+                        <a:rPr lang="en-US" dirty="0"/>
+                        <a:t>1</a:t>
+                      </a:r>
+                    </a:p>
+                  </a:txBody>
+                  <a:tcPr/>
+                </a:tc>
+                <a:tc>
+                  <a:txBody>
+                    <a:bodyPr/>
+                    <a:lstStyle/>
+                    <a:p>
+                      <a:r>
+                        <a:rPr lang="en-US" dirty="0"/>
+                        <a:t>0</a:t>
+                      </a:r>
+                    </a:p>
+                  </a:txBody>
+                  <a:tcPr/>
+                </a:tc>
+                <a:tc>
+                  <a:txBody>
+                    <a:bodyPr/>
+                    <a:lstStyle/>
+                    <a:p>
+                      <a:r>
+                        <a:rPr lang="en-US" dirty="0"/>
+                        <a:t>0</a:t>
+                      </a:r>
+                    </a:p>
+                  </a:txBody>
+                  <a:tcPr/>
+                </a:tc>
+                <a:extLst>
+                  <a:ext uri="{0D108BD9-81ED-4DB2-BD59-A6C34878D82A}">
+                    <a16:rowId xmlns:a16="http://schemas.microsoft.com/office/drawing/2014/main" val="2206428840"/>
+                  </a:ext>
+                </a:extLst>
+              </a:tr>
+              <a:tr h="377014">
+                <a:tc>
+                  <a:txBody>
+                    <a:bodyPr/>
+                    <a:lstStyle/>
+                    <a:p>
+                      <a:r>
+                        <a:rPr lang="en-US" dirty="0"/>
+                        <a:t>0</a:t>
+                      </a:r>
+                    </a:p>
+                  </a:txBody>
+                  <a:tcPr/>
+                </a:tc>
+                <a:tc>
+                  <a:txBody>
+                    <a:bodyPr/>
+                    <a:lstStyle/>
+                    <a:p>
+                      <a:r>
+                        <a:rPr lang="en-US" dirty="0"/>
+                        <a:t>0</a:t>
+                      </a:r>
+                    </a:p>
+                  </a:txBody>
+                  <a:tcPr/>
+                </a:tc>
+                <a:tc>
+                  <a:txBody>
+                    <a:bodyPr/>
+                    <a:lstStyle/>
+                    <a:p>
+                      <a:r>
+                        <a:rPr lang="en-US" dirty="0"/>
+                        <a:t>0</a:t>
+                      </a:r>
+                    </a:p>
+                  </a:txBody>
+                  <a:tcPr/>
+                </a:tc>
+                <a:tc>
+                  <a:txBody>
+                    <a:bodyPr/>
+                    <a:lstStyle/>
+                    <a:p>
+                      <a:r>
+                        <a:rPr lang="en-US" dirty="0"/>
+                        <a:t>0</a:t>
+                      </a:r>
+                    </a:p>
+                  </a:txBody>
+                  <a:tcPr/>
+                </a:tc>
+                <a:tc>
+                  <a:txBody>
+                    <a:bodyPr/>
+                    <a:lstStyle/>
+                    <a:p>
+                      <a:r>
+                        <a:rPr lang="en-US" dirty="0"/>
+                        <a:t>0</a:t>
+                      </a:r>
+                    </a:p>
+                  </a:txBody>
+                  <a:tcPr/>
+                </a:tc>
+                <a:tc>
+                  <a:txBody>
+                    <a:bodyPr/>
+                    <a:lstStyle/>
+                    <a:p>
+                      <a:r>
+                        <a:rPr lang="en-US" dirty="0"/>
+                        <a:t>0</a:t>
+                      </a:r>
+                    </a:p>
+                  </a:txBody>
+                  <a:tcPr/>
+                </a:tc>
+                <a:tc>
+                  <a:txBody>
+                    <a:bodyPr/>
+                    <a:lstStyle/>
+                    <a:p>
+                      <a:r>
+                        <a:rPr lang="en-US" dirty="0"/>
+                        <a:t>0</a:t>
+                      </a:r>
+                    </a:p>
+                  </a:txBody>
+                  <a:tcPr/>
+                </a:tc>
+                <a:tc>
+                  <a:txBody>
+                    <a:bodyPr/>
+                    <a:lstStyle/>
+                    <a:p>
+                      <a:r>
+                        <a:rPr lang="en-US" dirty="0"/>
+                        <a:t>1</a:t>
+                      </a:r>
+                    </a:p>
+                  </a:txBody>
+                  <a:tcPr/>
+                </a:tc>
+                <a:extLst>
+                  <a:ext uri="{0D108BD9-81ED-4DB2-BD59-A6C34878D82A}">
+                    <a16:rowId xmlns:a16="http://schemas.microsoft.com/office/drawing/2014/main" val="2565347026"/>
+                  </a:ext>
+                </a:extLst>
+              </a:tr>
+              <a:tr h="377014">
+                <a:tc>
+                  <a:txBody>
+                    <a:bodyPr/>
+                    <a:lstStyle/>
+                    <a:p>
+                      <a:r>
+                        <a:rPr lang="en-US" dirty="0"/>
+                        <a:t>1</a:t>
+                      </a:r>
+                    </a:p>
+                  </a:txBody>
+                  <a:tcPr/>
+                </a:tc>
+                <a:tc>
+                  <a:txBody>
+                    <a:bodyPr/>
+                    <a:lstStyle/>
+                    <a:p>
+                      <a:r>
+                        <a:rPr lang="en-US" dirty="0"/>
+                        <a:t>0</a:t>
+                      </a:r>
+                    </a:p>
+                  </a:txBody>
+                  <a:tcPr/>
+                </a:tc>
+                <a:tc>
+                  <a:txBody>
+                    <a:bodyPr/>
+                    <a:lstStyle/>
+                    <a:p>
+                      <a:r>
+                        <a:rPr lang="en-US" dirty="0"/>
+                        <a:t>0</a:t>
+                      </a:r>
+                    </a:p>
+                  </a:txBody>
+                  <a:tcPr/>
+                </a:tc>
+                <a:tc>
+                  <a:txBody>
+                    <a:bodyPr/>
+                    <a:lstStyle/>
+                    <a:p>
+                      <a:r>
+                        <a:rPr lang="en-US" dirty="0"/>
+                        <a:t>0</a:t>
+                      </a:r>
+                    </a:p>
+                  </a:txBody>
+                  <a:tcPr/>
+                </a:tc>
+                <a:tc>
+                  <a:txBody>
+                    <a:bodyPr/>
+                    <a:lstStyle/>
+                    <a:p>
+                      <a:r>
+                        <a:rPr lang="en-US" dirty="0"/>
+                        <a:t>1</a:t>
+                      </a:r>
+                    </a:p>
+                  </a:txBody>
+                  <a:tcPr/>
+                </a:tc>
+                <a:tc>
+                  <a:txBody>
+                    <a:bodyPr/>
+                    <a:lstStyle/>
+                    <a:p>
+                      <a:r>
+                        <a:rPr lang="en-US" dirty="0"/>
+                        <a:t>0</a:t>
+                      </a:r>
+                    </a:p>
+                  </a:txBody>
+                  <a:tcPr/>
+                </a:tc>
+                <a:tc>
+                  <a:txBody>
+                    <a:bodyPr/>
+                    <a:lstStyle/>
+                    <a:p>
+                      <a:r>
+                        <a:rPr lang="en-US" dirty="0"/>
+                        <a:t>1</a:t>
+                      </a:r>
+                    </a:p>
+                  </a:txBody>
+                  <a:tcPr/>
+                </a:tc>
+                <a:tc>
+                  <a:txBody>
+                    <a:bodyPr/>
+                    <a:lstStyle/>
+                    <a:p>
+                      <a:r>
+                        <a:rPr lang="en-US" dirty="0"/>
+                        <a:t>0</a:t>
+                      </a:r>
+                    </a:p>
+                  </a:txBody>
+                  <a:tcPr/>
+                </a:tc>
+                <a:extLst>
+                  <a:ext uri="{0D108BD9-81ED-4DB2-BD59-A6C34878D82A}">
+                    <a16:rowId xmlns:a16="http://schemas.microsoft.com/office/drawing/2014/main" val="2663373973"/>
+                  </a:ext>
+                </a:extLst>
+              </a:tr>
+              <a:tr h="377014">
+                <a:tc>
+                  <a:txBody>
+                    <a:bodyPr/>
+                    <a:lstStyle/>
+                    <a:p>
+                      <a:r>
+                        <a:rPr lang="en-US" dirty="0"/>
+                        <a:t>0</a:t>
+                      </a:r>
+                    </a:p>
+                  </a:txBody>
+                  <a:tcPr/>
+                </a:tc>
+                <a:tc>
+                  <a:txBody>
+                    <a:bodyPr/>
+                    <a:lstStyle/>
+                    <a:p>
+                      <a:r>
+                        <a:rPr lang="en-US" dirty="0"/>
+                        <a:t>0</a:t>
+                      </a:r>
+                    </a:p>
+                  </a:txBody>
+                  <a:tcPr/>
+                </a:tc>
+                <a:tc>
+                  <a:txBody>
+                    <a:bodyPr/>
+                    <a:lstStyle/>
+                    <a:p>
+                      <a:r>
+                        <a:rPr lang="en-US" dirty="0"/>
+                        <a:t>0</a:t>
+                      </a:r>
+                    </a:p>
+                  </a:txBody>
+                  <a:tcPr/>
+                </a:tc>
+                <a:tc>
+                  <a:txBody>
+                    <a:bodyPr/>
+                    <a:lstStyle/>
+                    <a:p>
+                      <a:r>
+                        <a:rPr lang="en-US" dirty="0"/>
+                        <a:t>1</a:t>
+                      </a:r>
+                    </a:p>
+                  </a:txBody>
+                  <a:tcPr/>
+                </a:tc>
+                <a:tc>
+                  <a:txBody>
+                    <a:bodyPr/>
+                    <a:lstStyle/>
+                    <a:p>
+                      <a:r>
+                        <a:rPr lang="en-US" dirty="0"/>
+                        <a:t>0</a:t>
+                      </a:r>
+                    </a:p>
+                  </a:txBody>
+                  <a:tcPr/>
+                </a:tc>
+                <a:tc>
+                  <a:txBody>
+                    <a:bodyPr/>
+                    <a:lstStyle/>
+                    <a:p>
+                      <a:r>
+                        <a:rPr lang="en-US" dirty="0"/>
+                        <a:t>0</a:t>
+                      </a:r>
+                    </a:p>
+                  </a:txBody>
+                  <a:tcPr/>
+                </a:tc>
+                <a:tc>
+                  <a:txBody>
+                    <a:bodyPr/>
+                    <a:lstStyle/>
+                    <a:p>
+                      <a:r>
+                        <a:rPr lang="en-US" dirty="0"/>
+                        <a:t>0</a:t>
+                      </a:r>
+                    </a:p>
+                  </a:txBody>
+                  <a:tcPr/>
+                </a:tc>
+                <a:tc>
+                  <a:txBody>
+                    <a:bodyPr/>
+                    <a:lstStyle/>
+                    <a:p>
+                      <a:r>
+                        <a:rPr lang="en-US" dirty="0"/>
+                        <a:t>0</a:t>
+                      </a:r>
+                    </a:p>
+                  </a:txBody>
+                  <a:tcPr/>
+                </a:tc>
+                <a:extLst>
+                  <a:ext uri="{0D108BD9-81ED-4DB2-BD59-A6C34878D82A}">
+                    <a16:rowId xmlns:a16="http://schemas.microsoft.com/office/drawing/2014/main" val="2879267755"/>
+                  </a:ext>
+                </a:extLst>
+              </a:tr>
+            </a:tbl>
+          </a:graphicData>
+        </a:graphic>
+      </p:graphicFrame>
+      <p:sp>
+        <p:nvSpPr>
+          <p:cNvPr id="10" name="TextBox 9">
+            <a:extLst>
+              <a:ext uri="{FF2B5EF4-FFF2-40B4-BE49-F238E27FC236}">
+                <a16:creationId xmlns:a16="http://schemas.microsoft.com/office/drawing/2014/main" id="{9D6267B8-06CB-8043-9065-8FE759096C66}"/>
+              </a:ext>
+            </a:extLst>
+          </p:cNvPr>
+          <p:cNvSpPr txBox="1"/>
+          <p:nvPr/>
+        </p:nvSpPr>
+        <p:spPr>
+          <a:xfrm>
+            <a:off x="2474076" y="4679612"/>
+            <a:ext cx="918393" cy="369332"/>
+          </a:xfrm>
+          <a:prstGeom prst="rect">
+            <a:avLst/>
+          </a:prstGeom>
+          <a:noFill/>
+        </p:spPr>
+        <p:txBody>
+          <a:bodyPr wrap="none" rtlCol="0">
+            <a:spAutoFit/>
+          </a:bodyPr>
+          <a:lstStyle/>
+          <a:p>
+            <a:r>
+              <a:rPr lang="en-US" dirty="0">
+                <a:solidFill>
+                  <a:schemeClr val="tx2">
+                    <a:lumMod val="75000"/>
+                  </a:schemeClr>
+                </a:solidFill>
+              </a:rPr>
+              <a:t>Page 87</a:t>
+            </a:r>
+          </a:p>
+        </p:txBody>
+      </p:sp>
+      <p:sp>
+        <p:nvSpPr>
+          <p:cNvPr id="11" name="TextBox 10">
+            <a:extLst>
+              <a:ext uri="{FF2B5EF4-FFF2-40B4-BE49-F238E27FC236}">
+                <a16:creationId xmlns:a16="http://schemas.microsoft.com/office/drawing/2014/main" id="{D09B5C75-4B86-4A4D-B265-C0F82B71966F}"/>
+              </a:ext>
+            </a:extLst>
+          </p:cNvPr>
+          <p:cNvSpPr txBox="1"/>
+          <p:nvPr/>
+        </p:nvSpPr>
+        <p:spPr>
+          <a:xfrm>
+            <a:off x="5816600" y="4678804"/>
+            <a:ext cx="918393" cy="369332"/>
+          </a:xfrm>
+          <a:prstGeom prst="rect">
+            <a:avLst/>
+          </a:prstGeom>
+          <a:noFill/>
+        </p:spPr>
+        <p:txBody>
+          <a:bodyPr wrap="none" rtlCol="0">
+            <a:spAutoFit/>
+          </a:bodyPr>
+          <a:lstStyle/>
+          <a:p>
+            <a:r>
+              <a:rPr lang="en-US" dirty="0">
+                <a:solidFill>
+                  <a:schemeClr val="tx2">
+                    <a:lumMod val="75000"/>
+                  </a:schemeClr>
+                </a:solidFill>
+              </a:rPr>
+              <a:t>Page 88</a:t>
+            </a:r>
+          </a:p>
+        </p:txBody>
+      </p:sp>
+      <p:sp>
+        <p:nvSpPr>
+          <p:cNvPr id="12" name="TextBox 11">
+            <a:extLst>
+              <a:ext uri="{FF2B5EF4-FFF2-40B4-BE49-F238E27FC236}">
+                <a16:creationId xmlns:a16="http://schemas.microsoft.com/office/drawing/2014/main" id="{AEFEEB21-DFC0-8D44-A165-2E9F8BAAE2F3}"/>
+              </a:ext>
+            </a:extLst>
+          </p:cNvPr>
+          <p:cNvSpPr txBox="1"/>
+          <p:nvPr/>
+        </p:nvSpPr>
+        <p:spPr>
+          <a:xfrm>
+            <a:off x="2193846" y="2189436"/>
+            <a:ext cx="1489126" cy="369332"/>
+          </a:xfrm>
+          <a:prstGeom prst="rect">
+            <a:avLst/>
+          </a:prstGeom>
+          <a:noFill/>
+        </p:spPr>
+        <p:txBody>
+          <a:bodyPr wrap="none" rtlCol="0">
+            <a:spAutoFit/>
+          </a:bodyPr>
+          <a:lstStyle/>
+          <a:p>
+            <a:r>
+              <a:rPr lang="en-US" i="1" dirty="0">
+                <a:solidFill>
+                  <a:schemeClr val="tx2">
+                    <a:lumMod val="75000"/>
+                  </a:schemeClr>
+                </a:solidFill>
+              </a:rPr>
+              <a:t>Memory book</a:t>
+            </a:r>
+          </a:p>
+        </p:txBody>
+      </p:sp>
+      <p:sp>
+        <p:nvSpPr>
+          <p:cNvPr id="13" name="TextBox 12">
+            <a:extLst>
+              <a:ext uri="{FF2B5EF4-FFF2-40B4-BE49-F238E27FC236}">
+                <a16:creationId xmlns:a16="http://schemas.microsoft.com/office/drawing/2014/main" id="{455189DC-24EB-F943-B9B0-727F6C5F9378}"/>
+              </a:ext>
+            </a:extLst>
+          </p:cNvPr>
+          <p:cNvSpPr txBox="1"/>
+          <p:nvPr/>
+        </p:nvSpPr>
+        <p:spPr>
+          <a:xfrm>
+            <a:off x="5531233" y="2161301"/>
+            <a:ext cx="1489126" cy="369332"/>
+          </a:xfrm>
+          <a:prstGeom prst="rect">
+            <a:avLst/>
+          </a:prstGeom>
+          <a:noFill/>
+        </p:spPr>
+        <p:txBody>
+          <a:bodyPr wrap="none" rtlCol="0">
+            <a:spAutoFit/>
+          </a:bodyPr>
+          <a:lstStyle/>
+          <a:p>
+            <a:r>
+              <a:rPr lang="en-US" i="1" dirty="0">
+                <a:solidFill>
+                  <a:schemeClr val="tx2">
+                    <a:lumMod val="75000"/>
+                  </a:schemeClr>
+                </a:solidFill>
+              </a:rPr>
+              <a:t>Memory book</a:t>
+            </a:r>
+          </a:p>
+        </p:txBody>
+      </p:sp>
+      <p:graphicFrame>
+        <p:nvGraphicFramePr>
+          <p:cNvPr id="14" name="Table 13">
+            <a:extLst>
+              <a:ext uri="{FF2B5EF4-FFF2-40B4-BE49-F238E27FC236}">
+                <a16:creationId xmlns:a16="http://schemas.microsoft.com/office/drawing/2014/main" id="{8D2DFB09-15D6-2249-B1FD-5A3971C5E0D1}"/>
+              </a:ext>
+            </a:extLst>
+          </p:cNvPr>
+          <p:cNvGraphicFramePr>
+            <a:graphicFrameLocks noGrp="1"/>
+          </p:cNvGraphicFramePr>
+          <p:nvPr>
+            <p:extLst>
+              <p:ext uri="{D42A27DB-BD31-4B8C-83A1-F6EECF244321}">
+                <p14:modId xmlns:p14="http://schemas.microsoft.com/office/powerpoint/2010/main" val="1620477286"/>
+              </p:ext>
+            </p:extLst>
+          </p:nvPr>
+        </p:nvGraphicFramePr>
+        <p:xfrm>
+          <a:off x="494905" y="2658557"/>
+          <a:ext cx="745498" cy="1885070"/>
+        </p:xfrm>
+        <a:graphic>
+          <a:graphicData uri="http://schemas.openxmlformats.org/drawingml/2006/table">
+            <a:tbl>
+              <a:tblPr firstRow="1" bandRow="1">
+                <a:tableStyleId>{5940675A-B579-460E-94D1-54222C63F5DA}</a:tableStyleId>
+              </a:tblPr>
+              <a:tblGrid>
+                <a:gridCol w="745498">
+                  <a:extLst>
+                    <a:ext uri="{9D8B030D-6E8A-4147-A177-3AD203B41FA5}">
+                      <a16:colId xmlns:a16="http://schemas.microsoft.com/office/drawing/2014/main" val="1054931151"/>
+                    </a:ext>
+                  </a:extLst>
+                </a:gridCol>
+              </a:tblGrid>
+              <a:tr h="377014">
+                <a:tc>
+                  <a:txBody>
+                    <a:bodyPr/>
+                    <a:lstStyle/>
+                    <a:p>
+                      <a:r>
+                        <a:rPr lang="en-US" dirty="0"/>
+                        <a:t>Line 0</a:t>
+                      </a:r>
+                    </a:p>
+                  </a:txBody>
+                  <a:tcPr/>
+                </a:tc>
+                <a:extLst>
+                  <a:ext uri="{0D108BD9-81ED-4DB2-BD59-A6C34878D82A}">
+                    <a16:rowId xmlns:a16="http://schemas.microsoft.com/office/drawing/2014/main" val="1041752894"/>
+                  </a:ext>
+                </a:extLst>
+              </a:tr>
+              <a:tr h="377014">
+                <a:tc>
+                  <a:txBody>
+                    <a:bodyPr/>
+                    <a:lstStyle/>
+                    <a:p>
+                      <a:r>
+                        <a:rPr lang="en-US" dirty="0"/>
+                        <a:t>Line 1</a:t>
+                      </a:r>
+                    </a:p>
+                  </a:txBody>
+                  <a:tcPr/>
+                </a:tc>
+                <a:extLst>
+                  <a:ext uri="{0D108BD9-81ED-4DB2-BD59-A6C34878D82A}">
+                    <a16:rowId xmlns:a16="http://schemas.microsoft.com/office/drawing/2014/main" val="1760921122"/>
+                  </a:ext>
+                </a:extLst>
+              </a:tr>
+              <a:tr h="377014">
+                <a:tc>
+                  <a:txBody>
+                    <a:bodyPr/>
+                    <a:lstStyle/>
+                    <a:p>
+                      <a:r>
+                        <a:rPr lang="en-US" dirty="0"/>
+                        <a:t>Line 2</a:t>
+                      </a:r>
+                    </a:p>
+                  </a:txBody>
+                  <a:tcPr/>
+                </a:tc>
+                <a:extLst>
+                  <a:ext uri="{0D108BD9-81ED-4DB2-BD59-A6C34878D82A}">
+                    <a16:rowId xmlns:a16="http://schemas.microsoft.com/office/drawing/2014/main" val="3045800876"/>
+                  </a:ext>
+                </a:extLst>
+              </a:tr>
+              <a:tr h="377014">
+                <a:tc>
+                  <a:txBody>
+                    <a:bodyPr/>
+                    <a:lstStyle/>
+                    <a:p>
+                      <a:r>
+                        <a:rPr lang="en-US" dirty="0"/>
+                        <a:t>Line 3</a:t>
+                      </a:r>
+                    </a:p>
+                  </a:txBody>
+                  <a:tcPr/>
+                </a:tc>
+                <a:extLst>
+                  <a:ext uri="{0D108BD9-81ED-4DB2-BD59-A6C34878D82A}">
+                    <a16:rowId xmlns:a16="http://schemas.microsoft.com/office/drawing/2014/main" val="2201208643"/>
+                  </a:ext>
+                </a:extLst>
+              </a:tr>
+              <a:tr h="377014">
+                <a:tc>
+                  <a:txBody>
+                    <a:bodyPr/>
+                    <a:lstStyle/>
+                    <a:p>
+                      <a:r>
+                        <a:rPr lang="en-US" dirty="0"/>
+                        <a:t>Line 4</a:t>
+                      </a:r>
+                    </a:p>
+                  </a:txBody>
+                  <a:tcPr/>
+                </a:tc>
+                <a:extLst>
+                  <a:ext uri="{0D108BD9-81ED-4DB2-BD59-A6C34878D82A}">
+                    <a16:rowId xmlns:a16="http://schemas.microsoft.com/office/drawing/2014/main" val="1258763262"/>
+                  </a:ext>
+                </a:extLst>
+              </a:tr>
+            </a:tbl>
+          </a:graphicData>
+        </a:graphic>
+      </p:graphicFrame>
+      <p:graphicFrame>
+        <p:nvGraphicFramePr>
+          <p:cNvPr id="15" name="Table 14">
+            <a:extLst>
+              <a:ext uri="{FF2B5EF4-FFF2-40B4-BE49-F238E27FC236}">
+                <a16:creationId xmlns:a16="http://schemas.microsoft.com/office/drawing/2014/main" id="{74DF9266-13DC-2C46-8555-33EFAF263845}"/>
+              </a:ext>
+            </a:extLst>
+          </p:cNvPr>
+          <p:cNvGraphicFramePr>
+            <a:graphicFrameLocks noGrp="1"/>
+          </p:cNvGraphicFramePr>
+          <p:nvPr>
+            <p:extLst>
+              <p:ext uri="{D42A27DB-BD31-4B8C-83A1-F6EECF244321}">
+                <p14:modId xmlns:p14="http://schemas.microsoft.com/office/powerpoint/2010/main" val="1996826877"/>
+              </p:ext>
+            </p:extLst>
+          </p:nvPr>
+        </p:nvGraphicFramePr>
+        <p:xfrm>
+          <a:off x="7946602" y="2676655"/>
+          <a:ext cx="745498" cy="1885070"/>
+        </p:xfrm>
+        <a:graphic>
+          <a:graphicData uri="http://schemas.openxmlformats.org/drawingml/2006/table">
+            <a:tbl>
+              <a:tblPr firstRow="1" bandRow="1">
+                <a:tableStyleId>{5940675A-B579-460E-94D1-54222C63F5DA}</a:tableStyleId>
+              </a:tblPr>
+              <a:tblGrid>
+                <a:gridCol w="745498">
+                  <a:extLst>
+                    <a:ext uri="{9D8B030D-6E8A-4147-A177-3AD203B41FA5}">
+                      <a16:colId xmlns:a16="http://schemas.microsoft.com/office/drawing/2014/main" val="1054931151"/>
+                    </a:ext>
+                  </a:extLst>
+                </a:gridCol>
+              </a:tblGrid>
+              <a:tr h="377014">
+                <a:tc>
+                  <a:txBody>
+                    <a:bodyPr/>
+                    <a:lstStyle/>
+                    <a:p>
+                      <a:r>
+                        <a:rPr lang="en-US" dirty="0"/>
+                        <a:t>Line 5</a:t>
+                      </a:r>
+                    </a:p>
+                  </a:txBody>
+                  <a:tcPr/>
+                </a:tc>
+                <a:extLst>
+                  <a:ext uri="{0D108BD9-81ED-4DB2-BD59-A6C34878D82A}">
+                    <a16:rowId xmlns:a16="http://schemas.microsoft.com/office/drawing/2014/main" val="1041752894"/>
+                  </a:ext>
+                </a:extLst>
+              </a:tr>
+              <a:tr h="377014">
+                <a:tc>
+                  <a:txBody>
+                    <a:bodyPr/>
+                    <a:lstStyle/>
+                    <a:p>
+                      <a:r>
+                        <a:rPr lang="en-US" dirty="0"/>
+                        <a:t>Line 6</a:t>
+                      </a:r>
+                    </a:p>
+                  </a:txBody>
+                  <a:tcPr/>
+                </a:tc>
+                <a:extLst>
+                  <a:ext uri="{0D108BD9-81ED-4DB2-BD59-A6C34878D82A}">
+                    <a16:rowId xmlns:a16="http://schemas.microsoft.com/office/drawing/2014/main" val="1760921122"/>
+                  </a:ext>
+                </a:extLst>
+              </a:tr>
+              <a:tr h="377014">
+                <a:tc>
+                  <a:txBody>
+                    <a:bodyPr/>
+                    <a:lstStyle/>
+                    <a:p>
+                      <a:r>
+                        <a:rPr lang="en-US" dirty="0"/>
+                        <a:t>Line 7</a:t>
+                      </a:r>
+                    </a:p>
+                  </a:txBody>
+                  <a:tcPr/>
+                </a:tc>
+                <a:extLst>
+                  <a:ext uri="{0D108BD9-81ED-4DB2-BD59-A6C34878D82A}">
+                    <a16:rowId xmlns:a16="http://schemas.microsoft.com/office/drawing/2014/main" val="3045800876"/>
+                  </a:ext>
+                </a:extLst>
+              </a:tr>
+              <a:tr h="377014">
+                <a:tc>
+                  <a:txBody>
+                    <a:bodyPr/>
+                    <a:lstStyle/>
+                    <a:p>
+                      <a:r>
+                        <a:rPr lang="en-US" dirty="0"/>
+                        <a:t>Line 8</a:t>
+                      </a:r>
+                    </a:p>
+                  </a:txBody>
+                  <a:tcPr/>
+                </a:tc>
+                <a:extLst>
+                  <a:ext uri="{0D108BD9-81ED-4DB2-BD59-A6C34878D82A}">
+                    <a16:rowId xmlns:a16="http://schemas.microsoft.com/office/drawing/2014/main" val="2201208643"/>
+                  </a:ext>
+                </a:extLst>
+              </a:tr>
+              <a:tr h="377014">
+                <a:tc>
+                  <a:txBody>
+                    <a:bodyPr/>
+                    <a:lstStyle/>
+                    <a:p>
+                      <a:r>
+                        <a:rPr lang="en-US" dirty="0"/>
+                        <a:t>Line 9</a:t>
+                      </a:r>
+                    </a:p>
+                  </a:txBody>
+                  <a:tcPr/>
+                </a:tc>
+                <a:extLst>
+                  <a:ext uri="{0D108BD9-81ED-4DB2-BD59-A6C34878D82A}">
+                    <a16:rowId xmlns:a16="http://schemas.microsoft.com/office/drawing/2014/main" val="1258763262"/>
+                  </a:ext>
+                </a:extLst>
+              </a:tr>
+            </a:tbl>
+          </a:graphicData>
+        </a:graphic>
+      </p:graphicFrame>
+    </p:spTree>
+    <p:extLst>
+      <p:ext uri="{BB962C8B-B14F-4D97-AF65-F5344CB8AC3E}">
+        <p14:creationId xmlns:p14="http://schemas.microsoft.com/office/powerpoint/2010/main" val="2009657187"/>
+      </p:ext>
+    </p:extLst>
+  </p:cSld>
+  <p:clrMapOvr>
+    <a:masterClrMapping/>
+  </p:clrMapOvr>
+</p:sld>
+</file>
+
+<file path=ppt/slides/slide5.xml><?xml version="1.0" encoding="utf-8"?>
+<p:sld xmlns:a="http://schemas.openxmlformats.org/drawingml/2006/main" xmlns:r="http://schemas.openxmlformats.org/officeDocument/2006/relationships" xmlns:p="http://schemas.openxmlformats.org/presentationml/2006/main">
+  <p:cSld>
+    <p:spTree>
+      <p:nvGrpSpPr>
+        <p:cNvPr id="1" name=""/>
+        <p:cNvGrpSpPr/>
+        <p:nvPr/>
+      </p:nvGrpSpPr>
+      <p:grpSpPr>
+        <a:xfrm>
+          <a:off x="0" y="0"/>
+          <a:ext cx="0" cy="0"/>
+          <a:chOff x="0" y="0"/>
+          <a:chExt cx="0" cy="0"/>
+        </a:xfrm>
+      </p:grpSpPr>
+      <p:sp>
+        <p:nvSpPr>
+          <p:cNvPr id="2" name="Title 1">
+            <a:extLst>
+              <a:ext uri="{FF2B5EF4-FFF2-40B4-BE49-F238E27FC236}">
+                <a16:creationId xmlns:a16="http://schemas.microsoft.com/office/drawing/2014/main" id="{2D4FB659-58A7-7D4F-9FB0-6C94A62412D5}"/>
+              </a:ext>
+            </a:extLst>
+          </p:cNvPr>
+          <p:cNvSpPr>
+            <a:spLocks noGrp="1"/>
+          </p:cNvSpPr>
+          <p:nvPr>
+            <p:ph type="title"/>
+          </p:nvPr>
+        </p:nvSpPr>
+        <p:spPr/>
+        <p:txBody>
+          <a:bodyPr/>
+          <a:lstStyle/>
+          <a:p>
+            <a:r>
+              <a:rPr lang="en-US" dirty="0"/>
+              <a:t>How to make sense of this </a:t>
+            </a:r>
+            <a:r>
+              <a:rPr lang="en-US" i="1" dirty="0"/>
+              <a:t>binary format ?</a:t>
+            </a:r>
+            <a:endParaRPr lang="en-US" dirty="0"/>
+          </a:p>
+        </p:txBody>
+      </p:sp>
+      <p:sp>
+        <p:nvSpPr>
+          <p:cNvPr id="3" name="Content Placeholder 2">
+            <a:extLst>
+              <a:ext uri="{FF2B5EF4-FFF2-40B4-BE49-F238E27FC236}">
+                <a16:creationId xmlns:a16="http://schemas.microsoft.com/office/drawing/2014/main" id="{844DCBE3-0541-524B-9B27-02F5A97E05BD}"/>
+              </a:ext>
+            </a:extLst>
+          </p:cNvPr>
+          <p:cNvSpPr>
+            <a:spLocks noGrp="1"/>
+          </p:cNvSpPr>
+          <p:nvPr>
+            <p:ph idx="1"/>
+          </p:nvPr>
+        </p:nvSpPr>
+        <p:spPr/>
+        <p:txBody>
+          <a:bodyPr/>
+          <a:lstStyle/>
+          <a:p>
+            <a:r>
+              <a:rPr lang="en-US" dirty="0"/>
+              <a:t>We divide our data into different </a:t>
+            </a:r>
+            <a:r>
+              <a:rPr lang="en-US" b="1" dirty="0"/>
+              <a:t>types</a:t>
+            </a:r>
+          </a:p>
+          <a:p>
+            <a:r>
+              <a:rPr lang="en-US" dirty="0"/>
+              <a:t>A </a:t>
+            </a:r>
+            <a:r>
+              <a:rPr lang="en-US" b="1" dirty="0"/>
+              <a:t>type</a:t>
+            </a:r>
+            <a:r>
+              <a:rPr lang="en-US" dirty="0"/>
+              <a:t> decides how many bits are designated to it</a:t>
+            </a:r>
+          </a:p>
+          <a:p>
+            <a:endParaRPr lang="en-US" dirty="0"/>
+          </a:p>
+          <a:p>
+            <a:r>
+              <a:rPr lang="en-US" dirty="0"/>
+              <a:t>This results in a nice division of </a:t>
+            </a:r>
+            <a:r>
+              <a:rPr lang="en-US" dirty="0" err="1"/>
+              <a:t>labour</a:t>
+            </a:r>
+            <a:endParaRPr lang="en-US" dirty="0"/>
+          </a:p>
+          <a:p>
+            <a:pPr lvl="1"/>
+            <a:r>
+              <a:rPr lang="en-US" dirty="0"/>
+              <a:t>Hardware doesn’t know </a:t>
+            </a:r>
+            <a:r>
+              <a:rPr lang="en-US" i="1" dirty="0"/>
+              <a:t>how many bits </a:t>
+            </a:r>
+            <a:r>
+              <a:rPr lang="en-US" dirty="0"/>
+              <a:t>your data occupies</a:t>
+            </a:r>
+          </a:p>
+          <a:p>
+            <a:pPr lvl="1"/>
+            <a:r>
+              <a:rPr lang="en-US" dirty="0"/>
+              <a:t>Hardware knows </a:t>
+            </a:r>
+            <a:r>
+              <a:rPr lang="en-US" i="1" dirty="0"/>
+              <a:t>how</a:t>
+            </a:r>
+            <a:r>
+              <a:rPr lang="en-US" b="1" dirty="0"/>
+              <a:t> </a:t>
+            </a:r>
+            <a:r>
+              <a:rPr lang="en-US" dirty="0"/>
+              <a:t>to read and write bits into memory book</a:t>
+            </a:r>
+          </a:p>
+          <a:p>
+            <a:pPr lvl="1"/>
+            <a:r>
+              <a:rPr lang="en-US" dirty="0"/>
+              <a:t>System Software knows how many bits your data occupies</a:t>
+            </a:r>
+          </a:p>
+          <a:p>
+            <a:pPr lvl="1"/>
+            <a:r>
+              <a:rPr lang="en-US" dirty="0"/>
+              <a:t>System Software does not know how to read and write bits into memory book</a:t>
+            </a:r>
+          </a:p>
+          <a:p>
+            <a:pPr lvl="1"/>
+            <a:r>
+              <a:rPr lang="en-US" dirty="0"/>
+              <a:t>Programmer </a:t>
+            </a:r>
+            <a:r>
+              <a:rPr lang="en-US" i="1" dirty="0"/>
+              <a:t>need not </a:t>
+            </a:r>
+            <a:r>
+              <a:rPr lang="en-US" dirty="0"/>
+              <a:t>know how many bits your data occupies or how to read and write bits into memory book !</a:t>
+            </a:r>
+          </a:p>
+        </p:txBody>
+      </p:sp>
+    </p:spTree>
+    <p:extLst>
+      <p:ext uri="{BB962C8B-B14F-4D97-AF65-F5344CB8AC3E}">
+        <p14:creationId xmlns:p14="http://schemas.microsoft.com/office/powerpoint/2010/main" val="3332299121"/>
+      </p:ext>
+    </p:extLst>
+  </p:cSld>
+  <p:clrMapOvr>
+    <a:masterClrMapping/>
+  </p:clrMapOvr>
+</p:sld>
+</file>
+
+<file path=ppt/slides/slide6.xml><?xml version="1.0" encoding="utf-8"?>
+<p:sld xmlns:a="http://schemas.openxmlformats.org/drawingml/2006/main" xmlns:r="http://schemas.openxmlformats.org/officeDocument/2006/relationships" xmlns:p="http://schemas.openxmlformats.org/presentationml/2006/main">
+  <p:cSld>
     <p:bg>
       <p:bgPr>
         <a:solidFill>
@@ -7140,7 +13494,7 @@
           <a:lstStyle/>
           <a:p>
             <a:r>
-              <a:rPr lang="en-US" sz="1800" b="1" dirty="0">
+              <a:rPr lang="en-US" sz="2000" b="1" dirty="0">
                 <a:solidFill>
                   <a:schemeClr val="tx2">
                     <a:lumMod val="75000"/>
@@ -7152,7 +13506,7 @@
           </a:p>
           <a:p>
             <a:r>
-              <a:rPr lang="en-US" sz="1800" dirty="0">
+              <a:rPr lang="en-US" sz="2000" dirty="0">
                 <a:solidFill>
                   <a:schemeClr val="tx2">
                     <a:lumMod val="75000"/>
@@ -7162,7 +13516,7 @@
               <a:t>Memory is </a:t>
             </a:r>
             <a:r>
-              <a:rPr lang="en-US" sz="1800" b="1" dirty="0">
+              <a:rPr lang="en-US" sz="2000" b="1" dirty="0">
                 <a:solidFill>
                   <a:schemeClr val="tx2">
                     <a:lumMod val="75000"/>
@@ -7172,7 +13526,7 @@
               <a:t>address</a:t>
             </a:r>
             <a:r>
-              <a:rPr lang="en-US" sz="1800" dirty="0">
+              <a:rPr lang="en-US" sz="2000" dirty="0">
                 <a:solidFill>
                   <a:schemeClr val="tx2">
                     <a:lumMod val="75000"/>
@@ -7184,7 +13538,7 @@
           </a:p>
           <a:p>
             <a:r>
-              <a:rPr lang="en-US" sz="1800" dirty="0">
+              <a:rPr lang="en-US" sz="2000" dirty="0">
                 <a:solidFill>
                   <a:schemeClr val="tx2">
                     <a:lumMod val="75000"/>
@@ -7194,7 +13548,7 @@
               <a:t>Each </a:t>
             </a:r>
             <a:r>
-              <a:rPr lang="en-US" sz="1800" b="1" dirty="0">
+              <a:rPr lang="en-US" sz="2000" b="1" dirty="0">
                 <a:solidFill>
                   <a:schemeClr val="tx2">
                     <a:lumMod val="75000"/>
@@ -7204,7 +13558,7 @@
               <a:t>address</a:t>
             </a:r>
             <a:r>
-              <a:rPr lang="en-US" sz="1800" dirty="0">
+              <a:rPr lang="en-US" sz="2000" dirty="0">
                 <a:solidFill>
                   <a:schemeClr val="tx2">
                     <a:lumMod val="75000"/>
@@ -7214,7 +13568,7 @@
               <a:t> has an associated </a:t>
             </a:r>
             <a:r>
-              <a:rPr lang="en-US" sz="1800" b="1" dirty="0">
+              <a:rPr lang="en-US" sz="2000" b="1" dirty="0">
                 <a:solidFill>
                   <a:schemeClr val="tx2">
                     <a:lumMod val="75000"/>
@@ -7226,7 +13580,7 @@
           </a:p>
           <a:p>
             <a:r>
-              <a:rPr lang="en-US" sz="1800" b="1" dirty="0">
+              <a:rPr lang="en-US" sz="2000" b="1" dirty="0">
                 <a:solidFill>
                   <a:schemeClr val="tx2">
                     <a:lumMod val="75000"/>
@@ -7238,7 +13592,7 @@
           </a:p>
           <a:p>
             <a:r>
-              <a:rPr lang="en-US" sz="1800" b="1" dirty="0">
+              <a:rPr lang="en-US" sz="2000" b="1" dirty="0">
                 <a:solidFill>
                   <a:schemeClr val="tx2">
                     <a:lumMod val="75000"/>
@@ -7250,7 +13604,7 @@
           </a:p>
           <a:p>
             <a:r>
-              <a:rPr lang="en-US" sz="1800" b="1" dirty="0">
+              <a:rPr lang="en-US" sz="2000" b="1" dirty="0">
                 <a:solidFill>
                   <a:schemeClr val="tx2">
                     <a:lumMod val="75000"/>
@@ -7262,7 +13616,7 @@
           </a:p>
           <a:p>
             <a:r>
-              <a:rPr lang="en-US" sz="1800" b="1" dirty="0">
+              <a:rPr lang="en-US" sz="2000" b="1" dirty="0">
                 <a:solidFill>
                   <a:schemeClr val="tx2">
                     <a:lumMod val="75000"/>
@@ -7274,7 +13628,7 @@
           </a:p>
           <a:p>
             <a:r>
-              <a:rPr lang="en-US" sz="1800" b="1" dirty="0">
+              <a:rPr lang="en-US" sz="2000" b="1" dirty="0">
                 <a:solidFill>
                   <a:schemeClr val="tx2">
                     <a:lumMod val="75000"/>
@@ -7286,7 +13640,7 @@
           </a:p>
           <a:p>
             <a:r>
-              <a:rPr lang="en-US" sz="1800" b="1" dirty="0">
+              <a:rPr lang="en-US" sz="2000" b="1" dirty="0">
                 <a:solidFill>
                   <a:schemeClr val="tx2">
                     <a:lumMod val="75000"/>
@@ -7297,7 +13651,7 @@
             </a:r>
           </a:p>
           <a:p>
-            <a:endParaRPr lang="en-US" sz="1800" dirty="0">
+            <a:endParaRPr lang="en-US" sz="2000" dirty="0">
               <a:solidFill>
                 <a:schemeClr val="tx2">
                   <a:lumMod val="75000"/>
@@ -7307,7 +13661,7 @@
           </a:p>
           <a:p>
             <a:r>
-              <a:rPr lang="en-US" sz="1800" dirty="0">
+              <a:rPr lang="en-US" sz="2000" dirty="0">
                 <a:solidFill>
                   <a:schemeClr val="tx2">
                     <a:lumMod val="75000"/>
@@ -7317,7 +13671,7 @@
               <a:t># Remember that </a:t>
             </a:r>
             <a:r>
-              <a:rPr lang="en-US" sz="1800" b="1" dirty="0">
+              <a:rPr lang="en-US" sz="2000" b="1" dirty="0">
                 <a:solidFill>
                   <a:schemeClr val="tx2">
                     <a:lumMod val="75000"/>
@@ -7327,7 +13681,7 @@
               <a:t>int, double </a:t>
             </a:r>
             <a:r>
-              <a:rPr lang="en-US" sz="1800" dirty="0">
+              <a:rPr lang="en-US" sz="2000" dirty="0">
                 <a:solidFill>
                   <a:schemeClr val="tx2">
                     <a:lumMod val="75000"/>
@@ -7337,7 +13691,7 @@
               <a:t>are </a:t>
             </a:r>
             <a:r>
-              <a:rPr lang="en-US" sz="1800" i="1" dirty="0">
+              <a:rPr lang="en-US" sz="2000" i="1" dirty="0">
                 <a:solidFill>
                   <a:schemeClr val="tx2">
                     <a:lumMod val="75000"/>
@@ -7347,7 +13701,7 @@
               <a:t>architecture dependent (x86, ARM </a:t>
             </a:r>
             <a:r>
-              <a:rPr lang="en-US" sz="1800" i="1" dirty="0" err="1">
+              <a:rPr lang="en-US" sz="2000" i="1" dirty="0" err="1">
                 <a:solidFill>
                   <a:schemeClr val="tx2">
                     <a:lumMod val="75000"/>
@@ -7357,7 +13711,7 @@
               <a:t>etc</a:t>
             </a:r>
             <a:r>
-              <a:rPr lang="en-US" sz="1800" i="1" dirty="0">
+              <a:rPr lang="en-US" sz="2000" i="1" dirty="0">
                 <a:solidFill>
                   <a:schemeClr val="tx2">
                     <a:lumMod val="75000"/>
@@ -7367,7 +13721,7 @@
               <a:t>)</a:t>
             </a:r>
             <a:r>
-              <a:rPr lang="en-US" sz="1800" dirty="0">
+              <a:rPr lang="en-US" sz="2000" dirty="0">
                 <a:solidFill>
                   <a:schemeClr val="tx2">
                     <a:lumMod val="75000"/>
@@ -7392,7 +13746,185 @@
 </p:sld>
 </file>
 
-<file path=ppt/slides/slide4.xml><?xml version="1.0" encoding="utf-8"?>
+<file path=ppt/slides/slide7.xml><?xml version="1.0" encoding="utf-8"?>
+<p:sld xmlns:a="http://schemas.openxmlformats.org/drawingml/2006/main" xmlns:r="http://schemas.openxmlformats.org/officeDocument/2006/relationships" xmlns:p="http://schemas.openxmlformats.org/presentationml/2006/main">
+  <p:cSld>
+    <p:spTree>
+      <p:nvGrpSpPr>
+        <p:cNvPr id="1" name=""/>
+        <p:cNvGrpSpPr/>
+        <p:nvPr/>
+      </p:nvGrpSpPr>
+      <p:grpSpPr>
+        <a:xfrm>
+          <a:off x="0" y="0"/>
+          <a:ext cx="0" cy="0"/>
+          <a:chOff x="0" y="0"/>
+          <a:chExt cx="0" cy="0"/>
+        </a:xfrm>
+      </p:grpSpPr>
+      <p:sp>
+        <p:nvSpPr>
+          <p:cNvPr id="4" name="Title 3">
+            <a:extLst>
+              <a:ext uri="{FF2B5EF4-FFF2-40B4-BE49-F238E27FC236}">
+                <a16:creationId xmlns:a16="http://schemas.microsoft.com/office/drawing/2014/main" id="{07BA7804-A52A-EC49-B2F5-DB4D2821CE40}"/>
+              </a:ext>
+            </a:extLst>
+          </p:cNvPr>
+          <p:cNvSpPr>
+            <a:spLocks noGrp="1"/>
+          </p:cNvSpPr>
+          <p:nvPr>
+            <p:ph type="ctrTitle"/>
+          </p:nvPr>
+        </p:nvSpPr>
+        <p:spPr/>
+        <p:txBody>
+          <a:bodyPr/>
+          <a:lstStyle/>
+          <a:p>
+            <a:r>
+              <a:rPr lang="en-US" dirty="0"/>
+              <a:t>What is the relation between </a:t>
+            </a:r>
+            <a:r>
+              <a:rPr lang="en-US" b="1" dirty="0"/>
+              <a:t>Data </a:t>
+            </a:r>
+            <a:r>
+              <a:rPr lang="en-US" dirty="0"/>
+              <a:t>and </a:t>
+            </a:r>
+            <a:r>
+              <a:rPr lang="en-US" b="1" dirty="0"/>
+              <a:t>State</a:t>
+            </a:r>
+            <a:endParaRPr lang="en-US" dirty="0"/>
+          </a:p>
+        </p:txBody>
+      </p:sp>
+      <p:sp>
+        <p:nvSpPr>
+          <p:cNvPr id="5" name="Subtitle 4">
+            <a:extLst>
+              <a:ext uri="{FF2B5EF4-FFF2-40B4-BE49-F238E27FC236}">
+                <a16:creationId xmlns:a16="http://schemas.microsoft.com/office/drawing/2014/main" id="{AC0273EF-AAA6-DA48-9512-CB73615D53AE}"/>
+              </a:ext>
+            </a:extLst>
+          </p:cNvPr>
+          <p:cNvSpPr>
+            <a:spLocks noGrp="1"/>
+          </p:cNvSpPr>
+          <p:nvPr>
+            <p:ph type="subTitle" idx="1"/>
+          </p:nvPr>
+        </p:nvSpPr>
+        <p:spPr/>
+        <p:txBody>
+          <a:bodyPr/>
+          <a:lstStyle/>
+          <a:p>
+            <a:r>
+              <a:rPr lang="en-US" dirty="0"/>
+              <a:t>Data can be in many states and at any given time, data is in a single deterministic state</a:t>
+            </a:r>
+          </a:p>
+        </p:txBody>
+      </p:sp>
+    </p:spTree>
+    <p:extLst>
+      <p:ext uri="{BB962C8B-B14F-4D97-AF65-F5344CB8AC3E}">
+        <p14:creationId xmlns:p14="http://schemas.microsoft.com/office/powerpoint/2010/main" val="2335942325"/>
+      </p:ext>
+    </p:extLst>
+  </p:cSld>
+  <p:clrMapOvr>
+    <a:masterClrMapping/>
+  </p:clrMapOvr>
+  <p:timing>
+    <p:tnLst>
+      <p:par>
+        <p:cTn id="1" dur="indefinite" restart="never" nodeType="tmRoot">
+          <p:childTnLst>
+            <p:seq concurrent="1" nextAc="seek">
+              <p:cTn id="2" dur="indefinite" nodeType="mainSeq">
+                <p:childTnLst>
+                  <p:par>
+                    <p:cTn id="3" fill="hold">
+                      <p:stCondLst>
+                        <p:cond delay="indefinite"/>
+                      </p:stCondLst>
+                      <p:childTnLst>
+                        <p:par>
+                          <p:cTn id="4" fill="hold">
+                            <p:stCondLst>
+                              <p:cond delay="0"/>
+                            </p:stCondLst>
+                            <p:childTnLst>
+                              <p:par>
+                                <p:cTn id="5" presetID="1" presetClass="entr" presetSubtype="0" fill="hold" nodeType="clickEffect">
+                                  <p:stCondLst>
+                                    <p:cond delay="0"/>
+                                  </p:stCondLst>
+                                  <p:childTnLst>
+                                    <p:set>
+                                      <p:cBhvr>
+                                        <p:cTn id="6" dur="1" fill="hold">
+                                          <p:stCondLst>
+                                            <p:cond delay="0"/>
+                                          </p:stCondLst>
+                                        </p:cTn>
+                                        <p:tgtEl>
+                                          <p:spTgt spid="5">
+                                            <p:txEl>
+                                              <p:pRg st="0" end="0"/>
+                                            </p:txEl>
+                                          </p:spTgt>
+                                        </p:tgtEl>
+                                        <p:attrNameLst>
+                                          <p:attrName>style.visibility</p:attrName>
+                                        </p:attrNameLst>
+                                      </p:cBhvr>
+                                      <p:to>
+                                        <p:strVal val="visible"/>
+                                      </p:to>
+                                    </p:set>
+                                  </p:childTnLst>
+                                </p:cTn>
+                              </p:par>
+                            </p:childTnLst>
+                          </p:cTn>
+                        </p:par>
+                      </p:childTnLst>
+                    </p:cTn>
+                  </p:par>
+                </p:childTnLst>
+              </p:cTn>
+              <p:prevCondLst>
+                <p:cond evt="onPrev" delay="0">
+                  <p:tgtEl>
+                    <p:sldTgt/>
+                  </p:tgtEl>
+                </p:cond>
+              </p:prevCondLst>
+              <p:nextCondLst>
+                <p:cond evt="onNext" delay="0">
+                  <p:tgtEl>
+                    <p:sldTgt/>
+                  </p:tgtEl>
+                </p:cond>
+              </p:nextCondLst>
+            </p:seq>
+          </p:childTnLst>
+        </p:cTn>
+      </p:par>
+    </p:tnLst>
+  </p:timing>
+</p:sld>
+</file>
+
+<file path=ppt/slides/slide8.xml><?xml version="1.0" encoding="utf-8"?>
 <p:sld xmlns:a="http://schemas.openxmlformats.org/drawingml/2006/main" xmlns:r="http://schemas.openxmlformats.org/officeDocument/2006/relationships" xmlns:p="http://schemas.openxmlformats.org/presentationml/2006/main">
   <p:cSld>
     <p:spTree>
@@ -7806,7 +14338,7 @@
 </p:sld>
 </file>
 
-<file path=ppt/slides/slide5.xml><?xml version="1.0" encoding="utf-8"?>
+<file path=ppt/slides/slide9.xml><?xml version="1.0" encoding="utf-8"?>
 <p:sld xmlns:a="http://schemas.openxmlformats.org/drawingml/2006/main" xmlns:r="http://schemas.openxmlformats.org/officeDocument/2006/relationships" xmlns:p="http://schemas.openxmlformats.org/presentationml/2006/main">
   <p:cSld>
     <p:spTree>
@@ -7934,767 +14466,6 @@
     <p:extLst>
       <p:ext uri="{BB962C8B-B14F-4D97-AF65-F5344CB8AC3E}">
         <p14:creationId xmlns:p14="http://schemas.microsoft.com/office/powerpoint/2010/main" val="5512423"/>
-      </p:ext>
-    </p:extLst>
-  </p:cSld>
-  <p:clrMapOvr>
-    <a:masterClrMapping/>
-  </p:clrMapOvr>
-</p:sld>
-</file>
-
-<file path=ppt/slides/slide6.xml><?xml version="1.0" encoding="utf-8"?>
-<p:sld xmlns:a="http://schemas.openxmlformats.org/drawingml/2006/main" xmlns:r="http://schemas.openxmlformats.org/officeDocument/2006/relationships" xmlns:p="http://schemas.openxmlformats.org/presentationml/2006/main">
-  <p:cSld>
-    <p:spTree>
-      <p:nvGrpSpPr>
-        <p:cNvPr id="1" name=""/>
-        <p:cNvGrpSpPr/>
-        <p:nvPr/>
-      </p:nvGrpSpPr>
-      <p:grpSpPr>
-        <a:xfrm>
-          <a:off x="0" y="0"/>
-          <a:ext cx="0" cy="0"/>
-          <a:chOff x="0" y="0"/>
-          <a:chExt cx="0" cy="0"/>
-        </a:xfrm>
-      </p:grpSpPr>
-      <p:sp>
-        <p:nvSpPr>
-          <p:cNvPr id="2" name="Title 1">
-            <a:extLst>
-              <a:ext uri="{FF2B5EF4-FFF2-40B4-BE49-F238E27FC236}">
-                <a16:creationId xmlns:a16="http://schemas.microsoft.com/office/drawing/2014/main" id="{ED2BA839-EAC7-8C47-BC04-4DDE8DD60FC3}"/>
-              </a:ext>
-            </a:extLst>
-          </p:cNvPr>
-          <p:cNvSpPr>
-            <a:spLocks noGrp="1"/>
-          </p:cNvSpPr>
-          <p:nvPr>
-            <p:ph type="title"/>
-          </p:nvPr>
-        </p:nvSpPr>
-        <p:spPr>
-          <a:xfrm>
-            <a:off x="1064231" y="2766218"/>
-            <a:ext cx="10515600" cy="1325563"/>
-          </a:xfrm>
-        </p:spPr>
-        <p:txBody>
-          <a:bodyPr/>
-          <a:lstStyle/>
-          <a:p>
-            <a:pPr algn="ctr"/>
-            <a:r>
-              <a:rPr lang="en-US" dirty="0"/>
-              <a:t>Data Types</a:t>
-            </a:r>
-          </a:p>
-        </p:txBody>
-      </p:sp>
-    </p:spTree>
-    <p:extLst>
-      <p:ext uri="{BB962C8B-B14F-4D97-AF65-F5344CB8AC3E}">
-        <p14:creationId xmlns:p14="http://schemas.microsoft.com/office/powerpoint/2010/main" val="738934140"/>
-      </p:ext>
-    </p:extLst>
-  </p:cSld>
-  <p:clrMapOvr>
-    <a:masterClrMapping/>
-  </p:clrMapOvr>
-</p:sld>
-</file>
-
-<file path=ppt/slides/slide7.xml><?xml version="1.0" encoding="utf-8"?>
-<p:sld xmlns:a="http://schemas.openxmlformats.org/drawingml/2006/main" xmlns:r="http://schemas.openxmlformats.org/officeDocument/2006/relationships" xmlns:p="http://schemas.openxmlformats.org/presentationml/2006/main">
-  <p:cSld>
-    <p:spTree>
-      <p:nvGrpSpPr>
-        <p:cNvPr id="1" name=""/>
-        <p:cNvGrpSpPr/>
-        <p:nvPr/>
-      </p:nvGrpSpPr>
-      <p:grpSpPr>
-        <a:xfrm>
-          <a:off x="0" y="0"/>
-          <a:ext cx="0" cy="0"/>
-          <a:chOff x="0" y="0"/>
-          <a:chExt cx="0" cy="0"/>
-        </a:xfrm>
-      </p:grpSpPr>
-      <p:sp>
-        <p:nvSpPr>
-          <p:cNvPr id="2" name="Title 1">
-            <a:extLst>
-              <a:ext uri="{FF2B5EF4-FFF2-40B4-BE49-F238E27FC236}">
-                <a16:creationId xmlns:a16="http://schemas.microsoft.com/office/drawing/2014/main" id="{E1323627-9991-F846-8467-8BE7A62F0169}"/>
-              </a:ext>
-            </a:extLst>
-          </p:cNvPr>
-          <p:cNvSpPr>
-            <a:spLocks noGrp="1"/>
-          </p:cNvSpPr>
-          <p:nvPr>
-            <p:ph type="title"/>
-          </p:nvPr>
-        </p:nvSpPr>
-        <p:spPr>
-          <a:xfrm>
-            <a:off x="1175512" y="870132"/>
-            <a:ext cx="9792208" cy="1527078"/>
-          </a:xfrm>
-        </p:spPr>
-        <p:txBody>
-          <a:bodyPr>
-            <a:normAutofit/>
-          </a:bodyPr>
-          <a:lstStyle/>
-          <a:p>
-            <a:pPr algn="ctr"/>
-            <a:r>
-              <a:rPr lang="en-US" dirty="0">
-                <a:solidFill>
-                  <a:schemeClr val="tx2">
-                    <a:lumMod val="75000"/>
-                  </a:schemeClr>
-                </a:solidFill>
-              </a:rPr>
-              <a:t>bool</a:t>
-            </a:r>
-            <a:endParaRPr lang="en-US" dirty="0"/>
-          </a:p>
-        </p:txBody>
-      </p:sp>
-      <p:sp>
-        <p:nvSpPr>
-          <p:cNvPr id="3" name="Content Placeholder 2">
-            <a:extLst>
-              <a:ext uri="{FF2B5EF4-FFF2-40B4-BE49-F238E27FC236}">
-                <a16:creationId xmlns:a16="http://schemas.microsoft.com/office/drawing/2014/main" id="{AE2CB732-625F-2841-9D7D-66837B39AA7A}"/>
-              </a:ext>
-            </a:extLst>
-          </p:cNvPr>
-          <p:cNvSpPr>
-            <a:spLocks noGrp="1"/>
-          </p:cNvSpPr>
-          <p:nvPr>
-            <p:ph idx="1"/>
-          </p:nvPr>
-        </p:nvSpPr>
-        <p:spPr>
-          <a:xfrm>
-            <a:off x="1175512" y="2557849"/>
-            <a:ext cx="9792208" cy="3407862"/>
-          </a:xfrm>
-        </p:spPr>
-        <p:txBody>
-          <a:bodyPr>
-            <a:normAutofit/>
-          </a:bodyPr>
-          <a:lstStyle/>
-          <a:p>
-            <a:pPr marL="0" indent="0" algn="ctr">
-              <a:buNone/>
-            </a:pPr>
-            <a:endParaRPr lang="en-US" sz="5400" dirty="0">
-              <a:cs typeface="Consolas" panose="020B0609020204030204" pitchFamily="49" charset="0"/>
-            </a:endParaRPr>
-          </a:p>
-          <a:p>
-            <a:pPr marL="0" indent="0" algn="ctr">
-              <a:buNone/>
-            </a:pPr>
-            <a:r>
-              <a:rPr lang="en-US" sz="5400" dirty="0">
-                <a:cs typeface="Consolas" panose="020B0609020204030204" pitchFamily="49" charset="0"/>
-              </a:rPr>
-              <a:t>True					False</a:t>
-            </a:r>
-          </a:p>
-          <a:p>
-            <a:pPr marL="0" indent="0" algn="ctr">
-              <a:buNone/>
-            </a:pPr>
-            <a:endParaRPr lang="en-US" sz="5400" dirty="0">
-              <a:solidFill>
-                <a:schemeClr val="tx2">
-                  <a:lumMod val="75000"/>
-                </a:schemeClr>
-              </a:solidFill>
-              <a:cs typeface="Consolas" panose="020B0609020204030204" pitchFamily="49" charset="0"/>
-            </a:endParaRPr>
-          </a:p>
-        </p:txBody>
-      </p:sp>
-    </p:spTree>
-    <p:extLst>
-      <p:ext uri="{BB962C8B-B14F-4D97-AF65-F5344CB8AC3E}">
-        <p14:creationId xmlns:p14="http://schemas.microsoft.com/office/powerpoint/2010/main" val="534878389"/>
-      </p:ext>
-    </p:extLst>
-  </p:cSld>
-  <p:clrMapOvr>
-    <a:masterClrMapping/>
-  </p:clrMapOvr>
-</p:sld>
-</file>
-
-<file path=ppt/slides/slide8.xml><?xml version="1.0" encoding="utf-8"?>
-<p:sld xmlns:a="http://schemas.openxmlformats.org/drawingml/2006/main" xmlns:r="http://schemas.openxmlformats.org/officeDocument/2006/relationships" xmlns:p="http://schemas.openxmlformats.org/presentationml/2006/main">
-  <p:cSld>
-    <p:bg>
-      <p:bgPr>
-        <a:solidFill>
-          <a:schemeClr val="bg1"/>
-        </a:solidFill>
-        <a:effectLst/>
-      </p:bgPr>
-    </p:bg>
-    <p:spTree>
-      <p:nvGrpSpPr>
-        <p:cNvPr id="1" name=""/>
-        <p:cNvGrpSpPr/>
-        <p:nvPr/>
-      </p:nvGrpSpPr>
-      <p:grpSpPr>
-        <a:xfrm>
-          <a:off x="0" y="0"/>
-          <a:ext cx="0" cy="0"/>
-          <a:chOff x="0" y="0"/>
-          <a:chExt cx="0" cy="0"/>
-        </a:xfrm>
-      </p:grpSpPr>
-      <p:sp>
-        <p:nvSpPr>
-          <p:cNvPr id="2" name="Title 1">
-            <a:extLst>
-              <a:ext uri="{FF2B5EF4-FFF2-40B4-BE49-F238E27FC236}">
-                <a16:creationId xmlns:a16="http://schemas.microsoft.com/office/drawing/2014/main" id="{E1323627-9991-F846-8467-8BE7A62F0169}"/>
-              </a:ext>
-            </a:extLst>
-          </p:cNvPr>
-          <p:cNvSpPr>
-            <a:spLocks noGrp="1"/>
-          </p:cNvSpPr>
-          <p:nvPr>
-            <p:ph type="title"/>
-          </p:nvPr>
-        </p:nvSpPr>
-        <p:spPr>
-          <a:xfrm>
-            <a:off x="1175512" y="870132"/>
-            <a:ext cx="9792208" cy="1527078"/>
-          </a:xfrm>
-        </p:spPr>
-        <p:txBody>
-          <a:bodyPr>
-            <a:normAutofit/>
-          </a:bodyPr>
-          <a:lstStyle/>
-          <a:p>
-            <a:r>
-              <a:rPr lang="en-US" dirty="0">
-                <a:solidFill>
-                  <a:schemeClr val="tx2">
-                    <a:lumMod val="75000"/>
-                  </a:schemeClr>
-                </a:solidFill>
-              </a:rPr>
-              <a:t>Data type #0</a:t>
-            </a:r>
-            <a:br>
-              <a:rPr lang="en-US" dirty="0">
-                <a:solidFill>
-                  <a:schemeClr val="tx2">
-                    <a:lumMod val="75000"/>
-                  </a:schemeClr>
-                </a:solidFill>
-              </a:rPr>
-            </a:br>
-            <a:r>
-              <a:rPr lang="en-US" dirty="0">
-                <a:solidFill>
-                  <a:schemeClr val="tx2">
-                    <a:lumMod val="75000"/>
-                  </a:schemeClr>
-                </a:solidFill>
-              </a:rPr>
-              <a:t>Booleans</a:t>
-            </a:r>
-            <a:endParaRPr lang="en-US" dirty="0"/>
-          </a:p>
-        </p:txBody>
-      </p:sp>
-      <p:sp>
-        <p:nvSpPr>
-          <p:cNvPr id="3" name="Content Placeholder 2">
-            <a:extLst>
-              <a:ext uri="{FF2B5EF4-FFF2-40B4-BE49-F238E27FC236}">
-                <a16:creationId xmlns:a16="http://schemas.microsoft.com/office/drawing/2014/main" id="{AE2CB732-625F-2841-9D7D-66837B39AA7A}"/>
-              </a:ext>
-            </a:extLst>
-          </p:cNvPr>
-          <p:cNvSpPr>
-            <a:spLocks noGrp="1"/>
-          </p:cNvSpPr>
-          <p:nvPr>
-            <p:ph idx="1"/>
-          </p:nvPr>
-        </p:nvSpPr>
-        <p:spPr>
-          <a:xfrm>
-            <a:off x="1175512" y="2557849"/>
-            <a:ext cx="9792208" cy="3407862"/>
-          </a:xfrm>
-        </p:spPr>
-        <p:txBody>
-          <a:bodyPr>
-            <a:normAutofit/>
-          </a:bodyPr>
-          <a:lstStyle/>
-          <a:p>
-            <a:r>
-              <a:rPr lang="en-US" dirty="0">
-                <a:solidFill>
-                  <a:schemeClr val="tx2">
-                    <a:lumMod val="75000"/>
-                  </a:schemeClr>
-                </a:solidFill>
-              </a:rPr>
-              <a:t>Can hold the values </a:t>
-            </a:r>
-            <a:r>
-              <a:rPr lang="en-US" dirty="0">
-                <a:solidFill>
-                  <a:schemeClr val="tx2">
-                    <a:lumMod val="75000"/>
-                  </a:schemeClr>
-                </a:solidFill>
-                <a:latin typeface="Consolas" panose="020B0609020204030204" pitchFamily="49" charset="0"/>
-                <a:cs typeface="Consolas" panose="020B0609020204030204" pitchFamily="49" charset="0"/>
-              </a:rPr>
-              <a:t>True</a:t>
-            </a:r>
-            <a:r>
-              <a:rPr lang="en-US" dirty="0">
-                <a:solidFill>
-                  <a:schemeClr val="tx2">
-                    <a:lumMod val="75000"/>
-                  </a:schemeClr>
-                </a:solidFill>
-              </a:rPr>
-              <a:t> or </a:t>
-            </a:r>
-            <a:r>
-              <a:rPr lang="en-US" dirty="0">
-                <a:solidFill>
-                  <a:schemeClr val="tx2">
-                    <a:lumMod val="75000"/>
-                  </a:schemeClr>
-                </a:solidFill>
-                <a:latin typeface="Consolas" panose="020B0609020204030204" pitchFamily="49" charset="0"/>
-                <a:cs typeface="Consolas" panose="020B0609020204030204" pitchFamily="49" charset="0"/>
-              </a:rPr>
-              <a:t>False</a:t>
-            </a:r>
-          </a:p>
-          <a:p>
-            <a:r>
-              <a:rPr lang="en-US" dirty="0">
-                <a:solidFill>
-                  <a:schemeClr val="tx2">
-                    <a:lumMod val="75000"/>
-                  </a:schemeClr>
-                </a:solidFill>
-                <a:cs typeface="Consolas" panose="020B0609020204030204" pitchFamily="49" charset="0"/>
-              </a:rPr>
-              <a:t>Represented by &lt;class ‘bool’&gt;</a:t>
-            </a:r>
-          </a:p>
-          <a:p>
-            <a:r>
-              <a:rPr lang="en-US" dirty="0">
-                <a:solidFill>
-                  <a:schemeClr val="tx2">
-                    <a:lumMod val="75000"/>
-                  </a:schemeClr>
-                </a:solidFill>
-                <a:cs typeface="Consolas" panose="020B0609020204030204" pitchFamily="49" charset="0"/>
-              </a:rPr>
-              <a:t>Most common functions applied on Boolean:</a:t>
-            </a:r>
-          </a:p>
-          <a:p>
-            <a:pPr lvl="1"/>
-            <a:r>
-              <a:rPr lang="en-US" b="1" dirty="0">
-                <a:solidFill>
-                  <a:schemeClr val="tx2">
-                    <a:lumMod val="75000"/>
-                  </a:schemeClr>
-                </a:solidFill>
-                <a:cs typeface="Consolas" panose="020B0609020204030204" pitchFamily="49" charset="0"/>
-              </a:rPr>
-              <a:t>and, or, negation, equality</a:t>
-            </a:r>
-          </a:p>
-          <a:p>
-            <a:r>
-              <a:rPr lang="en-US" dirty="0">
-                <a:solidFill>
-                  <a:schemeClr val="tx2">
-                    <a:lumMod val="75000"/>
-                  </a:schemeClr>
-                </a:solidFill>
-                <a:cs typeface="Consolas" panose="020B0609020204030204" pitchFamily="49" charset="0"/>
-              </a:rPr>
-              <a:t>Have a look at </a:t>
-            </a:r>
-            <a:r>
-              <a:rPr lang="en-US" dirty="0">
-                <a:solidFill>
-                  <a:schemeClr val="tx2">
-                    <a:lumMod val="75000"/>
-                  </a:schemeClr>
-                </a:solidFill>
-                <a:cs typeface="Consolas" panose="020B0609020204030204" pitchFamily="49" charset="0"/>
-                <a:hlinkClick r:id="rId2"/>
-              </a:rPr>
-              <a:t>https://en.wikipedia.org/wiki/Truth_table</a:t>
-            </a:r>
-            <a:endParaRPr lang="en-US" dirty="0">
-              <a:solidFill>
-                <a:schemeClr val="tx2">
-                  <a:lumMod val="75000"/>
-                </a:schemeClr>
-              </a:solidFill>
-              <a:cs typeface="Consolas" panose="020B0609020204030204" pitchFamily="49" charset="0"/>
-            </a:endParaRPr>
-          </a:p>
-          <a:p>
-            <a:endParaRPr lang="en-US" dirty="0">
-              <a:solidFill>
-                <a:schemeClr val="tx2">
-                  <a:lumMod val="75000"/>
-                </a:schemeClr>
-              </a:solidFill>
-              <a:cs typeface="Consolas" panose="020B0609020204030204" pitchFamily="49" charset="0"/>
-            </a:endParaRPr>
-          </a:p>
-        </p:txBody>
-      </p:sp>
-    </p:spTree>
-    <p:extLst>
-      <p:ext uri="{BB962C8B-B14F-4D97-AF65-F5344CB8AC3E}">
-        <p14:creationId xmlns:p14="http://schemas.microsoft.com/office/powerpoint/2010/main" val="3093890287"/>
-      </p:ext>
-    </p:extLst>
-  </p:cSld>
-  <p:clrMapOvr>
-    <a:masterClrMapping/>
-  </p:clrMapOvr>
-</p:sld>
-</file>
-
-<file path=ppt/slides/slide9.xml><?xml version="1.0" encoding="utf-8"?>
-<p:sld xmlns:a="http://schemas.openxmlformats.org/drawingml/2006/main" xmlns:r="http://schemas.openxmlformats.org/officeDocument/2006/relationships" xmlns:p="http://schemas.openxmlformats.org/presentationml/2006/main">
-  <p:cSld>
-    <p:spTree>
-      <p:nvGrpSpPr>
-        <p:cNvPr id="1" name=""/>
-        <p:cNvGrpSpPr/>
-        <p:nvPr/>
-      </p:nvGrpSpPr>
-      <p:grpSpPr>
-        <a:xfrm>
-          <a:off x="0" y="0"/>
-          <a:ext cx="0" cy="0"/>
-          <a:chOff x="0" y="0"/>
-          <a:chExt cx="0" cy="0"/>
-        </a:xfrm>
-      </p:grpSpPr>
-      <p:sp>
-        <p:nvSpPr>
-          <p:cNvPr id="2" name="Title 1">
-            <a:extLst>
-              <a:ext uri="{FF2B5EF4-FFF2-40B4-BE49-F238E27FC236}">
-                <a16:creationId xmlns:a16="http://schemas.microsoft.com/office/drawing/2014/main" id="{6485DAC9-81E1-8C4A-AC44-D8AEABA28682}"/>
-              </a:ext>
-            </a:extLst>
-          </p:cNvPr>
-          <p:cNvSpPr>
-            <a:spLocks noGrp="1"/>
-          </p:cNvSpPr>
-          <p:nvPr>
-            <p:ph type="title"/>
-          </p:nvPr>
-        </p:nvSpPr>
-        <p:spPr/>
-        <p:txBody>
-          <a:bodyPr/>
-          <a:lstStyle/>
-          <a:p>
-            <a:r>
-              <a:rPr lang="en-US" dirty="0"/>
-              <a:t>What can you do with a bool</a:t>
-            </a:r>
-          </a:p>
-        </p:txBody>
-      </p:sp>
-      <p:sp>
-        <p:nvSpPr>
-          <p:cNvPr id="3" name="Text Placeholder 2">
-            <a:extLst>
-              <a:ext uri="{FF2B5EF4-FFF2-40B4-BE49-F238E27FC236}">
-                <a16:creationId xmlns:a16="http://schemas.microsoft.com/office/drawing/2014/main" id="{BF83ACE2-61FF-5A4C-9887-D1CE1DBF2603}"/>
-              </a:ext>
-            </a:extLst>
-          </p:cNvPr>
-          <p:cNvSpPr>
-            <a:spLocks noGrp="1"/>
-          </p:cNvSpPr>
-          <p:nvPr>
-            <p:ph type="body" idx="1"/>
-          </p:nvPr>
-        </p:nvSpPr>
-        <p:spPr/>
-        <p:txBody>
-          <a:bodyPr/>
-          <a:lstStyle/>
-          <a:p>
-            <a:r>
-              <a:rPr lang="en-US" dirty="0"/>
-              <a:t>Operation</a:t>
-            </a:r>
-          </a:p>
-        </p:txBody>
-      </p:sp>
-      <p:sp>
-        <p:nvSpPr>
-          <p:cNvPr id="4" name="Content Placeholder 3">
-            <a:extLst>
-              <a:ext uri="{FF2B5EF4-FFF2-40B4-BE49-F238E27FC236}">
-                <a16:creationId xmlns:a16="http://schemas.microsoft.com/office/drawing/2014/main" id="{B30DFECA-55BB-094C-B661-D055D91138F3}"/>
-              </a:ext>
-            </a:extLst>
-          </p:cNvPr>
-          <p:cNvSpPr>
-            <a:spLocks noGrp="1"/>
-          </p:cNvSpPr>
-          <p:nvPr>
-            <p:ph sz="half" idx="2"/>
-          </p:nvPr>
-        </p:nvSpPr>
-        <p:spPr/>
-        <p:txBody>
-          <a:bodyPr>
-            <a:normAutofit fontScale="92500" lnSpcReduction="20000"/>
-          </a:bodyPr>
-          <a:lstStyle/>
-          <a:p>
-            <a:r>
-              <a:rPr lang="en-US" dirty="0"/>
-              <a:t>Assignment</a:t>
-            </a:r>
-          </a:p>
-          <a:p>
-            <a:r>
-              <a:rPr lang="en-US" dirty="0"/>
-              <a:t>Comparison</a:t>
-            </a:r>
-          </a:p>
-          <a:p>
-            <a:r>
-              <a:rPr lang="en-US" dirty="0"/>
-              <a:t>Negation	</a:t>
-            </a:r>
-          </a:p>
-          <a:p>
-            <a:r>
-              <a:rPr lang="en-US" dirty="0"/>
-              <a:t>Logical AND	</a:t>
-            </a:r>
-          </a:p>
-          <a:p>
-            <a:r>
-              <a:rPr lang="en-US" dirty="0"/>
-              <a:t>Logical OR</a:t>
-            </a:r>
-          </a:p>
-          <a:p>
-            <a:r>
-              <a:rPr lang="en-US" dirty="0"/>
-              <a:t>Identity</a:t>
-            </a:r>
-          </a:p>
-          <a:p>
-            <a:endParaRPr lang="en-US" dirty="0"/>
-          </a:p>
-          <a:p>
-            <a:r>
-              <a:rPr lang="en-US" dirty="0"/>
-              <a:t># Many more</a:t>
-            </a:r>
-          </a:p>
-        </p:txBody>
-      </p:sp>
-      <p:sp>
-        <p:nvSpPr>
-          <p:cNvPr id="5" name="Text Placeholder 4">
-            <a:extLst>
-              <a:ext uri="{FF2B5EF4-FFF2-40B4-BE49-F238E27FC236}">
-                <a16:creationId xmlns:a16="http://schemas.microsoft.com/office/drawing/2014/main" id="{6C4BDE2E-C83E-2C48-8F42-8B8E3AC9C8E5}"/>
-              </a:ext>
-            </a:extLst>
-          </p:cNvPr>
-          <p:cNvSpPr>
-            <a:spLocks noGrp="1"/>
-          </p:cNvSpPr>
-          <p:nvPr>
-            <p:ph type="body" sz="quarter" idx="3"/>
-          </p:nvPr>
-        </p:nvSpPr>
-        <p:spPr/>
-        <p:txBody>
-          <a:bodyPr/>
-          <a:lstStyle/>
-          <a:p>
-            <a:r>
-              <a:rPr lang="en-US" dirty="0"/>
-              <a:t>Code</a:t>
-            </a:r>
-          </a:p>
-        </p:txBody>
-      </p:sp>
-      <p:sp>
-        <p:nvSpPr>
-          <p:cNvPr id="6" name="Content Placeholder 5">
-            <a:extLst>
-              <a:ext uri="{FF2B5EF4-FFF2-40B4-BE49-F238E27FC236}">
-                <a16:creationId xmlns:a16="http://schemas.microsoft.com/office/drawing/2014/main" id="{DB12C907-E140-D544-8941-1E5A484ABBCE}"/>
-              </a:ext>
-            </a:extLst>
-          </p:cNvPr>
-          <p:cNvSpPr>
-            <a:spLocks noGrp="1"/>
-          </p:cNvSpPr>
-          <p:nvPr>
-            <p:ph sz="quarter" idx="4"/>
-          </p:nvPr>
-        </p:nvSpPr>
-        <p:spPr/>
-        <p:txBody>
-          <a:bodyPr>
-            <a:normAutofit fontScale="92500" lnSpcReduction="20000"/>
-          </a:bodyPr>
-          <a:lstStyle/>
-          <a:p>
-            <a:r>
-              <a:rPr lang="en-US" dirty="0"/>
-              <a:t>a = </a:t>
-            </a:r>
-            <a:r>
-              <a:rPr lang="en-US" b="1" dirty="0"/>
-              <a:t>False</a:t>
-            </a:r>
-            <a:endParaRPr lang="en-US" dirty="0"/>
-          </a:p>
-          <a:p>
-            <a:r>
-              <a:rPr lang="en-US" dirty="0"/>
-              <a:t>a == </a:t>
-            </a:r>
-            <a:r>
-              <a:rPr lang="en-US" b="1" dirty="0"/>
-              <a:t>True</a:t>
-            </a:r>
-          </a:p>
-          <a:p>
-            <a:r>
-              <a:rPr lang="en-US" b="1" dirty="0"/>
-              <a:t>not</a:t>
-            </a:r>
-            <a:r>
-              <a:rPr lang="en-US" dirty="0"/>
-              <a:t> a</a:t>
-            </a:r>
-          </a:p>
-          <a:p>
-            <a:r>
-              <a:rPr lang="en-US" dirty="0"/>
-              <a:t>a </a:t>
-            </a:r>
-            <a:r>
-              <a:rPr lang="en-US" b="1" dirty="0"/>
-              <a:t>and</a:t>
-            </a:r>
-            <a:r>
-              <a:rPr lang="en-US" dirty="0"/>
-              <a:t> b</a:t>
-            </a:r>
-          </a:p>
-          <a:p>
-            <a:r>
-              <a:rPr lang="en-US" dirty="0"/>
-              <a:t>a </a:t>
-            </a:r>
-            <a:r>
-              <a:rPr lang="en-US" b="1" dirty="0"/>
-              <a:t>or </a:t>
-            </a:r>
-            <a:r>
-              <a:rPr lang="en-US" dirty="0"/>
-              <a:t>b</a:t>
-            </a:r>
-          </a:p>
-          <a:p>
-            <a:r>
-              <a:rPr lang="en-US" dirty="0"/>
-              <a:t>a </a:t>
-            </a:r>
-            <a:r>
-              <a:rPr lang="en-US" b="1" dirty="0"/>
-              <a:t> is </a:t>
-            </a:r>
-            <a:r>
-              <a:rPr lang="en-US" dirty="0"/>
-              <a:t>b, a </a:t>
-            </a:r>
-            <a:r>
-              <a:rPr lang="en-US" b="1" dirty="0"/>
-              <a:t>is not </a:t>
-            </a:r>
-            <a:r>
-              <a:rPr lang="en-US" dirty="0"/>
-              <a:t>b</a:t>
-            </a:r>
-          </a:p>
-          <a:p>
-            <a:endParaRPr lang="en-US" dirty="0"/>
-          </a:p>
-          <a:p>
-            <a:r>
-              <a:rPr lang="en-US" dirty="0">
-                <a:hlinkClick r:id="rId2">
-                  <a:extLst>
-                    <a:ext uri="{A12FA001-AC4F-418D-AE19-62706E023703}">
-                      <ahyp:hlinkClr xmlns:ahyp="http://schemas.microsoft.com/office/drawing/2018/hyperlinkcolor" val="tx"/>
-                    </a:ext>
-                  </a:extLst>
-                </a:hlinkClick>
-              </a:rPr>
-              <a:t>https://en.wikipedia.org/wiki/Truth_table</a:t>
-            </a:r>
-            <a:endParaRPr lang="en-US" dirty="0"/>
-          </a:p>
-        </p:txBody>
-      </p:sp>
-    </p:spTree>
-    <p:extLst>
-      <p:ext uri="{BB962C8B-B14F-4D97-AF65-F5344CB8AC3E}">
-        <p14:creationId xmlns:p14="http://schemas.microsoft.com/office/powerpoint/2010/main" val="3920176024"/>
       </p:ext>
     </p:extLst>
   </p:cSld>

--- a/fundamentals/2-State, Data types.pptx
+++ b/fundamentals/2-State, Data types.pptx
@@ -226,7 +226,7 @@
           <a:p>
             <a:fld id="{720C9186-47A3-C54A-A8AF-47B660C0099D}" type="datetimeFigureOut">
               <a:rPr lang="en-US" smtClean="0"/>
-              <a:t>7/5/20</a:t>
+              <a:t>7/12/20</a:t>
             </a:fld>
             <a:endParaRPr lang="en-US"/>
           </a:p>
@@ -727,7 +727,7 @@
           <a:p>
             <a:fld id="{4AAD347D-5ACD-4C99-B74B-A9C85AD731AF}" type="datetimeFigureOut">
               <a:rPr lang="en-US" smtClean="0"/>
-              <a:t>7/5/20</a:t>
+              <a:t>7/12/20</a:t>
             </a:fld>
             <a:endParaRPr lang="en-US" dirty="0"/>
           </a:p>
@@ -927,7 +927,7 @@
           <a:p>
             <a:fld id="{4AAD347D-5ACD-4C99-B74B-A9C85AD731AF}" type="datetimeFigureOut">
               <a:rPr lang="en-US" smtClean="0"/>
-              <a:t>7/5/20</a:t>
+              <a:t>7/12/20</a:t>
             </a:fld>
             <a:endParaRPr lang="en-US" dirty="0"/>
           </a:p>
@@ -1138,7 +1138,7 @@
           <a:p>
             <a:fld id="{4AAD347D-5ACD-4C99-B74B-A9C85AD731AF}" type="datetimeFigureOut">
               <a:rPr lang="en-US" smtClean="0"/>
-              <a:t>7/5/20</a:t>
+              <a:t>7/12/20</a:t>
             </a:fld>
             <a:endParaRPr lang="en-US" dirty="0"/>
           </a:p>
@@ -1339,7 +1339,7 @@
           <a:p>
             <a:fld id="{4AAD347D-5ACD-4C99-B74B-A9C85AD731AF}" type="datetimeFigureOut">
               <a:rPr lang="en-US" smtClean="0"/>
-              <a:t>7/5/20</a:t>
+              <a:t>7/12/20</a:t>
             </a:fld>
             <a:endParaRPr lang="en-US" dirty="0"/>
           </a:p>
@@ -1616,7 +1616,7 @@
           <a:p>
             <a:fld id="{9796027F-7875-4030-9381-8BD8C4F21935}" type="datetimeFigureOut">
               <a:rPr lang="en-US" smtClean="0"/>
-              <a:t>7/5/20</a:t>
+              <a:t>7/12/20</a:t>
             </a:fld>
             <a:endParaRPr lang="en-US" dirty="0"/>
           </a:p>
@@ -1884,7 +1884,7 @@
           <a:p>
             <a:fld id="{4AAD347D-5ACD-4C99-B74B-A9C85AD731AF}" type="datetimeFigureOut">
               <a:rPr lang="en-US" smtClean="0"/>
-              <a:t>7/5/20</a:t>
+              <a:t>7/12/20</a:t>
             </a:fld>
             <a:endParaRPr lang="en-US" dirty="0"/>
           </a:p>
@@ -2305,7 +2305,7 @@
           <a:p>
             <a:fld id="{4AAD347D-5ACD-4C99-B74B-A9C85AD731AF}" type="datetimeFigureOut">
               <a:rPr lang="en-US" smtClean="0"/>
-              <a:t>7/5/20</a:t>
+              <a:t>7/12/20</a:t>
             </a:fld>
             <a:endParaRPr lang="en-US" dirty="0"/>
           </a:p>
@@ -2448,7 +2448,7 @@
           <a:p>
             <a:fld id="{4509A250-FF31-4206-8172-F9D3106AACB1}" type="datetimeFigureOut">
               <a:rPr lang="en-US" smtClean="0"/>
-              <a:t>7/5/20</a:t>
+              <a:t>7/12/20</a:t>
             </a:fld>
             <a:endParaRPr lang="en-US" dirty="0"/>
           </a:p>
@@ -2561,7 +2561,7 @@
           <a:p>
             <a:fld id="{4509A250-FF31-4206-8172-F9D3106AACB1}" type="datetimeFigureOut">
               <a:rPr lang="en-US" smtClean="0"/>
-              <a:t>7/5/20</a:t>
+              <a:t>7/12/20</a:t>
             </a:fld>
             <a:endParaRPr lang="en-US" dirty="0"/>
           </a:p>
@@ -2874,7 +2874,7 @@
           <a:p>
             <a:fld id="{4AAD347D-5ACD-4C99-B74B-A9C85AD731AF}" type="datetimeFigureOut">
               <a:rPr lang="en-US" smtClean="0"/>
-              <a:t>7/5/20</a:t>
+              <a:t>7/12/20</a:t>
             </a:fld>
             <a:endParaRPr lang="en-US" dirty="0"/>
           </a:p>
@@ -3173,7 +3173,7 @@
           <a:p>
             <a:fld id="{4509A250-FF31-4206-8172-F9D3106AACB1}" type="datetimeFigureOut">
               <a:rPr lang="en-US" smtClean="0"/>
-              <a:t>7/5/20</a:t>
+              <a:t>7/12/20</a:t>
             </a:fld>
             <a:endParaRPr lang="en-US" dirty="0"/>
           </a:p>
@@ -3419,7 +3419,7 @@
           <a:p>
             <a:fld id="{4AAD347D-5ACD-4C99-B74B-A9C85AD731AF}" type="datetimeFigureOut">
               <a:rPr lang="en-US" smtClean="0"/>
-              <a:t>7/5/20</a:t>
+              <a:t>7/12/20</a:t>
             </a:fld>
             <a:endParaRPr lang="en-US" dirty="0"/>
           </a:p>
@@ -7841,7 +7841,7 @@
           <p:nvPr>
             <p:extLst>
               <p:ext uri="{D42A27DB-BD31-4B8C-83A1-F6EECF244321}">
-                <p14:modId xmlns:p14="http://schemas.microsoft.com/office/powerpoint/2010/main" val="4062214398"/>
+                <p14:modId xmlns:p14="http://schemas.microsoft.com/office/powerpoint/2010/main" val="2932075871"/>
               </p:ext>
             </p:extLst>
           </p:nvPr>
@@ -8054,7 +8054,92 @@
                             <a:srgbClr val="0070C0"/>
                           </a:solidFill>
                         </a:rPr>
-                        <a:t>1</a:t>
+                        <a:t>0</a:t>
+                      </a:r>
+                    </a:p>
+                  </a:txBody>
+                  <a:tcPr/>
+                </a:tc>
+                <a:tc>
+                  <a:txBody>
+                    <a:bodyPr/>
+                    <a:lstStyle/>
+                    <a:p>
+                      <a:r>
+                        <a:rPr lang="en-US" dirty="0">
+                          <a:solidFill>
+                            <a:srgbClr val="0070C0"/>
+                          </a:solidFill>
+                        </a:rPr>
+                        <a:t>0</a:t>
+                      </a:r>
+                    </a:p>
+                  </a:txBody>
+                  <a:tcPr/>
+                </a:tc>
+                <a:tc>
+                  <a:txBody>
+                    <a:bodyPr/>
+                    <a:lstStyle/>
+                    <a:p>
+                      <a:r>
+                        <a:rPr lang="en-US" dirty="0">
+                          <a:solidFill>
+                            <a:srgbClr val="0070C0"/>
+                          </a:solidFill>
+                        </a:rPr>
+                        <a:t>0</a:t>
+                      </a:r>
+                    </a:p>
+                  </a:txBody>
+                  <a:tcPr/>
+                </a:tc>
+                <a:tc>
+                  <a:txBody>
+                    <a:bodyPr/>
+                    <a:lstStyle/>
+                    <a:p>
+                      <a:r>
+                        <a:rPr lang="en-US" dirty="0">
+                          <a:solidFill>
+                            <a:srgbClr val="0070C0"/>
+                          </a:solidFill>
+                        </a:rPr>
+                        <a:t>0</a:t>
+                      </a:r>
+                    </a:p>
+                  </a:txBody>
+                  <a:tcPr/>
+                </a:tc>
+                <a:tc>
+                  <a:txBody>
+                    <a:bodyPr/>
+                    <a:lstStyle/>
+                    <a:p>
+                      <a:r>
+                        <a:rPr lang="en-US" dirty="0">
+                          <a:solidFill>
+                            <a:srgbClr val="0070C0"/>
+                          </a:solidFill>
+                        </a:rPr>
+                        <a:t>0</a:t>
+                      </a:r>
+                    </a:p>
+                  </a:txBody>
+                  <a:tcPr/>
+                </a:tc>
+                <a:tc>
+                  <a:txBody>
+                    <a:bodyPr/>
+                    <a:lstStyle/>
+                    <a:p>
+                      <a:r>
+                        <a:rPr lang="en-US" dirty="0">
+                          <a:solidFill>
+                            <a:srgbClr val="0070C0"/>
+                          </a:solidFill>
+                        </a:rPr>
+                        <a:t>0</a:t>
                       </a:r>
                     </a:p>
                   </a:txBody>
@@ -8072,91 +8157,6 @@
                           </a:solidFill>
                         </a:rPr>
                         <a:t>1</a:t>
-                      </a:r>
-                    </a:p>
-                  </a:txBody>
-                  <a:tcPr/>
-                </a:tc>
-                <a:tc>
-                  <a:txBody>
-                    <a:bodyPr/>
-                    <a:lstStyle/>
-                    <a:p>
-                      <a:r>
-                        <a:rPr lang="en-US" dirty="0">
-                          <a:solidFill>
-                            <a:srgbClr val="0070C0"/>
-                          </a:solidFill>
-                        </a:rPr>
-                        <a:t>0</a:t>
-                      </a:r>
-                    </a:p>
-                  </a:txBody>
-                  <a:tcPr/>
-                </a:tc>
-                <a:tc>
-                  <a:txBody>
-                    <a:bodyPr/>
-                    <a:lstStyle/>
-                    <a:p>
-                      <a:r>
-                        <a:rPr lang="en-US" dirty="0">
-                          <a:solidFill>
-                            <a:srgbClr val="0070C0"/>
-                          </a:solidFill>
-                        </a:rPr>
-                        <a:t>1</a:t>
-                      </a:r>
-                    </a:p>
-                  </a:txBody>
-                  <a:tcPr/>
-                </a:tc>
-                <a:tc>
-                  <a:txBody>
-                    <a:bodyPr/>
-                    <a:lstStyle/>
-                    <a:p>
-                      <a:r>
-                        <a:rPr lang="en-US" dirty="0">
-                          <a:solidFill>
-                            <a:srgbClr val="0070C0"/>
-                          </a:solidFill>
-                        </a:rPr>
-                        <a:t>1</a:t>
-                      </a:r>
-                    </a:p>
-                  </a:txBody>
-                  <a:tcPr/>
-                </a:tc>
-                <a:tc>
-                  <a:txBody>
-                    <a:bodyPr/>
-                    <a:lstStyle/>
-                    <a:p>
-                      <a:r>
-                        <a:rPr lang="en-US" dirty="0">
-                          <a:solidFill>
-                            <a:srgbClr val="0070C0"/>
-                          </a:solidFill>
-                        </a:rPr>
-                        <a:t>0</a:t>
-                      </a:r>
-                    </a:p>
-                  </a:txBody>
-                  <a:tcPr/>
-                </a:tc>
-                <a:tc>
-                  <a:txBody>
-                    <a:bodyPr/>
-                    <a:lstStyle/>
-                    <a:p>
-                      <a:r>
-                        <a:rPr lang="en-US" dirty="0">
-                          <a:solidFill>
-                            <a:srgbClr val="0070C0"/>
-                          </a:solidFill>
-                        </a:rPr>
-                        <a:t>0</a:t>
                       </a:r>
                     </a:p>
                   </a:txBody>
@@ -8291,7 +8291,7 @@
                             <a:srgbClr val="00B050"/>
                           </a:solidFill>
                         </a:rPr>
-                        <a:t>1</a:t>
+                        <a:t>0</a:t>
                       </a:r>
                     </a:p>
                   </a:txBody>
@@ -8359,7 +8359,7 @@
                             <a:srgbClr val="00B050"/>
                           </a:solidFill>
                         </a:rPr>
-                        <a:t>1</a:t>
+                        <a:t>0</a:t>
                       </a:r>
                     </a:p>
                   </a:txBody>
@@ -8393,7 +8393,7 @@
                             <a:srgbClr val="00B050"/>
                           </a:solidFill>
                         </a:rPr>
-                        <a:t>1</a:t>
+                        <a:t>0</a:t>
                       </a:r>
                     </a:p>
                   </a:txBody>
@@ -8553,7 +8553,7 @@
                             <a:srgbClr val="00B050"/>
                           </a:solidFill>
                         </a:rPr>
-                        <a:t>0</a:t>
+                        <a:t>1</a:t>
                       </a:r>
                     </a:p>
                   </a:txBody>
@@ -8594,7 +8594,24 @@
                             <a:srgbClr val="00B050"/>
                           </a:solidFill>
                         </a:rPr>
-                        <a:t>1</a:t>
+                        <a:t>0</a:t>
+                      </a:r>
+                    </a:p>
+                  </a:txBody>
+                  <a:tcPr/>
+                </a:tc>
+                <a:tc>
+                  <a:txBody>
+                    <a:bodyPr/>
+                    <a:lstStyle/>
+                    <a:p>
+                      <a:r>
+                        <a:rPr lang="en-US" dirty="0">
+                          <a:solidFill>
+                            <a:srgbClr val="00B050"/>
+                          </a:solidFill>
+                        </a:rPr>
+                        <a:t>0</a:t>
                       </a:r>
                     </a:p>
                   </a:txBody>
@@ -8646,23 +8663,6 @@
                           </a:solidFill>
                         </a:rPr>
                         <a:t>1</a:t>
-                      </a:r>
-                    </a:p>
-                  </a:txBody>
-                  <a:tcPr/>
-                </a:tc>
-                <a:tc>
-                  <a:txBody>
-                    <a:bodyPr/>
-                    <a:lstStyle/>
-                    <a:p>
-                      <a:r>
-                        <a:rPr lang="en-US" dirty="0">
-                          <a:solidFill>
-                            <a:srgbClr val="00B050"/>
-                          </a:solidFill>
-                        </a:rPr>
-                        <a:t>0</a:t>
                       </a:r>
                     </a:p>
                   </a:txBody>
@@ -8720,7 +8720,7 @@
                             <a:srgbClr val="00B050"/>
                           </a:solidFill>
                         </a:rPr>
-                        <a:t>1</a:t>
+                        <a:t>0</a:t>
                       </a:r>
                     </a:p>
                   </a:txBody>
@@ -8788,24 +8788,7 @@
                             <a:srgbClr val="00B050"/>
                           </a:solidFill>
                         </a:rPr>
-                        <a:t>0</a:t>
-                      </a:r>
-                    </a:p>
-                  </a:txBody>
-                  <a:tcPr/>
-                </a:tc>
-                <a:tc>
-                  <a:txBody>
-                    <a:bodyPr/>
-                    <a:lstStyle/>
-                    <a:p>
-                      <a:r>
-                        <a:rPr lang="en-US" dirty="0">
-                          <a:solidFill>
-                            <a:srgbClr val="00B050"/>
-                          </a:solidFill>
-                        </a:rPr>
-                        <a:t>0</a:t>
+                        <a:t>1</a:t>
                       </a:r>
                     </a:p>
                   </a:txBody>
@@ -8839,7 +8822,24 @@
                             <a:srgbClr val="00B050"/>
                           </a:solidFill>
                         </a:rPr>
-                        <a:t>0</a:t>
+                        <a:t>1</a:t>
+                      </a:r>
+                    </a:p>
+                  </a:txBody>
+                  <a:tcPr/>
+                </a:tc>
+                <a:tc>
+                  <a:txBody>
+                    <a:bodyPr/>
+                    <a:lstStyle/>
+                    <a:p>
+                      <a:r>
+                        <a:rPr lang="en-US" dirty="0">
+                          <a:solidFill>
+                            <a:srgbClr val="00B050"/>
+                          </a:solidFill>
+                        </a:rPr>
+                        <a:t>1</a:t>
                       </a:r>
                     </a:p>
                   </a:txBody>
@@ -10381,14 +10381,14 @@
           <p:nvPr>
             <p:extLst>
               <p:ext uri="{D42A27DB-BD31-4B8C-83A1-F6EECF244321}">
-                <p14:modId xmlns:p14="http://schemas.microsoft.com/office/powerpoint/2010/main" val="3513355893"/>
+                <p14:modId xmlns:p14="http://schemas.microsoft.com/office/powerpoint/2010/main" val="1097571958"/>
               </p:ext>
             </p:extLst>
           </p:nvPr>
         </p:nvGraphicFramePr>
         <p:xfrm>
-          <a:off x="124505" y="1859053"/>
-          <a:ext cx="745498" cy="2926080"/>
+          <a:off x="114944" y="1830918"/>
+          <a:ext cx="638002" cy="2954214"/>
         </p:xfrm>
         <a:graphic>
           <a:graphicData uri="http://schemas.openxmlformats.org/drawingml/2006/table">
@@ -10397,7 +10397,7 @@
                 <a:tableStyleId>{5940675A-B579-460E-94D1-54222C63F5DA}</a:tableStyleId>
               </a:tblPr>
               <a:tblGrid>
-                <a:gridCol w="745498">
+                <a:gridCol w="638002">
                   <a:extLst>
                     <a:ext uri="{9D8B030D-6E8A-4147-A177-3AD203B41FA5}">
                       <a16:colId xmlns:a16="http://schemas.microsoft.com/office/drawing/2014/main" val="1054931151"/>
@@ -10405,14 +10405,14 @@
                   </a:extLst>
                 </a:gridCol>
               </a:tblGrid>
-              <a:tr h="585216">
-                <a:tc>
-                  <a:txBody>
-                    <a:bodyPr/>
-                    <a:lstStyle/>
-                    <a:p>
-                      <a:r>
-                        <a:rPr lang="en-US" dirty="0"/>
+              <a:tr h="328246">
+                <a:tc>
+                  <a:txBody>
+                    <a:bodyPr/>
+                    <a:lstStyle/>
+                    <a:p>
+                      <a:r>
+                        <a:rPr lang="en-US" sz="1200" dirty="0"/>
                         <a:t>Line 0</a:t>
                       </a:r>
                     </a:p>
@@ -10425,14 +10425,14 @@
                   </a:ext>
                 </a:extLst>
               </a:tr>
-              <a:tr h="585216">
-                <a:tc>
-                  <a:txBody>
-                    <a:bodyPr/>
-                    <a:lstStyle/>
-                    <a:p>
-                      <a:r>
-                        <a:rPr lang="en-US" dirty="0"/>
+              <a:tr h="328246">
+                <a:tc>
+                  <a:txBody>
+                    <a:bodyPr/>
+                    <a:lstStyle/>
+                    <a:p>
+                      <a:r>
+                        <a:rPr lang="en-US" sz="1200" dirty="0"/>
                         <a:t>Line 1</a:t>
                       </a:r>
                     </a:p>
@@ -10445,14 +10445,14 @@
                   </a:ext>
                 </a:extLst>
               </a:tr>
-              <a:tr h="585216">
-                <a:tc>
-                  <a:txBody>
-                    <a:bodyPr/>
-                    <a:lstStyle/>
-                    <a:p>
-                      <a:r>
-                        <a:rPr lang="en-US" dirty="0"/>
+              <a:tr h="328246">
+                <a:tc>
+                  <a:txBody>
+                    <a:bodyPr/>
+                    <a:lstStyle/>
+                    <a:p>
+                      <a:r>
+                        <a:rPr lang="en-US" sz="1200" dirty="0"/>
                         <a:t>Line 2</a:t>
                       </a:r>
                     </a:p>
@@ -10465,14 +10465,14 @@
                   </a:ext>
                 </a:extLst>
               </a:tr>
-              <a:tr h="585216">
-                <a:tc>
-                  <a:txBody>
-                    <a:bodyPr/>
-                    <a:lstStyle/>
-                    <a:p>
-                      <a:r>
-                        <a:rPr lang="en-US" dirty="0"/>
+              <a:tr h="328246">
+                <a:tc>
+                  <a:txBody>
+                    <a:bodyPr/>
+                    <a:lstStyle/>
+                    <a:p>
+                      <a:r>
+                        <a:rPr lang="en-US" sz="1200" dirty="0"/>
                         <a:t>Line 3</a:t>
                       </a:r>
                     </a:p>
@@ -10485,14 +10485,14 @@
                   </a:ext>
                 </a:extLst>
               </a:tr>
-              <a:tr h="585216">
-                <a:tc>
-                  <a:txBody>
-                    <a:bodyPr/>
-                    <a:lstStyle/>
-                    <a:p>
-                      <a:r>
-                        <a:rPr lang="en-US" dirty="0"/>
+              <a:tr h="328246">
+                <a:tc>
+                  <a:txBody>
+                    <a:bodyPr/>
+                    <a:lstStyle/>
+                    <a:p>
+                      <a:r>
+                        <a:rPr lang="en-US" sz="1200" dirty="0"/>
                         <a:t>Line 4</a:t>
                       </a:r>
                     </a:p>
@@ -10505,57 +10505,14 @@
                   </a:ext>
                 </a:extLst>
               </a:tr>
-            </a:tbl>
-          </a:graphicData>
-        </a:graphic>
-      </p:graphicFrame>
-      <p:graphicFrame>
-        <p:nvGraphicFramePr>
-          <p:cNvPr id="16" name="Table 15">
-            <a:extLst>
-              <a:ext uri="{FF2B5EF4-FFF2-40B4-BE49-F238E27FC236}">
-                <a16:creationId xmlns:a16="http://schemas.microsoft.com/office/drawing/2014/main" id="{46E810D3-BCAC-934D-855C-9FF7B3308BBE}"/>
-              </a:ext>
-            </a:extLst>
-          </p:cNvPr>
-          <p:cNvGraphicFramePr>
-            <a:graphicFrameLocks noGrp="1"/>
-          </p:cNvGraphicFramePr>
-          <p:nvPr>
-            <p:extLst>
-              <p:ext uri="{D42A27DB-BD31-4B8C-83A1-F6EECF244321}">
-                <p14:modId xmlns:p14="http://schemas.microsoft.com/office/powerpoint/2010/main" val="667063067"/>
-              </p:ext>
-            </p:extLst>
-          </p:nvPr>
-        </p:nvGraphicFramePr>
-        <p:xfrm>
-          <a:off x="11192110" y="1859053"/>
-          <a:ext cx="745498" cy="2926080"/>
-        </p:xfrm>
-        <a:graphic>
-          <a:graphicData uri="http://schemas.openxmlformats.org/drawingml/2006/table">
-            <a:tbl>
-              <a:tblPr firstRow="1" bandRow="1">
-                <a:tableStyleId>{5940675A-B579-460E-94D1-54222C63F5DA}</a:tableStyleId>
-              </a:tblPr>
-              <a:tblGrid>
-                <a:gridCol w="745498">
-                  <a:extLst>
-                    <a:ext uri="{9D8B030D-6E8A-4147-A177-3AD203B41FA5}">
-                      <a16:colId xmlns:a16="http://schemas.microsoft.com/office/drawing/2014/main" val="1054931151"/>
-                    </a:ext>
-                  </a:extLst>
-                </a:gridCol>
-              </a:tblGrid>
-              <a:tr h="585216">
-                <a:tc>
-                  <a:txBody>
-                    <a:bodyPr/>
-                    <a:lstStyle/>
-                    <a:p>
-                      <a:r>
-                        <a:rPr lang="en-US" dirty="0"/>
+              <a:tr h="328246">
+                <a:tc>
+                  <a:txBody>
+                    <a:bodyPr/>
+                    <a:lstStyle/>
+                    <a:p>
+                      <a:r>
+                        <a:rPr lang="en-US" sz="1200" dirty="0"/>
                         <a:t>Line 5</a:t>
                       </a:r>
                     </a:p>
@@ -10564,18 +10521,18 @@
                 </a:tc>
                 <a:extLst>
                   <a:ext uri="{0D108BD9-81ED-4DB2-BD59-A6C34878D82A}">
-                    <a16:rowId xmlns:a16="http://schemas.microsoft.com/office/drawing/2014/main" val="1041752894"/>
+                    <a16:rowId xmlns:a16="http://schemas.microsoft.com/office/drawing/2014/main" val="4189346211"/>
                   </a:ext>
                 </a:extLst>
               </a:tr>
-              <a:tr h="585216">
-                <a:tc>
-                  <a:txBody>
-                    <a:bodyPr/>
-                    <a:lstStyle/>
-                    <a:p>
-                      <a:r>
-                        <a:rPr lang="en-US" dirty="0"/>
+              <a:tr h="328246">
+                <a:tc>
+                  <a:txBody>
+                    <a:bodyPr/>
+                    <a:lstStyle/>
+                    <a:p>
+                      <a:r>
+                        <a:rPr lang="en-US" sz="1200" dirty="0"/>
                         <a:t>Line 6</a:t>
                       </a:r>
                     </a:p>
@@ -10584,18 +10541,18 @@
                 </a:tc>
                 <a:extLst>
                   <a:ext uri="{0D108BD9-81ED-4DB2-BD59-A6C34878D82A}">
-                    <a16:rowId xmlns:a16="http://schemas.microsoft.com/office/drawing/2014/main" val="1760921122"/>
+                    <a16:rowId xmlns:a16="http://schemas.microsoft.com/office/drawing/2014/main" val="4067299778"/>
                   </a:ext>
                 </a:extLst>
               </a:tr>
-              <a:tr h="585216">
-                <a:tc>
-                  <a:txBody>
-                    <a:bodyPr/>
-                    <a:lstStyle/>
-                    <a:p>
-                      <a:r>
-                        <a:rPr lang="en-US" dirty="0"/>
+              <a:tr h="328246">
+                <a:tc>
+                  <a:txBody>
+                    <a:bodyPr/>
+                    <a:lstStyle/>
+                    <a:p>
+                      <a:r>
+                        <a:rPr lang="en-US" sz="1200" dirty="0"/>
                         <a:t>Line 7</a:t>
                       </a:r>
                     </a:p>
@@ -10604,18 +10561,18 @@
                 </a:tc>
                 <a:extLst>
                   <a:ext uri="{0D108BD9-81ED-4DB2-BD59-A6C34878D82A}">
-                    <a16:rowId xmlns:a16="http://schemas.microsoft.com/office/drawing/2014/main" val="3045800876"/>
+                    <a16:rowId xmlns:a16="http://schemas.microsoft.com/office/drawing/2014/main" val="978565573"/>
                   </a:ext>
                 </a:extLst>
               </a:tr>
-              <a:tr h="585216">
-                <a:tc>
-                  <a:txBody>
-                    <a:bodyPr/>
-                    <a:lstStyle/>
-                    <a:p>
-                      <a:r>
-                        <a:rPr lang="en-US" dirty="0"/>
+              <a:tr h="328246">
+                <a:tc>
+                  <a:txBody>
+                    <a:bodyPr/>
+                    <a:lstStyle/>
+                    <a:p>
+                      <a:r>
+                        <a:rPr lang="en-US" sz="1200" dirty="0"/>
                         <a:t>Line 8</a:t>
                       </a:r>
                     </a:p>
@@ -10624,27 +10581,7 @@
                 </a:tc>
                 <a:extLst>
                   <a:ext uri="{0D108BD9-81ED-4DB2-BD59-A6C34878D82A}">
-                    <a16:rowId xmlns:a16="http://schemas.microsoft.com/office/drawing/2014/main" val="2201208643"/>
-                  </a:ext>
-                </a:extLst>
-              </a:tr>
-              <a:tr h="585216">
-                <a:tc>
-                  <a:txBody>
-                    <a:bodyPr/>
-                    <a:lstStyle/>
-                    <a:p>
-                      <a:r>
-                        <a:rPr lang="en-US" dirty="0"/>
-                        <a:t>Line 9</a:t>
-                      </a:r>
-                    </a:p>
-                  </a:txBody>
-                  <a:tcPr/>
-                </a:tc>
-                <a:extLst>
-                  <a:ext uri="{0D108BD9-81ED-4DB2-BD59-A6C34878D82A}">
-                    <a16:rowId xmlns:a16="http://schemas.microsoft.com/office/drawing/2014/main" val="1258763262"/>
+                    <a16:rowId xmlns:a16="http://schemas.microsoft.com/office/drawing/2014/main" val="1169203172"/>
                   </a:ext>
                 </a:extLst>
               </a:tr>
@@ -10666,8 +10603,8 @@
         </p:nvSpPr>
         <p:spPr>
           <a:xfrm>
-            <a:off x="3446728" y="6397226"/>
-            <a:ext cx="5168659" cy="369332"/>
+            <a:off x="3249614" y="6211669"/>
+            <a:ext cx="6397392" cy="646331"/>
           </a:xfrm>
           <a:prstGeom prst="rect">
             <a:avLst/>
@@ -10711,8 +10648,243 @@
               <a:t> in computer memory</a:t>
             </a:r>
           </a:p>
+          <a:p>
+            <a:r>
+              <a:rPr lang="en-US" dirty="0">
+                <a:solidFill>
+                  <a:schemeClr val="tx2">
+                    <a:lumMod val="75000"/>
+                  </a:schemeClr>
+                </a:solidFill>
+              </a:rPr>
+              <a:t># To fit this in 1 slide, float and complex are assumed to be 4 bytes</a:t>
+            </a:r>
+          </a:p>
         </p:txBody>
       </p:sp>
+      <p:graphicFrame>
+        <p:nvGraphicFramePr>
+          <p:cNvPr id="18" name="Table 17">
+            <a:extLst>
+              <a:ext uri="{FF2B5EF4-FFF2-40B4-BE49-F238E27FC236}">
+                <a16:creationId xmlns:a16="http://schemas.microsoft.com/office/drawing/2014/main" id="{9EBC8F66-C9FD-DB41-B5D4-AEDA57302C06}"/>
+              </a:ext>
+            </a:extLst>
+          </p:cNvPr>
+          <p:cNvGraphicFramePr>
+            <a:graphicFrameLocks noGrp="1"/>
+          </p:cNvGraphicFramePr>
+          <p:nvPr>
+            <p:extLst>
+              <p:ext uri="{D42A27DB-BD31-4B8C-83A1-F6EECF244321}">
+                <p14:modId xmlns:p14="http://schemas.microsoft.com/office/powerpoint/2010/main" val="1299318574"/>
+              </p:ext>
+            </p:extLst>
+          </p:nvPr>
+        </p:nvGraphicFramePr>
+        <p:xfrm>
+          <a:off x="11206791" y="1844986"/>
+          <a:ext cx="638002" cy="2954214"/>
+        </p:xfrm>
+        <a:graphic>
+          <a:graphicData uri="http://schemas.openxmlformats.org/drawingml/2006/table">
+            <a:tbl>
+              <a:tblPr firstRow="1" bandRow="1">
+                <a:tableStyleId>{5940675A-B579-460E-94D1-54222C63F5DA}</a:tableStyleId>
+              </a:tblPr>
+              <a:tblGrid>
+                <a:gridCol w="638002">
+                  <a:extLst>
+                    <a:ext uri="{9D8B030D-6E8A-4147-A177-3AD203B41FA5}">
+                      <a16:colId xmlns:a16="http://schemas.microsoft.com/office/drawing/2014/main" val="1054931151"/>
+                    </a:ext>
+                  </a:extLst>
+                </a:gridCol>
+              </a:tblGrid>
+              <a:tr h="328246">
+                <a:tc>
+                  <a:txBody>
+                    <a:bodyPr/>
+                    <a:lstStyle/>
+                    <a:p>
+                      <a:r>
+                        <a:rPr lang="en-US" sz="1200" dirty="0"/>
+                        <a:t>Line 0</a:t>
+                      </a:r>
+                    </a:p>
+                  </a:txBody>
+                  <a:tcPr/>
+                </a:tc>
+                <a:extLst>
+                  <a:ext uri="{0D108BD9-81ED-4DB2-BD59-A6C34878D82A}">
+                    <a16:rowId xmlns:a16="http://schemas.microsoft.com/office/drawing/2014/main" val="1041752894"/>
+                  </a:ext>
+                </a:extLst>
+              </a:tr>
+              <a:tr h="328246">
+                <a:tc>
+                  <a:txBody>
+                    <a:bodyPr/>
+                    <a:lstStyle/>
+                    <a:p>
+                      <a:r>
+                        <a:rPr lang="en-US" sz="1200" dirty="0"/>
+                        <a:t>Line 1</a:t>
+                      </a:r>
+                    </a:p>
+                  </a:txBody>
+                  <a:tcPr/>
+                </a:tc>
+                <a:extLst>
+                  <a:ext uri="{0D108BD9-81ED-4DB2-BD59-A6C34878D82A}">
+                    <a16:rowId xmlns:a16="http://schemas.microsoft.com/office/drawing/2014/main" val="1760921122"/>
+                  </a:ext>
+                </a:extLst>
+              </a:tr>
+              <a:tr h="328246">
+                <a:tc>
+                  <a:txBody>
+                    <a:bodyPr/>
+                    <a:lstStyle/>
+                    <a:p>
+                      <a:r>
+                        <a:rPr lang="en-US" sz="1200" dirty="0"/>
+                        <a:t>Line 2</a:t>
+                      </a:r>
+                    </a:p>
+                  </a:txBody>
+                  <a:tcPr/>
+                </a:tc>
+                <a:extLst>
+                  <a:ext uri="{0D108BD9-81ED-4DB2-BD59-A6C34878D82A}">
+                    <a16:rowId xmlns:a16="http://schemas.microsoft.com/office/drawing/2014/main" val="3045800876"/>
+                  </a:ext>
+                </a:extLst>
+              </a:tr>
+              <a:tr h="328246">
+                <a:tc>
+                  <a:txBody>
+                    <a:bodyPr/>
+                    <a:lstStyle/>
+                    <a:p>
+                      <a:r>
+                        <a:rPr lang="en-US" sz="1200" dirty="0"/>
+                        <a:t>Line 3</a:t>
+                      </a:r>
+                    </a:p>
+                  </a:txBody>
+                  <a:tcPr/>
+                </a:tc>
+                <a:extLst>
+                  <a:ext uri="{0D108BD9-81ED-4DB2-BD59-A6C34878D82A}">
+                    <a16:rowId xmlns:a16="http://schemas.microsoft.com/office/drawing/2014/main" val="2201208643"/>
+                  </a:ext>
+                </a:extLst>
+              </a:tr>
+              <a:tr h="328246">
+                <a:tc>
+                  <a:txBody>
+                    <a:bodyPr/>
+                    <a:lstStyle/>
+                    <a:p>
+                      <a:r>
+                        <a:rPr lang="en-US" sz="1200" dirty="0"/>
+                        <a:t>Line 4</a:t>
+                      </a:r>
+                    </a:p>
+                  </a:txBody>
+                  <a:tcPr/>
+                </a:tc>
+                <a:extLst>
+                  <a:ext uri="{0D108BD9-81ED-4DB2-BD59-A6C34878D82A}">
+                    <a16:rowId xmlns:a16="http://schemas.microsoft.com/office/drawing/2014/main" val="1258763262"/>
+                  </a:ext>
+                </a:extLst>
+              </a:tr>
+              <a:tr h="328246">
+                <a:tc>
+                  <a:txBody>
+                    <a:bodyPr/>
+                    <a:lstStyle/>
+                    <a:p>
+                      <a:r>
+                        <a:rPr lang="en-US" sz="1200" dirty="0"/>
+                        <a:t>Line 5</a:t>
+                      </a:r>
+                    </a:p>
+                  </a:txBody>
+                  <a:tcPr/>
+                </a:tc>
+                <a:extLst>
+                  <a:ext uri="{0D108BD9-81ED-4DB2-BD59-A6C34878D82A}">
+                    <a16:rowId xmlns:a16="http://schemas.microsoft.com/office/drawing/2014/main" val="4189346211"/>
+                  </a:ext>
+                </a:extLst>
+              </a:tr>
+              <a:tr h="328246">
+                <a:tc>
+                  <a:txBody>
+                    <a:bodyPr/>
+                    <a:lstStyle/>
+                    <a:p>
+                      <a:r>
+                        <a:rPr lang="en-US" sz="1200" dirty="0"/>
+                        <a:t>Line 6</a:t>
+                      </a:r>
+                    </a:p>
+                  </a:txBody>
+                  <a:tcPr/>
+                </a:tc>
+                <a:extLst>
+                  <a:ext uri="{0D108BD9-81ED-4DB2-BD59-A6C34878D82A}">
+                    <a16:rowId xmlns:a16="http://schemas.microsoft.com/office/drawing/2014/main" val="4067299778"/>
+                  </a:ext>
+                </a:extLst>
+              </a:tr>
+              <a:tr h="328246">
+                <a:tc>
+                  <a:txBody>
+                    <a:bodyPr/>
+                    <a:lstStyle/>
+                    <a:p>
+                      <a:r>
+                        <a:rPr lang="en-US" sz="1200" dirty="0"/>
+                        <a:t>Line 7</a:t>
+                      </a:r>
+                    </a:p>
+                  </a:txBody>
+                  <a:tcPr/>
+                </a:tc>
+                <a:extLst>
+                  <a:ext uri="{0D108BD9-81ED-4DB2-BD59-A6C34878D82A}">
+                    <a16:rowId xmlns:a16="http://schemas.microsoft.com/office/drawing/2014/main" val="978565573"/>
+                  </a:ext>
+                </a:extLst>
+              </a:tr>
+              <a:tr h="328246">
+                <a:tc>
+                  <a:txBody>
+                    <a:bodyPr/>
+                    <a:lstStyle/>
+                    <a:p>
+                      <a:r>
+                        <a:rPr lang="en-US" sz="1200" dirty="0"/>
+                        <a:t>Line 8</a:t>
+                      </a:r>
+                    </a:p>
+                  </a:txBody>
+                  <a:tcPr/>
+                </a:tc>
+                <a:extLst>
+                  <a:ext uri="{0D108BD9-81ED-4DB2-BD59-A6C34878D82A}">
+                    <a16:rowId xmlns:a16="http://schemas.microsoft.com/office/drawing/2014/main" val="1169203172"/>
+                  </a:ext>
+                </a:extLst>
+              </a:tr>
+            </a:tbl>
+          </a:graphicData>
+        </a:graphic>
+      </p:graphicFrame>
     </p:spTree>
     <p:extLst>
       <p:ext uri="{BB962C8B-B14F-4D97-AF65-F5344CB8AC3E}">
@@ -11170,15 +11342,7 @@
             </a:pPr>
             <a:r>
               <a:rPr lang="en-US" dirty="0"/>
-              <a:t>Add these </a:t>
-            </a:r>
-            <a:r>
-              <a:rPr lang="en-US" dirty="0" err="1"/>
-              <a:t>rulea</a:t>
-            </a:r>
-            <a:r>
-              <a:rPr lang="en-US" dirty="0"/>
-              <a:t> to your mental model:</a:t>
+              <a:t>Add these rules to your mental model:</a:t>
             </a:r>
           </a:p>
           <a:p>
